--- a/00-Intro/L00-Intro.pptx
+++ b/00-Intro/L00-Intro.pptx
@@ -4,6 +4,9 @@
   <p:sldMasterIdLst>
     <p:sldMasterId id="2147483660" r:id="rId1"/>
   </p:sldMasterIdLst>
+  <p:notesMasterIdLst>
+    <p:notesMasterId r:id="rId12"/>
+  </p:notesMasterIdLst>
   <p:sldIdLst>
     <p:sldId id="262" r:id="rId2"/>
     <p:sldId id="261" r:id="rId3"/>
@@ -11,7 +14,10 @@
     <p:sldId id="265" r:id="rId5"/>
     <p:sldId id="267" r:id="rId6"/>
     <p:sldId id="263" r:id="rId7"/>
-    <p:sldId id="266" r:id="rId8"/>
+    <p:sldId id="268" r:id="rId8"/>
+    <p:sldId id="269" r:id="rId9"/>
+    <p:sldId id="266" r:id="rId10"/>
+    <p:sldId id="270" r:id="rId11"/>
   </p:sldIdLst>
   <p:sldSz cx="12192000" cy="6858000"/>
   <p:notesSz cx="6858000" cy="9144000"/>
@@ -129,6 +135,442 @@
 </p:presentation>
 </file>
 
+<file path=ppt/notesMasters/notesMaster1.xml><?xml version="1.0" encoding="utf-8"?>
+<p:notesMaster xmlns:a="http://schemas.openxmlformats.org/drawingml/2006/main" xmlns:r="http://schemas.openxmlformats.org/officeDocument/2006/relationships" xmlns:p="http://schemas.openxmlformats.org/presentationml/2006/main">
+  <p:cSld>
+    <p:bg>
+      <p:bgRef idx="1001">
+        <a:schemeClr val="bg1"/>
+      </p:bgRef>
+    </p:bg>
+    <p:spTree>
+      <p:nvGrpSpPr>
+        <p:cNvPr id="1" name=""/>
+        <p:cNvGrpSpPr/>
+        <p:nvPr/>
+      </p:nvGrpSpPr>
+      <p:grpSpPr>
+        <a:xfrm>
+          <a:off x="0" y="0"/>
+          <a:ext cx="0" cy="0"/>
+          <a:chOff x="0" y="0"/>
+          <a:chExt cx="0" cy="0"/>
+        </a:xfrm>
+      </p:grpSpPr>
+      <p:sp>
+        <p:nvSpPr>
+          <p:cNvPr id="2" name="Header Placeholder 1"/>
+          <p:cNvSpPr>
+            <a:spLocks noGrp="1"/>
+          </p:cNvSpPr>
+          <p:nvPr>
+            <p:ph type="hdr" sz="quarter"/>
+          </p:nvPr>
+        </p:nvSpPr>
+        <p:spPr>
+          <a:xfrm>
+            <a:off x="0" y="0"/>
+            <a:ext cx="2971800" cy="458788"/>
+          </a:xfrm>
+          <a:prstGeom prst="rect">
+            <a:avLst/>
+          </a:prstGeom>
+        </p:spPr>
+        <p:txBody>
+          <a:bodyPr vert="horz" lIns="91440" tIns="45720" rIns="91440" bIns="45720" rtlCol="0"/>
+          <a:lstStyle>
+            <a:lvl1pPr algn="l">
+              <a:defRPr sz="1200"/>
+            </a:lvl1pPr>
+          </a:lstStyle>
+          <a:p>
+            <a:endParaRPr lang="en-US"/>
+          </a:p>
+        </p:txBody>
+      </p:sp>
+      <p:sp>
+        <p:nvSpPr>
+          <p:cNvPr id="3" name="Date Placeholder 2"/>
+          <p:cNvSpPr>
+            <a:spLocks noGrp="1"/>
+          </p:cNvSpPr>
+          <p:nvPr>
+            <p:ph type="dt" idx="1"/>
+          </p:nvPr>
+        </p:nvSpPr>
+        <p:spPr>
+          <a:xfrm>
+            <a:off x="3884613" y="0"/>
+            <a:ext cx="2971800" cy="458788"/>
+          </a:xfrm>
+          <a:prstGeom prst="rect">
+            <a:avLst/>
+          </a:prstGeom>
+        </p:spPr>
+        <p:txBody>
+          <a:bodyPr vert="horz" lIns="91440" tIns="45720" rIns="91440" bIns="45720" rtlCol="0"/>
+          <a:lstStyle>
+            <a:lvl1pPr algn="r">
+              <a:defRPr sz="1200"/>
+            </a:lvl1pPr>
+          </a:lstStyle>
+          <a:p>
+            <a:fld id="{5FBB3532-E6E7-47FF-97C8-85EE7A0CBD49}" type="datetimeFigureOut">
+              <a:rPr lang="en-US" smtClean="0"/>
+              <a:t>2023-04-17</a:t>
+            </a:fld>
+            <a:endParaRPr lang="en-US"/>
+          </a:p>
+        </p:txBody>
+      </p:sp>
+      <p:sp>
+        <p:nvSpPr>
+          <p:cNvPr id="4" name="Slide Image Placeholder 3"/>
+          <p:cNvSpPr>
+            <a:spLocks noGrp="1" noRot="1" noChangeAspect="1"/>
+          </p:cNvSpPr>
+          <p:nvPr>
+            <p:ph type="sldImg" idx="2"/>
+          </p:nvPr>
+        </p:nvSpPr>
+        <p:spPr>
+          <a:xfrm>
+            <a:off x="685800" y="1143000"/>
+            <a:ext cx="5486400" cy="3086100"/>
+          </a:xfrm>
+          <a:prstGeom prst="rect">
+            <a:avLst/>
+          </a:prstGeom>
+          <a:noFill/>
+          <a:ln w="12700">
+            <a:solidFill>
+              <a:prstClr val="black"/>
+            </a:solidFill>
+          </a:ln>
+        </p:spPr>
+        <p:txBody>
+          <a:bodyPr vert="horz" lIns="91440" tIns="45720" rIns="91440" bIns="45720" rtlCol="0" anchor="ctr"/>
+          <a:lstStyle/>
+          <a:p>
+            <a:endParaRPr lang="en-US"/>
+          </a:p>
+        </p:txBody>
+      </p:sp>
+      <p:sp>
+        <p:nvSpPr>
+          <p:cNvPr id="5" name="Notes Placeholder 4"/>
+          <p:cNvSpPr>
+            <a:spLocks noGrp="1"/>
+          </p:cNvSpPr>
+          <p:nvPr>
+            <p:ph type="body" sz="quarter" idx="3"/>
+          </p:nvPr>
+        </p:nvSpPr>
+        <p:spPr>
+          <a:xfrm>
+            <a:off x="685800" y="4400550"/>
+            <a:ext cx="5486400" cy="3600450"/>
+          </a:xfrm>
+          <a:prstGeom prst="rect">
+            <a:avLst/>
+          </a:prstGeom>
+        </p:spPr>
+        <p:txBody>
+          <a:bodyPr vert="horz" lIns="91440" tIns="45720" rIns="91440" bIns="45720" rtlCol="0"/>
+          <a:lstStyle/>
+          <a:p>
+            <a:pPr lvl="0"/>
+            <a:r>
+              <a:rPr lang="en-US"/>
+              <a:t>Click to edit Master text styles</a:t>
+            </a:r>
+          </a:p>
+          <a:p>
+            <a:pPr lvl="1"/>
+            <a:r>
+              <a:rPr lang="en-US"/>
+              <a:t>Second level</a:t>
+            </a:r>
+          </a:p>
+          <a:p>
+            <a:pPr lvl="2"/>
+            <a:r>
+              <a:rPr lang="en-US"/>
+              <a:t>Third level</a:t>
+            </a:r>
+          </a:p>
+          <a:p>
+            <a:pPr lvl="3"/>
+            <a:r>
+              <a:rPr lang="en-US"/>
+              <a:t>Fourth level</a:t>
+            </a:r>
+          </a:p>
+          <a:p>
+            <a:pPr lvl="4"/>
+            <a:r>
+              <a:rPr lang="en-US"/>
+              <a:t>Fifth level</a:t>
+            </a:r>
+          </a:p>
+        </p:txBody>
+      </p:sp>
+      <p:sp>
+        <p:nvSpPr>
+          <p:cNvPr id="6" name="Footer Placeholder 5"/>
+          <p:cNvSpPr>
+            <a:spLocks noGrp="1"/>
+          </p:cNvSpPr>
+          <p:nvPr>
+            <p:ph type="ftr" sz="quarter" idx="4"/>
+          </p:nvPr>
+        </p:nvSpPr>
+        <p:spPr>
+          <a:xfrm>
+            <a:off x="0" y="8685213"/>
+            <a:ext cx="2971800" cy="458787"/>
+          </a:xfrm>
+          <a:prstGeom prst="rect">
+            <a:avLst/>
+          </a:prstGeom>
+        </p:spPr>
+        <p:txBody>
+          <a:bodyPr vert="horz" lIns="91440" tIns="45720" rIns="91440" bIns="45720" rtlCol="0" anchor="b"/>
+          <a:lstStyle>
+            <a:lvl1pPr algn="l">
+              <a:defRPr sz="1200"/>
+            </a:lvl1pPr>
+          </a:lstStyle>
+          <a:p>
+            <a:endParaRPr lang="en-US"/>
+          </a:p>
+        </p:txBody>
+      </p:sp>
+      <p:sp>
+        <p:nvSpPr>
+          <p:cNvPr id="7" name="Slide Number Placeholder 6"/>
+          <p:cNvSpPr>
+            <a:spLocks noGrp="1"/>
+          </p:cNvSpPr>
+          <p:nvPr>
+            <p:ph type="sldNum" sz="quarter" idx="5"/>
+          </p:nvPr>
+        </p:nvSpPr>
+        <p:spPr>
+          <a:xfrm>
+            <a:off x="3884613" y="8685213"/>
+            <a:ext cx="2971800" cy="458787"/>
+          </a:xfrm>
+          <a:prstGeom prst="rect">
+            <a:avLst/>
+          </a:prstGeom>
+        </p:spPr>
+        <p:txBody>
+          <a:bodyPr vert="horz" lIns="91440" tIns="45720" rIns="91440" bIns="45720" rtlCol="0" anchor="b"/>
+          <a:lstStyle>
+            <a:lvl1pPr algn="r">
+              <a:defRPr sz="1200"/>
+            </a:lvl1pPr>
+          </a:lstStyle>
+          <a:p>
+            <a:fld id="{A2547CEC-71EA-4A12-B46A-606C2FDEA11A}" type="slidenum">
+              <a:rPr lang="en-US" smtClean="0"/>
+              <a:t>‹#›</a:t>
+            </a:fld>
+            <a:endParaRPr lang="en-US"/>
+          </a:p>
+        </p:txBody>
+      </p:sp>
+    </p:spTree>
+    <p:extLst>
+      <p:ext uri="{BB962C8B-B14F-4D97-AF65-F5344CB8AC3E}">
+        <p14:creationId xmlns:p14="http://schemas.microsoft.com/office/powerpoint/2010/main" val="1688470715"/>
+      </p:ext>
+    </p:extLst>
+  </p:cSld>
+  <p:clrMap bg1="lt1" tx1="dk1" bg2="lt2" tx2="dk2" accent1="accent1" accent2="accent2" accent3="accent3" accent4="accent4" accent5="accent5" accent6="accent6" hlink="hlink" folHlink="folHlink"/>
+  <p:notesStyle>
+    <a:lvl1pPr marL="0" algn="l" defTabSz="914400" rtl="0" eaLnBrk="1" latinLnBrk="0" hangingPunct="1">
+      <a:defRPr sz="1200" kern="1200">
+        <a:solidFill>
+          <a:schemeClr val="tx1"/>
+        </a:solidFill>
+        <a:latin typeface="+mn-lt"/>
+        <a:ea typeface="+mn-ea"/>
+        <a:cs typeface="+mn-cs"/>
+      </a:defRPr>
+    </a:lvl1pPr>
+    <a:lvl2pPr marL="457200" algn="l" defTabSz="914400" rtl="0" eaLnBrk="1" latinLnBrk="0" hangingPunct="1">
+      <a:defRPr sz="1200" kern="1200">
+        <a:solidFill>
+          <a:schemeClr val="tx1"/>
+        </a:solidFill>
+        <a:latin typeface="+mn-lt"/>
+        <a:ea typeface="+mn-ea"/>
+        <a:cs typeface="+mn-cs"/>
+      </a:defRPr>
+    </a:lvl2pPr>
+    <a:lvl3pPr marL="914400" algn="l" defTabSz="914400" rtl="0" eaLnBrk="1" latinLnBrk="0" hangingPunct="1">
+      <a:defRPr sz="1200" kern="1200">
+        <a:solidFill>
+          <a:schemeClr val="tx1"/>
+        </a:solidFill>
+        <a:latin typeface="+mn-lt"/>
+        <a:ea typeface="+mn-ea"/>
+        <a:cs typeface="+mn-cs"/>
+      </a:defRPr>
+    </a:lvl3pPr>
+    <a:lvl4pPr marL="1371600" algn="l" defTabSz="914400" rtl="0" eaLnBrk="1" latinLnBrk="0" hangingPunct="1">
+      <a:defRPr sz="1200" kern="1200">
+        <a:solidFill>
+          <a:schemeClr val="tx1"/>
+        </a:solidFill>
+        <a:latin typeface="+mn-lt"/>
+        <a:ea typeface="+mn-ea"/>
+        <a:cs typeface="+mn-cs"/>
+      </a:defRPr>
+    </a:lvl4pPr>
+    <a:lvl5pPr marL="1828800" algn="l" defTabSz="914400" rtl="0" eaLnBrk="1" latinLnBrk="0" hangingPunct="1">
+      <a:defRPr sz="1200" kern="1200">
+        <a:solidFill>
+          <a:schemeClr val="tx1"/>
+        </a:solidFill>
+        <a:latin typeface="+mn-lt"/>
+        <a:ea typeface="+mn-ea"/>
+        <a:cs typeface="+mn-cs"/>
+      </a:defRPr>
+    </a:lvl5pPr>
+    <a:lvl6pPr marL="2286000" algn="l" defTabSz="914400" rtl="0" eaLnBrk="1" latinLnBrk="0" hangingPunct="1">
+      <a:defRPr sz="1200" kern="1200">
+        <a:solidFill>
+          <a:schemeClr val="tx1"/>
+        </a:solidFill>
+        <a:latin typeface="+mn-lt"/>
+        <a:ea typeface="+mn-ea"/>
+        <a:cs typeface="+mn-cs"/>
+      </a:defRPr>
+    </a:lvl6pPr>
+    <a:lvl7pPr marL="2743200" algn="l" defTabSz="914400" rtl="0" eaLnBrk="1" latinLnBrk="0" hangingPunct="1">
+      <a:defRPr sz="1200" kern="1200">
+        <a:solidFill>
+          <a:schemeClr val="tx1"/>
+        </a:solidFill>
+        <a:latin typeface="+mn-lt"/>
+        <a:ea typeface="+mn-ea"/>
+        <a:cs typeface="+mn-cs"/>
+      </a:defRPr>
+    </a:lvl7pPr>
+    <a:lvl8pPr marL="3200400" algn="l" defTabSz="914400" rtl="0" eaLnBrk="1" latinLnBrk="0" hangingPunct="1">
+      <a:defRPr sz="1200" kern="1200">
+        <a:solidFill>
+          <a:schemeClr val="tx1"/>
+        </a:solidFill>
+        <a:latin typeface="+mn-lt"/>
+        <a:ea typeface="+mn-ea"/>
+        <a:cs typeface="+mn-cs"/>
+      </a:defRPr>
+    </a:lvl8pPr>
+    <a:lvl9pPr marL="3657600" algn="l" defTabSz="914400" rtl="0" eaLnBrk="1" latinLnBrk="0" hangingPunct="1">
+      <a:defRPr sz="1200" kern="1200">
+        <a:solidFill>
+          <a:schemeClr val="tx1"/>
+        </a:solidFill>
+        <a:latin typeface="+mn-lt"/>
+        <a:ea typeface="+mn-ea"/>
+        <a:cs typeface="+mn-cs"/>
+      </a:defRPr>
+    </a:lvl9pPr>
+  </p:notesStyle>
+</p:notesMaster>
+</file>
+
+<file path=ppt/notesSlides/notesSlide1.xml><?xml version="1.0" encoding="utf-8"?>
+<p:notes xmlns:a="http://schemas.openxmlformats.org/drawingml/2006/main" xmlns:r="http://schemas.openxmlformats.org/officeDocument/2006/relationships" xmlns:p="http://schemas.openxmlformats.org/presentationml/2006/main">
+  <p:cSld>
+    <p:spTree>
+      <p:nvGrpSpPr>
+        <p:cNvPr id="1" name=""/>
+        <p:cNvGrpSpPr/>
+        <p:nvPr/>
+      </p:nvGrpSpPr>
+      <p:grpSpPr>
+        <a:xfrm>
+          <a:off x="0" y="0"/>
+          <a:ext cx="0" cy="0"/>
+          <a:chOff x="0" y="0"/>
+          <a:chExt cx="0" cy="0"/>
+        </a:xfrm>
+      </p:grpSpPr>
+      <p:sp>
+        <p:nvSpPr>
+          <p:cNvPr id="2" name="Slide Image Placeholder 1"/>
+          <p:cNvSpPr>
+            <a:spLocks noGrp="1" noRot="1" noChangeAspect="1"/>
+          </p:cNvSpPr>
+          <p:nvPr>
+            <p:ph type="sldImg"/>
+          </p:nvPr>
+        </p:nvSpPr>
+        <p:spPr/>
+      </p:sp>
+      <p:sp>
+        <p:nvSpPr>
+          <p:cNvPr id="3" name="Notes Placeholder 2"/>
+          <p:cNvSpPr>
+            <a:spLocks noGrp="1"/>
+          </p:cNvSpPr>
+          <p:nvPr>
+            <p:ph type="body" idx="1"/>
+          </p:nvPr>
+        </p:nvSpPr>
+        <p:spPr/>
+        <p:txBody>
+          <a:bodyPr/>
+          <a:lstStyle/>
+          <a:p>
+            <a:r>
+              <a:rPr lang="en-US" dirty="0"/>
+              <a:t>https://www.lirvin.net/WGuides/wprocess.htm</a:t>
+            </a:r>
+          </a:p>
+        </p:txBody>
+      </p:sp>
+      <p:sp>
+        <p:nvSpPr>
+          <p:cNvPr id="4" name="Slide Number Placeholder 3"/>
+          <p:cNvSpPr>
+            <a:spLocks noGrp="1"/>
+          </p:cNvSpPr>
+          <p:nvPr>
+            <p:ph type="sldNum" sz="quarter" idx="5"/>
+          </p:nvPr>
+        </p:nvSpPr>
+        <p:spPr/>
+        <p:txBody>
+          <a:bodyPr/>
+          <a:lstStyle/>
+          <a:p>
+            <a:fld id="{A2547CEC-71EA-4A12-B46A-606C2FDEA11A}" type="slidenum">
+              <a:rPr lang="en-US" smtClean="0"/>
+              <a:t>7</a:t>
+            </a:fld>
+            <a:endParaRPr lang="en-US"/>
+          </a:p>
+        </p:txBody>
+      </p:sp>
+    </p:spTree>
+    <p:extLst>
+      <p:ext uri="{BB962C8B-B14F-4D97-AF65-F5344CB8AC3E}">
+        <p14:creationId xmlns:p14="http://schemas.microsoft.com/office/powerpoint/2010/main" val="3967903824"/>
+      </p:ext>
+    </p:extLst>
+  </p:cSld>
+  <p:clrMapOvr>
+    <a:masterClrMapping/>
+  </p:clrMapOvr>
+</p:notes>
+</file>
+
 <file path=ppt/slideLayouts/slideLayout1.xml><?xml version="1.0" encoding="utf-8"?>
 <p:sldLayout xmlns:a="http://schemas.openxmlformats.org/drawingml/2006/main" xmlns:r="http://schemas.openxmlformats.org/officeDocument/2006/relationships" xmlns:p="http://schemas.openxmlformats.org/presentationml/2006/main" type="title" preserve="1">
   <p:cSld name="Title Slide">
@@ -285,7 +727,7 @@
           <a:p>
             <a:fld id="{098A0168-EB40-45AF-89A1-87DE0A55FFC6}" type="datetime1">
               <a:rPr lang="en-US" smtClean="0"/>
-              <a:t>2023-04-11</a:t>
+              <a:t>2023-04-17</a:t>
             </a:fld>
             <a:endParaRPr lang="en-US"/>
           </a:p>
@@ -536,7 +978,7 @@
           <a:p>
             <a:fld id="{8F8CA68F-747D-436A-B5BB-2EBC3ED499E4}" type="datetime1">
               <a:rPr lang="en-US" smtClean="0"/>
-              <a:t>2023-04-11</a:t>
+              <a:t>2023-04-17</a:t>
             </a:fld>
             <a:endParaRPr lang="en-US"/>
           </a:p>
@@ -746,7 +1188,7 @@
           <a:p>
             <a:fld id="{6DD8DC11-9E39-40A0-B3DC-E3F2AD04A616}" type="datetime1">
               <a:rPr lang="en-US" smtClean="0"/>
-              <a:t>2023-04-11</a:t>
+              <a:t>2023-04-17</a:t>
             </a:fld>
             <a:endParaRPr lang="en-US"/>
           </a:p>
@@ -956,7 +1398,7 @@
           <a:p>
             <a:fld id="{BE0A88F0-556B-4BB7-8AAB-D63AEB65C662}" type="datetime1">
               <a:rPr lang="en-US" smtClean="0"/>
-              <a:t>2023-04-11</a:t>
+              <a:t>2023-04-17</a:t>
             </a:fld>
             <a:endParaRPr lang="en-US"/>
           </a:p>
@@ -1273,7 +1715,7 @@
           <a:p>
             <a:fld id="{60E05506-6815-4E0E-B1DE-ECA35C2016DF}" type="datetime1">
               <a:rPr lang="en-US" smtClean="0"/>
-              <a:t>2023-04-11</a:t>
+              <a:t>2023-04-17</a:t>
             </a:fld>
             <a:endParaRPr lang="en-US"/>
           </a:p>
@@ -1546,7 +1988,7 @@
           <a:p>
             <a:fld id="{FC6E85F7-A724-48A4-9D33-CEBC5174E865}" type="datetime1">
               <a:rPr lang="en-US" smtClean="0"/>
-              <a:t>2023-04-11</a:t>
+              <a:t>2023-04-17</a:t>
             </a:fld>
             <a:endParaRPr lang="en-US"/>
           </a:p>
@@ -2057,7 +2499,7 @@
           <a:p>
             <a:fld id="{42806E7A-BDD3-46A3-BEE2-EB821F9236B4}" type="datetime1">
               <a:rPr lang="en-US" smtClean="0"/>
-              <a:t>2023-04-11</a:t>
+              <a:t>2023-04-17</a:t>
             </a:fld>
             <a:endParaRPr lang="en-US"/>
           </a:p>
@@ -2290,7 +2732,7 @@
           <a:p>
             <a:fld id="{9ED1540C-9440-4E7A-B71A-BEFEE06869E3}" type="datetime1">
               <a:rPr lang="en-US" smtClean="0"/>
-              <a:t>2023-04-11</a:t>
+              <a:t>2023-04-17</a:t>
             </a:fld>
             <a:endParaRPr lang="en-US"/>
           </a:p>
@@ -2403,7 +2845,7 @@
           <a:p>
             <a:fld id="{E0318DDB-88AC-4039-B59C-B05DC4C9C16C}" type="datetime1">
               <a:rPr lang="en-US" smtClean="0"/>
-              <a:t>2023-04-11</a:t>
+              <a:t>2023-04-17</a:t>
             </a:fld>
             <a:endParaRPr lang="en-US"/>
           </a:p>
@@ -2718,7 +3160,7 @@
           <a:p>
             <a:fld id="{E082ABFB-60E7-4BA1-866A-7059F058065B}" type="datetime1">
               <a:rPr lang="en-US" smtClean="0"/>
-              <a:t>2023-04-11</a:t>
+              <a:t>2023-04-17</a:t>
             </a:fld>
             <a:endParaRPr lang="en-US"/>
           </a:p>
@@ -3010,7 +3452,7 @@
           <a:p>
             <a:fld id="{2694112F-55F4-4776-A323-7418930321C8}" type="datetime1">
               <a:rPr lang="en-US" smtClean="0"/>
-              <a:t>2023-04-11</a:t>
+              <a:t>2023-04-17</a:t>
             </a:fld>
             <a:endParaRPr lang="en-US"/>
           </a:p>
@@ -3305,7 +3747,7 @@
           <a:p>
             <a:fld id="{CFBEA57F-793F-4683-BD8A-741FD4B89154}" type="datetime1">
               <a:rPr lang="en-US" smtClean="0"/>
-              <a:t>2023-04-11</a:t>
+              <a:t>2023-04-17</a:t>
             </a:fld>
             <a:endParaRPr lang="en-US" dirty="0"/>
           </a:p>
@@ -3933,7 +4375,7 @@
           <a:p>
             <a:fld id="{098A0168-EB40-45AF-89A1-87DE0A55FFC6}" type="datetime1">
               <a:rPr lang="en-US" smtClean="0"/>
-              <a:t>2023-04-11</a:t>
+              <a:t>2023-04-17</a:t>
             </a:fld>
             <a:endParaRPr lang="en-US" dirty="0"/>
           </a:p>
@@ -3997,6 +4439,185 @@
     <p:extLst>
       <p:ext uri="{BB962C8B-B14F-4D97-AF65-F5344CB8AC3E}">
         <p14:creationId xmlns:p14="http://schemas.microsoft.com/office/powerpoint/2010/main" val="3051599930"/>
+      </p:ext>
+    </p:extLst>
+  </p:cSld>
+  <p:clrMapOvr>
+    <a:masterClrMapping/>
+  </p:clrMapOvr>
+</p:sld>
+</file>
+
+<file path=ppt/slides/slide10.xml><?xml version="1.0" encoding="utf-8"?>
+<p:sld xmlns:a="http://schemas.openxmlformats.org/drawingml/2006/main" xmlns:r="http://schemas.openxmlformats.org/officeDocument/2006/relationships" xmlns:p="http://schemas.openxmlformats.org/presentationml/2006/main">
+  <p:cSld>
+    <p:spTree>
+      <p:nvGrpSpPr>
+        <p:cNvPr id="1" name=""/>
+        <p:cNvGrpSpPr/>
+        <p:nvPr/>
+      </p:nvGrpSpPr>
+      <p:grpSpPr>
+        <a:xfrm>
+          <a:off x="0" y="0"/>
+          <a:ext cx="0" cy="0"/>
+          <a:chOff x="0" y="0"/>
+          <a:chExt cx="0" cy="0"/>
+        </a:xfrm>
+      </p:grpSpPr>
+      <p:sp>
+        <p:nvSpPr>
+          <p:cNvPr id="2" name="Title 1">
+            <a:extLst>
+              <a:ext uri="{FF2B5EF4-FFF2-40B4-BE49-F238E27FC236}">
+                <a16:creationId xmlns:a16="http://schemas.microsoft.com/office/drawing/2014/main" id="{F3D27326-8460-E1D2-ED62-CCC39AFB98BB}"/>
+              </a:ext>
+            </a:extLst>
+          </p:cNvPr>
+          <p:cNvSpPr>
+            <a:spLocks noGrp="1"/>
+          </p:cNvSpPr>
+          <p:nvPr>
+            <p:ph type="title"/>
+          </p:nvPr>
+        </p:nvSpPr>
+        <p:spPr/>
+        <p:txBody>
+          <a:bodyPr/>
+          <a:lstStyle/>
+          <a:p>
+            <a:r>
+              <a:rPr lang="en-US" dirty="0"/>
+              <a:t>New Course Structure and Goals</a:t>
+            </a:r>
+          </a:p>
+        </p:txBody>
+      </p:sp>
+      <p:sp>
+        <p:nvSpPr>
+          <p:cNvPr id="3" name="Content Placeholder 2">
+            <a:extLst>
+              <a:ext uri="{FF2B5EF4-FFF2-40B4-BE49-F238E27FC236}">
+                <a16:creationId xmlns:a16="http://schemas.microsoft.com/office/drawing/2014/main" id="{DC289EAC-EB0B-8817-05D1-BEC8ED2570B7}"/>
+              </a:ext>
+            </a:extLst>
+          </p:cNvPr>
+          <p:cNvSpPr>
+            <a:spLocks noGrp="1"/>
+          </p:cNvSpPr>
+          <p:nvPr>
+            <p:ph idx="1"/>
+          </p:nvPr>
+        </p:nvSpPr>
+        <p:spPr/>
+        <p:txBody>
+          <a:bodyPr/>
+          <a:lstStyle/>
+          <a:p>
+            <a:r>
+              <a:rPr lang="en-US" dirty="0"/>
+              <a:t>Need your feedback throughout the process</a:t>
+            </a:r>
+          </a:p>
+          <a:p>
+            <a:r>
+              <a:rPr lang="en-US" dirty="0"/>
+              <a:t>Fist to five</a:t>
+            </a:r>
+            <a:r>
+              <a:rPr lang="en-US"/>
+              <a:t>, understanding</a:t>
+            </a:r>
+          </a:p>
+        </p:txBody>
+      </p:sp>
+      <p:sp>
+        <p:nvSpPr>
+          <p:cNvPr id="4" name="Date Placeholder 3">
+            <a:extLst>
+              <a:ext uri="{FF2B5EF4-FFF2-40B4-BE49-F238E27FC236}">
+                <a16:creationId xmlns:a16="http://schemas.microsoft.com/office/drawing/2014/main" id="{A020FE18-D571-F6D8-601B-A1127FE7E5DF}"/>
+              </a:ext>
+            </a:extLst>
+          </p:cNvPr>
+          <p:cNvSpPr>
+            <a:spLocks noGrp="1"/>
+          </p:cNvSpPr>
+          <p:nvPr>
+            <p:ph type="dt" sz="half" idx="10"/>
+          </p:nvPr>
+        </p:nvSpPr>
+        <p:spPr/>
+        <p:txBody>
+          <a:bodyPr/>
+          <a:lstStyle/>
+          <a:p>
+            <a:fld id="{BE0A88F0-556B-4BB7-8AAB-D63AEB65C662}" type="datetime1">
+              <a:rPr lang="en-US" smtClean="0"/>
+              <a:t>2023-04-17</a:t>
+            </a:fld>
+            <a:endParaRPr lang="en-US"/>
+          </a:p>
+        </p:txBody>
+      </p:sp>
+      <p:sp>
+        <p:nvSpPr>
+          <p:cNvPr id="5" name="Footer Placeholder 4">
+            <a:extLst>
+              <a:ext uri="{FF2B5EF4-FFF2-40B4-BE49-F238E27FC236}">
+                <a16:creationId xmlns:a16="http://schemas.microsoft.com/office/drawing/2014/main" id="{A7251DB1-E98E-5192-2CB1-D4D8C096B166}"/>
+              </a:ext>
+            </a:extLst>
+          </p:cNvPr>
+          <p:cNvSpPr>
+            <a:spLocks noGrp="1"/>
+          </p:cNvSpPr>
+          <p:nvPr>
+            <p:ph type="ftr" sz="quarter" idx="11"/>
+          </p:nvPr>
+        </p:nvSpPr>
+        <p:spPr/>
+        <p:txBody>
+          <a:bodyPr/>
+          <a:lstStyle/>
+          <a:p>
+            <a:endParaRPr lang="en-US"/>
+          </a:p>
+        </p:txBody>
+      </p:sp>
+      <p:sp>
+        <p:nvSpPr>
+          <p:cNvPr id="6" name="Slide Number Placeholder 5">
+            <a:extLst>
+              <a:ext uri="{FF2B5EF4-FFF2-40B4-BE49-F238E27FC236}">
+                <a16:creationId xmlns:a16="http://schemas.microsoft.com/office/drawing/2014/main" id="{D7A6630D-4D7A-796A-D243-F9D040930F1B}"/>
+              </a:ext>
+            </a:extLst>
+          </p:cNvPr>
+          <p:cNvSpPr>
+            <a:spLocks noGrp="1"/>
+          </p:cNvSpPr>
+          <p:nvPr>
+            <p:ph type="sldNum" sz="quarter" idx="12"/>
+          </p:nvPr>
+        </p:nvSpPr>
+        <p:spPr/>
+        <p:txBody>
+          <a:bodyPr/>
+          <a:lstStyle/>
+          <a:p>
+            <a:fld id="{81D2C36F-4504-47C0-B82F-A167342A2754}" type="slidenum">
+              <a:rPr lang="en-US" smtClean="0"/>
+              <a:t>10</a:t>
+            </a:fld>
+            <a:endParaRPr lang="en-US"/>
+          </a:p>
+        </p:txBody>
+      </p:sp>
+    </p:spTree>
+    <p:extLst>
+      <p:ext uri="{BB962C8B-B14F-4D97-AF65-F5344CB8AC3E}">
+        <p14:creationId xmlns:p14="http://schemas.microsoft.com/office/powerpoint/2010/main" val="17335037"/>
       </p:ext>
     </p:extLst>
   </p:cSld>
@@ -4716,7 +5337,7 @@
                   <a:spcPts val="600"/>
                 </a:spcAft>
               </a:pPr>
-              <a:t>2023-04-11</a:t>
+              <a:t>2023-04-17</a:t>
             </a:fld>
             <a:endParaRPr lang="en-US"/>
           </a:p>
@@ -5172,7 +5793,7 @@
           <a:p>
             <a:fld id="{FC6E85F7-A724-48A4-9D33-CEBC5174E865}" type="datetime1">
               <a:rPr lang="en-US" smtClean="0"/>
-              <a:t>2023-04-11</a:t>
+              <a:t>2023-04-17</a:t>
             </a:fld>
             <a:endParaRPr lang="en-US"/>
           </a:p>
@@ -5353,7 +5974,7 @@
           <a:p>
             <a:fld id="{FC6E85F7-A724-48A4-9D33-CEBC5174E865}" type="datetime1">
               <a:rPr lang="en-US" smtClean="0"/>
-              <a:t>2023-04-11</a:t>
+              <a:t>2023-04-17</a:t>
             </a:fld>
             <a:endParaRPr lang="en-US"/>
           </a:p>
@@ -6097,13 +6718,13 @@
           <a:p>
             <a:r>
               <a:rPr lang="en-US" dirty="0"/>
-              <a:t>Understanding of your own writing process</a:t>
+              <a:t>Understand your writing process</a:t>
             </a:r>
           </a:p>
           <a:p>
             <a:r>
               <a:rPr lang="en-US" dirty="0"/>
-              <a:t>Knowledge and tools to succeed in academic writing in graduate school</a:t>
+              <a:t>Knowledge and tools to succeed at academic writing in graduate school</a:t>
             </a:r>
           </a:p>
           <a:p>
@@ -6151,7 +6772,7 @@
                   <a:spcPts val="600"/>
                 </a:spcAft>
               </a:pPr>
-              <a:t>2023-04-11</a:t>
+              <a:t>2023-04-17</a:t>
             </a:fld>
             <a:endParaRPr lang="en-US"/>
           </a:p>
@@ -6566,7 +7187,7 @@
           <a:p>
             <a:r>
               <a:rPr lang="en-US" dirty="0"/>
-              <a:t>Write What?</a:t>
+              <a:t>Academic Paper</a:t>
             </a:r>
           </a:p>
         </p:txBody>
@@ -6653,7 +7274,7 @@
           <a:p>
             <a:fld id="{FC6E85F7-A724-48A4-9D33-CEBC5174E865}" type="datetime1">
               <a:rPr lang="en-US" smtClean="0"/>
-              <a:t>2023-04-11</a:t>
+              <a:t>2023-04-17</a:t>
             </a:fld>
             <a:endParaRPr lang="en-US"/>
           </a:p>
@@ -6748,7 +7369,7 @@
           <p:cNvPr id="2" name="Title 1">
             <a:extLst>
               <a:ext uri="{FF2B5EF4-FFF2-40B4-BE49-F238E27FC236}">
-                <a16:creationId xmlns:a16="http://schemas.microsoft.com/office/drawing/2014/main" id="{9196807D-3425-239C-C382-D5304E2F7199}"/>
+                <a16:creationId xmlns:a16="http://schemas.microsoft.com/office/drawing/2014/main" id="{947F6CB7-9879-F06C-2CAE-1C2491E3CB51}"/>
               </a:ext>
             </a:extLst>
           </p:cNvPr>
@@ -6766,60 +7387,7 @@
           <a:p>
             <a:r>
               <a:rPr lang="en-US" dirty="0"/>
-              <a:t>Schedule</a:t>
-            </a:r>
-          </a:p>
-        </p:txBody>
-      </p:sp>
-      <p:sp>
-        <p:nvSpPr>
-          <p:cNvPr id="3" name="Content Placeholder 2">
-            <a:extLst>
-              <a:ext uri="{FF2B5EF4-FFF2-40B4-BE49-F238E27FC236}">
-                <a16:creationId xmlns:a16="http://schemas.microsoft.com/office/drawing/2014/main" id="{CE42CBB8-E0AB-D6F2-CFE0-20EB2E517E12}"/>
-              </a:ext>
-            </a:extLst>
-          </p:cNvPr>
-          <p:cNvSpPr>
-            <a:spLocks noGrp="1"/>
-          </p:cNvSpPr>
-          <p:nvPr>
-            <p:ph idx="1"/>
-          </p:nvPr>
-        </p:nvSpPr>
-        <p:spPr>
-          <a:xfrm>
-            <a:off x="838199" y="2108596"/>
-            <a:ext cx="9527275" cy="1936502"/>
-          </a:xfrm>
-        </p:spPr>
-        <p:txBody>
-          <a:bodyPr/>
-          <a:lstStyle/>
-          <a:p>
-            <a:r>
-              <a:rPr lang="en-US" dirty="0"/>
-              <a:t>Class: Tuesday 2-4 PM MST</a:t>
-            </a:r>
-          </a:p>
-          <a:p>
-            <a:r>
-              <a:rPr lang="en-US" dirty="0"/>
-              <a:t>Online writing hours: M-F 1-3 PM MST</a:t>
-            </a:r>
-          </a:p>
-          <a:p>
-            <a:pPr lvl="1"/>
-            <a:r>
-              <a:rPr lang="en-US" dirty="0"/>
-              <a:t>Discord</a:t>
-            </a:r>
-          </a:p>
-          <a:p>
-            <a:pPr lvl="1"/>
-            <a:r>
-              <a:rPr lang="en-US" dirty="0"/>
-              <a:t>YouTube</a:t>
+              <a:t>Writing Process</a:t>
             </a:r>
           </a:p>
         </p:txBody>
@@ -6829,7 +7397,7 @@
           <p:cNvPr id="5" name="Date Placeholder 4">
             <a:extLst>
               <a:ext uri="{FF2B5EF4-FFF2-40B4-BE49-F238E27FC236}">
-                <a16:creationId xmlns:a16="http://schemas.microsoft.com/office/drawing/2014/main" id="{5DAD1E14-564F-0DAC-19B8-5EAB275E71AF}"/>
+                <a16:creationId xmlns:a16="http://schemas.microsoft.com/office/drawing/2014/main" id="{81B9BF66-6DCD-9379-850D-730BD2436A8C}"/>
               </a:ext>
             </a:extLst>
           </p:cNvPr>
@@ -6847,7 +7415,7 @@
           <a:p>
             <a:fld id="{FC6E85F7-A724-48A4-9D33-CEBC5174E865}" type="datetime1">
               <a:rPr lang="en-US" smtClean="0"/>
-              <a:t>2023-04-11</a:t>
+              <a:t>2023-04-17</a:t>
             </a:fld>
             <a:endParaRPr lang="en-US"/>
           </a:p>
@@ -6858,7 +7426,7 @@
           <p:cNvPr id="6" name="Footer Placeholder 5">
             <a:extLst>
               <a:ext uri="{FF2B5EF4-FFF2-40B4-BE49-F238E27FC236}">
-                <a16:creationId xmlns:a16="http://schemas.microsoft.com/office/drawing/2014/main" id="{4D489174-0254-0D01-E256-C7054FFA020E}"/>
+                <a16:creationId xmlns:a16="http://schemas.microsoft.com/office/drawing/2014/main" id="{9B1FEDA0-E757-1B7C-50B0-5831A6C9D3A3}"/>
               </a:ext>
             </a:extLst>
           </p:cNvPr>
@@ -6883,7 +7451,7 @@
           <p:cNvPr id="7" name="Slide Number Placeholder 6">
             <a:extLst>
               <a:ext uri="{FF2B5EF4-FFF2-40B4-BE49-F238E27FC236}">
-                <a16:creationId xmlns:a16="http://schemas.microsoft.com/office/drawing/2014/main" id="{DCC3C7CD-060C-EB6B-5FD0-B4CD31091566}"/>
+                <a16:creationId xmlns:a16="http://schemas.microsoft.com/office/drawing/2014/main" id="{ABCDABEF-F017-0EF2-183B-E36C771C7C7D}"/>
               </a:ext>
             </a:extLst>
           </p:cNvPr>
@@ -6907,6 +7475,1252 @@
           </a:p>
         </p:txBody>
       </p:sp>
+      <p:pic>
+        <p:nvPicPr>
+          <p:cNvPr id="1026" name="Picture 2" descr="The Writing BASE">
+            <a:extLst>
+              <a:ext uri="{FF2B5EF4-FFF2-40B4-BE49-F238E27FC236}">
+                <a16:creationId xmlns:a16="http://schemas.microsoft.com/office/drawing/2014/main" id="{2DBF3375-0D6C-FD88-D688-6B0CC17E04F7}"/>
+              </a:ext>
+            </a:extLst>
+          </p:cNvPr>
+          <p:cNvPicPr>
+            <a:picLocks noGrp="1" noChangeAspect="1" noChangeArrowheads="1"/>
+          </p:cNvPicPr>
+          <p:nvPr>
+            <p:ph sz="half" idx="4294967295"/>
+          </p:nvPr>
+        </p:nvPicPr>
+        <p:blipFill>
+          <a:blip r:embed="rId3">
+            <a:clrChange>
+              <a:clrFrom>
+                <a:srgbClr val="FFFFFF"/>
+              </a:clrFrom>
+              <a:clrTo>
+                <a:srgbClr val="FFFFFF">
+                  <a:alpha val="0"/>
+                </a:srgbClr>
+              </a:clrTo>
+            </a:clrChange>
+            <a:extLst>
+              <a:ext uri="{28A0092B-C50C-407E-A947-70E740481C1C}">
+                <a14:useLocalDpi xmlns:a14="http://schemas.microsoft.com/office/drawing/2010/main" val="0"/>
+              </a:ext>
+            </a:extLst>
+          </a:blip>
+          <a:srcRect/>
+          <a:stretch>
+            <a:fillRect/>
+          </a:stretch>
+        </p:blipFill>
+        <p:spPr bwMode="auto">
+          <a:xfrm>
+            <a:off x="581479" y="2120030"/>
+            <a:ext cx="3676650" cy="2447925"/>
+          </a:xfrm>
+          <a:prstGeom prst="rect">
+            <a:avLst/>
+          </a:prstGeom>
+          <a:noFill/>
+          <a:extLst>
+            <a:ext uri="{909E8E84-426E-40DD-AFC4-6F175D3DCCD1}">
+              <a14:hiddenFill xmlns:a14="http://schemas.microsoft.com/office/drawing/2010/main">
+                <a:solidFill>
+                  <a:srgbClr val="FFFFFF"/>
+                </a:solidFill>
+              </a14:hiddenFill>
+            </a:ext>
+          </a:extLst>
+        </p:spPr>
+      </p:pic>
+      <p:pic>
+        <p:nvPicPr>
+          <p:cNvPr id="11" name="Content Placeholder 10">
+            <a:extLst>
+              <a:ext uri="{FF2B5EF4-FFF2-40B4-BE49-F238E27FC236}">
+                <a16:creationId xmlns:a16="http://schemas.microsoft.com/office/drawing/2014/main" id="{48250BB3-384E-D5DD-9F25-175358E03F45}"/>
+              </a:ext>
+            </a:extLst>
+          </p:cNvPr>
+          <p:cNvPicPr>
+            <a:picLocks noGrp="1" noChangeAspect="1"/>
+          </p:cNvPicPr>
+          <p:nvPr>
+            <p:ph sz="half" idx="4294967295"/>
+          </p:nvPr>
+        </p:nvPicPr>
+        <p:blipFill>
+          <a:blip r:embed="rId4">
+            <a:clrChange>
+              <a:clrFrom>
+                <a:srgbClr val="FFFFFF"/>
+              </a:clrFrom>
+              <a:clrTo>
+                <a:srgbClr val="FFFFFF">
+                  <a:alpha val="0"/>
+                </a:srgbClr>
+              </a:clrTo>
+            </a:clrChange>
+          </a:blip>
+          <a:stretch>
+            <a:fillRect/>
+          </a:stretch>
+        </p:blipFill>
+        <p:spPr>
+          <a:xfrm>
+            <a:off x="5206788" y="2600405"/>
+            <a:ext cx="5618162" cy="3449637"/>
+          </a:xfrm>
+        </p:spPr>
+      </p:pic>
+    </p:spTree>
+    <p:extLst>
+      <p:ext uri="{BB962C8B-B14F-4D97-AF65-F5344CB8AC3E}">
+        <p14:creationId xmlns:p14="http://schemas.microsoft.com/office/powerpoint/2010/main" val="1812221869"/>
+      </p:ext>
+    </p:extLst>
+  </p:cSld>
+  <p:clrMapOvr>
+    <a:masterClrMapping/>
+  </p:clrMapOvr>
+</p:sld>
+</file>
+
+<file path=ppt/slides/slide8.xml><?xml version="1.0" encoding="utf-8"?>
+<p:sld xmlns:a="http://schemas.openxmlformats.org/drawingml/2006/main" xmlns:r="http://schemas.openxmlformats.org/officeDocument/2006/relationships" xmlns:p="http://schemas.openxmlformats.org/presentationml/2006/main">
+  <p:cSld>
+    <p:bg>
+      <p:bgPr>
+        <a:solidFill>
+          <a:schemeClr val="bg1"/>
+        </a:solidFill>
+        <a:effectLst/>
+      </p:bgPr>
+    </p:bg>
+    <p:spTree>
+      <p:nvGrpSpPr>
+        <p:cNvPr id="1" name=""/>
+        <p:cNvGrpSpPr/>
+        <p:nvPr/>
+      </p:nvGrpSpPr>
+      <p:grpSpPr>
+        <a:xfrm>
+          <a:off x="0" y="0"/>
+          <a:ext cx="0" cy="0"/>
+          <a:chOff x="0" y="0"/>
+          <a:chExt cx="0" cy="0"/>
+        </a:xfrm>
+      </p:grpSpPr>
+      <p:sp>
+        <p:nvSpPr>
+          <p:cNvPr id="2055" name="Rectangle 2054">
+            <a:extLst>
+              <a:ext uri="{FF2B5EF4-FFF2-40B4-BE49-F238E27FC236}">
+                <a16:creationId xmlns:a16="http://schemas.microsoft.com/office/drawing/2014/main" id="{8FBA68A5-A7C7-4D91-AB95-6E0B6FFD8743}"/>
+              </a:ext>
+              <a:ext uri="{C183D7F6-B498-43B3-948B-1728B52AA6E4}">
+                <adec:decorative xmlns:adec="http://schemas.microsoft.com/office/drawing/2017/decorative" val="1"/>
+              </a:ext>
+            </a:extLst>
+          </p:cNvPr>
+          <p:cNvSpPr>
+            <a:spLocks noGrp="1" noRot="1" noChangeAspect="1" noMove="1" noResize="1" noEditPoints="1" noAdjustHandles="1" noChangeArrowheads="1" noChangeShapeType="1" noTextEdit="1"/>
+          </p:cNvSpPr>
+          <p:nvPr>
+            <p:extLst>
+              <p:ext uri="{386F3935-93C4-4BCD-93E2-E3B085C9AB24}">
+                <p16:designElem xmlns:p16="http://schemas.microsoft.com/office/powerpoint/2015/main" val="1"/>
+              </p:ext>
+            </p:extLst>
+          </p:nvPr>
+        </p:nvSpPr>
+        <p:spPr>
+          <a:xfrm>
+            <a:off x="0" y="0"/>
+            <a:ext cx="12192000" cy="6858000"/>
+          </a:xfrm>
+          <a:prstGeom prst="rect">
+            <a:avLst/>
+          </a:prstGeom>
+          <a:solidFill>
+            <a:schemeClr val="accent1">
+              <a:alpha val="5000"/>
+            </a:schemeClr>
+          </a:solidFill>
+          <a:ln>
+            <a:noFill/>
+          </a:ln>
+        </p:spPr>
+        <p:style>
+          <a:lnRef idx="2">
+            <a:schemeClr val="accent1">
+              <a:shade val="50000"/>
+            </a:schemeClr>
+          </a:lnRef>
+          <a:fillRef idx="1">
+            <a:schemeClr val="accent1"/>
+          </a:fillRef>
+          <a:effectRef idx="0">
+            <a:schemeClr val="accent1"/>
+          </a:effectRef>
+          <a:fontRef idx="minor">
+            <a:schemeClr val="lt1"/>
+          </a:fontRef>
+        </p:style>
+        <p:txBody>
+          <a:bodyPr rtlCol="0" anchor="ctr"/>
+          <a:lstStyle/>
+          <a:p>
+            <a:pPr algn="ctr"/>
+            <a:endParaRPr lang="en-US"/>
+          </a:p>
+        </p:txBody>
+      </p:sp>
+      <p:sp>
+        <p:nvSpPr>
+          <p:cNvPr id="2057" name="Rectangle 2056">
+            <a:extLst>
+              <a:ext uri="{FF2B5EF4-FFF2-40B4-BE49-F238E27FC236}">
+                <a16:creationId xmlns:a16="http://schemas.microsoft.com/office/drawing/2014/main" id="{DA4051E3-92B2-42FC-BB3D-372E4A614439}"/>
+              </a:ext>
+              <a:ext uri="{C183D7F6-B498-43B3-948B-1728B52AA6E4}">
+                <adec:decorative xmlns:adec="http://schemas.microsoft.com/office/drawing/2017/decorative" val="1"/>
+              </a:ext>
+            </a:extLst>
+          </p:cNvPr>
+          <p:cNvSpPr>
+            <a:spLocks noGrp="1" noRot="1" noChangeAspect="1" noMove="1" noResize="1" noEditPoints="1" noAdjustHandles="1" noChangeArrowheads="1" noChangeShapeType="1" noTextEdit="1"/>
+          </p:cNvSpPr>
+          <p:nvPr>
+            <p:extLst>
+              <p:ext uri="{386F3935-93C4-4BCD-93E2-E3B085C9AB24}">
+                <p16:designElem xmlns:p16="http://schemas.microsoft.com/office/powerpoint/2015/main" val="1"/>
+              </p:ext>
+            </p:extLst>
+          </p:nvPr>
+        </p:nvSpPr>
+        <p:spPr>
+          <a:xfrm>
+            <a:off x="367744" y="334928"/>
+            <a:ext cx="11456511" cy="6188146"/>
+          </a:xfrm>
+          <a:prstGeom prst="rect">
+            <a:avLst/>
+          </a:prstGeom>
+          <a:noFill/>
+          <a:ln>
+            <a:solidFill>
+              <a:schemeClr val="accent1"/>
+            </a:solidFill>
+          </a:ln>
+        </p:spPr>
+        <p:style>
+          <a:lnRef idx="2">
+            <a:schemeClr val="accent1">
+              <a:shade val="50000"/>
+            </a:schemeClr>
+          </a:lnRef>
+          <a:fillRef idx="1">
+            <a:schemeClr val="accent1"/>
+          </a:fillRef>
+          <a:effectRef idx="0">
+            <a:schemeClr val="accent1"/>
+          </a:effectRef>
+          <a:fontRef idx="minor">
+            <a:schemeClr val="lt1"/>
+          </a:fontRef>
+        </p:style>
+        <p:txBody>
+          <a:bodyPr rtlCol="0" anchor="ctr"/>
+          <a:lstStyle/>
+          <a:p>
+            <a:pPr algn="ctr"/>
+            <a:endParaRPr lang="en-US"/>
+          </a:p>
+        </p:txBody>
+      </p:sp>
+      <p:cxnSp>
+        <p:nvCxnSpPr>
+          <p:cNvPr id="2059" name="Straight Connector 2058">
+            <a:extLst>
+              <a:ext uri="{FF2B5EF4-FFF2-40B4-BE49-F238E27FC236}">
+                <a16:creationId xmlns:a16="http://schemas.microsoft.com/office/drawing/2014/main" id="{3C425084-C97A-4C25-AE47-DDECF2DD3ABC}"/>
+              </a:ext>
+              <a:ext uri="{C183D7F6-B498-43B3-948B-1728B52AA6E4}">
+                <adec:decorative xmlns:adec="http://schemas.microsoft.com/office/drawing/2017/decorative" val="1"/>
+              </a:ext>
+            </a:extLst>
+          </p:cNvPr>
+          <p:cNvCxnSpPr>
+            <a:cxnSpLocks noGrp="1" noRot="1" noChangeAspect="1" noMove="1" noResize="1" noEditPoints="1" noAdjustHandles="1" noChangeArrowheads="1" noChangeShapeType="1"/>
+          </p:cNvCxnSpPr>
+          <p:nvPr>
+            <p:extLst>
+              <p:ext uri="{386F3935-93C4-4BCD-93E2-E3B085C9AB24}">
+                <p16:designElem xmlns:p16="http://schemas.microsoft.com/office/powerpoint/2015/main" val="1"/>
+              </p:ext>
+            </p:extLst>
+          </p:nvPr>
+        </p:nvCxnSpPr>
+        <p:spPr>
+          <a:xfrm>
+            <a:off x="10748698" y="334928"/>
+            <a:ext cx="0" cy="6188146"/>
+          </a:xfrm>
+          <a:prstGeom prst="line">
+            <a:avLst/>
+          </a:prstGeom>
+          <a:ln w="12700">
+            <a:solidFill>
+              <a:schemeClr val="accent1"/>
+            </a:solidFill>
+          </a:ln>
+        </p:spPr>
+        <p:style>
+          <a:lnRef idx="1">
+            <a:schemeClr val="accent1"/>
+          </a:lnRef>
+          <a:fillRef idx="0">
+            <a:schemeClr val="accent1"/>
+          </a:fillRef>
+          <a:effectRef idx="0">
+            <a:schemeClr val="accent1"/>
+          </a:effectRef>
+          <a:fontRef idx="minor">
+            <a:schemeClr val="tx1"/>
+          </a:fontRef>
+        </p:style>
+      </p:cxnSp>
+      <p:cxnSp>
+        <p:nvCxnSpPr>
+          <p:cNvPr id="2061" name="Straight Connector 2060">
+            <a:extLst>
+              <a:ext uri="{FF2B5EF4-FFF2-40B4-BE49-F238E27FC236}">
+                <a16:creationId xmlns:a16="http://schemas.microsoft.com/office/drawing/2014/main" id="{96A478A1-0B34-4F2B-88FA-CF47551E5DF9}"/>
+              </a:ext>
+              <a:ext uri="{C183D7F6-B498-43B3-948B-1728B52AA6E4}">
+                <adec:decorative xmlns:adec="http://schemas.microsoft.com/office/drawing/2017/decorative" val="1"/>
+              </a:ext>
+            </a:extLst>
+          </p:cNvPr>
+          <p:cNvCxnSpPr>
+            <a:cxnSpLocks noGrp="1" noRot="1" noChangeAspect="1" noMove="1" noResize="1" noEditPoints="1" noAdjustHandles="1" noChangeArrowheads="1" noChangeShapeType="1"/>
+          </p:cNvCxnSpPr>
+          <p:nvPr>
+            <p:extLst>
+              <p:ext uri="{386F3935-93C4-4BCD-93E2-E3B085C9AB24}">
+                <p16:designElem xmlns:p16="http://schemas.microsoft.com/office/powerpoint/2015/main" val="1"/>
+              </p:ext>
+            </p:extLst>
+          </p:nvPr>
+        </p:nvCxnSpPr>
+        <p:spPr>
+          <a:xfrm>
+            <a:off x="373060" y="6047437"/>
+            <a:ext cx="10375638" cy="0"/>
+          </a:xfrm>
+          <a:prstGeom prst="line">
+            <a:avLst/>
+          </a:prstGeom>
+          <a:ln w="12700">
+            <a:solidFill>
+              <a:schemeClr val="accent1"/>
+            </a:solidFill>
+          </a:ln>
+        </p:spPr>
+        <p:style>
+          <a:lnRef idx="1">
+            <a:schemeClr val="accent1"/>
+          </a:lnRef>
+          <a:fillRef idx="0">
+            <a:schemeClr val="accent1"/>
+          </a:fillRef>
+          <a:effectRef idx="0">
+            <a:schemeClr val="accent1"/>
+          </a:effectRef>
+          <a:fontRef idx="minor">
+            <a:schemeClr val="tx1"/>
+          </a:fontRef>
+        </p:style>
+      </p:cxnSp>
+      <p:cxnSp>
+        <p:nvCxnSpPr>
+          <p:cNvPr id="2063" name="Straight Connector 2062">
+            <a:extLst>
+              <a:ext uri="{FF2B5EF4-FFF2-40B4-BE49-F238E27FC236}">
+                <a16:creationId xmlns:a16="http://schemas.microsoft.com/office/drawing/2014/main" id="{0A09E39A-DA3F-4BDC-A89A-6545C1DD3721}"/>
+              </a:ext>
+              <a:ext uri="{C183D7F6-B498-43B3-948B-1728B52AA6E4}">
+                <adec:decorative xmlns:adec="http://schemas.microsoft.com/office/drawing/2017/decorative" val="1"/>
+              </a:ext>
+            </a:extLst>
+          </p:cNvPr>
+          <p:cNvCxnSpPr>
+            <a:cxnSpLocks noGrp="1" noRot="1" noChangeAspect="1" noMove="1" noResize="1" noEditPoints="1" noAdjustHandles="1" noChangeArrowheads="1" noChangeShapeType="1"/>
+          </p:cNvCxnSpPr>
+          <p:nvPr>
+            <p:extLst>
+              <p:ext uri="{386F3935-93C4-4BCD-93E2-E3B085C9AB24}">
+                <p16:designElem xmlns:p16="http://schemas.microsoft.com/office/powerpoint/2015/main" val="1"/>
+              </p:ext>
+            </p:extLst>
+          </p:nvPr>
+        </p:nvCxnSpPr>
+        <p:spPr>
+          <a:xfrm>
+            <a:off x="360154" y="4602664"/>
+            <a:ext cx="10375638" cy="0"/>
+          </a:xfrm>
+          <a:prstGeom prst="line">
+            <a:avLst/>
+          </a:prstGeom>
+          <a:ln w="12700">
+            <a:solidFill>
+              <a:schemeClr val="accent1"/>
+            </a:solidFill>
+          </a:ln>
+        </p:spPr>
+        <p:style>
+          <a:lnRef idx="1">
+            <a:schemeClr val="accent1"/>
+          </a:lnRef>
+          <a:fillRef idx="0">
+            <a:schemeClr val="accent1"/>
+          </a:fillRef>
+          <a:effectRef idx="0">
+            <a:schemeClr val="accent1"/>
+          </a:effectRef>
+          <a:fontRef idx="minor">
+            <a:schemeClr val="tx1"/>
+          </a:fontRef>
+        </p:style>
+      </p:cxnSp>
+      <p:sp useBgFill="1">
+        <p:nvSpPr>
+          <p:cNvPr id="2065" name="Rectangle 2064">
+            <a:extLst>
+              <a:ext uri="{FF2B5EF4-FFF2-40B4-BE49-F238E27FC236}">
+                <a16:creationId xmlns:a16="http://schemas.microsoft.com/office/drawing/2014/main" id="{551580BD-7D80-4957-A58D-916E994AB787}"/>
+              </a:ext>
+              <a:ext uri="{C183D7F6-B498-43B3-948B-1728B52AA6E4}">
+                <adec:decorative xmlns:adec="http://schemas.microsoft.com/office/drawing/2017/decorative" val="1"/>
+              </a:ext>
+            </a:extLst>
+          </p:cNvPr>
+          <p:cNvSpPr>
+            <a:spLocks noGrp="1" noRot="1" noChangeAspect="1" noMove="1" noResize="1" noEditPoints="1" noAdjustHandles="1" noChangeArrowheads="1" noChangeShapeType="1" noTextEdit="1"/>
+          </p:cNvSpPr>
+          <p:nvPr>
+            <p:extLst>
+              <p:ext uri="{386F3935-93C4-4BCD-93E2-E3B085C9AB24}">
+                <p16:designElem xmlns:p16="http://schemas.microsoft.com/office/powerpoint/2015/main" val="1"/>
+              </p:ext>
+            </p:extLst>
+          </p:nvPr>
+        </p:nvSpPr>
+        <p:spPr>
+          <a:xfrm>
+            <a:off x="0" y="0"/>
+            <a:ext cx="12192000" cy="6858000"/>
+          </a:xfrm>
+          <a:prstGeom prst="rect">
+            <a:avLst/>
+          </a:prstGeom>
+          <a:ln w="12700" cap="flat" cmpd="sng" algn="ctr">
+            <a:noFill/>
+            <a:prstDash val="solid"/>
+            <a:miter lim="800000"/>
+          </a:ln>
+          <a:effectLst/>
+          <a:extLst>
+            <a:ext uri="{91240B29-F687-4F45-9708-019B960494DF}">
+              <a14:hiddenLine xmlns:a14="http://schemas.microsoft.com/office/drawing/2010/main" w="12700" cap="flat" cmpd="sng" algn="ctr">
+                <a:solidFill>
+                  <a:schemeClr val="accent1">
+                    <a:shade val="50000"/>
+                  </a:schemeClr>
+                </a:solidFill>
+                <a:prstDash val="solid"/>
+                <a:miter lim="800000"/>
+              </a14:hiddenLine>
+            </a:ext>
+          </a:extLst>
+        </p:spPr>
+        <p:style>
+          <a:lnRef idx="2">
+            <a:schemeClr val="accent1">
+              <a:shade val="50000"/>
+            </a:schemeClr>
+          </a:lnRef>
+          <a:fillRef idx="1">
+            <a:schemeClr val="accent1"/>
+          </a:fillRef>
+          <a:effectRef idx="0">
+            <a:schemeClr val="accent1"/>
+          </a:effectRef>
+          <a:fontRef idx="minor">
+            <a:schemeClr val="lt1"/>
+          </a:fontRef>
+        </p:style>
+        <p:txBody>
+          <a:bodyPr rtlCol="0" anchor="ctr"/>
+          <a:lstStyle/>
+          <a:p>
+            <a:pPr algn="ctr"/>
+            <a:endParaRPr lang="en-US"/>
+          </a:p>
+        </p:txBody>
+      </p:sp>
+      <p:sp>
+        <p:nvSpPr>
+          <p:cNvPr id="2067" name="Rectangle 2066">
+            <a:extLst>
+              <a:ext uri="{FF2B5EF4-FFF2-40B4-BE49-F238E27FC236}">
+                <a16:creationId xmlns:a16="http://schemas.microsoft.com/office/drawing/2014/main" id="{5BDD2E98-F85F-4C9F-B090-4DF4DA71570B}"/>
+              </a:ext>
+              <a:ext uri="{C183D7F6-B498-43B3-948B-1728B52AA6E4}">
+                <adec:decorative xmlns:adec="http://schemas.microsoft.com/office/drawing/2017/decorative" val="1"/>
+              </a:ext>
+            </a:extLst>
+          </p:cNvPr>
+          <p:cNvSpPr>
+            <a:spLocks noGrp="1" noRot="1" noChangeAspect="1" noMove="1" noResize="1" noEditPoints="1" noAdjustHandles="1" noChangeArrowheads="1" noChangeShapeType="1" noTextEdit="1"/>
+          </p:cNvSpPr>
+          <p:nvPr>
+            <p:extLst>
+              <p:ext uri="{386F3935-93C4-4BCD-93E2-E3B085C9AB24}">
+                <p16:designElem xmlns:p16="http://schemas.microsoft.com/office/powerpoint/2015/main" val="1"/>
+              </p:ext>
+            </p:extLst>
+          </p:nvPr>
+        </p:nvSpPr>
+        <p:spPr>
+          <a:xfrm>
+            <a:off x="-1" y="-1"/>
+            <a:ext cx="12192000" cy="6858000"/>
+          </a:xfrm>
+          <a:prstGeom prst="rect">
+            <a:avLst/>
+          </a:prstGeom>
+          <a:solidFill>
+            <a:schemeClr val="accent1">
+              <a:alpha val="5000"/>
+            </a:schemeClr>
+          </a:solidFill>
+          <a:ln>
+            <a:noFill/>
+          </a:ln>
+        </p:spPr>
+        <p:style>
+          <a:lnRef idx="2">
+            <a:schemeClr val="accent1">
+              <a:shade val="50000"/>
+            </a:schemeClr>
+          </a:lnRef>
+          <a:fillRef idx="1">
+            <a:schemeClr val="accent1"/>
+          </a:fillRef>
+          <a:effectRef idx="0">
+            <a:schemeClr val="accent1"/>
+          </a:effectRef>
+          <a:fontRef idx="minor">
+            <a:schemeClr val="lt1"/>
+          </a:fontRef>
+        </p:style>
+        <p:txBody>
+          <a:bodyPr rtlCol="0" anchor="ctr"/>
+          <a:lstStyle/>
+          <a:p>
+            <a:pPr algn="ctr"/>
+            <a:endParaRPr lang="en-US"/>
+          </a:p>
+        </p:txBody>
+      </p:sp>
+      <p:sp useBgFill="1">
+        <p:nvSpPr>
+          <p:cNvPr id="2069" name="Rectangle 2068">
+            <a:extLst>
+              <a:ext uri="{FF2B5EF4-FFF2-40B4-BE49-F238E27FC236}">
+                <a16:creationId xmlns:a16="http://schemas.microsoft.com/office/drawing/2014/main" id="{2619FA3B-6977-47DB-8048-B342BD3BE785}"/>
+              </a:ext>
+              <a:ext uri="{C183D7F6-B498-43B3-948B-1728B52AA6E4}">
+                <adec:decorative xmlns:adec="http://schemas.microsoft.com/office/drawing/2017/decorative" val="1"/>
+              </a:ext>
+            </a:extLst>
+          </p:cNvPr>
+          <p:cNvSpPr>
+            <a:spLocks noGrp="1" noRot="1" noChangeAspect="1" noMove="1" noResize="1" noEditPoints="1" noAdjustHandles="1" noChangeArrowheads="1" noChangeShapeType="1" noTextEdit="1"/>
+          </p:cNvSpPr>
+          <p:nvPr>
+            <p:extLst>
+              <p:ext uri="{386F3935-93C4-4BCD-93E2-E3B085C9AB24}">
+                <p16:designElem xmlns:p16="http://schemas.microsoft.com/office/powerpoint/2015/main" val="1"/>
+              </p:ext>
+            </p:extLst>
+          </p:nvPr>
+        </p:nvSpPr>
+        <p:spPr>
+          <a:xfrm>
+            <a:off x="388824" y="274145"/>
+            <a:ext cx="10351830" cy="5770464"/>
+          </a:xfrm>
+          <a:prstGeom prst="rect">
+            <a:avLst/>
+          </a:prstGeom>
+          <a:ln>
+            <a:noFill/>
+          </a:ln>
+        </p:spPr>
+        <p:style>
+          <a:lnRef idx="2">
+            <a:schemeClr val="accent1">
+              <a:shade val="50000"/>
+            </a:schemeClr>
+          </a:lnRef>
+          <a:fillRef idx="1">
+            <a:schemeClr val="accent1"/>
+          </a:fillRef>
+          <a:effectRef idx="0">
+            <a:schemeClr val="accent1"/>
+          </a:effectRef>
+          <a:fontRef idx="minor">
+            <a:schemeClr val="lt1"/>
+          </a:fontRef>
+        </p:style>
+        <p:txBody>
+          <a:bodyPr rtlCol="0" anchor="ctr"/>
+          <a:lstStyle/>
+          <a:p>
+            <a:pPr algn="ctr"/>
+            <a:endParaRPr lang="en-US"/>
+          </a:p>
+        </p:txBody>
+      </p:sp>
+      <p:sp>
+        <p:nvSpPr>
+          <p:cNvPr id="2" name="Title 1">
+            <a:extLst>
+              <a:ext uri="{FF2B5EF4-FFF2-40B4-BE49-F238E27FC236}">
+                <a16:creationId xmlns:a16="http://schemas.microsoft.com/office/drawing/2014/main" id="{8A593A61-0365-A55A-151A-8D211E0FF8FB}"/>
+              </a:ext>
+            </a:extLst>
+          </p:cNvPr>
+          <p:cNvSpPr>
+            <a:spLocks noGrp="1"/>
+          </p:cNvSpPr>
+          <p:nvPr>
+            <p:ph type="title"/>
+          </p:nvPr>
+        </p:nvSpPr>
+        <p:spPr>
+          <a:xfrm>
+            <a:off x="838200" y="703686"/>
+            <a:ext cx="9390797" cy="940869"/>
+          </a:xfrm>
+        </p:spPr>
+        <p:txBody>
+          <a:bodyPr vert="horz" lIns="91440" tIns="45720" rIns="91440" bIns="45720" rtlCol="0" anchor="ctr">
+            <a:normAutofit/>
+          </a:bodyPr>
+          <a:lstStyle/>
+          <a:p>
+            <a:r>
+              <a:rPr lang="en-US" dirty="0"/>
+              <a:t>Get through Grad School</a:t>
+            </a:r>
+          </a:p>
+        </p:txBody>
+      </p:sp>
+      <p:pic>
+        <p:nvPicPr>
+          <p:cNvPr id="2050" name="Picture 2">
+            <a:extLst>
+              <a:ext uri="{FF2B5EF4-FFF2-40B4-BE49-F238E27FC236}">
+                <a16:creationId xmlns:a16="http://schemas.microsoft.com/office/drawing/2014/main" id="{833A56E0-07B1-C167-6599-EF0E15683407}"/>
+              </a:ext>
+            </a:extLst>
+          </p:cNvPr>
+          <p:cNvPicPr>
+            <a:picLocks noGrp="1" noChangeAspect="1" noChangeArrowheads="1"/>
+          </p:cNvPicPr>
+          <p:nvPr>
+            <p:ph sz="half" idx="1"/>
+          </p:nvPr>
+        </p:nvPicPr>
+        <p:blipFill>
+          <a:blip r:embed="rId2">
+            <a:extLst>
+              <a:ext uri="{28A0092B-C50C-407E-A947-70E740481C1C}">
+                <a14:useLocalDpi xmlns:a14="http://schemas.microsoft.com/office/drawing/2010/main" val="0"/>
+              </a:ext>
+            </a:extLst>
+          </a:blip>
+          <a:stretch>
+            <a:fillRect/>
+          </a:stretch>
+        </p:blipFill>
+        <p:spPr bwMode="auto">
+          <a:xfrm>
+            <a:off x="1231039" y="1905000"/>
+            <a:ext cx="8605119" cy="3728885"/>
+          </a:xfrm>
+          <a:prstGeom prst="rect">
+            <a:avLst/>
+          </a:prstGeom>
+          <a:noFill/>
+          <a:extLst>
+            <a:ext uri="{909E8E84-426E-40DD-AFC4-6F175D3DCCD1}">
+              <a14:hiddenFill xmlns:a14="http://schemas.microsoft.com/office/drawing/2010/main">
+                <a:solidFill>
+                  <a:srgbClr val="FFFFFF"/>
+                </a:solidFill>
+              </a14:hiddenFill>
+            </a:ext>
+          </a:extLst>
+        </p:spPr>
+      </p:pic>
+      <p:sp>
+        <p:nvSpPr>
+          <p:cNvPr id="6" name="Footer Placeholder 5">
+            <a:extLst>
+              <a:ext uri="{FF2B5EF4-FFF2-40B4-BE49-F238E27FC236}">
+                <a16:creationId xmlns:a16="http://schemas.microsoft.com/office/drawing/2014/main" id="{521AC6D8-3A95-A7EC-8436-04A19C1B50B4}"/>
+              </a:ext>
+            </a:extLst>
+          </p:cNvPr>
+          <p:cNvSpPr>
+            <a:spLocks noGrp="1"/>
+          </p:cNvSpPr>
+          <p:nvPr>
+            <p:ph type="ftr" sz="quarter" idx="11"/>
+          </p:nvPr>
+        </p:nvSpPr>
+        <p:spPr>
+          <a:xfrm rot="5400000">
+            <a:off x="9233562" y="2578525"/>
+            <a:ext cx="4114800" cy="365125"/>
+          </a:xfrm>
+        </p:spPr>
+        <p:txBody>
+          <a:bodyPr vert="horz" lIns="91440" tIns="45720" rIns="91440" bIns="45720" rtlCol="0" anchor="ctr">
+            <a:normAutofit/>
+          </a:bodyPr>
+          <a:lstStyle/>
+          <a:p>
+            <a:endParaRPr lang="en-US" sz="1050" b="1" kern="1200" cap="all" spc="300" baseline="0">
+              <a:solidFill>
+                <a:schemeClr val="accent1"/>
+              </a:solidFill>
+              <a:latin typeface="+mn-lt"/>
+              <a:ea typeface="+mn-ea"/>
+              <a:cs typeface="+mn-cs"/>
+            </a:endParaRPr>
+          </a:p>
+        </p:txBody>
+      </p:sp>
+      <p:sp>
+        <p:nvSpPr>
+          <p:cNvPr id="5" name="Date Placeholder 4">
+            <a:extLst>
+              <a:ext uri="{FF2B5EF4-FFF2-40B4-BE49-F238E27FC236}">
+                <a16:creationId xmlns:a16="http://schemas.microsoft.com/office/drawing/2014/main" id="{DFC12607-186A-8088-91BD-A782CBC52716}"/>
+              </a:ext>
+            </a:extLst>
+          </p:cNvPr>
+          <p:cNvSpPr>
+            <a:spLocks noGrp="1"/>
+          </p:cNvSpPr>
+          <p:nvPr>
+            <p:ph type="dt" sz="half" idx="10"/>
+          </p:nvPr>
+        </p:nvSpPr>
+        <p:spPr>
+          <a:xfrm>
+            <a:off x="628652" y="6140304"/>
+            <a:ext cx="3154896" cy="287075"/>
+          </a:xfrm>
+        </p:spPr>
+        <p:txBody>
+          <a:bodyPr vert="horz" lIns="91440" tIns="45720" rIns="91440" bIns="45720" rtlCol="0" anchor="ctr">
+            <a:normAutofit/>
+          </a:bodyPr>
+          <a:lstStyle/>
+          <a:p>
+            <a:pPr>
+              <a:spcAft>
+                <a:spcPts val="600"/>
+              </a:spcAft>
+            </a:pPr>
+            <a:fld id="{FC6E85F7-A724-48A4-9D33-CEBC5174E865}" type="datetime1">
+              <a:rPr lang="en-US" smtClean="0"/>
+              <a:pPr>
+                <a:spcAft>
+                  <a:spcPts val="600"/>
+                </a:spcAft>
+              </a:pPr>
+              <a:t>2023-04-17</a:t>
+            </a:fld>
+            <a:endParaRPr lang="en-US"/>
+          </a:p>
+        </p:txBody>
+      </p:sp>
+      <p:sp>
+        <p:nvSpPr>
+          <p:cNvPr id="7" name="Slide Number Placeholder 6">
+            <a:extLst>
+              <a:ext uri="{FF2B5EF4-FFF2-40B4-BE49-F238E27FC236}">
+                <a16:creationId xmlns:a16="http://schemas.microsoft.com/office/drawing/2014/main" id="{D6DB9E91-018C-419D-6066-DEA63127B16B}"/>
+              </a:ext>
+            </a:extLst>
+          </p:cNvPr>
+          <p:cNvSpPr>
+            <a:spLocks noGrp="1"/>
+          </p:cNvSpPr>
+          <p:nvPr>
+            <p:ph type="sldNum" sz="quarter" idx="12"/>
+          </p:nvPr>
+        </p:nvSpPr>
+        <p:spPr>
+          <a:xfrm>
+            <a:off x="10821701" y="5672706"/>
+            <a:ext cx="951908" cy="754673"/>
+          </a:xfrm>
+        </p:spPr>
+        <p:txBody>
+          <a:bodyPr vert="horz" lIns="91440" tIns="45720" rIns="91440" bIns="45720" rtlCol="0" anchor="ctr">
+            <a:normAutofit/>
+          </a:bodyPr>
+          <a:lstStyle/>
+          <a:p>
+            <a:pPr>
+              <a:spcAft>
+                <a:spcPts val="600"/>
+              </a:spcAft>
+            </a:pPr>
+            <a:fld id="{81D2C36F-4504-47C0-B82F-A167342A2754}" type="slidenum">
+              <a:rPr lang="en-US" smtClean="0"/>
+              <a:pPr>
+                <a:spcAft>
+                  <a:spcPts val="600"/>
+                </a:spcAft>
+              </a:pPr>
+              <a:t>8</a:t>
+            </a:fld>
+            <a:endParaRPr lang="en-US"/>
+          </a:p>
+        </p:txBody>
+      </p:sp>
+      <p:sp>
+        <p:nvSpPr>
+          <p:cNvPr id="2071" name="Rectangle 2070">
+            <a:extLst>
+              <a:ext uri="{FF2B5EF4-FFF2-40B4-BE49-F238E27FC236}">
+                <a16:creationId xmlns:a16="http://schemas.microsoft.com/office/drawing/2014/main" id="{CB59DE95-F3B9-4A35-9681-78FA926F024B}"/>
+              </a:ext>
+              <a:ext uri="{C183D7F6-B498-43B3-948B-1728B52AA6E4}">
+                <adec:decorative xmlns:adec="http://schemas.microsoft.com/office/drawing/2017/decorative" val="1"/>
+              </a:ext>
+            </a:extLst>
+          </p:cNvPr>
+          <p:cNvSpPr>
+            <a:spLocks noGrp="1" noRot="1" noChangeAspect="1" noMove="1" noResize="1" noEditPoints="1" noAdjustHandles="1" noChangeArrowheads="1" noChangeShapeType="1" noTextEdit="1"/>
+          </p:cNvSpPr>
+          <p:nvPr>
+            <p:extLst>
+              <p:ext uri="{386F3935-93C4-4BCD-93E2-E3B085C9AB24}">
+                <p16:designElem xmlns:p16="http://schemas.microsoft.com/office/powerpoint/2015/main" val="1"/>
+              </p:ext>
+            </p:extLst>
+          </p:nvPr>
+        </p:nvSpPr>
+        <p:spPr>
+          <a:xfrm>
+            <a:off x="367744" y="260498"/>
+            <a:ext cx="11456511" cy="6262576"/>
+          </a:xfrm>
+          <a:prstGeom prst="rect">
+            <a:avLst/>
+          </a:prstGeom>
+          <a:noFill/>
+          <a:ln>
+            <a:solidFill>
+              <a:schemeClr val="accent1"/>
+            </a:solidFill>
+          </a:ln>
+          <a:effectLst/>
+        </p:spPr>
+        <p:style>
+          <a:lnRef idx="2">
+            <a:schemeClr val="accent1">
+              <a:shade val="50000"/>
+            </a:schemeClr>
+          </a:lnRef>
+          <a:fillRef idx="1">
+            <a:schemeClr val="accent1"/>
+          </a:fillRef>
+          <a:effectRef idx="0">
+            <a:schemeClr val="accent1"/>
+          </a:effectRef>
+          <a:fontRef idx="minor">
+            <a:schemeClr val="lt1"/>
+          </a:fontRef>
+        </p:style>
+        <p:txBody>
+          <a:bodyPr rtlCol="0" anchor="ctr"/>
+          <a:lstStyle/>
+          <a:p>
+            <a:pPr algn="ctr"/>
+            <a:endParaRPr lang="en-US"/>
+          </a:p>
+        </p:txBody>
+      </p:sp>
+      <p:cxnSp>
+        <p:nvCxnSpPr>
+          <p:cNvPr id="2073" name="Straight Connector 2072">
+            <a:extLst>
+              <a:ext uri="{FF2B5EF4-FFF2-40B4-BE49-F238E27FC236}">
+                <a16:creationId xmlns:a16="http://schemas.microsoft.com/office/drawing/2014/main" id="{5E687E3B-9C6D-4102-8F38-DCB77C49C6FD}"/>
+              </a:ext>
+              <a:ext uri="{C183D7F6-B498-43B3-948B-1728B52AA6E4}">
+                <adec:decorative xmlns:adec="http://schemas.microsoft.com/office/drawing/2017/decorative" val="1"/>
+              </a:ext>
+            </a:extLst>
+          </p:cNvPr>
+          <p:cNvCxnSpPr>
+            <a:cxnSpLocks noGrp="1" noRot="1" noChangeAspect="1" noMove="1" noResize="1" noEditPoints="1" noAdjustHandles="1" noChangeArrowheads="1" noChangeShapeType="1"/>
+          </p:cNvCxnSpPr>
+          <p:nvPr>
+            <p:extLst>
+              <p:ext uri="{386F3935-93C4-4BCD-93E2-E3B085C9AB24}">
+                <p16:designElem xmlns:p16="http://schemas.microsoft.com/office/powerpoint/2015/main" val="1"/>
+              </p:ext>
+            </p:extLst>
+          </p:nvPr>
+        </p:nvCxnSpPr>
+        <p:spPr>
+          <a:xfrm>
+            <a:off x="10748698" y="260498"/>
+            <a:ext cx="0" cy="6262576"/>
+          </a:xfrm>
+          <a:prstGeom prst="line">
+            <a:avLst/>
+          </a:prstGeom>
+          <a:ln w="12700">
+            <a:solidFill>
+              <a:schemeClr val="accent1"/>
+            </a:solidFill>
+          </a:ln>
+          <a:effectLst/>
+        </p:spPr>
+        <p:style>
+          <a:lnRef idx="1">
+            <a:schemeClr val="accent1"/>
+          </a:lnRef>
+          <a:fillRef idx="0">
+            <a:schemeClr val="accent1"/>
+          </a:fillRef>
+          <a:effectRef idx="0">
+            <a:schemeClr val="accent1"/>
+          </a:effectRef>
+          <a:fontRef idx="minor">
+            <a:schemeClr val="tx1"/>
+          </a:fontRef>
+        </p:style>
+      </p:cxnSp>
+      <p:cxnSp>
+        <p:nvCxnSpPr>
+          <p:cNvPr id="2075" name="Straight Connector 2074">
+            <a:extLst>
+              <a:ext uri="{FF2B5EF4-FFF2-40B4-BE49-F238E27FC236}">
+                <a16:creationId xmlns:a16="http://schemas.microsoft.com/office/drawing/2014/main" id="{573C7C39-C73B-4051-B742-C9086B7BE3EC}"/>
+              </a:ext>
+              <a:ext uri="{C183D7F6-B498-43B3-948B-1728B52AA6E4}">
+                <adec:decorative xmlns:adec="http://schemas.microsoft.com/office/drawing/2017/decorative" val="1"/>
+              </a:ext>
+            </a:extLst>
+          </p:cNvPr>
+          <p:cNvCxnSpPr>
+            <a:cxnSpLocks noGrp="1" noRot="1" noChangeAspect="1" noMove="1" noResize="1" noEditPoints="1" noAdjustHandles="1" noChangeArrowheads="1" noChangeShapeType="1"/>
+          </p:cNvCxnSpPr>
+          <p:nvPr>
+            <p:extLst>
+              <p:ext uri="{386F3935-93C4-4BCD-93E2-E3B085C9AB24}">
+                <p16:designElem xmlns:p16="http://schemas.microsoft.com/office/powerpoint/2015/main" val="1"/>
+              </p:ext>
+            </p:extLst>
+          </p:nvPr>
+        </p:nvCxnSpPr>
+        <p:spPr>
+          <a:xfrm>
+            <a:off x="367744" y="6047437"/>
+            <a:ext cx="10380954" cy="0"/>
+          </a:xfrm>
+          <a:prstGeom prst="line">
+            <a:avLst/>
+          </a:prstGeom>
+          <a:ln w="12700">
+            <a:solidFill>
+              <a:schemeClr val="accent1"/>
+            </a:solidFill>
+          </a:ln>
+          <a:effectLst/>
+        </p:spPr>
+        <p:style>
+          <a:lnRef idx="1">
+            <a:schemeClr val="accent1"/>
+          </a:lnRef>
+          <a:fillRef idx="0">
+            <a:schemeClr val="accent1"/>
+          </a:fillRef>
+          <a:effectRef idx="0">
+            <a:schemeClr val="accent1"/>
+          </a:effectRef>
+          <a:fontRef idx="minor">
+            <a:schemeClr val="tx1"/>
+          </a:fontRef>
+        </p:style>
+      </p:cxnSp>
+      <p:cxnSp>
+        <p:nvCxnSpPr>
+          <p:cNvPr id="2077" name="Straight Connector 2076">
+            <a:extLst>
+              <a:ext uri="{FF2B5EF4-FFF2-40B4-BE49-F238E27FC236}">
+                <a16:creationId xmlns:a16="http://schemas.microsoft.com/office/drawing/2014/main" id="{0F07B81A-3898-46B4-BFC6-9787CAF2E5AA}"/>
+              </a:ext>
+              <a:ext uri="{C183D7F6-B498-43B3-948B-1728B52AA6E4}">
+                <adec:decorative xmlns:adec="http://schemas.microsoft.com/office/drawing/2017/decorative" val="1"/>
+              </a:ext>
+            </a:extLst>
+          </p:cNvPr>
+          <p:cNvCxnSpPr>
+            <a:cxnSpLocks noGrp="1" noRot="1" noChangeAspect="1" noMove="1" noResize="1" noEditPoints="1" noAdjustHandles="1" noChangeArrowheads="1" noChangeShapeType="1"/>
+          </p:cNvCxnSpPr>
+          <p:nvPr>
+            <p:extLst>
+              <p:ext uri="{386F3935-93C4-4BCD-93E2-E3B085C9AB24}">
+                <p16:designElem xmlns:p16="http://schemas.microsoft.com/office/powerpoint/2015/main" val="1"/>
+              </p:ext>
+            </p:extLst>
+          </p:nvPr>
+        </p:nvCxnSpPr>
+        <p:spPr>
+          <a:xfrm>
+            <a:off x="3846394" y="6047437"/>
+            <a:ext cx="0" cy="475637"/>
+          </a:xfrm>
+          <a:prstGeom prst="line">
+            <a:avLst/>
+          </a:prstGeom>
+          <a:ln w="12700">
+            <a:solidFill>
+              <a:schemeClr val="accent1"/>
+            </a:solidFill>
+          </a:ln>
+          <a:effectLst/>
+        </p:spPr>
+        <p:style>
+          <a:lnRef idx="1">
+            <a:schemeClr val="accent1"/>
+          </a:lnRef>
+          <a:fillRef idx="0">
+            <a:schemeClr val="accent1"/>
+          </a:fillRef>
+          <a:effectRef idx="0">
+            <a:schemeClr val="accent1"/>
+          </a:effectRef>
+          <a:fontRef idx="minor">
+            <a:schemeClr val="tx1"/>
+          </a:fontRef>
+        </p:style>
+      </p:cxnSp>
+    </p:spTree>
+    <p:extLst>
+      <p:ext uri="{BB962C8B-B14F-4D97-AF65-F5344CB8AC3E}">
+        <p14:creationId xmlns:p14="http://schemas.microsoft.com/office/powerpoint/2010/main" val="424755424"/>
+      </p:ext>
+    </p:extLst>
+  </p:cSld>
+  <p:clrMapOvr>
+    <a:masterClrMapping/>
+  </p:clrMapOvr>
+</p:sld>
+</file>
+
+<file path=ppt/slides/slide9.xml><?xml version="1.0" encoding="utf-8"?>
+<p:sld xmlns:a="http://schemas.openxmlformats.org/drawingml/2006/main" xmlns:r="http://schemas.openxmlformats.org/officeDocument/2006/relationships" xmlns:p="http://schemas.openxmlformats.org/presentationml/2006/main">
+  <p:cSld>
+    <p:spTree>
+      <p:nvGrpSpPr>
+        <p:cNvPr id="1" name=""/>
+        <p:cNvGrpSpPr/>
+        <p:nvPr/>
+      </p:nvGrpSpPr>
+      <p:grpSpPr>
+        <a:xfrm>
+          <a:off x="0" y="0"/>
+          <a:ext cx="0" cy="0"/>
+          <a:chOff x="0" y="0"/>
+          <a:chExt cx="0" cy="0"/>
+        </a:xfrm>
+      </p:grpSpPr>
+      <p:sp>
+        <p:nvSpPr>
+          <p:cNvPr id="2" name="Title 1">
+            <a:extLst>
+              <a:ext uri="{FF2B5EF4-FFF2-40B4-BE49-F238E27FC236}">
+                <a16:creationId xmlns:a16="http://schemas.microsoft.com/office/drawing/2014/main" id="{9196807D-3425-239C-C382-D5304E2F7199}"/>
+              </a:ext>
+            </a:extLst>
+          </p:cNvPr>
+          <p:cNvSpPr>
+            <a:spLocks noGrp="1"/>
+          </p:cNvSpPr>
+          <p:nvPr>
+            <p:ph type="title"/>
+          </p:nvPr>
+        </p:nvSpPr>
+        <p:spPr/>
+        <p:txBody>
+          <a:bodyPr/>
+          <a:lstStyle/>
+          <a:p>
+            <a:r>
+              <a:rPr lang="en-US" dirty="0"/>
+              <a:t>Schedule</a:t>
+            </a:r>
+          </a:p>
+        </p:txBody>
+      </p:sp>
+      <p:sp>
+        <p:nvSpPr>
+          <p:cNvPr id="3" name="Content Placeholder 2">
+            <a:extLst>
+              <a:ext uri="{FF2B5EF4-FFF2-40B4-BE49-F238E27FC236}">
+                <a16:creationId xmlns:a16="http://schemas.microsoft.com/office/drawing/2014/main" id="{CE42CBB8-E0AB-D6F2-CFE0-20EB2E517E12}"/>
+              </a:ext>
+            </a:extLst>
+          </p:cNvPr>
+          <p:cNvSpPr>
+            <a:spLocks noGrp="1"/>
+          </p:cNvSpPr>
+          <p:nvPr>
+            <p:ph idx="1"/>
+          </p:nvPr>
+        </p:nvSpPr>
+        <p:spPr>
+          <a:xfrm>
+            <a:off x="838199" y="2108596"/>
+            <a:ext cx="9527275" cy="1936502"/>
+          </a:xfrm>
+        </p:spPr>
+        <p:txBody>
+          <a:bodyPr/>
+          <a:lstStyle/>
+          <a:p>
+            <a:r>
+              <a:rPr lang="en-US" dirty="0"/>
+              <a:t>Class: Tuesday 2-4 PM MST</a:t>
+            </a:r>
+          </a:p>
+          <a:p>
+            <a:r>
+              <a:rPr lang="en-US" dirty="0"/>
+              <a:t>Online writing hours: M-F 1-3 PM MST</a:t>
+            </a:r>
+          </a:p>
+          <a:p>
+            <a:pPr lvl="1"/>
+            <a:r>
+              <a:rPr lang="en-US" dirty="0"/>
+              <a:t>Discord</a:t>
+            </a:r>
+          </a:p>
+        </p:txBody>
+      </p:sp>
+      <p:sp>
+        <p:nvSpPr>
+          <p:cNvPr id="5" name="Date Placeholder 4">
+            <a:extLst>
+              <a:ext uri="{FF2B5EF4-FFF2-40B4-BE49-F238E27FC236}">
+                <a16:creationId xmlns:a16="http://schemas.microsoft.com/office/drawing/2014/main" id="{5DAD1E14-564F-0DAC-19B8-5EAB275E71AF}"/>
+              </a:ext>
+            </a:extLst>
+          </p:cNvPr>
+          <p:cNvSpPr>
+            <a:spLocks noGrp="1"/>
+          </p:cNvSpPr>
+          <p:nvPr>
+            <p:ph type="dt" sz="half" idx="10"/>
+          </p:nvPr>
+        </p:nvSpPr>
+        <p:spPr/>
+        <p:txBody>
+          <a:bodyPr/>
+          <a:lstStyle/>
+          <a:p>
+            <a:fld id="{FC6E85F7-A724-48A4-9D33-CEBC5174E865}" type="datetime1">
+              <a:rPr lang="en-US" smtClean="0"/>
+              <a:t>2023-04-17</a:t>
+            </a:fld>
+            <a:endParaRPr lang="en-US"/>
+          </a:p>
+        </p:txBody>
+      </p:sp>
+      <p:sp>
+        <p:nvSpPr>
+          <p:cNvPr id="6" name="Footer Placeholder 5">
+            <a:extLst>
+              <a:ext uri="{FF2B5EF4-FFF2-40B4-BE49-F238E27FC236}">
+                <a16:creationId xmlns:a16="http://schemas.microsoft.com/office/drawing/2014/main" id="{4D489174-0254-0D01-E256-C7054FFA020E}"/>
+              </a:ext>
+            </a:extLst>
+          </p:cNvPr>
+          <p:cNvSpPr>
+            <a:spLocks noGrp="1"/>
+          </p:cNvSpPr>
+          <p:nvPr>
+            <p:ph type="ftr" sz="quarter" idx="11"/>
+          </p:nvPr>
+        </p:nvSpPr>
+        <p:spPr/>
+        <p:txBody>
+          <a:bodyPr/>
+          <a:lstStyle/>
+          <a:p>
+            <a:endParaRPr lang="en-US"/>
+          </a:p>
+        </p:txBody>
+      </p:sp>
+      <p:sp>
+        <p:nvSpPr>
+          <p:cNvPr id="7" name="Slide Number Placeholder 6">
+            <a:extLst>
+              <a:ext uri="{FF2B5EF4-FFF2-40B4-BE49-F238E27FC236}">
+                <a16:creationId xmlns:a16="http://schemas.microsoft.com/office/drawing/2014/main" id="{DCC3C7CD-060C-EB6B-5FD0-B4CD31091566}"/>
+              </a:ext>
+            </a:extLst>
+          </p:cNvPr>
+          <p:cNvSpPr>
+            <a:spLocks noGrp="1"/>
+          </p:cNvSpPr>
+          <p:nvPr>
+            <p:ph type="sldNum" sz="quarter" idx="12"/>
+          </p:nvPr>
+        </p:nvSpPr>
+        <p:spPr/>
+        <p:txBody>
+          <a:bodyPr/>
+          <a:lstStyle/>
+          <a:p>
+            <a:fld id="{81D2C36F-4504-47C0-B82F-A167342A2754}" type="slidenum">
+              <a:rPr lang="en-US" smtClean="0"/>
+              <a:t>9</a:t>
+            </a:fld>
+            <a:endParaRPr lang="en-US"/>
+          </a:p>
+        </p:txBody>
+      </p:sp>
       <p:graphicFrame>
         <p:nvGraphicFramePr>
           <p:cNvPr id="8" name="Content Placeholder 7">
@@ -6923,25 +8737,25 @@
             <p:ph sz="half" idx="4294967295"/>
             <p:extLst>
               <p:ext uri="{D42A27DB-BD31-4B8C-83A1-F6EECF244321}">
-                <p14:modId xmlns:p14="http://schemas.microsoft.com/office/powerpoint/2010/main" val="3686396844"/>
+                <p14:modId xmlns:p14="http://schemas.microsoft.com/office/powerpoint/2010/main" val="3301344905"/>
               </p:ext>
             </p:extLst>
           </p:nvPr>
         </p:nvGraphicFramePr>
         <p:xfrm>
-          <a:off x="645839" y="4169375"/>
+          <a:off x="646113" y="4168775"/>
           <a:ext cx="9804400" cy="1736725"/>
         </p:xfrm>
         <a:graphic>
           <a:graphicData uri="http://schemas.openxmlformats.org/presentationml/2006/ole">
             <mc:AlternateContent xmlns:mc="http://schemas.openxmlformats.org/markup-compatibility/2006">
               <mc:Choice xmlns:v="urn:schemas-microsoft-com:vml" Requires="v">
-                <p:oleObj name="Worksheet" r:id="rId2" imgW="7572342" imgH="1342871" progId="Excel.Sheet.12">
+                <p:oleObj name="Worksheet" r:id="rId2" imgW="8658171" imgH="1533667" progId="Excel.Sheet.12">
                   <p:link updateAutomatic="1"/>
                 </p:oleObj>
               </mc:Choice>
               <mc:Fallback>
-                <p:oleObj name="Worksheet" r:id="rId2" imgW="7572342" imgH="1342871" progId="Excel.Sheet.12">
+                <p:oleObj name="Worksheet" r:id="rId2" imgW="8658171" imgH="1533667" progId="Excel.Sheet.12">
                   <p:link updateAutomatic="1"/>
                   <p:pic>
                     <p:nvPicPr>
@@ -6957,7 +8771,7 @@
                     </p:blipFill>
                     <p:spPr>
                       <a:xfrm>
-                        <a:off x="645839" y="4169375"/>
+                        <a:off x="646113" y="4168775"/>
                         <a:ext cx="9804400" cy="1736725"/>
                       </a:xfrm>
                       <a:prstGeom prst="rect">
@@ -7183,4 +8997,299 @@
     </a:ext>
   </a:extLst>
 </a:theme>
+</file>
+
+<file path=ppt/theme/theme2.xml><?xml version="1.0" encoding="utf-8"?>
+<a:theme xmlns:a="http://schemas.openxmlformats.org/drawingml/2006/main" name="Office Theme">
+  <a:themeElements>
+    <a:clrScheme name="Office">
+      <a:dk1>
+        <a:sysClr val="windowText" lastClr="000000"/>
+      </a:dk1>
+      <a:lt1>
+        <a:sysClr val="window" lastClr="FFFFFF"/>
+      </a:lt1>
+      <a:dk2>
+        <a:srgbClr val="44546A"/>
+      </a:dk2>
+      <a:lt2>
+        <a:srgbClr val="E7E6E6"/>
+      </a:lt2>
+      <a:accent1>
+        <a:srgbClr val="4472C4"/>
+      </a:accent1>
+      <a:accent2>
+        <a:srgbClr val="ED7D31"/>
+      </a:accent2>
+      <a:accent3>
+        <a:srgbClr val="A5A5A5"/>
+      </a:accent3>
+      <a:accent4>
+        <a:srgbClr val="FFC000"/>
+      </a:accent4>
+      <a:accent5>
+        <a:srgbClr val="5B9BD5"/>
+      </a:accent5>
+      <a:accent6>
+        <a:srgbClr val="70AD47"/>
+      </a:accent6>
+      <a:hlink>
+        <a:srgbClr val="0563C1"/>
+      </a:hlink>
+      <a:folHlink>
+        <a:srgbClr val="954F72"/>
+      </a:folHlink>
+    </a:clrScheme>
+    <a:fontScheme name="Office">
+      <a:majorFont>
+        <a:latin typeface="Calibri Light" panose="020F0302020204030204"/>
+        <a:ea typeface=""/>
+        <a:cs typeface=""/>
+        <a:font script="Jpan" typeface="游ゴシック Light"/>
+        <a:font script="Hang" typeface="맑은 고딕"/>
+        <a:font script="Hans" typeface="等线 Light"/>
+        <a:font script="Hant" typeface="新細明體"/>
+        <a:font script="Arab" typeface="Times New Roman"/>
+        <a:font script="Hebr" typeface="Times New Roman"/>
+        <a:font script="Thai" typeface="Angsana New"/>
+        <a:font script="Ethi" typeface="Nyala"/>
+        <a:font script="Beng" typeface="Vrinda"/>
+        <a:font script="Gujr" typeface="Shruti"/>
+        <a:font script="Khmr" typeface="MoolBoran"/>
+        <a:font script="Knda" typeface="Tunga"/>
+        <a:font script="Guru" typeface="Raavi"/>
+        <a:font script="Cans" typeface="Euphemia"/>
+        <a:font script="Cher" typeface="Plantagenet Cherokee"/>
+        <a:font script="Yiii" typeface="Microsoft Yi Baiti"/>
+        <a:font script="Tibt" typeface="Microsoft Himalaya"/>
+        <a:font script="Thaa" typeface="MV Boli"/>
+        <a:font script="Deva" typeface="Mangal"/>
+        <a:font script="Telu" typeface="Gautami"/>
+        <a:font script="Taml" typeface="Latha"/>
+        <a:font script="Syrc" typeface="Estrangelo Edessa"/>
+        <a:font script="Orya" typeface="Kalinga"/>
+        <a:font script="Mlym" typeface="Kartika"/>
+        <a:font script="Laoo" typeface="DokChampa"/>
+        <a:font script="Sinh" typeface="Iskoola Pota"/>
+        <a:font script="Mong" typeface="Mongolian Baiti"/>
+        <a:font script="Viet" typeface="Times New Roman"/>
+        <a:font script="Uigh" typeface="Microsoft Uighur"/>
+        <a:font script="Geor" typeface="Sylfaen"/>
+        <a:font script="Armn" typeface="Arial"/>
+        <a:font script="Bugi" typeface="Leelawadee UI"/>
+        <a:font script="Bopo" typeface="Microsoft JhengHei"/>
+        <a:font script="Java" typeface="Javanese Text"/>
+        <a:font script="Lisu" typeface="Segoe UI"/>
+        <a:font script="Mymr" typeface="Myanmar Text"/>
+        <a:font script="Nkoo" typeface="Ebrima"/>
+        <a:font script="Olck" typeface="Nirmala UI"/>
+        <a:font script="Osma" typeface="Ebrima"/>
+        <a:font script="Phag" typeface="Phagspa"/>
+        <a:font script="Syrn" typeface="Estrangelo Edessa"/>
+        <a:font script="Syrj" typeface="Estrangelo Edessa"/>
+        <a:font script="Syre" typeface="Estrangelo Edessa"/>
+        <a:font script="Sora" typeface="Nirmala UI"/>
+        <a:font script="Tale" typeface="Microsoft Tai Le"/>
+        <a:font script="Talu" typeface="Microsoft New Tai Lue"/>
+        <a:font script="Tfng" typeface="Ebrima"/>
+      </a:majorFont>
+      <a:minorFont>
+        <a:latin typeface="Calibri" panose="020F0502020204030204"/>
+        <a:ea typeface=""/>
+        <a:cs typeface=""/>
+        <a:font script="Jpan" typeface="游ゴシック"/>
+        <a:font script="Hang" typeface="맑은 고딕"/>
+        <a:font script="Hans" typeface="等线"/>
+        <a:font script="Hant" typeface="新細明體"/>
+        <a:font script="Arab" typeface="Arial"/>
+        <a:font script="Hebr" typeface="Arial"/>
+        <a:font script="Thai" typeface="Cordia New"/>
+        <a:font script="Ethi" typeface="Nyala"/>
+        <a:font script="Beng" typeface="Vrinda"/>
+        <a:font script="Gujr" typeface="Shruti"/>
+        <a:font script="Khmr" typeface="DaunPenh"/>
+        <a:font script="Knda" typeface="Tunga"/>
+        <a:font script="Guru" typeface="Raavi"/>
+        <a:font script="Cans" typeface="Euphemia"/>
+        <a:font script="Cher" typeface="Plantagenet Cherokee"/>
+        <a:font script="Yiii" typeface="Microsoft Yi Baiti"/>
+        <a:font script="Tibt" typeface="Microsoft Himalaya"/>
+        <a:font script="Thaa" typeface="MV Boli"/>
+        <a:font script="Deva" typeface="Mangal"/>
+        <a:font script="Telu" typeface="Gautami"/>
+        <a:font script="Taml" typeface="Latha"/>
+        <a:font script="Syrc" typeface="Estrangelo Edessa"/>
+        <a:font script="Orya" typeface="Kalinga"/>
+        <a:font script="Mlym" typeface="Kartika"/>
+        <a:font script="Laoo" typeface="DokChampa"/>
+        <a:font script="Sinh" typeface="Iskoola Pota"/>
+        <a:font script="Mong" typeface="Mongolian Baiti"/>
+        <a:font script="Viet" typeface="Arial"/>
+        <a:font script="Uigh" typeface="Microsoft Uighur"/>
+        <a:font script="Geor" typeface="Sylfaen"/>
+        <a:font script="Armn" typeface="Arial"/>
+        <a:font script="Bugi" typeface="Leelawadee UI"/>
+        <a:font script="Bopo" typeface="Microsoft JhengHei"/>
+        <a:font script="Java" typeface="Javanese Text"/>
+        <a:font script="Lisu" typeface="Segoe UI"/>
+        <a:font script="Mymr" typeface="Myanmar Text"/>
+        <a:font script="Nkoo" typeface="Ebrima"/>
+        <a:font script="Olck" typeface="Nirmala UI"/>
+        <a:font script="Osma" typeface="Ebrima"/>
+        <a:font script="Phag" typeface="Phagspa"/>
+        <a:font script="Syrn" typeface="Estrangelo Edessa"/>
+        <a:font script="Syrj" typeface="Estrangelo Edessa"/>
+        <a:font script="Syre" typeface="Estrangelo Edessa"/>
+        <a:font script="Sora" typeface="Nirmala UI"/>
+        <a:font script="Tale" typeface="Microsoft Tai Le"/>
+        <a:font script="Talu" typeface="Microsoft New Tai Lue"/>
+        <a:font script="Tfng" typeface="Ebrima"/>
+      </a:minorFont>
+    </a:fontScheme>
+    <a:fmtScheme name="Office">
+      <a:fillStyleLst>
+        <a:solidFill>
+          <a:schemeClr val="phClr"/>
+        </a:solidFill>
+        <a:gradFill rotWithShape="1">
+          <a:gsLst>
+            <a:gs pos="0">
+              <a:schemeClr val="phClr">
+                <a:lumMod val="110000"/>
+                <a:satMod val="105000"/>
+                <a:tint val="67000"/>
+              </a:schemeClr>
+            </a:gs>
+            <a:gs pos="50000">
+              <a:schemeClr val="phClr">
+                <a:lumMod val="105000"/>
+                <a:satMod val="103000"/>
+                <a:tint val="73000"/>
+              </a:schemeClr>
+            </a:gs>
+            <a:gs pos="100000">
+              <a:schemeClr val="phClr">
+                <a:lumMod val="105000"/>
+                <a:satMod val="109000"/>
+                <a:tint val="81000"/>
+              </a:schemeClr>
+            </a:gs>
+          </a:gsLst>
+          <a:lin ang="5400000" scaled="0"/>
+        </a:gradFill>
+        <a:gradFill rotWithShape="1">
+          <a:gsLst>
+            <a:gs pos="0">
+              <a:schemeClr val="phClr">
+                <a:satMod val="103000"/>
+                <a:lumMod val="102000"/>
+                <a:tint val="94000"/>
+              </a:schemeClr>
+            </a:gs>
+            <a:gs pos="50000">
+              <a:schemeClr val="phClr">
+                <a:satMod val="110000"/>
+                <a:lumMod val="100000"/>
+                <a:shade val="100000"/>
+              </a:schemeClr>
+            </a:gs>
+            <a:gs pos="100000">
+              <a:schemeClr val="phClr">
+                <a:lumMod val="99000"/>
+                <a:satMod val="120000"/>
+                <a:shade val="78000"/>
+              </a:schemeClr>
+            </a:gs>
+          </a:gsLst>
+          <a:lin ang="5400000" scaled="0"/>
+        </a:gradFill>
+      </a:fillStyleLst>
+      <a:lnStyleLst>
+        <a:ln w="6350" cap="flat" cmpd="sng" algn="ctr">
+          <a:solidFill>
+            <a:schemeClr val="phClr"/>
+          </a:solidFill>
+          <a:prstDash val="solid"/>
+          <a:miter lim="800000"/>
+        </a:ln>
+        <a:ln w="12700" cap="flat" cmpd="sng" algn="ctr">
+          <a:solidFill>
+            <a:schemeClr val="phClr"/>
+          </a:solidFill>
+          <a:prstDash val="solid"/>
+          <a:miter lim="800000"/>
+        </a:ln>
+        <a:ln w="19050" cap="flat" cmpd="sng" algn="ctr">
+          <a:solidFill>
+            <a:schemeClr val="phClr"/>
+          </a:solidFill>
+          <a:prstDash val="solid"/>
+          <a:miter lim="800000"/>
+        </a:ln>
+      </a:lnStyleLst>
+      <a:effectStyleLst>
+        <a:effectStyle>
+          <a:effectLst/>
+        </a:effectStyle>
+        <a:effectStyle>
+          <a:effectLst/>
+        </a:effectStyle>
+        <a:effectStyle>
+          <a:effectLst>
+            <a:outerShdw blurRad="57150" dist="19050" dir="5400000" algn="ctr" rotWithShape="0">
+              <a:srgbClr val="000000">
+                <a:alpha val="63000"/>
+              </a:srgbClr>
+            </a:outerShdw>
+          </a:effectLst>
+        </a:effectStyle>
+      </a:effectStyleLst>
+      <a:bgFillStyleLst>
+        <a:solidFill>
+          <a:schemeClr val="phClr"/>
+        </a:solidFill>
+        <a:solidFill>
+          <a:schemeClr val="phClr">
+            <a:tint val="95000"/>
+            <a:satMod val="170000"/>
+          </a:schemeClr>
+        </a:solidFill>
+        <a:gradFill rotWithShape="1">
+          <a:gsLst>
+            <a:gs pos="0">
+              <a:schemeClr val="phClr">
+                <a:tint val="93000"/>
+                <a:satMod val="150000"/>
+                <a:shade val="98000"/>
+                <a:lumMod val="102000"/>
+              </a:schemeClr>
+            </a:gs>
+            <a:gs pos="50000">
+              <a:schemeClr val="phClr">
+                <a:tint val="98000"/>
+                <a:satMod val="130000"/>
+                <a:shade val="90000"/>
+                <a:lumMod val="103000"/>
+              </a:schemeClr>
+            </a:gs>
+            <a:gs pos="100000">
+              <a:schemeClr val="phClr">
+                <a:shade val="63000"/>
+                <a:satMod val="120000"/>
+              </a:schemeClr>
+            </a:gs>
+          </a:gsLst>
+          <a:lin ang="5400000" scaled="0"/>
+        </a:gradFill>
+      </a:bgFillStyleLst>
+    </a:fmtScheme>
+  </a:themeElements>
+  <a:objectDefaults/>
+  <a:extraClrSchemeLst/>
+  <a:extLst>
+    <a:ext uri="{05A4C25C-085E-4340-85A3-A5531E510DB2}">
+      <thm15:themeFamily xmlns:thm15="http://schemas.microsoft.com/office/thememl/2012/main" name="Office Theme" id="{62F939B6-93AF-4DB8-9C6B-D6C7DFDC589F}" vid="{4A3C46E8-61CC-4603-A589-7422A47A8E4A}"/>
+    </a:ext>
+  </a:extLst>
+</a:theme>
 </file>
--- a/00-Intro/L00-Intro.pptx
+++ b/00-Intro/L00-Intro.pptx
@@ -5,7 +5,7 @@
     <p:sldMasterId id="2147483660" r:id="rId1"/>
   </p:sldMasterIdLst>
   <p:notesMasterIdLst>
-    <p:notesMasterId r:id="rId12"/>
+    <p:notesMasterId r:id="rId13"/>
   </p:notesMasterIdLst>
   <p:sldIdLst>
     <p:sldId id="262" r:id="rId2"/>
@@ -16,8 +16,9 @@
     <p:sldId id="263" r:id="rId7"/>
     <p:sldId id="268" r:id="rId8"/>
     <p:sldId id="269" r:id="rId9"/>
-    <p:sldId id="266" r:id="rId10"/>
-    <p:sldId id="270" r:id="rId11"/>
+    <p:sldId id="271" r:id="rId10"/>
+    <p:sldId id="266" r:id="rId11"/>
+    <p:sldId id="270" r:id="rId12"/>
   </p:sldIdLst>
   <p:sldSz cx="12192000" cy="6858000"/>
   <p:notesSz cx="6858000" cy="9144000"/>
@@ -217,7 +218,7 @@
           <a:p>
             <a:fld id="{5FBB3532-E6E7-47FF-97C8-85EE7A0CBD49}" type="datetimeFigureOut">
               <a:rPr lang="en-US" smtClean="0"/>
-              <a:t>2023-04-17</a:t>
+              <a:t>2023-04-18</a:t>
             </a:fld>
             <a:endParaRPr lang="en-US"/>
           </a:p>
@@ -727,7 +728,7 @@
           <a:p>
             <a:fld id="{098A0168-EB40-45AF-89A1-87DE0A55FFC6}" type="datetime1">
               <a:rPr lang="en-US" smtClean="0"/>
-              <a:t>2023-04-17</a:t>
+              <a:t>2023-04-18</a:t>
             </a:fld>
             <a:endParaRPr lang="en-US"/>
           </a:p>
@@ -978,7 +979,7 @@
           <a:p>
             <a:fld id="{8F8CA68F-747D-436A-B5BB-2EBC3ED499E4}" type="datetime1">
               <a:rPr lang="en-US" smtClean="0"/>
-              <a:t>2023-04-17</a:t>
+              <a:t>2023-04-18</a:t>
             </a:fld>
             <a:endParaRPr lang="en-US"/>
           </a:p>
@@ -1188,7 +1189,7 @@
           <a:p>
             <a:fld id="{6DD8DC11-9E39-40A0-B3DC-E3F2AD04A616}" type="datetime1">
               <a:rPr lang="en-US" smtClean="0"/>
-              <a:t>2023-04-17</a:t>
+              <a:t>2023-04-18</a:t>
             </a:fld>
             <a:endParaRPr lang="en-US"/>
           </a:p>
@@ -1398,7 +1399,7 @@
           <a:p>
             <a:fld id="{BE0A88F0-556B-4BB7-8AAB-D63AEB65C662}" type="datetime1">
               <a:rPr lang="en-US" smtClean="0"/>
-              <a:t>2023-04-17</a:t>
+              <a:t>2023-04-18</a:t>
             </a:fld>
             <a:endParaRPr lang="en-US"/>
           </a:p>
@@ -1715,7 +1716,7 @@
           <a:p>
             <a:fld id="{60E05506-6815-4E0E-B1DE-ECA35C2016DF}" type="datetime1">
               <a:rPr lang="en-US" smtClean="0"/>
-              <a:t>2023-04-17</a:t>
+              <a:t>2023-04-18</a:t>
             </a:fld>
             <a:endParaRPr lang="en-US"/>
           </a:p>
@@ -1988,7 +1989,7 @@
           <a:p>
             <a:fld id="{FC6E85F7-A724-48A4-9D33-CEBC5174E865}" type="datetime1">
               <a:rPr lang="en-US" smtClean="0"/>
-              <a:t>2023-04-17</a:t>
+              <a:t>2023-04-18</a:t>
             </a:fld>
             <a:endParaRPr lang="en-US"/>
           </a:p>
@@ -2499,7 +2500,7 @@
           <a:p>
             <a:fld id="{42806E7A-BDD3-46A3-BEE2-EB821F9236B4}" type="datetime1">
               <a:rPr lang="en-US" smtClean="0"/>
-              <a:t>2023-04-17</a:t>
+              <a:t>2023-04-18</a:t>
             </a:fld>
             <a:endParaRPr lang="en-US"/>
           </a:p>
@@ -2732,7 +2733,7 @@
           <a:p>
             <a:fld id="{9ED1540C-9440-4E7A-B71A-BEFEE06869E3}" type="datetime1">
               <a:rPr lang="en-US" smtClean="0"/>
-              <a:t>2023-04-17</a:t>
+              <a:t>2023-04-18</a:t>
             </a:fld>
             <a:endParaRPr lang="en-US"/>
           </a:p>
@@ -2845,7 +2846,7 @@
           <a:p>
             <a:fld id="{E0318DDB-88AC-4039-B59C-B05DC4C9C16C}" type="datetime1">
               <a:rPr lang="en-US" smtClean="0"/>
-              <a:t>2023-04-17</a:t>
+              <a:t>2023-04-18</a:t>
             </a:fld>
             <a:endParaRPr lang="en-US"/>
           </a:p>
@@ -3160,7 +3161,7 @@
           <a:p>
             <a:fld id="{E082ABFB-60E7-4BA1-866A-7059F058065B}" type="datetime1">
               <a:rPr lang="en-US" smtClean="0"/>
-              <a:t>2023-04-17</a:t>
+              <a:t>2023-04-18</a:t>
             </a:fld>
             <a:endParaRPr lang="en-US"/>
           </a:p>
@@ -3452,7 +3453,7 @@
           <a:p>
             <a:fld id="{2694112F-55F4-4776-A323-7418930321C8}" type="datetime1">
               <a:rPr lang="en-US" smtClean="0"/>
-              <a:t>2023-04-17</a:t>
+              <a:t>2023-04-18</a:t>
             </a:fld>
             <a:endParaRPr lang="en-US"/>
           </a:p>
@@ -3747,7 +3748,7 @@
           <a:p>
             <a:fld id="{CFBEA57F-793F-4683-BD8A-741FD4B89154}" type="datetime1">
               <a:rPr lang="en-US" smtClean="0"/>
-              <a:t>2023-04-17</a:t>
+              <a:t>2023-04-18</a:t>
             </a:fld>
             <a:endParaRPr lang="en-US" dirty="0"/>
           </a:p>
@@ -4375,7 +4376,7 @@
           <a:p>
             <a:fld id="{098A0168-EB40-45AF-89A1-87DE0A55FFC6}" type="datetime1">
               <a:rPr lang="en-US" smtClean="0"/>
-              <a:t>2023-04-17</a:t>
+              <a:t>2023-04-18</a:t>
             </a:fld>
             <a:endParaRPr lang="en-US" dirty="0"/>
           </a:p>
@@ -4470,7 +4471,7 @@
           <p:cNvPr id="2" name="Title 1">
             <a:extLst>
               <a:ext uri="{FF2B5EF4-FFF2-40B4-BE49-F238E27FC236}">
-                <a16:creationId xmlns:a16="http://schemas.microsoft.com/office/drawing/2014/main" id="{F3D27326-8460-E1D2-ED62-CCC39AFB98BB}"/>
+                <a16:creationId xmlns:a16="http://schemas.microsoft.com/office/drawing/2014/main" id="{9196807D-3425-239C-C382-D5304E2F7199}"/>
               </a:ext>
             </a:extLst>
           </p:cNvPr>
@@ -4488,7 +4489,7 @@
           <a:p>
             <a:r>
               <a:rPr lang="en-US" dirty="0"/>
-              <a:t>New Course Structure and Goals</a:t>
+              <a:t>Schedule</a:t>
             </a:r>
           </a:p>
         </p:txBody>
@@ -4498,7 +4499,7 @@
           <p:cNvPr id="3" name="Content Placeholder 2">
             <a:extLst>
               <a:ext uri="{FF2B5EF4-FFF2-40B4-BE49-F238E27FC236}">
-                <a16:creationId xmlns:a16="http://schemas.microsoft.com/office/drawing/2014/main" id="{DC289EAC-EB0B-8817-05D1-BEC8ED2570B7}"/>
+                <a16:creationId xmlns:a16="http://schemas.microsoft.com/office/drawing/2014/main" id="{CE42CBB8-E0AB-D6F2-CFE0-20EB2E517E12}"/>
               </a:ext>
             </a:extLst>
           </p:cNvPr>
@@ -4509,52 +4510,60 @@
             <p:ph idx="1"/>
           </p:nvPr>
         </p:nvSpPr>
+        <p:spPr>
+          <a:xfrm>
+            <a:off x="838199" y="2108596"/>
+            <a:ext cx="9527275" cy="1936502"/>
+          </a:xfrm>
+        </p:spPr>
+        <p:txBody>
+          <a:bodyPr/>
+          <a:lstStyle/>
+          <a:p>
+            <a:r>
+              <a:rPr lang="en-US" dirty="0"/>
+              <a:t>Class: Tuesday 2-4 PM MST</a:t>
+            </a:r>
+          </a:p>
+          <a:p>
+            <a:r>
+              <a:rPr lang="en-US" dirty="0"/>
+              <a:t>Online writing hours: M-F 1-3 PM MST</a:t>
+            </a:r>
+          </a:p>
+          <a:p>
+            <a:pPr lvl="1"/>
+            <a:r>
+              <a:rPr lang="en-US" dirty="0"/>
+              <a:t>Discord</a:t>
+            </a:r>
+          </a:p>
+        </p:txBody>
+      </p:sp>
+      <p:sp>
+        <p:nvSpPr>
+          <p:cNvPr id="5" name="Date Placeholder 4">
+            <a:extLst>
+              <a:ext uri="{FF2B5EF4-FFF2-40B4-BE49-F238E27FC236}">
+                <a16:creationId xmlns:a16="http://schemas.microsoft.com/office/drawing/2014/main" id="{5DAD1E14-564F-0DAC-19B8-5EAB275E71AF}"/>
+              </a:ext>
+            </a:extLst>
+          </p:cNvPr>
+          <p:cNvSpPr>
+            <a:spLocks noGrp="1"/>
+          </p:cNvSpPr>
+          <p:nvPr>
+            <p:ph type="dt" sz="half" idx="10"/>
+          </p:nvPr>
+        </p:nvSpPr>
         <p:spPr/>
         <p:txBody>
           <a:bodyPr/>
           <a:lstStyle/>
           <a:p>
-            <a:r>
-              <a:rPr lang="en-US" dirty="0"/>
-              <a:t>Need your feedback throughout the process</a:t>
-            </a:r>
-          </a:p>
-          <a:p>
-            <a:r>
-              <a:rPr lang="en-US" dirty="0"/>
-              <a:t>Fist to five</a:t>
-            </a:r>
-            <a:r>
-              <a:rPr lang="en-US"/>
-              <a:t>, understanding</a:t>
-            </a:r>
-          </a:p>
-        </p:txBody>
-      </p:sp>
-      <p:sp>
-        <p:nvSpPr>
-          <p:cNvPr id="4" name="Date Placeholder 3">
-            <a:extLst>
-              <a:ext uri="{FF2B5EF4-FFF2-40B4-BE49-F238E27FC236}">
-                <a16:creationId xmlns:a16="http://schemas.microsoft.com/office/drawing/2014/main" id="{A020FE18-D571-F6D8-601B-A1127FE7E5DF}"/>
-              </a:ext>
-            </a:extLst>
-          </p:cNvPr>
-          <p:cNvSpPr>
-            <a:spLocks noGrp="1"/>
-          </p:cNvSpPr>
-          <p:nvPr>
-            <p:ph type="dt" sz="half" idx="10"/>
-          </p:nvPr>
-        </p:nvSpPr>
-        <p:spPr/>
-        <p:txBody>
-          <a:bodyPr/>
-          <a:lstStyle/>
-          <a:p>
-            <a:fld id="{BE0A88F0-556B-4BB7-8AAB-D63AEB65C662}" type="datetime1">
+            <a:fld id="{FC6E85F7-A724-48A4-9D33-CEBC5174E865}" type="datetime1">
               <a:rPr lang="en-US" smtClean="0"/>
-              <a:t>2023-04-17</a:t>
+              <a:t>2023-04-18</a:t>
             </a:fld>
             <a:endParaRPr lang="en-US"/>
           </a:p>
@@ -4562,10 +4571,10 @@
       </p:sp>
       <p:sp>
         <p:nvSpPr>
-          <p:cNvPr id="5" name="Footer Placeholder 4">
-            <a:extLst>
-              <a:ext uri="{FF2B5EF4-FFF2-40B4-BE49-F238E27FC236}">
-                <a16:creationId xmlns:a16="http://schemas.microsoft.com/office/drawing/2014/main" id="{A7251DB1-E98E-5192-2CB1-D4D8C096B166}"/>
+          <p:cNvPr id="6" name="Footer Placeholder 5">
+            <a:extLst>
+              <a:ext uri="{FF2B5EF4-FFF2-40B4-BE49-F238E27FC236}">
+                <a16:creationId xmlns:a16="http://schemas.microsoft.com/office/drawing/2014/main" id="{4D489174-0254-0D01-E256-C7054FFA020E}"/>
               </a:ext>
             </a:extLst>
           </p:cNvPr>
@@ -4587,10 +4596,10 @@
       </p:sp>
       <p:sp>
         <p:nvSpPr>
-          <p:cNvPr id="6" name="Slide Number Placeholder 5">
-            <a:extLst>
-              <a:ext uri="{FF2B5EF4-FFF2-40B4-BE49-F238E27FC236}">
-                <a16:creationId xmlns:a16="http://schemas.microsoft.com/office/drawing/2014/main" id="{D7A6630D-4D7A-796A-D243-F9D040930F1B}"/>
+          <p:cNvPr id="7" name="Slide Number Placeholder 6">
+            <a:extLst>
+              <a:ext uri="{FF2B5EF4-FFF2-40B4-BE49-F238E27FC236}">
+                <a16:creationId xmlns:a16="http://schemas.microsoft.com/office/drawing/2014/main" id="{DCC3C7CD-060C-EB6B-5FD0-B4CD31091566}"/>
               </a:ext>
             </a:extLst>
           </p:cNvPr>
@@ -4609,6 +4618,249 @@
             <a:fld id="{81D2C36F-4504-47C0-B82F-A167342A2754}" type="slidenum">
               <a:rPr lang="en-US" smtClean="0"/>
               <a:t>10</a:t>
+            </a:fld>
+            <a:endParaRPr lang="en-US"/>
+          </a:p>
+        </p:txBody>
+      </p:sp>
+      <p:graphicFrame>
+        <p:nvGraphicFramePr>
+          <p:cNvPr id="8" name="Content Placeholder 7">
+            <a:extLst>
+              <a:ext uri="{FF2B5EF4-FFF2-40B4-BE49-F238E27FC236}">
+                <a16:creationId xmlns:a16="http://schemas.microsoft.com/office/drawing/2014/main" id="{A218A5D3-706B-BCE0-30A7-C7331D26FA57}"/>
+              </a:ext>
+            </a:extLst>
+          </p:cNvPr>
+          <p:cNvGraphicFramePr>
+            <a:graphicFrameLocks noGrp="1" noChangeAspect="1"/>
+          </p:cNvGraphicFramePr>
+          <p:nvPr>
+            <p:ph sz="half" idx="4294967295"/>
+            <p:extLst>
+              <p:ext uri="{D42A27DB-BD31-4B8C-83A1-F6EECF244321}">
+                <p14:modId xmlns:p14="http://schemas.microsoft.com/office/powerpoint/2010/main" val="120814693"/>
+              </p:ext>
+            </p:extLst>
+          </p:nvPr>
+        </p:nvGraphicFramePr>
+        <p:xfrm>
+          <a:off x="800100" y="4168775"/>
+          <a:ext cx="9496425" cy="1736725"/>
+        </p:xfrm>
+        <a:graphic>
+          <a:graphicData uri="http://schemas.openxmlformats.org/presentationml/2006/ole">
+            <mc:AlternateContent xmlns:mc="http://schemas.openxmlformats.org/markup-compatibility/2006">
+              <mc:Choice xmlns:v="urn:schemas-microsoft-com:vml" Requires="v">
+                <p:oleObj name="Worksheet" r:id="rId2" imgW="10467885" imgH="1914564" progId="Excel.Sheet.12">
+                  <p:link updateAutomatic="1"/>
+                </p:oleObj>
+              </mc:Choice>
+              <mc:Fallback>
+                <p:oleObj name="Worksheet" r:id="rId2" imgW="10467885" imgH="1914564" progId="Excel.Sheet.12">
+                  <p:link updateAutomatic="1"/>
+                  <p:pic>
+                    <p:nvPicPr>
+                      <p:cNvPr id="0" name=""/>
+                      <p:cNvPicPr/>
+                      <p:nvPr/>
+                    </p:nvPicPr>
+                    <p:blipFill>
+                      <a:blip r:embed="rId3"/>
+                      <a:stretch>
+                        <a:fillRect/>
+                      </a:stretch>
+                    </p:blipFill>
+                    <p:spPr>
+                      <a:xfrm>
+                        <a:off x="800100" y="4168775"/>
+                        <a:ext cx="9496425" cy="1736725"/>
+                      </a:xfrm>
+                      <a:prstGeom prst="rect">
+                        <a:avLst/>
+                      </a:prstGeom>
+                    </p:spPr>
+                  </p:pic>
+                </p:oleObj>
+              </mc:Fallback>
+            </mc:AlternateContent>
+          </a:graphicData>
+        </a:graphic>
+      </p:graphicFrame>
+    </p:spTree>
+    <p:extLst>
+      <p:ext uri="{BB962C8B-B14F-4D97-AF65-F5344CB8AC3E}">
+        <p14:creationId xmlns:p14="http://schemas.microsoft.com/office/powerpoint/2010/main" val="3376932600"/>
+      </p:ext>
+    </p:extLst>
+  </p:cSld>
+  <p:clrMapOvr>
+    <a:masterClrMapping/>
+  </p:clrMapOvr>
+</p:sld>
+</file>
+
+<file path=ppt/slides/slide11.xml><?xml version="1.0" encoding="utf-8"?>
+<p:sld xmlns:a="http://schemas.openxmlformats.org/drawingml/2006/main" xmlns:r="http://schemas.openxmlformats.org/officeDocument/2006/relationships" xmlns:p="http://schemas.openxmlformats.org/presentationml/2006/main">
+  <p:cSld>
+    <p:spTree>
+      <p:nvGrpSpPr>
+        <p:cNvPr id="1" name=""/>
+        <p:cNvGrpSpPr/>
+        <p:nvPr/>
+      </p:nvGrpSpPr>
+      <p:grpSpPr>
+        <a:xfrm>
+          <a:off x="0" y="0"/>
+          <a:ext cx="0" cy="0"/>
+          <a:chOff x="0" y="0"/>
+          <a:chExt cx="0" cy="0"/>
+        </a:xfrm>
+      </p:grpSpPr>
+      <p:sp>
+        <p:nvSpPr>
+          <p:cNvPr id="2" name="Title 1">
+            <a:extLst>
+              <a:ext uri="{FF2B5EF4-FFF2-40B4-BE49-F238E27FC236}">
+                <a16:creationId xmlns:a16="http://schemas.microsoft.com/office/drawing/2014/main" id="{F3D27326-8460-E1D2-ED62-CCC39AFB98BB}"/>
+              </a:ext>
+            </a:extLst>
+          </p:cNvPr>
+          <p:cNvSpPr>
+            <a:spLocks noGrp="1"/>
+          </p:cNvSpPr>
+          <p:nvPr>
+            <p:ph type="title"/>
+          </p:nvPr>
+        </p:nvSpPr>
+        <p:spPr/>
+        <p:txBody>
+          <a:bodyPr/>
+          <a:lstStyle/>
+          <a:p>
+            <a:r>
+              <a:rPr lang="en-US" dirty="0"/>
+              <a:t>New Course Structure and Goals</a:t>
+            </a:r>
+          </a:p>
+        </p:txBody>
+      </p:sp>
+      <p:sp>
+        <p:nvSpPr>
+          <p:cNvPr id="3" name="Content Placeholder 2">
+            <a:extLst>
+              <a:ext uri="{FF2B5EF4-FFF2-40B4-BE49-F238E27FC236}">
+                <a16:creationId xmlns:a16="http://schemas.microsoft.com/office/drawing/2014/main" id="{DC289EAC-EB0B-8817-05D1-BEC8ED2570B7}"/>
+              </a:ext>
+            </a:extLst>
+          </p:cNvPr>
+          <p:cNvSpPr>
+            <a:spLocks noGrp="1"/>
+          </p:cNvSpPr>
+          <p:nvPr>
+            <p:ph idx="1"/>
+          </p:nvPr>
+        </p:nvSpPr>
+        <p:spPr/>
+        <p:txBody>
+          <a:bodyPr/>
+          <a:lstStyle/>
+          <a:p>
+            <a:r>
+              <a:rPr lang="en-US" dirty="0"/>
+              <a:t>Need your feedback throughout the process</a:t>
+            </a:r>
+          </a:p>
+          <a:p>
+            <a:r>
+              <a:rPr lang="en-US" dirty="0"/>
+              <a:t>Fist to five</a:t>
+            </a:r>
+            <a:r>
+              <a:rPr lang="en-US"/>
+              <a:t>, understanding</a:t>
+            </a:r>
+          </a:p>
+        </p:txBody>
+      </p:sp>
+      <p:sp>
+        <p:nvSpPr>
+          <p:cNvPr id="4" name="Date Placeholder 3">
+            <a:extLst>
+              <a:ext uri="{FF2B5EF4-FFF2-40B4-BE49-F238E27FC236}">
+                <a16:creationId xmlns:a16="http://schemas.microsoft.com/office/drawing/2014/main" id="{A020FE18-D571-F6D8-601B-A1127FE7E5DF}"/>
+              </a:ext>
+            </a:extLst>
+          </p:cNvPr>
+          <p:cNvSpPr>
+            <a:spLocks noGrp="1"/>
+          </p:cNvSpPr>
+          <p:nvPr>
+            <p:ph type="dt" sz="half" idx="10"/>
+          </p:nvPr>
+        </p:nvSpPr>
+        <p:spPr/>
+        <p:txBody>
+          <a:bodyPr/>
+          <a:lstStyle/>
+          <a:p>
+            <a:fld id="{BE0A88F0-556B-4BB7-8AAB-D63AEB65C662}" type="datetime1">
+              <a:rPr lang="en-US" smtClean="0"/>
+              <a:t>2023-04-18</a:t>
+            </a:fld>
+            <a:endParaRPr lang="en-US"/>
+          </a:p>
+        </p:txBody>
+      </p:sp>
+      <p:sp>
+        <p:nvSpPr>
+          <p:cNvPr id="5" name="Footer Placeholder 4">
+            <a:extLst>
+              <a:ext uri="{FF2B5EF4-FFF2-40B4-BE49-F238E27FC236}">
+                <a16:creationId xmlns:a16="http://schemas.microsoft.com/office/drawing/2014/main" id="{A7251DB1-E98E-5192-2CB1-D4D8C096B166}"/>
+              </a:ext>
+            </a:extLst>
+          </p:cNvPr>
+          <p:cNvSpPr>
+            <a:spLocks noGrp="1"/>
+          </p:cNvSpPr>
+          <p:nvPr>
+            <p:ph type="ftr" sz="quarter" idx="11"/>
+          </p:nvPr>
+        </p:nvSpPr>
+        <p:spPr/>
+        <p:txBody>
+          <a:bodyPr/>
+          <a:lstStyle/>
+          <a:p>
+            <a:endParaRPr lang="en-US"/>
+          </a:p>
+        </p:txBody>
+      </p:sp>
+      <p:sp>
+        <p:nvSpPr>
+          <p:cNvPr id="6" name="Slide Number Placeholder 5">
+            <a:extLst>
+              <a:ext uri="{FF2B5EF4-FFF2-40B4-BE49-F238E27FC236}">
+                <a16:creationId xmlns:a16="http://schemas.microsoft.com/office/drawing/2014/main" id="{D7A6630D-4D7A-796A-D243-F9D040930F1B}"/>
+              </a:ext>
+            </a:extLst>
+          </p:cNvPr>
+          <p:cNvSpPr>
+            <a:spLocks noGrp="1"/>
+          </p:cNvSpPr>
+          <p:nvPr>
+            <p:ph type="sldNum" sz="quarter" idx="12"/>
+          </p:nvPr>
+        </p:nvSpPr>
+        <p:spPr/>
+        <p:txBody>
+          <a:bodyPr/>
+          <a:lstStyle/>
+          <a:p>
+            <a:fld id="{81D2C36F-4504-47C0-B82F-A167342A2754}" type="slidenum">
+              <a:rPr lang="en-US" smtClean="0"/>
+              <a:t>11</a:t>
             </a:fld>
             <a:endParaRPr lang="en-US"/>
           </a:p>
@@ -5337,7 +5589,7 @@
                   <a:spcPts val="600"/>
                 </a:spcAft>
               </a:pPr>
-              <a:t>2023-04-17</a:t>
+              <a:t>2023-04-18</a:t>
             </a:fld>
             <a:endParaRPr lang="en-US"/>
           </a:p>
@@ -5793,7 +6045,7 @@
           <a:p>
             <a:fld id="{FC6E85F7-A724-48A4-9D33-CEBC5174E865}" type="datetime1">
               <a:rPr lang="en-US" smtClean="0"/>
-              <a:t>2023-04-17</a:t>
+              <a:t>2023-04-18</a:t>
             </a:fld>
             <a:endParaRPr lang="en-US"/>
           </a:p>
@@ -5974,7 +6226,7 @@
           <a:p>
             <a:fld id="{FC6E85F7-A724-48A4-9D33-CEBC5174E865}" type="datetime1">
               <a:rPr lang="en-US" smtClean="0"/>
-              <a:t>2023-04-17</a:t>
+              <a:t>2023-04-18</a:t>
             </a:fld>
             <a:endParaRPr lang="en-US"/>
           </a:p>
@@ -6772,7 +7024,7 @@
                   <a:spcPts val="600"/>
                 </a:spcAft>
               </a:pPr>
-              <a:t>2023-04-17</a:t>
+              <a:t>2023-04-18</a:t>
             </a:fld>
             <a:endParaRPr lang="en-US"/>
           </a:p>
@@ -7274,7 +7526,7 @@
           <a:p>
             <a:fld id="{FC6E85F7-A724-48A4-9D33-CEBC5174E865}" type="datetime1">
               <a:rPr lang="en-US" smtClean="0"/>
-              <a:t>2023-04-17</a:t>
+              <a:t>2023-04-18</a:t>
             </a:fld>
             <a:endParaRPr lang="en-US"/>
           </a:p>
@@ -7415,7 +7667,7 @@
           <a:p>
             <a:fld id="{FC6E85F7-A724-48A4-9D33-CEBC5174E865}" type="datetime1">
               <a:rPr lang="en-US" smtClean="0"/>
-              <a:t>2023-04-17</a:t>
+              <a:t>2023-04-18</a:t>
             </a:fld>
             <a:endParaRPr lang="en-US"/>
           </a:p>
@@ -8259,7 +8511,7 @@
                   <a:spcPts val="600"/>
                 </a:spcAft>
               </a:pPr>
-              <a:t>2023-04-17</a:t>
+              <a:t>2023-04-18</a:t>
             </a:fld>
             <a:endParaRPr lang="en-US"/>
           </a:p>
@@ -8569,7 +8821,7 @@
           <p:cNvPr id="2" name="Title 1">
             <a:extLst>
               <a:ext uri="{FF2B5EF4-FFF2-40B4-BE49-F238E27FC236}">
-                <a16:creationId xmlns:a16="http://schemas.microsoft.com/office/drawing/2014/main" id="{9196807D-3425-239C-C382-D5304E2F7199}"/>
+                <a16:creationId xmlns:a16="http://schemas.microsoft.com/office/drawing/2014/main" id="{DDF20FA9-C164-F262-7F5D-27B1897AF4A5}"/>
               </a:ext>
             </a:extLst>
           </p:cNvPr>
@@ -8587,7 +8839,7 @@
           <a:p>
             <a:r>
               <a:rPr lang="en-US" dirty="0"/>
-              <a:t>Schedule</a:t>
+              <a:t>How?</a:t>
             </a:r>
           </a:p>
         </p:txBody>
@@ -8597,44 +8849,51 @@
           <p:cNvPr id="3" name="Content Placeholder 2">
             <a:extLst>
               <a:ext uri="{FF2B5EF4-FFF2-40B4-BE49-F238E27FC236}">
-                <a16:creationId xmlns:a16="http://schemas.microsoft.com/office/drawing/2014/main" id="{CE42CBB8-E0AB-D6F2-CFE0-20EB2E517E12}"/>
-              </a:ext>
-            </a:extLst>
-          </p:cNvPr>
-          <p:cNvSpPr>
-            <a:spLocks noGrp="1"/>
-          </p:cNvSpPr>
-          <p:nvPr>
-            <p:ph idx="1"/>
-          </p:nvPr>
-        </p:nvSpPr>
-        <p:spPr>
-          <a:xfrm>
-            <a:off x="838199" y="2108596"/>
-            <a:ext cx="9527275" cy="1936502"/>
-          </a:xfrm>
-        </p:spPr>
+                <a16:creationId xmlns:a16="http://schemas.microsoft.com/office/drawing/2014/main" id="{D92E0518-C785-5ABC-0D22-E26CE1F89B4D}"/>
+              </a:ext>
+            </a:extLst>
+          </p:cNvPr>
+          <p:cNvSpPr>
+            <a:spLocks noGrp="1"/>
+          </p:cNvSpPr>
+          <p:nvPr>
+            <p:ph sz="half" idx="1"/>
+          </p:nvPr>
+        </p:nvSpPr>
+        <p:spPr/>
         <p:txBody>
           <a:bodyPr/>
           <a:lstStyle/>
           <a:p>
             <a:r>
               <a:rPr lang="en-US" dirty="0"/>
-              <a:t>Class: Tuesday 2-4 PM MST</a:t>
-            </a:r>
-          </a:p>
-          <a:p>
-            <a:r>
-              <a:rPr lang="en-US" dirty="0"/>
-              <a:t>Online writing hours: M-F 1-3 PM MST</a:t>
-            </a:r>
-          </a:p>
-          <a:p>
-            <a:pPr lvl="1"/>
-            <a:r>
-              <a:rPr lang="en-US" dirty="0"/>
-              <a:t>Discord</a:t>
-            </a:r>
+              <a:t>Groups of 3-5 will be reviewing each other’s work each week.</a:t>
+            </a:r>
+          </a:p>
+        </p:txBody>
+      </p:sp>
+      <p:sp>
+        <p:nvSpPr>
+          <p:cNvPr id="4" name="Content Placeholder 3">
+            <a:extLst>
+              <a:ext uri="{FF2B5EF4-FFF2-40B4-BE49-F238E27FC236}">
+                <a16:creationId xmlns:a16="http://schemas.microsoft.com/office/drawing/2014/main" id="{491CEA13-5B7C-48ED-4CE2-68B408AC41AC}"/>
+              </a:ext>
+            </a:extLst>
+          </p:cNvPr>
+          <p:cNvSpPr>
+            <a:spLocks noGrp="1"/>
+          </p:cNvSpPr>
+          <p:nvPr>
+            <p:ph sz="half" idx="2"/>
+          </p:nvPr>
+        </p:nvSpPr>
+        <p:spPr/>
+        <p:txBody>
+          <a:bodyPr/>
+          <a:lstStyle/>
+          <a:p>
+            <a:endParaRPr lang="en-US"/>
           </a:p>
         </p:txBody>
       </p:sp>
@@ -8643,7 +8902,7 @@
           <p:cNvPr id="5" name="Date Placeholder 4">
             <a:extLst>
               <a:ext uri="{FF2B5EF4-FFF2-40B4-BE49-F238E27FC236}">
-                <a16:creationId xmlns:a16="http://schemas.microsoft.com/office/drawing/2014/main" id="{5DAD1E14-564F-0DAC-19B8-5EAB275E71AF}"/>
+                <a16:creationId xmlns:a16="http://schemas.microsoft.com/office/drawing/2014/main" id="{E8D96E84-8FE6-7E34-8A3F-36BE87C643C9}"/>
               </a:ext>
             </a:extLst>
           </p:cNvPr>
@@ -8661,7 +8920,7 @@
           <a:p>
             <a:fld id="{FC6E85F7-A724-48A4-9D33-CEBC5174E865}" type="datetime1">
               <a:rPr lang="en-US" smtClean="0"/>
-              <a:t>2023-04-17</a:t>
+              <a:t>2023-04-18</a:t>
             </a:fld>
             <a:endParaRPr lang="en-US"/>
           </a:p>
@@ -8672,7 +8931,7 @@
           <p:cNvPr id="6" name="Footer Placeholder 5">
             <a:extLst>
               <a:ext uri="{FF2B5EF4-FFF2-40B4-BE49-F238E27FC236}">
-                <a16:creationId xmlns:a16="http://schemas.microsoft.com/office/drawing/2014/main" id="{4D489174-0254-0D01-E256-C7054FFA020E}"/>
+                <a16:creationId xmlns:a16="http://schemas.microsoft.com/office/drawing/2014/main" id="{BF65EB04-6192-AEF2-0565-2F6925FEB2CE}"/>
               </a:ext>
             </a:extLst>
           </p:cNvPr>
@@ -8697,7 +8956,7 @@
           <p:cNvPr id="7" name="Slide Number Placeholder 6">
             <a:extLst>
               <a:ext uri="{FF2B5EF4-FFF2-40B4-BE49-F238E27FC236}">
-                <a16:creationId xmlns:a16="http://schemas.microsoft.com/office/drawing/2014/main" id="{DCC3C7CD-060C-EB6B-5FD0-B4CD31091566}"/>
+                <a16:creationId xmlns:a16="http://schemas.microsoft.com/office/drawing/2014/main" id="{DAB84B19-84F7-2761-AE64-D99D8CB51CF6}"/>
               </a:ext>
             </a:extLst>
           </p:cNvPr>
@@ -8721,74 +8980,10 @@
           </a:p>
         </p:txBody>
       </p:sp>
-      <p:graphicFrame>
-        <p:nvGraphicFramePr>
-          <p:cNvPr id="8" name="Content Placeholder 7">
-            <a:extLst>
-              <a:ext uri="{FF2B5EF4-FFF2-40B4-BE49-F238E27FC236}">
-                <a16:creationId xmlns:a16="http://schemas.microsoft.com/office/drawing/2014/main" id="{A218A5D3-706B-BCE0-30A7-C7331D26FA57}"/>
-              </a:ext>
-            </a:extLst>
-          </p:cNvPr>
-          <p:cNvGraphicFramePr>
-            <a:graphicFrameLocks noGrp="1" noChangeAspect="1"/>
-          </p:cNvGraphicFramePr>
-          <p:nvPr>
-            <p:ph sz="half" idx="4294967295"/>
-            <p:extLst>
-              <p:ext uri="{D42A27DB-BD31-4B8C-83A1-F6EECF244321}">
-                <p14:modId xmlns:p14="http://schemas.microsoft.com/office/powerpoint/2010/main" val="3301344905"/>
-              </p:ext>
-            </p:extLst>
-          </p:nvPr>
-        </p:nvGraphicFramePr>
-        <p:xfrm>
-          <a:off x="646113" y="4168775"/>
-          <a:ext cx="9804400" cy="1736725"/>
-        </p:xfrm>
-        <a:graphic>
-          <a:graphicData uri="http://schemas.openxmlformats.org/presentationml/2006/ole">
-            <mc:AlternateContent xmlns:mc="http://schemas.openxmlformats.org/markup-compatibility/2006">
-              <mc:Choice xmlns:v="urn:schemas-microsoft-com:vml" Requires="v">
-                <p:oleObj name="Worksheet" r:id="rId2" imgW="8658171" imgH="1533667" progId="Excel.Sheet.12">
-                  <p:link updateAutomatic="1"/>
-                </p:oleObj>
-              </mc:Choice>
-              <mc:Fallback>
-                <p:oleObj name="Worksheet" r:id="rId2" imgW="8658171" imgH="1533667" progId="Excel.Sheet.12">
-                  <p:link updateAutomatic="1"/>
-                  <p:pic>
-                    <p:nvPicPr>
-                      <p:cNvPr id="0" name=""/>
-                      <p:cNvPicPr/>
-                      <p:nvPr/>
-                    </p:nvPicPr>
-                    <p:blipFill>
-                      <a:blip r:embed="rId3"/>
-                      <a:stretch>
-                        <a:fillRect/>
-                      </a:stretch>
-                    </p:blipFill>
-                    <p:spPr>
-                      <a:xfrm>
-                        <a:off x="646113" y="4168775"/>
-                        <a:ext cx="9804400" cy="1736725"/>
-                      </a:xfrm>
-                      <a:prstGeom prst="rect">
-                        <a:avLst/>
-                      </a:prstGeom>
-                    </p:spPr>
-                  </p:pic>
-                </p:oleObj>
-              </mc:Fallback>
-            </mc:AlternateContent>
-          </a:graphicData>
-        </a:graphic>
-      </p:graphicFrame>
     </p:spTree>
     <p:extLst>
       <p:ext uri="{BB962C8B-B14F-4D97-AF65-F5344CB8AC3E}">
-        <p14:creationId xmlns:p14="http://schemas.microsoft.com/office/powerpoint/2010/main" val="3376932600"/>
+        <p14:creationId xmlns:p14="http://schemas.microsoft.com/office/powerpoint/2010/main" val="2173809178"/>
       </p:ext>
     </p:extLst>
   </p:cSld>

--- a/00-Intro/L00-Intro.pptx
+++ b/00-Intro/L00-Intro.pptx
@@ -136,6 +136,4491 @@
 </p:presentation>
 </file>
 
+<file path=ppt/diagrams/colors1.xml><?xml version="1.0" encoding="utf-8"?>
+<dgm:colorsDef xmlns:dgm="http://schemas.openxmlformats.org/drawingml/2006/diagram" xmlns:a="http://schemas.openxmlformats.org/drawingml/2006/main" uniqueId="urn:microsoft.com/office/officeart/2005/8/colors/colorful1">
+  <dgm:title val=""/>
+  <dgm:desc val=""/>
+  <dgm:catLst>
+    <dgm:cat type="colorful" pri="10100"/>
+  </dgm:catLst>
+  <dgm:styleLbl name="node0">
+    <dgm:fillClrLst meth="repeat">
+      <a:schemeClr val="accent1"/>
+    </dgm:fillClrLst>
+    <dgm:linClrLst meth="repeat">
+      <a:schemeClr val="lt1"/>
+    </dgm:linClrLst>
+    <dgm:effectClrLst/>
+    <dgm:txLinClrLst/>
+    <dgm:txFillClrLst/>
+    <dgm:txEffectClrLst/>
+  </dgm:styleLbl>
+  <dgm:styleLbl name="node1">
+    <dgm:fillClrLst meth="repeat">
+      <a:schemeClr val="accent2"/>
+      <a:schemeClr val="accent3"/>
+      <a:schemeClr val="accent4"/>
+      <a:schemeClr val="accent5"/>
+      <a:schemeClr val="accent6"/>
+    </dgm:fillClrLst>
+    <dgm:linClrLst meth="repeat">
+      <a:schemeClr val="lt1"/>
+    </dgm:linClrLst>
+    <dgm:effectClrLst/>
+    <dgm:txLinClrLst/>
+    <dgm:txFillClrLst/>
+    <dgm:txEffectClrLst/>
+  </dgm:styleLbl>
+  <dgm:styleLbl name="alignNode1">
+    <dgm:fillClrLst meth="repeat">
+      <a:schemeClr val="accent2"/>
+      <a:schemeClr val="accent3"/>
+      <a:schemeClr val="accent4"/>
+      <a:schemeClr val="accent5"/>
+      <a:schemeClr val="accent6"/>
+    </dgm:fillClrLst>
+    <dgm:linClrLst meth="repeat">
+      <a:schemeClr val="accent2"/>
+      <a:schemeClr val="accent3"/>
+      <a:schemeClr val="accent4"/>
+      <a:schemeClr val="accent5"/>
+      <a:schemeClr val="accent6"/>
+    </dgm:linClrLst>
+    <dgm:effectClrLst/>
+    <dgm:txLinClrLst/>
+    <dgm:txFillClrLst/>
+    <dgm:txEffectClrLst/>
+  </dgm:styleLbl>
+  <dgm:styleLbl name="lnNode1">
+    <dgm:fillClrLst meth="repeat">
+      <a:schemeClr val="accent2"/>
+      <a:schemeClr val="accent3"/>
+      <a:schemeClr val="accent4"/>
+      <a:schemeClr val="accent5"/>
+      <a:schemeClr val="accent6"/>
+    </dgm:fillClrLst>
+    <dgm:linClrLst meth="repeat">
+      <a:schemeClr val="lt1"/>
+    </dgm:linClrLst>
+    <dgm:effectClrLst/>
+    <dgm:txLinClrLst/>
+    <dgm:txFillClrLst/>
+    <dgm:txEffectClrLst/>
+  </dgm:styleLbl>
+  <dgm:styleLbl name="vennNode1">
+    <dgm:fillClrLst meth="repeat">
+      <a:schemeClr val="accent2">
+        <a:alpha val="50000"/>
+      </a:schemeClr>
+      <a:schemeClr val="accent3">
+        <a:alpha val="50000"/>
+      </a:schemeClr>
+      <a:schemeClr val="accent4">
+        <a:alpha val="50000"/>
+      </a:schemeClr>
+      <a:schemeClr val="accent5">
+        <a:alpha val="50000"/>
+      </a:schemeClr>
+      <a:schemeClr val="accent6">
+        <a:alpha val="50000"/>
+      </a:schemeClr>
+    </dgm:fillClrLst>
+    <dgm:linClrLst meth="repeat">
+      <a:schemeClr val="lt1"/>
+    </dgm:linClrLst>
+    <dgm:effectClrLst/>
+    <dgm:txLinClrLst/>
+    <dgm:txFillClrLst/>
+    <dgm:txEffectClrLst/>
+  </dgm:styleLbl>
+  <dgm:styleLbl name="node2">
+    <dgm:fillClrLst>
+      <a:schemeClr val="accent2"/>
+    </dgm:fillClrLst>
+    <dgm:linClrLst meth="repeat">
+      <a:schemeClr val="lt1"/>
+    </dgm:linClrLst>
+    <dgm:effectClrLst/>
+    <dgm:txLinClrLst/>
+    <dgm:txFillClrLst/>
+    <dgm:txEffectClrLst/>
+  </dgm:styleLbl>
+  <dgm:styleLbl name="node3">
+    <dgm:fillClrLst>
+      <a:schemeClr val="accent3"/>
+    </dgm:fillClrLst>
+    <dgm:linClrLst meth="repeat">
+      <a:schemeClr val="lt1"/>
+    </dgm:linClrLst>
+    <dgm:effectClrLst/>
+    <dgm:txLinClrLst/>
+    <dgm:txFillClrLst/>
+    <dgm:txEffectClrLst/>
+  </dgm:styleLbl>
+  <dgm:styleLbl name="node4">
+    <dgm:fillClrLst>
+      <a:schemeClr val="accent4"/>
+    </dgm:fillClrLst>
+    <dgm:linClrLst meth="repeat">
+      <a:schemeClr val="lt1"/>
+    </dgm:linClrLst>
+    <dgm:effectClrLst/>
+    <dgm:txLinClrLst/>
+    <dgm:txFillClrLst/>
+    <dgm:txEffectClrLst/>
+  </dgm:styleLbl>
+  <dgm:styleLbl name="fgImgPlace1">
+    <dgm:fillClrLst meth="repeat">
+      <a:schemeClr val="accent2">
+        <a:tint val="50000"/>
+      </a:schemeClr>
+      <a:schemeClr val="accent3">
+        <a:tint val="50000"/>
+      </a:schemeClr>
+      <a:schemeClr val="accent4">
+        <a:tint val="50000"/>
+      </a:schemeClr>
+      <a:schemeClr val="accent5">
+        <a:tint val="50000"/>
+      </a:schemeClr>
+      <a:schemeClr val="accent6">
+        <a:tint val="50000"/>
+      </a:schemeClr>
+    </dgm:fillClrLst>
+    <dgm:linClrLst meth="repeat">
+      <a:schemeClr val="lt1"/>
+    </dgm:linClrLst>
+    <dgm:effectClrLst/>
+    <dgm:txLinClrLst/>
+    <dgm:txFillClrLst meth="repeat">
+      <a:schemeClr val="lt1"/>
+    </dgm:txFillClrLst>
+    <dgm:txEffectClrLst/>
+  </dgm:styleLbl>
+  <dgm:styleLbl name="alignImgPlace1">
+    <dgm:fillClrLst>
+      <a:schemeClr val="accent1">
+        <a:tint val="50000"/>
+      </a:schemeClr>
+      <a:schemeClr val="accent2">
+        <a:tint val="20000"/>
+      </a:schemeClr>
+    </dgm:fillClrLst>
+    <dgm:linClrLst meth="repeat">
+      <a:schemeClr val="lt1"/>
+    </dgm:linClrLst>
+    <dgm:effectClrLst/>
+    <dgm:txLinClrLst/>
+    <dgm:txFillClrLst meth="repeat">
+      <a:schemeClr val="lt1"/>
+    </dgm:txFillClrLst>
+    <dgm:txEffectClrLst/>
+  </dgm:styleLbl>
+  <dgm:styleLbl name="bgImgPlace1">
+    <dgm:fillClrLst>
+      <a:schemeClr val="accent1">
+        <a:tint val="50000"/>
+      </a:schemeClr>
+      <a:schemeClr val="accent2">
+        <a:tint val="20000"/>
+      </a:schemeClr>
+    </dgm:fillClrLst>
+    <dgm:linClrLst meth="repeat">
+      <a:schemeClr val="lt1"/>
+    </dgm:linClrLst>
+    <dgm:effectClrLst/>
+    <dgm:txLinClrLst/>
+    <dgm:txFillClrLst meth="repeat">
+      <a:schemeClr val="lt1"/>
+    </dgm:txFillClrLst>
+    <dgm:txEffectClrLst/>
+  </dgm:styleLbl>
+  <dgm:styleLbl name="sibTrans2D1">
+    <dgm:fillClrLst meth="repeat">
+      <a:schemeClr val="accent2"/>
+      <a:schemeClr val="accent3"/>
+      <a:schemeClr val="accent4"/>
+      <a:schemeClr val="accent5"/>
+      <a:schemeClr val="accent6"/>
+    </dgm:fillClrLst>
+    <dgm:linClrLst meth="cycle">
+      <a:schemeClr val="lt1"/>
+    </dgm:linClrLst>
+    <dgm:effectClrLst/>
+    <dgm:txLinClrLst/>
+    <dgm:txFillClrLst/>
+    <dgm:txEffectClrLst/>
+  </dgm:styleLbl>
+  <dgm:styleLbl name="fgSibTrans2D1">
+    <dgm:fillClrLst meth="repeat">
+      <a:schemeClr val="accent2"/>
+      <a:schemeClr val="accent3"/>
+      <a:schemeClr val="accent4"/>
+      <a:schemeClr val="accent5"/>
+      <a:schemeClr val="accent6"/>
+    </dgm:fillClrLst>
+    <dgm:linClrLst meth="cycle">
+      <a:schemeClr val="lt1"/>
+    </dgm:linClrLst>
+    <dgm:effectClrLst/>
+    <dgm:txLinClrLst/>
+    <dgm:txFillClrLst meth="repeat">
+      <a:schemeClr val="lt1"/>
+    </dgm:txFillClrLst>
+    <dgm:txEffectClrLst/>
+  </dgm:styleLbl>
+  <dgm:styleLbl name="bgSibTrans2D1">
+    <dgm:fillClrLst meth="repeat">
+      <a:schemeClr val="accent2"/>
+      <a:schemeClr val="accent3"/>
+      <a:schemeClr val="accent4"/>
+      <a:schemeClr val="accent5"/>
+      <a:schemeClr val="accent6"/>
+    </dgm:fillClrLst>
+    <dgm:linClrLst meth="cycle">
+      <a:schemeClr val="lt1"/>
+    </dgm:linClrLst>
+    <dgm:effectClrLst/>
+    <dgm:txLinClrLst/>
+    <dgm:txFillClrLst meth="repeat">
+      <a:schemeClr val="lt1"/>
+    </dgm:txFillClrLst>
+    <dgm:txEffectClrLst/>
+  </dgm:styleLbl>
+  <dgm:styleLbl name="sibTrans1D1">
+    <dgm:fillClrLst meth="repeat">
+      <a:schemeClr val="accent2"/>
+      <a:schemeClr val="accent3"/>
+      <a:schemeClr val="accent4"/>
+      <a:schemeClr val="accent5"/>
+      <a:schemeClr val="accent6"/>
+    </dgm:fillClrLst>
+    <dgm:linClrLst meth="repeat">
+      <a:schemeClr val="accent2"/>
+      <a:schemeClr val="accent3"/>
+      <a:schemeClr val="accent4"/>
+      <a:schemeClr val="accent5"/>
+      <a:schemeClr val="accent6"/>
+    </dgm:linClrLst>
+    <dgm:effectClrLst/>
+    <dgm:txLinClrLst/>
+    <dgm:txFillClrLst meth="repeat">
+      <a:schemeClr val="tx1"/>
+    </dgm:txFillClrLst>
+    <dgm:txEffectClrLst/>
+  </dgm:styleLbl>
+  <dgm:styleLbl name="callout">
+    <dgm:fillClrLst meth="repeat">
+      <a:schemeClr val="accent2"/>
+    </dgm:fillClrLst>
+    <dgm:linClrLst meth="repeat">
+      <a:schemeClr val="accent2">
+        <a:tint val="50000"/>
+      </a:schemeClr>
+    </dgm:linClrLst>
+    <dgm:effectClrLst/>
+    <dgm:txLinClrLst/>
+    <dgm:txFillClrLst meth="repeat">
+      <a:schemeClr val="tx1"/>
+    </dgm:txFillClrLst>
+    <dgm:txEffectClrLst/>
+  </dgm:styleLbl>
+  <dgm:styleLbl name="asst0">
+    <dgm:fillClrLst meth="repeat">
+      <a:schemeClr val="accent1"/>
+    </dgm:fillClrLst>
+    <dgm:linClrLst meth="repeat">
+      <a:schemeClr val="lt1"/>
+    </dgm:linClrLst>
+    <dgm:effectClrLst/>
+    <dgm:txLinClrLst/>
+    <dgm:txFillClrLst/>
+    <dgm:txEffectClrLst/>
+  </dgm:styleLbl>
+  <dgm:styleLbl name="asst1">
+    <dgm:fillClrLst meth="repeat">
+      <a:schemeClr val="accent2"/>
+    </dgm:fillClrLst>
+    <dgm:linClrLst meth="repeat">
+      <a:schemeClr val="lt1"/>
+    </dgm:linClrLst>
+    <dgm:effectClrLst/>
+    <dgm:txLinClrLst/>
+    <dgm:txFillClrLst/>
+    <dgm:txEffectClrLst/>
+  </dgm:styleLbl>
+  <dgm:styleLbl name="asst2">
+    <dgm:fillClrLst>
+      <a:schemeClr val="accent3"/>
+    </dgm:fillClrLst>
+    <dgm:linClrLst meth="repeat">
+      <a:schemeClr val="lt1"/>
+    </dgm:linClrLst>
+    <dgm:effectClrLst/>
+    <dgm:txLinClrLst/>
+    <dgm:txFillClrLst/>
+    <dgm:txEffectClrLst/>
+  </dgm:styleLbl>
+  <dgm:styleLbl name="asst3">
+    <dgm:fillClrLst>
+      <a:schemeClr val="accent4"/>
+    </dgm:fillClrLst>
+    <dgm:linClrLst meth="repeat">
+      <a:schemeClr val="lt1"/>
+    </dgm:linClrLst>
+    <dgm:effectClrLst/>
+    <dgm:txLinClrLst/>
+    <dgm:txFillClrLst/>
+    <dgm:txEffectClrLst/>
+  </dgm:styleLbl>
+  <dgm:styleLbl name="asst4">
+    <dgm:fillClrLst>
+      <a:schemeClr val="accent5"/>
+    </dgm:fillClrLst>
+    <dgm:linClrLst meth="repeat">
+      <a:schemeClr val="lt1"/>
+    </dgm:linClrLst>
+    <dgm:effectClrLst/>
+    <dgm:txLinClrLst/>
+    <dgm:txFillClrLst/>
+    <dgm:txEffectClrLst/>
+  </dgm:styleLbl>
+  <dgm:styleLbl name="parChTrans2D1">
+    <dgm:fillClrLst meth="repeat">
+      <a:schemeClr val="accent2"/>
+    </dgm:fillClrLst>
+    <dgm:linClrLst meth="repeat">
+      <a:schemeClr val="lt1"/>
+    </dgm:linClrLst>
+    <dgm:effectClrLst/>
+    <dgm:txLinClrLst/>
+    <dgm:txFillClrLst meth="repeat">
+      <a:schemeClr val="lt1"/>
+    </dgm:txFillClrLst>
+    <dgm:txEffectClrLst/>
+  </dgm:styleLbl>
+  <dgm:styleLbl name="parChTrans2D2">
+    <dgm:fillClrLst meth="repeat">
+      <a:schemeClr val="accent3"/>
+    </dgm:fillClrLst>
+    <dgm:linClrLst meth="repeat">
+      <a:schemeClr val="lt1"/>
+    </dgm:linClrLst>
+    <dgm:effectClrLst/>
+    <dgm:txLinClrLst/>
+    <dgm:txFillClrLst/>
+    <dgm:txEffectClrLst/>
+  </dgm:styleLbl>
+  <dgm:styleLbl name="parChTrans2D3">
+    <dgm:fillClrLst meth="repeat">
+      <a:schemeClr val="accent4"/>
+    </dgm:fillClrLst>
+    <dgm:linClrLst meth="repeat">
+      <a:schemeClr val="lt1"/>
+    </dgm:linClrLst>
+    <dgm:effectClrLst/>
+    <dgm:txLinClrLst/>
+    <dgm:txFillClrLst/>
+    <dgm:txEffectClrLst/>
+  </dgm:styleLbl>
+  <dgm:styleLbl name="parChTrans2D4">
+    <dgm:fillClrLst meth="repeat">
+      <a:schemeClr val="accent5"/>
+    </dgm:fillClrLst>
+    <dgm:linClrLst meth="repeat">
+      <a:schemeClr val="lt1"/>
+    </dgm:linClrLst>
+    <dgm:effectClrLst/>
+    <dgm:txLinClrLst/>
+    <dgm:txFillClrLst meth="repeat">
+      <a:schemeClr val="lt1"/>
+    </dgm:txFillClrLst>
+    <dgm:txEffectClrLst/>
+  </dgm:styleLbl>
+  <dgm:styleLbl name="parChTrans1D1">
+    <dgm:fillClrLst meth="repeat">
+      <a:schemeClr val="accent2"/>
+    </dgm:fillClrLst>
+    <dgm:linClrLst meth="repeat">
+      <a:schemeClr val="accent1"/>
+    </dgm:linClrLst>
+    <dgm:effectClrLst/>
+    <dgm:txLinClrLst/>
+    <dgm:txFillClrLst meth="repeat">
+      <a:schemeClr val="tx1"/>
+    </dgm:txFillClrLst>
+    <dgm:txEffectClrLst/>
+  </dgm:styleLbl>
+  <dgm:styleLbl name="parChTrans1D2">
+    <dgm:fillClrLst meth="repeat">
+      <a:schemeClr val="accent3">
+        <a:tint val="90000"/>
+      </a:schemeClr>
+    </dgm:fillClrLst>
+    <dgm:linClrLst meth="repeat">
+      <a:schemeClr val="accent2"/>
+    </dgm:linClrLst>
+    <dgm:effectClrLst/>
+    <dgm:txLinClrLst/>
+    <dgm:txFillClrLst meth="repeat">
+      <a:schemeClr val="tx1"/>
+    </dgm:txFillClrLst>
+    <dgm:txEffectClrLst/>
+  </dgm:styleLbl>
+  <dgm:styleLbl name="parChTrans1D3">
+    <dgm:fillClrLst meth="repeat">
+      <a:schemeClr val="accent4">
+        <a:tint val="70000"/>
+      </a:schemeClr>
+    </dgm:fillClrLst>
+    <dgm:linClrLst meth="repeat">
+      <a:schemeClr val="accent3"/>
+    </dgm:linClrLst>
+    <dgm:effectClrLst/>
+    <dgm:txLinClrLst/>
+    <dgm:txFillClrLst meth="repeat">
+      <a:schemeClr val="tx1"/>
+    </dgm:txFillClrLst>
+    <dgm:txEffectClrLst/>
+  </dgm:styleLbl>
+  <dgm:styleLbl name="parChTrans1D4">
+    <dgm:fillClrLst meth="repeat">
+      <a:schemeClr val="accent5">
+        <a:tint val="50000"/>
+      </a:schemeClr>
+    </dgm:fillClrLst>
+    <dgm:linClrLst meth="repeat">
+      <a:schemeClr val="accent4"/>
+    </dgm:linClrLst>
+    <dgm:effectClrLst/>
+    <dgm:txLinClrLst/>
+    <dgm:txFillClrLst meth="repeat">
+      <a:schemeClr val="tx1"/>
+    </dgm:txFillClrLst>
+    <dgm:txEffectClrLst/>
+  </dgm:styleLbl>
+  <dgm:styleLbl name="fgAcc1">
+    <dgm:fillClrLst meth="repeat">
+      <a:schemeClr val="lt1">
+        <a:alpha val="90000"/>
+      </a:schemeClr>
+    </dgm:fillClrLst>
+    <dgm:linClrLst meth="repeat">
+      <a:schemeClr val="accent2"/>
+      <a:schemeClr val="accent3"/>
+      <a:schemeClr val="accent4"/>
+      <a:schemeClr val="accent5"/>
+      <a:schemeClr val="accent6"/>
+    </dgm:linClrLst>
+    <dgm:effectClrLst/>
+    <dgm:txLinClrLst/>
+    <dgm:txFillClrLst meth="repeat">
+      <a:schemeClr val="dk1"/>
+    </dgm:txFillClrLst>
+    <dgm:txEffectClrLst/>
+  </dgm:styleLbl>
+  <dgm:styleLbl name="conFgAcc1">
+    <dgm:fillClrLst meth="repeat">
+      <a:schemeClr val="lt1">
+        <a:alpha val="90000"/>
+      </a:schemeClr>
+    </dgm:fillClrLst>
+    <dgm:linClrLst meth="repeat">
+      <a:schemeClr val="accent2"/>
+      <a:schemeClr val="accent3"/>
+      <a:schemeClr val="accent4"/>
+      <a:schemeClr val="accent5"/>
+      <a:schemeClr val="accent6"/>
+    </dgm:linClrLst>
+    <dgm:effectClrLst/>
+    <dgm:txLinClrLst/>
+    <dgm:txFillClrLst meth="repeat">
+      <a:schemeClr val="dk1"/>
+    </dgm:txFillClrLst>
+    <dgm:txEffectClrLst/>
+  </dgm:styleLbl>
+  <dgm:styleLbl name="alignAcc1">
+    <dgm:fillClrLst meth="repeat">
+      <a:schemeClr val="lt1">
+        <a:alpha val="90000"/>
+      </a:schemeClr>
+    </dgm:fillClrLst>
+    <dgm:linClrLst meth="repeat">
+      <a:schemeClr val="accent2"/>
+      <a:schemeClr val="accent3"/>
+      <a:schemeClr val="accent4"/>
+      <a:schemeClr val="accent5"/>
+      <a:schemeClr val="accent6"/>
+    </dgm:linClrLst>
+    <dgm:effectClrLst/>
+    <dgm:txLinClrLst/>
+    <dgm:txFillClrLst meth="repeat">
+      <a:schemeClr val="dk1"/>
+    </dgm:txFillClrLst>
+    <dgm:txEffectClrLst/>
+  </dgm:styleLbl>
+  <dgm:styleLbl name="trAlignAcc1">
+    <dgm:fillClrLst meth="repeat">
+      <a:schemeClr val="lt1">
+        <a:alpha val="40000"/>
+      </a:schemeClr>
+    </dgm:fillClrLst>
+    <dgm:linClrLst meth="repeat">
+      <a:schemeClr val="accent1"/>
+    </dgm:linClrLst>
+    <dgm:effectClrLst/>
+    <dgm:txLinClrLst/>
+    <dgm:txFillClrLst meth="repeat">
+      <a:schemeClr val="dk1"/>
+    </dgm:txFillClrLst>
+    <dgm:txEffectClrLst/>
+  </dgm:styleLbl>
+  <dgm:styleLbl name="bgAcc1">
+    <dgm:fillClrLst meth="repeat">
+      <a:schemeClr val="lt1">
+        <a:alpha val="90000"/>
+      </a:schemeClr>
+    </dgm:fillClrLst>
+    <dgm:linClrLst meth="repeat">
+      <a:schemeClr val="accent2"/>
+      <a:schemeClr val="accent3"/>
+      <a:schemeClr val="accent4"/>
+      <a:schemeClr val="accent5"/>
+      <a:schemeClr val="accent6"/>
+    </dgm:linClrLst>
+    <dgm:effectClrLst/>
+    <dgm:txLinClrLst/>
+    <dgm:txFillClrLst meth="repeat">
+      <a:schemeClr val="dk1"/>
+    </dgm:txFillClrLst>
+    <dgm:txEffectClrLst/>
+  </dgm:styleLbl>
+  <dgm:styleLbl name="solidFgAcc1">
+    <dgm:fillClrLst meth="repeat">
+      <a:schemeClr val="lt1"/>
+    </dgm:fillClrLst>
+    <dgm:linClrLst meth="repeat">
+      <a:schemeClr val="accent2"/>
+      <a:schemeClr val="accent3"/>
+      <a:schemeClr val="accent4"/>
+      <a:schemeClr val="accent5"/>
+      <a:schemeClr val="accent6"/>
+    </dgm:linClrLst>
+    <dgm:effectClrLst/>
+    <dgm:txLinClrLst/>
+    <dgm:txFillClrLst meth="repeat">
+      <a:schemeClr val="dk1"/>
+    </dgm:txFillClrLst>
+    <dgm:txEffectClrLst/>
+  </dgm:styleLbl>
+  <dgm:styleLbl name="solidAlignAcc1">
+    <dgm:fillClrLst meth="repeat">
+      <a:schemeClr val="lt1"/>
+    </dgm:fillClrLst>
+    <dgm:linClrLst meth="repeat">
+      <a:schemeClr val="accent2"/>
+      <a:schemeClr val="accent3"/>
+      <a:schemeClr val="accent4"/>
+      <a:schemeClr val="accent5"/>
+      <a:schemeClr val="accent6"/>
+    </dgm:linClrLst>
+    <dgm:effectClrLst/>
+    <dgm:txLinClrLst/>
+    <dgm:txFillClrLst meth="repeat">
+      <a:schemeClr val="dk1"/>
+    </dgm:txFillClrLst>
+    <dgm:txEffectClrLst/>
+  </dgm:styleLbl>
+  <dgm:styleLbl name="solidBgAcc1">
+    <dgm:fillClrLst meth="repeat">
+      <a:schemeClr val="lt1"/>
+    </dgm:fillClrLst>
+    <dgm:linClrLst meth="repeat">
+      <a:schemeClr val="accent2"/>
+      <a:schemeClr val="accent3"/>
+      <a:schemeClr val="accent4"/>
+      <a:schemeClr val="accent5"/>
+      <a:schemeClr val="accent6"/>
+    </dgm:linClrLst>
+    <dgm:effectClrLst/>
+    <dgm:txLinClrLst/>
+    <dgm:txFillClrLst meth="repeat">
+      <a:schemeClr val="dk1"/>
+    </dgm:txFillClrLst>
+    <dgm:txEffectClrLst/>
+  </dgm:styleLbl>
+  <dgm:styleLbl name="fgAccFollowNode1">
+    <dgm:fillClrLst meth="repeat">
+      <a:schemeClr val="accent2">
+        <a:tint val="40000"/>
+        <a:alpha val="90000"/>
+      </a:schemeClr>
+      <a:schemeClr val="accent3">
+        <a:tint val="40000"/>
+        <a:alpha val="90000"/>
+      </a:schemeClr>
+      <a:schemeClr val="accent4">
+        <a:tint val="40000"/>
+        <a:alpha val="90000"/>
+      </a:schemeClr>
+      <a:schemeClr val="accent5">
+        <a:tint val="40000"/>
+        <a:alpha val="90000"/>
+      </a:schemeClr>
+      <a:schemeClr val="accent6">
+        <a:tint val="40000"/>
+        <a:alpha val="90000"/>
+      </a:schemeClr>
+    </dgm:fillClrLst>
+    <dgm:linClrLst meth="repeat">
+      <a:schemeClr val="accent2">
+        <a:tint val="40000"/>
+        <a:alpha val="90000"/>
+      </a:schemeClr>
+      <a:schemeClr val="accent3">
+        <a:tint val="40000"/>
+        <a:alpha val="90000"/>
+      </a:schemeClr>
+      <a:schemeClr val="accent4">
+        <a:tint val="40000"/>
+        <a:alpha val="90000"/>
+      </a:schemeClr>
+      <a:schemeClr val="accent5">
+        <a:tint val="40000"/>
+        <a:alpha val="90000"/>
+      </a:schemeClr>
+      <a:schemeClr val="accent6">
+        <a:tint val="40000"/>
+        <a:alpha val="90000"/>
+      </a:schemeClr>
+    </dgm:linClrLst>
+    <dgm:effectClrLst/>
+    <dgm:txLinClrLst/>
+    <dgm:txFillClrLst meth="repeat">
+      <a:schemeClr val="dk1"/>
+    </dgm:txFillClrLst>
+    <dgm:txEffectClrLst/>
+  </dgm:styleLbl>
+  <dgm:styleLbl name="alignAccFollowNode1">
+    <dgm:fillClrLst meth="repeat">
+      <a:schemeClr val="accent2">
+        <a:tint val="40000"/>
+        <a:alpha val="90000"/>
+      </a:schemeClr>
+      <a:schemeClr val="accent3">
+        <a:tint val="40000"/>
+        <a:alpha val="90000"/>
+      </a:schemeClr>
+      <a:schemeClr val="accent4">
+        <a:tint val="40000"/>
+        <a:alpha val="90000"/>
+      </a:schemeClr>
+      <a:schemeClr val="accent5">
+        <a:tint val="40000"/>
+        <a:alpha val="90000"/>
+      </a:schemeClr>
+      <a:schemeClr val="accent6">
+        <a:tint val="40000"/>
+        <a:alpha val="90000"/>
+      </a:schemeClr>
+    </dgm:fillClrLst>
+    <dgm:linClrLst meth="repeat">
+      <a:schemeClr val="accent2">
+        <a:tint val="40000"/>
+        <a:alpha val="90000"/>
+      </a:schemeClr>
+      <a:schemeClr val="accent3">
+        <a:tint val="40000"/>
+        <a:alpha val="90000"/>
+      </a:schemeClr>
+      <a:schemeClr val="accent4">
+        <a:tint val="40000"/>
+        <a:alpha val="90000"/>
+      </a:schemeClr>
+      <a:schemeClr val="accent5">
+        <a:tint val="40000"/>
+        <a:alpha val="90000"/>
+      </a:schemeClr>
+      <a:schemeClr val="accent6">
+        <a:tint val="40000"/>
+        <a:alpha val="90000"/>
+      </a:schemeClr>
+    </dgm:linClrLst>
+    <dgm:effectClrLst/>
+    <dgm:txLinClrLst/>
+    <dgm:txFillClrLst meth="repeat">
+      <a:schemeClr val="dk1"/>
+    </dgm:txFillClrLst>
+    <dgm:txEffectClrLst/>
+  </dgm:styleLbl>
+  <dgm:styleLbl name="bgAccFollowNode1">
+    <dgm:fillClrLst meth="repeat">
+      <a:schemeClr val="accent2">
+        <a:tint val="40000"/>
+        <a:alpha val="90000"/>
+      </a:schemeClr>
+      <a:schemeClr val="accent3">
+        <a:tint val="40000"/>
+        <a:alpha val="90000"/>
+      </a:schemeClr>
+      <a:schemeClr val="accent4">
+        <a:tint val="40000"/>
+        <a:alpha val="90000"/>
+      </a:schemeClr>
+      <a:schemeClr val="accent5">
+        <a:tint val="40000"/>
+        <a:alpha val="90000"/>
+      </a:schemeClr>
+      <a:schemeClr val="accent6">
+        <a:tint val="40000"/>
+        <a:alpha val="90000"/>
+      </a:schemeClr>
+    </dgm:fillClrLst>
+    <dgm:linClrLst meth="repeat">
+      <a:schemeClr val="accent2">
+        <a:tint val="40000"/>
+        <a:alpha val="90000"/>
+      </a:schemeClr>
+      <a:schemeClr val="accent3">
+        <a:tint val="40000"/>
+        <a:alpha val="90000"/>
+      </a:schemeClr>
+      <a:schemeClr val="accent4">
+        <a:tint val="40000"/>
+        <a:alpha val="90000"/>
+      </a:schemeClr>
+      <a:schemeClr val="accent5">
+        <a:tint val="40000"/>
+        <a:alpha val="90000"/>
+      </a:schemeClr>
+      <a:schemeClr val="accent6">
+        <a:tint val="40000"/>
+        <a:alpha val="90000"/>
+      </a:schemeClr>
+    </dgm:linClrLst>
+    <dgm:effectClrLst/>
+    <dgm:txLinClrLst/>
+    <dgm:txFillClrLst meth="repeat">
+      <a:schemeClr val="dk1"/>
+    </dgm:txFillClrLst>
+    <dgm:txEffectClrLst/>
+  </dgm:styleLbl>
+  <dgm:styleLbl name="fgAcc0">
+    <dgm:fillClrLst meth="repeat">
+      <a:schemeClr val="lt1">
+        <a:alpha val="90000"/>
+      </a:schemeClr>
+    </dgm:fillClrLst>
+    <dgm:linClrLst>
+      <a:schemeClr val="accent1"/>
+    </dgm:linClrLst>
+    <dgm:effectClrLst/>
+    <dgm:txLinClrLst/>
+    <dgm:txFillClrLst meth="repeat">
+      <a:schemeClr val="dk1"/>
+    </dgm:txFillClrLst>
+    <dgm:txEffectClrLst/>
+  </dgm:styleLbl>
+  <dgm:styleLbl name="fgAcc2">
+    <dgm:fillClrLst meth="repeat">
+      <a:schemeClr val="lt1">
+        <a:alpha val="90000"/>
+      </a:schemeClr>
+    </dgm:fillClrLst>
+    <dgm:linClrLst>
+      <a:schemeClr val="accent2"/>
+    </dgm:linClrLst>
+    <dgm:effectClrLst/>
+    <dgm:txLinClrLst/>
+    <dgm:txFillClrLst meth="repeat">
+      <a:schemeClr val="dk1"/>
+    </dgm:txFillClrLst>
+    <dgm:txEffectClrLst/>
+  </dgm:styleLbl>
+  <dgm:styleLbl name="fgAcc3">
+    <dgm:fillClrLst meth="repeat">
+      <a:schemeClr val="lt1">
+        <a:alpha val="90000"/>
+      </a:schemeClr>
+    </dgm:fillClrLst>
+    <dgm:linClrLst>
+      <a:schemeClr val="accent3"/>
+    </dgm:linClrLst>
+    <dgm:effectClrLst/>
+    <dgm:txLinClrLst/>
+    <dgm:txFillClrLst meth="repeat">
+      <a:schemeClr val="dk1"/>
+    </dgm:txFillClrLst>
+    <dgm:txEffectClrLst/>
+  </dgm:styleLbl>
+  <dgm:styleLbl name="fgAcc4">
+    <dgm:fillClrLst meth="repeat">
+      <a:schemeClr val="lt1">
+        <a:alpha val="90000"/>
+      </a:schemeClr>
+    </dgm:fillClrLst>
+    <dgm:linClrLst>
+      <a:schemeClr val="accent4"/>
+    </dgm:linClrLst>
+    <dgm:effectClrLst/>
+    <dgm:txLinClrLst/>
+    <dgm:txFillClrLst meth="repeat">
+      <a:schemeClr val="dk1"/>
+    </dgm:txFillClrLst>
+    <dgm:txEffectClrLst/>
+  </dgm:styleLbl>
+  <dgm:styleLbl name="bgShp">
+    <dgm:fillClrLst meth="repeat">
+      <a:schemeClr val="accent2">
+        <a:tint val="40000"/>
+      </a:schemeClr>
+    </dgm:fillClrLst>
+    <dgm:linClrLst meth="repeat">
+      <a:schemeClr val="dk1"/>
+    </dgm:linClrLst>
+    <dgm:effectClrLst/>
+    <dgm:txLinClrLst/>
+    <dgm:txFillClrLst meth="repeat">
+      <a:schemeClr val="dk1"/>
+    </dgm:txFillClrLst>
+    <dgm:txEffectClrLst/>
+  </dgm:styleLbl>
+  <dgm:styleLbl name="dkBgShp">
+    <dgm:fillClrLst meth="repeat">
+      <a:schemeClr val="accent2">
+        <a:shade val="90000"/>
+      </a:schemeClr>
+    </dgm:fillClrLst>
+    <dgm:linClrLst meth="repeat">
+      <a:schemeClr val="dk1"/>
+    </dgm:linClrLst>
+    <dgm:effectClrLst/>
+    <dgm:txLinClrLst/>
+    <dgm:txFillClrLst meth="repeat">
+      <a:schemeClr val="lt1"/>
+    </dgm:txFillClrLst>
+    <dgm:txEffectClrLst/>
+  </dgm:styleLbl>
+  <dgm:styleLbl name="trBgShp">
+    <dgm:fillClrLst meth="repeat">
+      <a:schemeClr val="accent1">
+        <a:tint val="50000"/>
+        <a:alpha val="40000"/>
+      </a:schemeClr>
+    </dgm:fillClrLst>
+    <dgm:linClrLst meth="repeat">
+      <a:schemeClr val="accent2"/>
+    </dgm:linClrLst>
+    <dgm:effectClrLst/>
+    <dgm:txLinClrLst/>
+    <dgm:txFillClrLst meth="repeat">
+      <a:schemeClr val="lt1"/>
+    </dgm:txFillClrLst>
+    <dgm:txEffectClrLst/>
+  </dgm:styleLbl>
+  <dgm:styleLbl name="fgShp">
+    <dgm:fillClrLst meth="repeat">
+      <a:schemeClr val="accent2">
+        <a:tint val="40000"/>
+      </a:schemeClr>
+    </dgm:fillClrLst>
+    <dgm:linClrLst meth="repeat">
+      <a:schemeClr val="lt1"/>
+    </dgm:linClrLst>
+    <dgm:effectClrLst/>
+    <dgm:txLinClrLst/>
+    <dgm:txFillClrLst meth="repeat">
+      <a:schemeClr val="dk1"/>
+    </dgm:txFillClrLst>
+    <dgm:txEffectClrLst/>
+  </dgm:styleLbl>
+  <dgm:styleLbl name="revTx">
+    <dgm:fillClrLst meth="repeat">
+      <a:schemeClr val="lt1">
+        <a:alpha val="0"/>
+      </a:schemeClr>
+    </dgm:fillClrLst>
+    <dgm:linClrLst meth="repeat">
+      <a:schemeClr val="dk1">
+        <a:alpha val="0"/>
+      </a:schemeClr>
+    </dgm:linClrLst>
+    <dgm:effectClrLst/>
+    <dgm:txLinClrLst/>
+    <dgm:txFillClrLst meth="repeat">
+      <a:schemeClr val="tx1"/>
+    </dgm:txFillClrLst>
+    <dgm:txEffectClrLst/>
+  </dgm:styleLbl>
+</dgm:colorsDef>
+</file>
+
+<file path=ppt/diagrams/data1.xml><?xml version="1.0" encoding="utf-8"?>
+<dgm:dataModel xmlns:dgm="http://schemas.openxmlformats.org/drawingml/2006/diagram" xmlns:a="http://schemas.openxmlformats.org/drawingml/2006/main">
+  <dgm:ptLst>
+    <dgm:pt modelId="{A04D7B78-F6DC-4167-8E34-AD07A75212BF}" type="doc">
+      <dgm:prSet loTypeId="urn:microsoft.com/office/officeart/2008/layout/VerticalCurvedList" loCatId="list" qsTypeId="urn:microsoft.com/office/officeart/2005/8/quickstyle/simple1" qsCatId="simple" csTypeId="urn:microsoft.com/office/officeart/2005/8/colors/colorful1" csCatId="colorful" phldr="1"/>
+      <dgm:spPr/>
+      <dgm:t>
+        <a:bodyPr/>
+        <a:lstStyle/>
+        <a:p>
+          <a:endParaRPr lang="en-US"/>
+        </a:p>
+      </dgm:t>
+    </dgm:pt>
+    <dgm:pt modelId="{29A71DE1-349A-41FA-A15B-4CBBD66FC256}">
+      <dgm:prSet phldrT="[Text]"/>
+      <dgm:spPr/>
+      <dgm:t>
+        <a:bodyPr/>
+        <a:lstStyle/>
+        <a:p>
+          <a:r>
+            <a:rPr lang="en-US" dirty="0"/>
+            <a:t>Completely Understand</a:t>
+          </a:r>
+        </a:p>
+      </dgm:t>
+    </dgm:pt>
+    <dgm:pt modelId="{F0C660B3-1157-4E23-914D-7B07B55575D1}" type="parTrans" cxnId="{3982CD4A-64F2-47DF-9624-446DC382C1C3}">
+      <dgm:prSet/>
+      <dgm:spPr/>
+      <dgm:t>
+        <a:bodyPr/>
+        <a:lstStyle/>
+        <a:p>
+          <a:endParaRPr lang="en-US"/>
+        </a:p>
+      </dgm:t>
+    </dgm:pt>
+    <dgm:pt modelId="{8073BF92-6CBA-4F77-96FE-206924B999D2}" type="sibTrans" cxnId="{3982CD4A-64F2-47DF-9624-446DC382C1C3}">
+      <dgm:prSet/>
+      <dgm:spPr/>
+      <dgm:t>
+        <a:bodyPr/>
+        <a:lstStyle/>
+        <a:p>
+          <a:endParaRPr lang="en-US"/>
+        </a:p>
+      </dgm:t>
+    </dgm:pt>
+    <dgm:pt modelId="{5898DD26-A814-4C08-8FE4-457023EC1786}">
+      <dgm:prSet phldrT="[Text]"/>
+      <dgm:spPr/>
+      <dgm:t>
+        <a:bodyPr/>
+        <a:lstStyle/>
+        <a:p>
+          <a:r>
+            <a:rPr lang="en-US" dirty="0"/>
+            <a:t>Mostly Understand</a:t>
+          </a:r>
+        </a:p>
+      </dgm:t>
+    </dgm:pt>
+    <dgm:pt modelId="{2B8F3062-5ED2-4FBD-9515-A157C474DAE7}" type="parTrans" cxnId="{E8B1D0AD-A212-4D64-A87E-10325DA5A257}">
+      <dgm:prSet/>
+      <dgm:spPr/>
+      <dgm:t>
+        <a:bodyPr/>
+        <a:lstStyle/>
+        <a:p>
+          <a:endParaRPr lang="en-US"/>
+        </a:p>
+      </dgm:t>
+    </dgm:pt>
+    <dgm:pt modelId="{E3209409-47E7-4122-9A90-A0D98651FED0}" type="sibTrans" cxnId="{E8B1D0AD-A212-4D64-A87E-10325DA5A257}">
+      <dgm:prSet/>
+      <dgm:spPr/>
+      <dgm:t>
+        <a:bodyPr/>
+        <a:lstStyle/>
+        <a:p>
+          <a:endParaRPr lang="en-US"/>
+        </a:p>
+      </dgm:t>
+    </dgm:pt>
+    <dgm:pt modelId="{BE0D89C9-2A98-4412-8B07-231D7D418644}">
+      <dgm:prSet phldrT="[Text]"/>
+      <dgm:spPr/>
+      <dgm:t>
+        <a:bodyPr/>
+        <a:lstStyle/>
+        <a:p>
+          <a:r>
+            <a:rPr lang="en-US" dirty="0"/>
+            <a:t>Understand Pretty Well</a:t>
+          </a:r>
+        </a:p>
+      </dgm:t>
+    </dgm:pt>
+    <dgm:pt modelId="{4FD56938-1BC6-4A36-88AD-222D9F838434}" type="parTrans" cxnId="{9FE77CEC-215B-4997-9669-A2AF078BA7D1}">
+      <dgm:prSet/>
+      <dgm:spPr/>
+      <dgm:t>
+        <a:bodyPr/>
+        <a:lstStyle/>
+        <a:p>
+          <a:endParaRPr lang="en-US"/>
+        </a:p>
+      </dgm:t>
+    </dgm:pt>
+    <dgm:pt modelId="{C1107CD5-41FA-4706-9C56-73D9DAADC3EA}" type="sibTrans" cxnId="{9FE77CEC-215B-4997-9669-A2AF078BA7D1}">
+      <dgm:prSet/>
+      <dgm:spPr/>
+      <dgm:t>
+        <a:bodyPr/>
+        <a:lstStyle/>
+        <a:p>
+          <a:endParaRPr lang="en-US"/>
+        </a:p>
+      </dgm:t>
+    </dgm:pt>
+    <dgm:pt modelId="{39C16425-1417-4435-A41F-F36728B94E00}">
+      <dgm:prSet phldrT="[Text]"/>
+      <dgm:spPr/>
+      <dgm:t>
+        <a:bodyPr/>
+        <a:lstStyle/>
+        <a:p>
+          <a:r>
+            <a:rPr lang="en-US" dirty="0"/>
+            <a:t>Could Use Practice</a:t>
+          </a:r>
+        </a:p>
+      </dgm:t>
+    </dgm:pt>
+    <dgm:pt modelId="{27E137F3-6E61-482C-ADA1-8F751E5EDFAD}" type="parTrans" cxnId="{71CD098B-AFF5-4E67-8C8C-4AFD94CCDADB}">
+      <dgm:prSet/>
+      <dgm:spPr/>
+      <dgm:t>
+        <a:bodyPr/>
+        <a:lstStyle/>
+        <a:p>
+          <a:endParaRPr lang="en-US"/>
+        </a:p>
+      </dgm:t>
+    </dgm:pt>
+    <dgm:pt modelId="{421FD411-80C2-4643-827D-3BF48B348855}" type="sibTrans" cxnId="{71CD098B-AFF5-4E67-8C8C-4AFD94CCDADB}">
+      <dgm:prSet/>
+      <dgm:spPr/>
+      <dgm:t>
+        <a:bodyPr/>
+        <a:lstStyle/>
+        <a:p>
+          <a:endParaRPr lang="en-US"/>
+        </a:p>
+      </dgm:t>
+    </dgm:pt>
+    <dgm:pt modelId="{0D76EBFC-2AF4-4509-8D1B-CC370534610D}">
+      <dgm:prSet phldrT="[Text]"/>
+      <dgm:spPr/>
+      <dgm:t>
+        <a:bodyPr/>
+        <a:lstStyle/>
+        <a:p>
+          <a:r>
+            <a:rPr lang="en-US" dirty="0"/>
+            <a:t>Need Help</a:t>
+          </a:r>
+        </a:p>
+      </dgm:t>
+    </dgm:pt>
+    <dgm:pt modelId="{893D976A-7203-4D64-9024-96F5372B6261}" type="parTrans" cxnId="{80F1B5BC-40DA-4B1B-866B-B63C60B30213}">
+      <dgm:prSet/>
+      <dgm:spPr/>
+      <dgm:t>
+        <a:bodyPr/>
+        <a:lstStyle/>
+        <a:p>
+          <a:endParaRPr lang="en-US"/>
+        </a:p>
+      </dgm:t>
+    </dgm:pt>
+    <dgm:pt modelId="{D18C7DD1-0254-4EFF-B9A9-4C3CEDEEB283}" type="sibTrans" cxnId="{80F1B5BC-40DA-4B1B-866B-B63C60B30213}">
+      <dgm:prSet/>
+      <dgm:spPr/>
+      <dgm:t>
+        <a:bodyPr/>
+        <a:lstStyle/>
+        <a:p>
+          <a:endParaRPr lang="en-US"/>
+        </a:p>
+      </dgm:t>
+    </dgm:pt>
+    <dgm:pt modelId="{C1A65B61-699B-4AE1-AEB1-65C4E311BE3E}">
+      <dgm:prSet phldrT="[Text]"/>
+      <dgm:spPr/>
+      <dgm:t>
+        <a:bodyPr/>
+        <a:lstStyle/>
+        <a:p>
+          <a:r>
+            <a:rPr lang="en-US" dirty="0"/>
+            <a:t>Don’t Understand at All</a:t>
+          </a:r>
+        </a:p>
+      </dgm:t>
+    </dgm:pt>
+    <dgm:pt modelId="{5964F819-45E3-4D31-A386-132BE4137C70}" type="parTrans" cxnId="{EAF974F0-6C29-4573-B60B-747AB2ED9098}">
+      <dgm:prSet/>
+      <dgm:spPr/>
+      <dgm:t>
+        <a:bodyPr/>
+        <a:lstStyle/>
+        <a:p>
+          <a:endParaRPr lang="en-US"/>
+        </a:p>
+      </dgm:t>
+    </dgm:pt>
+    <dgm:pt modelId="{D6B3409B-A616-4D17-83DC-27EC7B4702C1}" type="sibTrans" cxnId="{EAF974F0-6C29-4573-B60B-747AB2ED9098}">
+      <dgm:prSet/>
+      <dgm:spPr/>
+      <dgm:t>
+        <a:bodyPr/>
+        <a:lstStyle/>
+        <a:p>
+          <a:endParaRPr lang="en-US"/>
+        </a:p>
+      </dgm:t>
+    </dgm:pt>
+    <dgm:pt modelId="{C1802B39-2F88-4B2D-B84B-9519882C4AB9}" type="pres">
+      <dgm:prSet presAssocID="{A04D7B78-F6DC-4167-8E34-AD07A75212BF}" presName="Name0" presStyleCnt="0">
+        <dgm:presLayoutVars>
+          <dgm:chMax val="7"/>
+          <dgm:chPref val="7"/>
+          <dgm:dir/>
+        </dgm:presLayoutVars>
+      </dgm:prSet>
+      <dgm:spPr/>
+    </dgm:pt>
+    <dgm:pt modelId="{65CF32B0-D465-494E-A5E5-D049AD52B6E8}" type="pres">
+      <dgm:prSet presAssocID="{A04D7B78-F6DC-4167-8E34-AD07A75212BF}" presName="Name1" presStyleCnt="0"/>
+      <dgm:spPr/>
+    </dgm:pt>
+    <dgm:pt modelId="{CB0B4BA5-B51B-44EF-A8B2-4AF79354765B}" type="pres">
+      <dgm:prSet presAssocID="{A04D7B78-F6DC-4167-8E34-AD07A75212BF}" presName="cycle" presStyleCnt="0"/>
+      <dgm:spPr/>
+    </dgm:pt>
+    <dgm:pt modelId="{A6BFF93A-6E9B-4142-A025-89254F629DDE}" type="pres">
+      <dgm:prSet presAssocID="{A04D7B78-F6DC-4167-8E34-AD07A75212BF}" presName="srcNode" presStyleLbl="node1" presStyleIdx="0" presStyleCnt="6"/>
+      <dgm:spPr/>
+    </dgm:pt>
+    <dgm:pt modelId="{40D56713-CA58-4F1C-B3AC-4981E6944DFD}" type="pres">
+      <dgm:prSet presAssocID="{A04D7B78-F6DC-4167-8E34-AD07A75212BF}" presName="conn" presStyleLbl="parChTrans1D2" presStyleIdx="0" presStyleCnt="1"/>
+      <dgm:spPr/>
+    </dgm:pt>
+    <dgm:pt modelId="{485E5A3D-F2FA-4C1A-8D0C-A36BE168FDAC}" type="pres">
+      <dgm:prSet presAssocID="{A04D7B78-F6DC-4167-8E34-AD07A75212BF}" presName="extraNode" presStyleLbl="node1" presStyleIdx="0" presStyleCnt="6"/>
+      <dgm:spPr/>
+    </dgm:pt>
+    <dgm:pt modelId="{CC428696-3B73-4DA6-ACD0-483B41AB7F0B}" type="pres">
+      <dgm:prSet presAssocID="{A04D7B78-F6DC-4167-8E34-AD07A75212BF}" presName="dstNode" presStyleLbl="node1" presStyleIdx="0" presStyleCnt="6"/>
+      <dgm:spPr/>
+    </dgm:pt>
+    <dgm:pt modelId="{E42A51C7-8F73-4001-AC40-BD52905F0C13}" type="pres">
+      <dgm:prSet presAssocID="{29A71DE1-349A-41FA-A15B-4CBBD66FC256}" presName="text_1" presStyleLbl="node1" presStyleIdx="0" presStyleCnt="6">
+        <dgm:presLayoutVars>
+          <dgm:bulletEnabled val="1"/>
+        </dgm:presLayoutVars>
+      </dgm:prSet>
+      <dgm:spPr/>
+    </dgm:pt>
+    <dgm:pt modelId="{EBB864AB-E7B3-44C6-B7C0-6967899BED6D}" type="pres">
+      <dgm:prSet presAssocID="{29A71DE1-349A-41FA-A15B-4CBBD66FC256}" presName="accent_1" presStyleCnt="0"/>
+      <dgm:spPr/>
+    </dgm:pt>
+    <dgm:pt modelId="{4272E791-7657-42CA-9222-DFADF69B4AAF}" type="pres">
+      <dgm:prSet presAssocID="{29A71DE1-349A-41FA-A15B-4CBBD66FC256}" presName="accentRepeatNode" presStyleLbl="solidFgAcc1" presStyleIdx="0" presStyleCnt="6"/>
+      <dgm:spPr>
+        <a:blipFill dpi="0" rotWithShape="1">
+          <a:blip xmlns:r="http://schemas.openxmlformats.org/officeDocument/2006/relationships" r:embed="rId1">
+            <a:extLst>
+              <a:ext uri="{28A0092B-C50C-407E-A947-70E740481C1C}">
+                <a14:useLocalDpi xmlns:a14="http://schemas.microsoft.com/office/drawing/2010/main" val="0"/>
+              </a:ext>
+              <a:ext uri="{96DAC541-7B7A-43D3-8B79-37D633B846F1}">
+                <asvg:svgBlip xmlns:asvg="http://schemas.microsoft.com/office/drawing/2016/SVG/main" r:embed="rId2"/>
+              </a:ext>
+            </a:extLst>
+          </a:blip>
+          <a:srcRect/>
+          <a:stretch>
+            <a:fillRect/>
+          </a:stretch>
+        </a:blipFill>
+      </dgm:spPr>
+      <dgm:extLst>
+        <a:ext uri="{E40237B7-FDA0-4F09-8148-C483321AD2D9}">
+          <dgm14:cNvPr xmlns:dgm14="http://schemas.microsoft.com/office/drawing/2010/diagram" id="0" name="" descr="Badge 5 outline"/>
+        </a:ext>
+      </dgm:extLst>
+    </dgm:pt>
+    <dgm:pt modelId="{FA07385A-EB0C-4CFF-864D-EFB570788382}" type="pres">
+      <dgm:prSet presAssocID="{5898DD26-A814-4C08-8FE4-457023EC1786}" presName="text_2" presStyleLbl="node1" presStyleIdx="1" presStyleCnt="6">
+        <dgm:presLayoutVars>
+          <dgm:bulletEnabled val="1"/>
+        </dgm:presLayoutVars>
+      </dgm:prSet>
+      <dgm:spPr/>
+    </dgm:pt>
+    <dgm:pt modelId="{CFE77209-E5FA-4F65-B9AA-89A9038F57D1}" type="pres">
+      <dgm:prSet presAssocID="{5898DD26-A814-4C08-8FE4-457023EC1786}" presName="accent_2" presStyleCnt="0"/>
+      <dgm:spPr/>
+    </dgm:pt>
+    <dgm:pt modelId="{225E719D-3796-4B95-8BDE-AA3212605EAF}" type="pres">
+      <dgm:prSet presAssocID="{5898DD26-A814-4C08-8FE4-457023EC1786}" presName="accentRepeatNode" presStyleLbl="solidFgAcc1" presStyleIdx="1" presStyleCnt="6"/>
+      <dgm:spPr/>
+    </dgm:pt>
+    <dgm:pt modelId="{EB34C775-9E42-4B95-91B3-5F54512158F2}" type="pres">
+      <dgm:prSet presAssocID="{BE0D89C9-2A98-4412-8B07-231D7D418644}" presName="text_3" presStyleLbl="node1" presStyleIdx="2" presStyleCnt="6">
+        <dgm:presLayoutVars>
+          <dgm:bulletEnabled val="1"/>
+        </dgm:presLayoutVars>
+      </dgm:prSet>
+      <dgm:spPr/>
+    </dgm:pt>
+    <dgm:pt modelId="{782F640C-E9BC-47F5-83B7-8C1688656E61}" type="pres">
+      <dgm:prSet presAssocID="{BE0D89C9-2A98-4412-8B07-231D7D418644}" presName="accent_3" presStyleCnt="0"/>
+      <dgm:spPr/>
+    </dgm:pt>
+    <dgm:pt modelId="{7715085C-9185-4A75-AD3C-03790FC277FE}" type="pres">
+      <dgm:prSet presAssocID="{BE0D89C9-2A98-4412-8B07-231D7D418644}" presName="accentRepeatNode" presStyleLbl="solidFgAcc1" presStyleIdx="2" presStyleCnt="6"/>
+      <dgm:spPr/>
+    </dgm:pt>
+    <dgm:pt modelId="{457667A0-1E5B-4F7D-9AD8-E89D4AD98FC1}" type="pres">
+      <dgm:prSet presAssocID="{39C16425-1417-4435-A41F-F36728B94E00}" presName="text_4" presStyleLbl="node1" presStyleIdx="3" presStyleCnt="6">
+        <dgm:presLayoutVars>
+          <dgm:bulletEnabled val="1"/>
+        </dgm:presLayoutVars>
+      </dgm:prSet>
+      <dgm:spPr/>
+    </dgm:pt>
+    <dgm:pt modelId="{A779FD5A-6CFF-40FA-B7DD-747FF27C7267}" type="pres">
+      <dgm:prSet presAssocID="{39C16425-1417-4435-A41F-F36728B94E00}" presName="accent_4" presStyleCnt="0"/>
+      <dgm:spPr/>
+    </dgm:pt>
+    <dgm:pt modelId="{A040DCE0-E034-4014-BD3B-AF7952CF1F72}" type="pres">
+      <dgm:prSet presAssocID="{39C16425-1417-4435-A41F-F36728B94E00}" presName="accentRepeatNode" presStyleLbl="solidFgAcc1" presStyleIdx="3" presStyleCnt="6"/>
+      <dgm:spPr/>
+    </dgm:pt>
+    <dgm:pt modelId="{E462B0C9-5C8E-4604-938D-2FB22D9AAE8E}" type="pres">
+      <dgm:prSet presAssocID="{0D76EBFC-2AF4-4509-8D1B-CC370534610D}" presName="text_5" presStyleLbl="node1" presStyleIdx="4" presStyleCnt="6">
+        <dgm:presLayoutVars>
+          <dgm:bulletEnabled val="1"/>
+        </dgm:presLayoutVars>
+      </dgm:prSet>
+      <dgm:spPr/>
+    </dgm:pt>
+    <dgm:pt modelId="{E4A800BF-4295-4C4B-A0FC-C575F5626140}" type="pres">
+      <dgm:prSet presAssocID="{0D76EBFC-2AF4-4509-8D1B-CC370534610D}" presName="accent_5" presStyleCnt="0"/>
+      <dgm:spPr/>
+    </dgm:pt>
+    <dgm:pt modelId="{6655BD2D-776C-4A13-B0BE-A7AEC1AF5343}" type="pres">
+      <dgm:prSet presAssocID="{0D76EBFC-2AF4-4509-8D1B-CC370534610D}" presName="accentRepeatNode" presStyleLbl="solidFgAcc1" presStyleIdx="4" presStyleCnt="6"/>
+      <dgm:spPr/>
+    </dgm:pt>
+    <dgm:pt modelId="{A482E4F4-6982-42E7-8841-E2EC3CD1E29A}" type="pres">
+      <dgm:prSet presAssocID="{C1A65B61-699B-4AE1-AEB1-65C4E311BE3E}" presName="text_6" presStyleLbl="node1" presStyleIdx="5" presStyleCnt="6">
+        <dgm:presLayoutVars>
+          <dgm:bulletEnabled val="1"/>
+        </dgm:presLayoutVars>
+      </dgm:prSet>
+      <dgm:spPr/>
+    </dgm:pt>
+    <dgm:pt modelId="{BC53A80D-7DA6-4880-B4E0-F28D2F2D48E7}" type="pres">
+      <dgm:prSet presAssocID="{C1A65B61-699B-4AE1-AEB1-65C4E311BE3E}" presName="accent_6" presStyleCnt="0"/>
+      <dgm:spPr/>
+    </dgm:pt>
+    <dgm:pt modelId="{6D26134D-AABC-4AEB-AA71-0F52F7F8F7E0}" type="pres">
+      <dgm:prSet presAssocID="{C1A65B61-699B-4AE1-AEB1-65C4E311BE3E}" presName="accentRepeatNode" presStyleLbl="solidFgAcc1" presStyleIdx="5" presStyleCnt="6"/>
+      <dgm:spPr/>
+    </dgm:pt>
+  </dgm:ptLst>
+  <dgm:cxnLst>
+    <dgm:cxn modelId="{BAEB4E03-FA1A-4681-A52C-AB96D94189BC}" type="presOf" srcId="{5898DD26-A814-4C08-8FE4-457023EC1786}" destId="{FA07385A-EB0C-4CFF-864D-EFB570788382}" srcOrd="0" destOrd="0" presId="urn:microsoft.com/office/officeart/2008/layout/VerticalCurvedList"/>
+    <dgm:cxn modelId="{53C3F207-F2FE-4CA9-8425-DC41BEC59197}" type="presOf" srcId="{0D76EBFC-2AF4-4509-8D1B-CC370534610D}" destId="{E462B0C9-5C8E-4604-938D-2FB22D9AAE8E}" srcOrd="0" destOrd="0" presId="urn:microsoft.com/office/officeart/2008/layout/VerticalCurvedList"/>
+    <dgm:cxn modelId="{72F87E28-6D94-4D9A-A960-66F27E26734A}" type="presOf" srcId="{8073BF92-6CBA-4F77-96FE-206924B999D2}" destId="{40D56713-CA58-4F1C-B3AC-4981E6944DFD}" srcOrd="0" destOrd="0" presId="urn:microsoft.com/office/officeart/2008/layout/VerticalCurvedList"/>
+    <dgm:cxn modelId="{3982CD4A-64F2-47DF-9624-446DC382C1C3}" srcId="{A04D7B78-F6DC-4167-8E34-AD07A75212BF}" destId="{29A71DE1-349A-41FA-A15B-4CBBD66FC256}" srcOrd="0" destOrd="0" parTransId="{F0C660B3-1157-4E23-914D-7B07B55575D1}" sibTransId="{8073BF92-6CBA-4F77-96FE-206924B999D2}"/>
+    <dgm:cxn modelId="{3C2E6359-9E08-4BCD-AFFC-344CD682057B}" type="presOf" srcId="{C1A65B61-699B-4AE1-AEB1-65C4E311BE3E}" destId="{A482E4F4-6982-42E7-8841-E2EC3CD1E29A}" srcOrd="0" destOrd="0" presId="urn:microsoft.com/office/officeart/2008/layout/VerticalCurvedList"/>
+    <dgm:cxn modelId="{71CD098B-AFF5-4E67-8C8C-4AFD94CCDADB}" srcId="{A04D7B78-F6DC-4167-8E34-AD07A75212BF}" destId="{39C16425-1417-4435-A41F-F36728B94E00}" srcOrd="3" destOrd="0" parTransId="{27E137F3-6E61-482C-ADA1-8F751E5EDFAD}" sibTransId="{421FD411-80C2-4643-827D-3BF48B348855}"/>
+    <dgm:cxn modelId="{8175709B-1791-499A-A64D-D380FE7E3C81}" type="presOf" srcId="{29A71DE1-349A-41FA-A15B-4CBBD66FC256}" destId="{E42A51C7-8F73-4001-AC40-BD52905F0C13}" srcOrd="0" destOrd="0" presId="urn:microsoft.com/office/officeart/2008/layout/VerticalCurvedList"/>
+    <dgm:cxn modelId="{3C5AF4A7-7A21-44C7-868F-EE42F1CABDD8}" type="presOf" srcId="{BE0D89C9-2A98-4412-8B07-231D7D418644}" destId="{EB34C775-9E42-4B95-91B3-5F54512158F2}" srcOrd="0" destOrd="0" presId="urn:microsoft.com/office/officeart/2008/layout/VerticalCurvedList"/>
+    <dgm:cxn modelId="{E8B1D0AD-A212-4D64-A87E-10325DA5A257}" srcId="{A04D7B78-F6DC-4167-8E34-AD07A75212BF}" destId="{5898DD26-A814-4C08-8FE4-457023EC1786}" srcOrd="1" destOrd="0" parTransId="{2B8F3062-5ED2-4FBD-9515-A157C474DAE7}" sibTransId="{E3209409-47E7-4122-9A90-A0D98651FED0}"/>
+    <dgm:cxn modelId="{80F1B5BC-40DA-4B1B-866B-B63C60B30213}" srcId="{A04D7B78-F6DC-4167-8E34-AD07A75212BF}" destId="{0D76EBFC-2AF4-4509-8D1B-CC370534610D}" srcOrd="4" destOrd="0" parTransId="{893D976A-7203-4D64-9024-96F5372B6261}" sibTransId="{D18C7DD1-0254-4EFF-B9A9-4C3CEDEEB283}"/>
+    <dgm:cxn modelId="{A6FD7EC6-C13B-4D9E-B441-DB27C75DE925}" type="presOf" srcId="{39C16425-1417-4435-A41F-F36728B94E00}" destId="{457667A0-1E5B-4F7D-9AD8-E89D4AD98FC1}" srcOrd="0" destOrd="0" presId="urn:microsoft.com/office/officeart/2008/layout/VerticalCurvedList"/>
+    <dgm:cxn modelId="{9FE77CEC-215B-4997-9669-A2AF078BA7D1}" srcId="{A04D7B78-F6DC-4167-8E34-AD07A75212BF}" destId="{BE0D89C9-2A98-4412-8B07-231D7D418644}" srcOrd="2" destOrd="0" parTransId="{4FD56938-1BC6-4A36-88AD-222D9F838434}" sibTransId="{C1107CD5-41FA-4706-9C56-73D9DAADC3EA}"/>
+    <dgm:cxn modelId="{EAF974F0-6C29-4573-B60B-747AB2ED9098}" srcId="{A04D7B78-F6DC-4167-8E34-AD07A75212BF}" destId="{C1A65B61-699B-4AE1-AEB1-65C4E311BE3E}" srcOrd="5" destOrd="0" parTransId="{5964F819-45E3-4D31-A386-132BE4137C70}" sibTransId="{D6B3409B-A616-4D17-83DC-27EC7B4702C1}"/>
+    <dgm:cxn modelId="{D7EB4CFF-5776-42C4-9019-CFCB1EF41D22}" type="presOf" srcId="{A04D7B78-F6DC-4167-8E34-AD07A75212BF}" destId="{C1802B39-2F88-4B2D-B84B-9519882C4AB9}" srcOrd="0" destOrd="0" presId="urn:microsoft.com/office/officeart/2008/layout/VerticalCurvedList"/>
+    <dgm:cxn modelId="{B0379C11-6D3E-4D40-BDE3-8322DE5FDB86}" type="presParOf" srcId="{C1802B39-2F88-4B2D-B84B-9519882C4AB9}" destId="{65CF32B0-D465-494E-A5E5-D049AD52B6E8}" srcOrd="0" destOrd="0" presId="urn:microsoft.com/office/officeart/2008/layout/VerticalCurvedList"/>
+    <dgm:cxn modelId="{1EF589FD-C892-4EF4-838A-E457570AD422}" type="presParOf" srcId="{65CF32B0-D465-494E-A5E5-D049AD52B6E8}" destId="{CB0B4BA5-B51B-44EF-A8B2-4AF79354765B}" srcOrd="0" destOrd="0" presId="urn:microsoft.com/office/officeart/2008/layout/VerticalCurvedList"/>
+    <dgm:cxn modelId="{4AE9BA77-DC8D-4401-ACC1-BA73C9299C2F}" type="presParOf" srcId="{CB0B4BA5-B51B-44EF-A8B2-4AF79354765B}" destId="{A6BFF93A-6E9B-4142-A025-89254F629DDE}" srcOrd="0" destOrd="0" presId="urn:microsoft.com/office/officeart/2008/layout/VerticalCurvedList"/>
+    <dgm:cxn modelId="{580F71BD-67FE-4813-96B7-AEFDA2E6E122}" type="presParOf" srcId="{CB0B4BA5-B51B-44EF-A8B2-4AF79354765B}" destId="{40D56713-CA58-4F1C-B3AC-4981E6944DFD}" srcOrd="1" destOrd="0" presId="urn:microsoft.com/office/officeart/2008/layout/VerticalCurvedList"/>
+    <dgm:cxn modelId="{B5568D00-CF1F-49AE-B0F0-52F57216FE43}" type="presParOf" srcId="{CB0B4BA5-B51B-44EF-A8B2-4AF79354765B}" destId="{485E5A3D-F2FA-4C1A-8D0C-A36BE168FDAC}" srcOrd="2" destOrd="0" presId="urn:microsoft.com/office/officeart/2008/layout/VerticalCurvedList"/>
+    <dgm:cxn modelId="{2D226565-2C09-46BA-8779-C346568F6EC2}" type="presParOf" srcId="{CB0B4BA5-B51B-44EF-A8B2-4AF79354765B}" destId="{CC428696-3B73-4DA6-ACD0-483B41AB7F0B}" srcOrd="3" destOrd="0" presId="urn:microsoft.com/office/officeart/2008/layout/VerticalCurvedList"/>
+    <dgm:cxn modelId="{DC541AC5-848D-428E-9064-0C7920749BF0}" type="presParOf" srcId="{65CF32B0-D465-494E-A5E5-D049AD52B6E8}" destId="{E42A51C7-8F73-4001-AC40-BD52905F0C13}" srcOrd="1" destOrd="0" presId="urn:microsoft.com/office/officeart/2008/layout/VerticalCurvedList"/>
+    <dgm:cxn modelId="{AA83EF36-8ACD-4823-AEA2-0EF5A97A022E}" type="presParOf" srcId="{65CF32B0-D465-494E-A5E5-D049AD52B6E8}" destId="{EBB864AB-E7B3-44C6-B7C0-6967899BED6D}" srcOrd="2" destOrd="0" presId="urn:microsoft.com/office/officeart/2008/layout/VerticalCurvedList"/>
+    <dgm:cxn modelId="{E49D27C4-D846-4CC5-AE73-CA27271EFE46}" type="presParOf" srcId="{EBB864AB-E7B3-44C6-B7C0-6967899BED6D}" destId="{4272E791-7657-42CA-9222-DFADF69B4AAF}" srcOrd="0" destOrd="0" presId="urn:microsoft.com/office/officeart/2008/layout/VerticalCurvedList"/>
+    <dgm:cxn modelId="{B2B096C6-6978-45BE-898F-9E533A2204A5}" type="presParOf" srcId="{65CF32B0-D465-494E-A5E5-D049AD52B6E8}" destId="{FA07385A-EB0C-4CFF-864D-EFB570788382}" srcOrd="3" destOrd="0" presId="urn:microsoft.com/office/officeart/2008/layout/VerticalCurvedList"/>
+    <dgm:cxn modelId="{11A02C35-67C3-4F2D-8061-93A4CEA5B23D}" type="presParOf" srcId="{65CF32B0-D465-494E-A5E5-D049AD52B6E8}" destId="{CFE77209-E5FA-4F65-B9AA-89A9038F57D1}" srcOrd="4" destOrd="0" presId="urn:microsoft.com/office/officeart/2008/layout/VerticalCurvedList"/>
+    <dgm:cxn modelId="{92532B55-0D19-4E56-B997-F7E12D2FE386}" type="presParOf" srcId="{CFE77209-E5FA-4F65-B9AA-89A9038F57D1}" destId="{225E719D-3796-4B95-8BDE-AA3212605EAF}" srcOrd="0" destOrd="0" presId="urn:microsoft.com/office/officeart/2008/layout/VerticalCurvedList"/>
+    <dgm:cxn modelId="{6D9CA449-D57B-4567-8325-FF34A978B4C2}" type="presParOf" srcId="{65CF32B0-D465-494E-A5E5-D049AD52B6E8}" destId="{EB34C775-9E42-4B95-91B3-5F54512158F2}" srcOrd="5" destOrd="0" presId="urn:microsoft.com/office/officeart/2008/layout/VerticalCurvedList"/>
+    <dgm:cxn modelId="{34C94EE9-B77C-4671-9A85-3BCD95C9975B}" type="presParOf" srcId="{65CF32B0-D465-494E-A5E5-D049AD52B6E8}" destId="{782F640C-E9BC-47F5-83B7-8C1688656E61}" srcOrd="6" destOrd="0" presId="urn:microsoft.com/office/officeart/2008/layout/VerticalCurvedList"/>
+    <dgm:cxn modelId="{ACC3CDEC-68F6-438F-93E1-EEB6FECEE096}" type="presParOf" srcId="{782F640C-E9BC-47F5-83B7-8C1688656E61}" destId="{7715085C-9185-4A75-AD3C-03790FC277FE}" srcOrd="0" destOrd="0" presId="urn:microsoft.com/office/officeart/2008/layout/VerticalCurvedList"/>
+    <dgm:cxn modelId="{421CE512-3459-4E14-A1E8-285544C5665D}" type="presParOf" srcId="{65CF32B0-D465-494E-A5E5-D049AD52B6E8}" destId="{457667A0-1E5B-4F7D-9AD8-E89D4AD98FC1}" srcOrd="7" destOrd="0" presId="urn:microsoft.com/office/officeart/2008/layout/VerticalCurvedList"/>
+    <dgm:cxn modelId="{5112E683-13FC-476C-B104-5A3B4AC8EB3F}" type="presParOf" srcId="{65CF32B0-D465-494E-A5E5-D049AD52B6E8}" destId="{A779FD5A-6CFF-40FA-B7DD-747FF27C7267}" srcOrd="8" destOrd="0" presId="urn:microsoft.com/office/officeart/2008/layout/VerticalCurvedList"/>
+    <dgm:cxn modelId="{879884E3-BA34-45EE-ACCD-90F6F1EAF980}" type="presParOf" srcId="{A779FD5A-6CFF-40FA-B7DD-747FF27C7267}" destId="{A040DCE0-E034-4014-BD3B-AF7952CF1F72}" srcOrd="0" destOrd="0" presId="urn:microsoft.com/office/officeart/2008/layout/VerticalCurvedList"/>
+    <dgm:cxn modelId="{74B8535B-2F19-4C50-9909-F00A5CCFB04A}" type="presParOf" srcId="{65CF32B0-D465-494E-A5E5-D049AD52B6E8}" destId="{E462B0C9-5C8E-4604-938D-2FB22D9AAE8E}" srcOrd="9" destOrd="0" presId="urn:microsoft.com/office/officeart/2008/layout/VerticalCurvedList"/>
+    <dgm:cxn modelId="{305C15DF-354E-4416-AD43-31D8F6AC9AF0}" type="presParOf" srcId="{65CF32B0-D465-494E-A5E5-D049AD52B6E8}" destId="{E4A800BF-4295-4C4B-A0FC-C575F5626140}" srcOrd="10" destOrd="0" presId="urn:microsoft.com/office/officeart/2008/layout/VerticalCurvedList"/>
+    <dgm:cxn modelId="{F48D69A1-8D1F-4C41-B16D-5FAF4F9D5863}" type="presParOf" srcId="{E4A800BF-4295-4C4B-A0FC-C575F5626140}" destId="{6655BD2D-776C-4A13-B0BE-A7AEC1AF5343}" srcOrd="0" destOrd="0" presId="urn:microsoft.com/office/officeart/2008/layout/VerticalCurvedList"/>
+    <dgm:cxn modelId="{26CC3C8C-3CA6-4161-90D8-242FE78D70DF}" type="presParOf" srcId="{65CF32B0-D465-494E-A5E5-D049AD52B6E8}" destId="{A482E4F4-6982-42E7-8841-E2EC3CD1E29A}" srcOrd="11" destOrd="0" presId="urn:microsoft.com/office/officeart/2008/layout/VerticalCurvedList"/>
+    <dgm:cxn modelId="{10E267E5-E4D3-4FFD-94A4-C25B760E372D}" type="presParOf" srcId="{65CF32B0-D465-494E-A5E5-D049AD52B6E8}" destId="{BC53A80D-7DA6-4880-B4E0-F28D2F2D48E7}" srcOrd="12" destOrd="0" presId="urn:microsoft.com/office/officeart/2008/layout/VerticalCurvedList"/>
+    <dgm:cxn modelId="{6B2515BD-ED91-4D29-935B-7D01E43D805D}" type="presParOf" srcId="{BC53A80D-7DA6-4880-B4E0-F28D2F2D48E7}" destId="{6D26134D-AABC-4AEB-AA71-0F52F7F8F7E0}" srcOrd="0" destOrd="0" presId="urn:microsoft.com/office/officeart/2008/layout/VerticalCurvedList"/>
+  </dgm:cxnLst>
+  <dgm:bg/>
+  <dgm:whole/>
+  <dgm:extLst>
+    <a:ext uri="http://schemas.microsoft.com/office/drawing/2008/diagram">
+      <dsp:dataModelExt xmlns:dsp="http://schemas.microsoft.com/office/drawing/2008/diagram" relId="rId6" minVer="http://schemas.openxmlformats.org/drawingml/2006/diagram"/>
+    </a:ext>
+  </dgm:extLst>
+</dgm:dataModel>
+</file>
+
+<file path=ppt/diagrams/drawing1.xml><?xml version="1.0" encoding="utf-8"?>
+<dsp:drawing xmlns:dgm="http://schemas.openxmlformats.org/drawingml/2006/diagram" xmlns:dsp="http://schemas.microsoft.com/office/drawing/2008/diagram" xmlns:a="http://schemas.openxmlformats.org/drawingml/2006/main">
+  <dsp:spTree>
+    <dsp:nvGrpSpPr>
+      <dsp:cNvPr id="0" name=""/>
+      <dsp:cNvGrpSpPr/>
+    </dsp:nvGrpSpPr>
+    <dsp:grpSpPr/>
+    <dsp:sp modelId="{40D56713-CA58-4F1C-B3AC-4981E6944DFD}">
+      <dsp:nvSpPr>
+        <dsp:cNvPr id="0" name=""/>
+        <dsp:cNvSpPr/>
+      </dsp:nvSpPr>
+      <dsp:spPr>
+        <a:xfrm>
+          <a:off x="-4211773" y="-646248"/>
+          <a:ext cx="5018359" cy="5018359"/>
+        </a:xfrm>
+        <a:prstGeom prst="blockArc">
+          <a:avLst>
+            <a:gd name="adj1" fmla="val 18900000"/>
+            <a:gd name="adj2" fmla="val 2700000"/>
+            <a:gd name="adj3" fmla="val 430"/>
+          </a:avLst>
+        </a:prstGeom>
+        <a:noFill/>
+        <a:ln w="12700" cap="flat" cmpd="sng" algn="ctr">
+          <a:solidFill>
+            <a:schemeClr val="accent2">
+              <a:hueOff val="0"/>
+              <a:satOff val="0"/>
+              <a:lumOff val="0"/>
+              <a:alphaOff val="0"/>
+            </a:schemeClr>
+          </a:solidFill>
+          <a:prstDash val="solid"/>
+          <a:miter lim="800000"/>
+        </a:ln>
+        <a:effectLst/>
+      </dsp:spPr>
+      <dsp:style>
+        <a:lnRef idx="2">
+          <a:scrgbClr r="0" g="0" b="0"/>
+        </a:lnRef>
+        <a:fillRef idx="0">
+          <a:scrgbClr r="0" g="0" b="0"/>
+        </a:fillRef>
+        <a:effectRef idx="0">
+          <a:scrgbClr r="0" g="0" b="0"/>
+        </a:effectRef>
+        <a:fontRef idx="minor"/>
+      </dsp:style>
+    </dsp:sp>
+    <dsp:sp modelId="{E42A51C7-8F73-4001-AC40-BD52905F0C13}">
+      <dsp:nvSpPr>
+        <dsp:cNvPr id="0" name=""/>
+        <dsp:cNvSpPr/>
+      </dsp:nvSpPr>
+      <dsp:spPr>
+        <a:xfrm>
+          <a:off x="301502" y="196203"/>
+          <a:ext cx="4055551" cy="392258"/>
+        </a:xfrm>
+        <a:prstGeom prst="rect">
+          <a:avLst/>
+        </a:prstGeom>
+        <a:solidFill>
+          <a:schemeClr val="accent2">
+            <a:hueOff val="0"/>
+            <a:satOff val="0"/>
+            <a:lumOff val="0"/>
+            <a:alphaOff val="0"/>
+          </a:schemeClr>
+        </a:solidFill>
+        <a:ln w="12700" cap="flat" cmpd="sng" algn="ctr">
+          <a:solidFill>
+            <a:schemeClr val="lt1">
+              <a:hueOff val="0"/>
+              <a:satOff val="0"/>
+              <a:lumOff val="0"/>
+              <a:alphaOff val="0"/>
+            </a:schemeClr>
+          </a:solidFill>
+          <a:prstDash val="solid"/>
+          <a:miter lim="800000"/>
+        </a:ln>
+        <a:effectLst/>
+      </dsp:spPr>
+      <dsp:style>
+        <a:lnRef idx="2">
+          <a:scrgbClr r="0" g="0" b="0"/>
+        </a:lnRef>
+        <a:fillRef idx="1">
+          <a:scrgbClr r="0" g="0" b="0"/>
+        </a:fillRef>
+        <a:effectRef idx="0">
+          <a:scrgbClr r="0" g="0" b="0"/>
+        </a:effectRef>
+        <a:fontRef idx="minor">
+          <a:schemeClr val="lt1"/>
+        </a:fontRef>
+      </dsp:style>
+      <dsp:txBody>
+        <a:bodyPr spcFirstLastPara="0" vert="horz" wrap="square" lIns="311355" tIns="50800" rIns="50800" bIns="50800" numCol="1" spcCol="1270" anchor="ctr" anchorCtr="0">
+          <a:noAutofit/>
+        </a:bodyPr>
+        <a:lstStyle/>
+        <a:p>
+          <a:pPr marL="0" lvl="0" indent="0" algn="l" defTabSz="889000">
+            <a:lnSpc>
+              <a:spcPct val="90000"/>
+            </a:lnSpc>
+            <a:spcBef>
+              <a:spcPct val="0"/>
+            </a:spcBef>
+            <a:spcAft>
+              <a:spcPct val="35000"/>
+            </a:spcAft>
+            <a:buNone/>
+          </a:pPr>
+          <a:r>
+            <a:rPr lang="en-US" sz="2000" kern="1200" dirty="0"/>
+            <a:t>Completely Understand</a:t>
+          </a:r>
+        </a:p>
+      </dsp:txBody>
+      <dsp:txXfrm>
+        <a:off x="301502" y="196203"/>
+        <a:ext cx="4055551" cy="392258"/>
+      </dsp:txXfrm>
+    </dsp:sp>
+    <dsp:sp modelId="{4272E791-7657-42CA-9222-DFADF69B4AAF}">
+      <dsp:nvSpPr>
+        <dsp:cNvPr id="0" name=""/>
+        <dsp:cNvSpPr/>
+      </dsp:nvSpPr>
+      <dsp:spPr>
+        <a:xfrm>
+          <a:off x="56341" y="147171"/>
+          <a:ext cx="490323" cy="490323"/>
+        </a:xfrm>
+        <a:prstGeom prst="ellipse">
+          <a:avLst/>
+        </a:prstGeom>
+        <a:blipFill dpi="0" rotWithShape="1">
+          <a:blip xmlns:r="http://schemas.openxmlformats.org/officeDocument/2006/relationships" r:embed="rId1">
+            <a:extLst>
+              <a:ext uri="{28A0092B-C50C-407E-A947-70E740481C1C}">
+                <a14:useLocalDpi xmlns:a14="http://schemas.microsoft.com/office/drawing/2010/main" val="0"/>
+              </a:ext>
+              <a:ext uri="{96DAC541-7B7A-43D3-8B79-37D633B846F1}">
+                <asvg:svgBlip xmlns:asvg="http://schemas.microsoft.com/office/drawing/2016/SVG/main" r:embed="rId2"/>
+              </a:ext>
+            </a:extLst>
+          </a:blip>
+          <a:srcRect/>
+          <a:stretch>
+            <a:fillRect/>
+          </a:stretch>
+        </a:blipFill>
+        <a:ln w="12700" cap="flat" cmpd="sng" algn="ctr">
+          <a:solidFill>
+            <a:schemeClr val="accent2">
+              <a:hueOff val="0"/>
+              <a:satOff val="0"/>
+              <a:lumOff val="0"/>
+              <a:alphaOff val="0"/>
+            </a:schemeClr>
+          </a:solidFill>
+          <a:prstDash val="solid"/>
+          <a:miter lim="800000"/>
+        </a:ln>
+        <a:effectLst/>
+      </dsp:spPr>
+      <dsp:style>
+        <a:lnRef idx="2">
+          <a:scrgbClr r="0" g="0" b="0"/>
+        </a:lnRef>
+        <a:fillRef idx="1">
+          <a:scrgbClr r="0" g="0" b="0"/>
+        </a:fillRef>
+        <a:effectRef idx="0">
+          <a:scrgbClr r="0" g="0" b="0"/>
+        </a:effectRef>
+        <a:fontRef idx="minor"/>
+      </dsp:style>
+    </dsp:sp>
+    <dsp:sp modelId="{FA07385A-EB0C-4CFF-864D-EFB570788382}">
+      <dsp:nvSpPr>
+        <dsp:cNvPr id="0" name=""/>
+        <dsp:cNvSpPr/>
+      </dsp:nvSpPr>
+      <dsp:spPr>
+        <a:xfrm>
+          <a:off x="624162" y="784517"/>
+          <a:ext cx="3732891" cy="392258"/>
+        </a:xfrm>
+        <a:prstGeom prst="rect">
+          <a:avLst/>
+        </a:prstGeom>
+        <a:solidFill>
+          <a:schemeClr val="accent3">
+            <a:hueOff val="0"/>
+            <a:satOff val="0"/>
+            <a:lumOff val="0"/>
+            <a:alphaOff val="0"/>
+          </a:schemeClr>
+        </a:solidFill>
+        <a:ln w="12700" cap="flat" cmpd="sng" algn="ctr">
+          <a:solidFill>
+            <a:schemeClr val="lt1">
+              <a:hueOff val="0"/>
+              <a:satOff val="0"/>
+              <a:lumOff val="0"/>
+              <a:alphaOff val="0"/>
+            </a:schemeClr>
+          </a:solidFill>
+          <a:prstDash val="solid"/>
+          <a:miter lim="800000"/>
+        </a:ln>
+        <a:effectLst/>
+      </dsp:spPr>
+      <dsp:style>
+        <a:lnRef idx="2">
+          <a:scrgbClr r="0" g="0" b="0"/>
+        </a:lnRef>
+        <a:fillRef idx="1">
+          <a:scrgbClr r="0" g="0" b="0"/>
+        </a:fillRef>
+        <a:effectRef idx="0">
+          <a:scrgbClr r="0" g="0" b="0"/>
+        </a:effectRef>
+        <a:fontRef idx="minor">
+          <a:schemeClr val="lt1"/>
+        </a:fontRef>
+      </dsp:style>
+      <dsp:txBody>
+        <a:bodyPr spcFirstLastPara="0" vert="horz" wrap="square" lIns="311355" tIns="50800" rIns="50800" bIns="50800" numCol="1" spcCol="1270" anchor="ctr" anchorCtr="0">
+          <a:noAutofit/>
+        </a:bodyPr>
+        <a:lstStyle/>
+        <a:p>
+          <a:pPr marL="0" lvl="0" indent="0" algn="l" defTabSz="889000">
+            <a:lnSpc>
+              <a:spcPct val="90000"/>
+            </a:lnSpc>
+            <a:spcBef>
+              <a:spcPct val="0"/>
+            </a:spcBef>
+            <a:spcAft>
+              <a:spcPct val="35000"/>
+            </a:spcAft>
+            <a:buNone/>
+          </a:pPr>
+          <a:r>
+            <a:rPr lang="en-US" sz="2000" kern="1200" dirty="0"/>
+            <a:t>Mostly Understand</a:t>
+          </a:r>
+        </a:p>
+      </dsp:txBody>
+      <dsp:txXfrm>
+        <a:off x="624162" y="784517"/>
+        <a:ext cx="3732891" cy="392258"/>
+      </dsp:txXfrm>
+    </dsp:sp>
+    <dsp:sp modelId="{225E719D-3796-4B95-8BDE-AA3212605EAF}">
+      <dsp:nvSpPr>
+        <dsp:cNvPr id="0" name=""/>
+        <dsp:cNvSpPr/>
+      </dsp:nvSpPr>
+      <dsp:spPr>
+        <a:xfrm>
+          <a:off x="379000" y="735485"/>
+          <a:ext cx="490323" cy="490323"/>
+        </a:xfrm>
+        <a:prstGeom prst="ellipse">
+          <a:avLst/>
+        </a:prstGeom>
+        <a:solidFill>
+          <a:schemeClr val="lt1">
+            <a:hueOff val="0"/>
+            <a:satOff val="0"/>
+            <a:lumOff val="0"/>
+            <a:alphaOff val="0"/>
+          </a:schemeClr>
+        </a:solidFill>
+        <a:ln w="12700" cap="flat" cmpd="sng" algn="ctr">
+          <a:solidFill>
+            <a:schemeClr val="accent3">
+              <a:hueOff val="0"/>
+              <a:satOff val="0"/>
+              <a:lumOff val="0"/>
+              <a:alphaOff val="0"/>
+            </a:schemeClr>
+          </a:solidFill>
+          <a:prstDash val="solid"/>
+          <a:miter lim="800000"/>
+        </a:ln>
+        <a:effectLst/>
+      </dsp:spPr>
+      <dsp:style>
+        <a:lnRef idx="2">
+          <a:scrgbClr r="0" g="0" b="0"/>
+        </a:lnRef>
+        <a:fillRef idx="1">
+          <a:scrgbClr r="0" g="0" b="0"/>
+        </a:fillRef>
+        <a:effectRef idx="0">
+          <a:scrgbClr r="0" g="0" b="0"/>
+        </a:effectRef>
+        <a:fontRef idx="minor"/>
+      </dsp:style>
+    </dsp:sp>
+    <dsp:sp modelId="{EB34C775-9E42-4B95-91B3-5F54512158F2}">
+      <dsp:nvSpPr>
+        <dsp:cNvPr id="0" name=""/>
+        <dsp:cNvSpPr/>
+      </dsp:nvSpPr>
+      <dsp:spPr>
+        <a:xfrm>
+          <a:off x="771706" y="1372831"/>
+          <a:ext cx="3585347" cy="392258"/>
+        </a:xfrm>
+        <a:prstGeom prst="rect">
+          <a:avLst/>
+        </a:prstGeom>
+        <a:solidFill>
+          <a:schemeClr val="accent4">
+            <a:hueOff val="0"/>
+            <a:satOff val="0"/>
+            <a:lumOff val="0"/>
+            <a:alphaOff val="0"/>
+          </a:schemeClr>
+        </a:solidFill>
+        <a:ln w="12700" cap="flat" cmpd="sng" algn="ctr">
+          <a:solidFill>
+            <a:schemeClr val="lt1">
+              <a:hueOff val="0"/>
+              <a:satOff val="0"/>
+              <a:lumOff val="0"/>
+              <a:alphaOff val="0"/>
+            </a:schemeClr>
+          </a:solidFill>
+          <a:prstDash val="solid"/>
+          <a:miter lim="800000"/>
+        </a:ln>
+        <a:effectLst/>
+      </dsp:spPr>
+      <dsp:style>
+        <a:lnRef idx="2">
+          <a:scrgbClr r="0" g="0" b="0"/>
+        </a:lnRef>
+        <a:fillRef idx="1">
+          <a:scrgbClr r="0" g="0" b="0"/>
+        </a:fillRef>
+        <a:effectRef idx="0">
+          <a:scrgbClr r="0" g="0" b="0"/>
+        </a:effectRef>
+        <a:fontRef idx="minor">
+          <a:schemeClr val="lt1"/>
+        </a:fontRef>
+      </dsp:style>
+      <dsp:txBody>
+        <a:bodyPr spcFirstLastPara="0" vert="horz" wrap="square" lIns="311355" tIns="50800" rIns="50800" bIns="50800" numCol="1" spcCol="1270" anchor="ctr" anchorCtr="0">
+          <a:noAutofit/>
+        </a:bodyPr>
+        <a:lstStyle/>
+        <a:p>
+          <a:pPr marL="0" lvl="0" indent="0" algn="l" defTabSz="889000">
+            <a:lnSpc>
+              <a:spcPct val="90000"/>
+            </a:lnSpc>
+            <a:spcBef>
+              <a:spcPct val="0"/>
+            </a:spcBef>
+            <a:spcAft>
+              <a:spcPct val="35000"/>
+            </a:spcAft>
+            <a:buNone/>
+          </a:pPr>
+          <a:r>
+            <a:rPr lang="en-US" sz="2000" kern="1200" dirty="0"/>
+            <a:t>Understand Pretty Well</a:t>
+          </a:r>
+        </a:p>
+      </dsp:txBody>
+      <dsp:txXfrm>
+        <a:off x="771706" y="1372831"/>
+        <a:ext cx="3585347" cy="392258"/>
+      </dsp:txXfrm>
+    </dsp:sp>
+    <dsp:sp modelId="{7715085C-9185-4A75-AD3C-03790FC277FE}">
+      <dsp:nvSpPr>
+        <dsp:cNvPr id="0" name=""/>
+        <dsp:cNvSpPr/>
+      </dsp:nvSpPr>
+      <dsp:spPr>
+        <a:xfrm>
+          <a:off x="526544" y="1323799"/>
+          <a:ext cx="490323" cy="490323"/>
+        </a:xfrm>
+        <a:prstGeom prst="ellipse">
+          <a:avLst/>
+        </a:prstGeom>
+        <a:solidFill>
+          <a:schemeClr val="lt1">
+            <a:hueOff val="0"/>
+            <a:satOff val="0"/>
+            <a:lumOff val="0"/>
+            <a:alphaOff val="0"/>
+          </a:schemeClr>
+        </a:solidFill>
+        <a:ln w="12700" cap="flat" cmpd="sng" algn="ctr">
+          <a:solidFill>
+            <a:schemeClr val="accent4">
+              <a:hueOff val="0"/>
+              <a:satOff val="0"/>
+              <a:lumOff val="0"/>
+              <a:alphaOff val="0"/>
+            </a:schemeClr>
+          </a:solidFill>
+          <a:prstDash val="solid"/>
+          <a:miter lim="800000"/>
+        </a:ln>
+        <a:effectLst/>
+      </dsp:spPr>
+      <dsp:style>
+        <a:lnRef idx="2">
+          <a:scrgbClr r="0" g="0" b="0"/>
+        </a:lnRef>
+        <a:fillRef idx="1">
+          <a:scrgbClr r="0" g="0" b="0"/>
+        </a:fillRef>
+        <a:effectRef idx="0">
+          <a:scrgbClr r="0" g="0" b="0"/>
+        </a:effectRef>
+        <a:fontRef idx="minor"/>
+      </dsp:style>
+    </dsp:sp>
+    <dsp:sp modelId="{457667A0-1E5B-4F7D-9AD8-E89D4AD98FC1}">
+      <dsp:nvSpPr>
+        <dsp:cNvPr id="0" name=""/>
+        <dsp:cNvSpPr/>
+      </dsp:nvSpPr>
+      <dsp:spPr>
+        <a:xfrm>
+          <a:off x="771706" y="1960772"/>
+          <a:ext cx="3585347" cy="392258"/>
+        </a:xfrm>
+        <a:prstGeom prst="rect">
+          <a:avLst/>
+        </a:prstGeom>
+        <a:solidFill>
+          <a:schemeClr val="accent5">
+            <a:hueOff val="0"/>
+            <a:satOff val="0"/>
+            <a:lumOff val="0"/>
+            <a:alphaOff val="0"/>
+          </a:schemeClr>
+        </a:solidFill>
+        <a:ln w="12700" cap="flat" cmpd="sng" algn="ctr">
+          <a:solidFill>
+            <a:schemeClr val="lt1">
+              <a:hueOff val="0"/>
+              <a:satOff val="0"/>
+              <a:lumOff val="0"/>
+              <a:alphaOff val="0"/>
+            </a:schemeClr>
+          </a:solidFill>
+          <a:prstDash val="solid"/>
+          <a:miter lim="800000"/>
+        </a:ln>
+        <a:effectLst/>
+      </dsp:spPr>
+      <dsp:style>
+        <a:lnRef idx="2">
+          <a:scrgbClr r="0" g="0" b="0"/>
+        </a:lnRef>
+        <a:fillRef idx="1">
+          <a:scrgbClr r="0" g="0" b="0"/>
+        </a:fillRef>
+        <a:effectRef idx="0">
+          <a:scrgbClr r="0" g="0" b="0"/>
+        </a:effectRef>
+        <a:fontRef idx="minor">
+          <a:schemeClr val="lt1"/>
+        </a:fontRef>
+      </dsp:style>
+      <dsp:txBody>
+        <a:bodyPr spcFirstLastPara="0" vert="horz" wrap="square" lIns="311355" tIns="50800" rIns="50800" bIns="50800" numCol="1" spcCol="1270" anchor="ctr" anchorCtr="0">
+          <a:noAutofit/>
+        </a:bodyPr>
+        <a:lstStyle/>
+        <a:p>
+          <a:pPr marL="0" lvl="0" indent="0" algn="l" defTabSz="889000">
+            <a:lnSpc>
+              <a:spcPct val="90000"/>
+            </a:lnSpc>
+            <a:spcBef>
+              <a:spcPct val="0"/>
+            </a:spcBef>
+            <a:spcAft>
+              <a:spcPct val="35000"/>
+            </a:spcAft>
+            <a:buNone/>
+          </a:pPr>
+          <a:r>
+            <a:rPr lang="en-US" sz="2000" kern="1200" dirty="0"/>
+            <a:t>Could Use Practice</a:t>
+          </a:r>
+        </a:p>
+      </dsp:txBody>
+      <dsp:txXfrm>
+        <a:off x="771706" y="1960772"/>
+        <a:ext cx="3585347" cy="392258"/>
+      </dsp:txXfrm>
+    </dsp:sp>
+    <dsp:sp modelId="{A040DCE0-E034-4014-BD3B-AF7952CF1F72}">
+      <dsp:nvSpPr>
+        <dsp:cNvPr id="0" name=""/>
+        <dsp:cNvSpPr/>
+      </dsp:nvSpPr>
+      <dsp:spPr>
+        <a:xfrm>
+          <a:off x="526544" y="1911740"/>
+          <a:ext cx="490323" cy="490323"/>
+        </a:xfrm>
+        <a:prstGeom prst="ellipse">
+          <a:avLst/>
+        </a:prstGeom>
+        <a:solidFill>
+          <a:schemeClr val="lt1">
+            <a:hueOff val="0"/>
+            <a:satOff val="0"/>
+            <a:lumOff val="0"/>
+            <a:alphaOff val="0"/>
+          </a:schemeClr>
+        </a:solidFill>
+        <a:ln w="12700" cap="flat" cmpd="sng" algn="ctr">
+          <a:solidFill>
+            <a:schemeClr val="accent5">
+              <a:hueOff val="0"/>
+              <a:satOff val="0"/>
+              <a:lumOff val="0"/>
+              <a:alphaOff val="0"/>
+            </a:schemeClr>
+          </a:solidFill>
+          <a:prstDash val="solid"/>
+          <a:miter lim="800000"/>
+        </a:ln>
+        <a:effectLst/>
+      </dsp:spPr>
+      <dsp:style>
+        <a:lnRef idx="2">
+          <a:scrgbClr r="0" g="0" b="0"/>
+        </a:lnRef>
+        <a:fillRef idx="1">
+          <a:scrgbClr r="0" g="0" b="0"/>
+        </a:fillRef>
+        <a:effectRef idx="0">
+          <a:scrgbClr r="0" g="0" b="0"/>
+        </a:effectRef>
+        <a:fontRef idx="minor"/>
+      </dsp:style>
+    </dsp:sp>
+    <dsp:sp modelId="{E462B0C9-5C8E-4604-938D-2FB22D9AAE8E}">
+      <dsp:nvSpPr>
+        <dsp:cNvPr id="0" name=""/>
+        <dsp:cNvSpPr/>
+      </dsp:nvSpPr>
+      <dsp:spPr>
+        <a:xfrm>
+          <a:off x="624162" y="2549086"/>
+          <a:ext cx="3732891" cy="392258"/>
+        </a:xfrm>
+        <a:prstGeom prst="rect">
+          <a:avLst/>
+        </a:prstGeom>
+        <a:solidFill>
+          <a:schemeClr val="accent6">
+            <a:hueOff val="0"/>
+            <a:satOff val="0"/>
+            <a:lumOff val="0"/>
+            <a:alphaOff val="0"/>
+          </a:schemeClr>
+        </a:solidFill>
+        <a:ln w="12700" cap="flat" cmpd="sng" algn="ctr">
+          <a:solidFill>
+            <a:schemeClr val="lt1">
+              <a:hueOff val="0"/>
+              <a:satOff val="0"/>
+              <a:lumOff val="0"/>
+              <a:alphaOff val="0"/>
+            </a:schemeClr>
+          </a:solidFill>
+          <a:prstDash val="solid"/>
+          <a:miter lim="800000"/>
+        </a:ln>
+        <a:effectLst/>
+      </dsp:spPr>
+      <dsp:style>
+        <a:lnRef idx="2">
+          <a:scrgbClr r="0" g="0" b="0"/>
+        </a:lnRef>
+        <a:fillRef idx="1">
+          <a:scrgbClr r="0" g="0" b="0"/>
+        </a:fillRef>
+        <a:effectRef idx="0">
+          <a:scrgbClr r="0" g="0" b="0"/>
+        </a:effectRef>
+        <a:fontRef idx="minor">
+          <a:schemeClr val="lt1"/>
+        </a:fontRef>
+      </dsp:style>
+      <dsp:txBody>
+        <a:bodyPr spcFirstLastPara="0" vert="horz" wrap="square" lIns="311355" tIns="50800" rIns="50800" bIns="50800" numCol="1" spcCol="1270" anchor="ctr" anchorCtr="0">
+          <a:noAutofit/>
+        </a:bodyPr>
+        <a:lstStyle/>
+        <a:p>
+          <a:pPr marL="0" lvl="0" indent="0" algn="l" defTabSz="889000">
+            <a:lnSpc>
+              <a:spcPct val="90000"/>
+            </a:lnSpc>
+            <a:spcBef>
+              <a:spcPct val="0"/>
+            </a:spcBef>
+            <a:spcAft>
+              <a:spcPct val="35000"/>
+            </a:spcAft>
+            <a:buNone/>
+          </a:pPr>
+          <a:r>
+            <a:rPr lang="en-US" sz="2000" kern="1200" dirty="0"/>
+            <a:t>Need Help</a:t>
+          </a:r>
+        </a:p>
+      </dsp:txBody>
+      <dsp:txXfrm>
+        <a:off x="624162" y="2549086"/>
+        <a:ext cx="3732891" cy="392258"/>
+      </dsp:txXfrm>
+    </dsp:sp>
+    <dsp:sp modelId="{6655BD2D-776C-4A13-B0BE-A7AEC1AF5343}">
+      <dsp:nvSpPr>
+        <dsp:cNvPr id="0" name=""/>
+        <dsp:cNvSpPr/>
+      </dsp:nvSpPr>
+      <dsp:spPr>
+        <a:xfrm>
+          <a:off x="379000" y="2500054"/>
+          <a:ext cx="490323" cy="490323"/>
+        </a:xfrm>
+        <a:prstGeom prst="ellipse">
+          <a:avLst/>
+        </a:prstGeom>
+        <a:solidFill>
+          <a:schemeClr val="lt1">
+            <a:hueOff val="0"/>
+            <a:satOff val="0"/>
+            <a:lumOff val="0"/>
+            <a:alphaOff val="0"/>
+          </a:schemeClr>
+        </a:solidFill>
+        <a:ln w="12700" cap="flat" cmpd="sng" algn="ctr">
+          <a:solidFill>
+            <a:schemeClr val="accent6">
+              <a:hueOff val="0"/>
+              <a:satOff val="0"/>
+              <a:lumOff val="0"/>
+              <a:alphaOff val="0"/>
+            </a:schemeClr>
+          </a:solidFill>
+          <a:prstDash val="solid"/>
+          <a:miter lim="800000"/>
+        </a:ln>
+        <a:effectLst/>
+      </dsp:spPr>
+      <dsp:style>
+        <a:lnRef idx="2">
+          <a:scrgbClr r="0" g="0" b="0"/>
+        </a:lnRef>
+        <a:fillRef idx="1">
+          <a:scrgbClr r="0" g="0" b="0"/>
+        </a:fillRef>
+        <a:effectRef idx="0">
+          <a:scrgbClr r="0" g="0" b="0"/>
+        </a:effectRef>
+        <a:fontRef idx="minor"/>
+      </dsp:style>
+    </dsp:sp>
+    <dsp:sp modelId="{A482E4F4-6982-42E7-8841-E2EC3CD1E29A}">
+      <dsp:nvSpPr>
+        <dsp:cNvPr id="0" name=""/>
+        <dsp:cNvSpPr/>
+      </dsp:nvSpPr>
+      <dsp:spPr>
+        <a:xfrm>
+          <a:off x="301502" y="3137400"/>
+          <a:ext cx="4055551" cy="392258"/>
+        </a:xfrm>
+        <a:prstGeom prst="rect">
+          <a:avLst/>
+        </a:prstGeom>
+        <a:solidFill>
+          <a:schemeClr val="accent2">
+            <a:hueOff val="0"/>
+            <a:satOff val="0"/>
+            <a:lumOff val="0"/>
+            <a:alphaOff val="0"/>
+          </a:schemeClr>
+        </a:solidFill>
+        <a:ln w="12700" cap="flat" cmpd="sng" algn="ctr">
+          <a:solidFill>
+            <a:schemeClr val="lt1">
+              <a:hueOff val="0"/>
+              <a:satOff val="0"/>
+              <a:lumOff val="0"/>
+              <a:alphaOff val="0"/>
+            </a:schemeClr>
+          </a:solidFill>
+          <a:prstDash val="solid"/>
+          <a:miter lim="800000"/>
+        </a:ln>
+        <a:effectLst/>
+      </dsp:spPr>
+      <dsp:style>
+        <a:lnRef idx="2">
+          <a:scrgbClr r="0" g="0" b="0"/>
+        </a:lnRef>
+        <a:fillRef idx="1">
+          <a:scrgbClr r="0" g="0" b="0"/>
+        </a:fillRef>
+        <a:effectRef idx="0">
+          <a:scrgbClr r="0" g="0" b="0"/>
+        </a:effectRef>
+        <a:fontRef idx="minor">
+          <a:schemeClr val="lt1"/>
+        </a:fontRef>
+      </dsp:style>
+      <dsp:txBody>
+        <a:bodyPr spcFirstLastPara="0" vert="horz" wrap="square" lIns="311355" tIns="50800" rIns="50800" bIns="50800" numCol="1" spcCol="1270" anchor="ctr" anchorCtr="0">
+          <a:noAutofit/>
+        </a:bodyPr>
+        <a:lstStyle/>
+        <a:p>
+          <a:pPr marL="0" lvl="0" indent="0" algn="l" defTabSz="889000">
+            <a:lnSpc>
+              <a:spcPct val="90000"/>
+            </a:lnSpc>
+            <a:spcBef>
+              <a:spcPct val="0"/>
+            </a:spcBef>
+            <a:spcAft>
+              <a:spcPct val="35000"/>
+            </a:spcAft>
+            <a:buNone/>
+          </a:pPr>
+          <a:r>
+            <a:rPr lang="en-US" sz="2000" kern="1200" dirty="0"/>
+            <a:t>Don’t Understand at All</a:t>
+          </a:r>
+        </a:p>
+      </dsp:txBody>
+      <dsp:txXfrm>
+        <a:off x="301502" y="3137400"/>
+        <a:ext cx="4055551" cy="392258"/>
+      </dsp:txXfrm>
+    </dsp:sp>
+    <dsp:sp modelId="{6D26134D-AABC-4AEB-AA71-0F52F7F8F7E0}">
+      <dsp:nvSpPr>
+        <dsp:cNvPr id="0" name=""/>
+        <dsp:cNvSpPr/>
+      </dsp:nvSpPr>
+      <dsp:spPr>
+        <a:xfrm>
+          <a:off x="56341" y="3088367"/>
+          <a:ext cx="490323" cy="490323"/>
+        </a:xfrm>
+        <a:prstGeom prst="ellipse">
+          <a:avLst/>
+        </a:prstGeom>
+        <a:solidFill>
+          <a:schemeClr val="lt1">
+            <a:hueOff val="0"/>
+            <a:satOff val="0"/>
+            <a:lumOff val="0"/>
+            <a:alphaOff val="0"/>
+          </a:schemeClr>
+        </a:solidFill>
+        <a:ln w="12700" cap="flat" cmpd="sng" algn="ctr">
+          <a:solidFill>
+            <a:schemeClr val="accent2">
+              <a:hueOff val="0"/>
+              <a:satOff val="0"/>
+              <a:lumOff val="0"/>
+              <a:alphaOff val="0"/>
+            </a:schemeClr>
+          </a:solidFill>
+          <a:prstDash val="solid"/>
+          <a:miter lim="800000"/>
+        </a:ln>
+        <a:effectLst/>
+      </dsp:spPr>
+      <dsp:style>
+        <a:lnRef idx="2">
+          <a:scrgbClr r="0" g="0" b="0"/>
+        </a:lnRef>
+        <a:fillRef idx="1">
+          <a:scrgbClr r="0" g="0" b="0"/>
+        </a:fillRef>
+        <a:effectRef idx="0">
+          <a:scrgbClr r="0" g="0" b="0"/>
+        </a:effectRef>
+        <a:fontRef idx="minor"/>
+      </dsp:style>
+    </dsp:sp>
+  </dsp:spTree>
+</dsp:drawing>
+</file>
+
+<file path=ppt/diagrams/layout1.xml><?xml version="1.0" encoding="utf-8"?>
+<dgm:layoutDef xmlns:dgm="http://schemas.openxmlformats.org/drawingml/2006/diagram" xmlns:a="http://schemas.openxmlformats.org/drawingml/2006/main" uniqueId="urn:microsoft.com/office/officeart/2008/layout/VerticalCurvedList">
+  <dgm:title val=""/>
+  <dgm:desc val=""/>
+  <dgm:catLst>
+    <dgm:cat type="list" pri="20000"/>
+  </dgm:catLst>
+  <dgm:sampData>
+    <dgm:dataModel>
+      <dgm:ptLst>
+        <dgm:pt modelId="0" type="doc"/>
+        <dgm:pt modelId="1">
+          <dgm:prSet phldr="1"/>
+        </dgm:pt>
+        <dgm:pt modelId="2">
+          <dgm:prSet phldr="1"/>
+        </dgm:pt>
+        <dgm:pt modelId="3">
+          <dgm:prSet phldr="1"/>
+        </dgm:pt>
+      </dgm:ptLst>
+      <dgm:cxnLst>
+        <dgm:cxn modelId="4" srcId="0" destId="1" srcOrd="0" destOrd="0"/>
+        <dgm:cxn modelId="5" srcId="0" destId="2" srcOrd="1" destOrd="0"/>
+        <dgm:cxn modelId="6" srcId="0" destId="3" srcOrd="2" destOrd="0"/>
+      </dgm:cxnLst>
+      <dgm:bg/>
+      <dgm:whole/>
+    </dgm:dataModel>
+  </dgm:sampData>
+  <dgm:styleData>
+    <dgm:dataModel>
+      <dgm:ptLst>
+        <dgm:pt modelId="0" type="doc"/>
+        <dgm:pt modelId="1">
+          <dgm:prSet phldr="1"/>
+        </dgm:pt>
+        <dgm:pt modelId="2">
+          <dgm:prSet phldr="1"/>
+        </dgm:pt>
+      </dgm:ptLst>
+      <dgm:cxnLst>
+        <dgm:cxn modelId="3" srcId="0" destId="1" srcOrd="0" destOrd="0"/>
+        <dgm:cxn modelId="4" srcId="0" destId="2" srcOrd="1" destOrd="0"/>
+      </dgm:cxnLst>
+      <dgm:bg/>
+      <dgm:whole/>
+    </dgm:dataModel>
+  </dgm:styleData>
+  <dgm:clrData>
+    <dgm:dataModel>
+      <dgm:ptLst>
+        <dgm:pt modelId="0" type="doc"/>
+        <dgm:pt modelId="1">
+          <dgm:prSet phldr="1"/>
+        </dgm:pt>
+        <dgm:pt modelId="2">
+          <dgm:prSet phldr="1"/>
+        </dgm:pt>
+        <dgm:pt modelId="3">
+          <dgm:prSet phldr="1"/>
+        </dgm:pt>
+        <dgm:pt modelId="4">
+          <dgm:prSet phldr="1"/>
+        </dgm:pt>
+      </dgm:ptLst>
+      <dgm:cxnLst>
+        <dgm:cxn modelId="5" srcId="0" destId="1" srcOrd="0" destOrd="0"/>
+        <dgm:cxn modelId="6" srcId="0" destId="2" srcOrd="1" destOrd="0"/>
+        <dgm:cxn modelId="7" srcId="0" destId="3" srcOrd="2" destOrd="0"/>
+        <dgm:cxn modelId="8" srcId="0" destId="4" srcOrd="3" destOrd="0"/>
+      </dgm:cxnLst>
+      <dgm:bg/>
+      <dgm:whole/>
+    </dgm:dataModel>
+  </dgm:clrData>
+  <dgm:layoutNode name="Name0">
+    <dgm:varLst>
+      <dgm:chMax val="7"/>
+      <dgm:chPref val="7"/>
+      <dgm:dir/>
+    </dgm:varLst>
+    <dgm:alg type="composite"/>
+    <dgm:shape xmlns:r="http://schemas.openxmlformats.org/officeDocument/2006/relationships" r:blip="">
+      <dgm:adjLst/>
+    </dgm:shape>
+    <dgm:constrLst>
+      <dgm:constr type="w" for="ch" refType="h" refFor="ch" op="gte" fact="0.8"/>
+    </dgm:constrLst>
+    <dgm:layoutNode name="Name1">
+      <dgm:alg type="composite"/>
+      <dgm:shape xmlns:r="http://schemas.openxmlformats.org/officeDocument/2006/relationships" r:blip="">
+        <dgm:adjLst/>
+      </dgm:shape>
+      <dgm:choose name="Name2">
+        <dgm:if name="Name3" func="var" arg="dir" op="equ" val="norm">
+          <dgm:choose name="Name4">
+            <dgm:if name="Name5" axis="ch" ptType="node" func="cnt" op="equ" val="1">
+              <dgm:constrLst>
+                <dgm:constr type="h" for="ch" forName="cycle" refType="h"/>
+                <dgm:constr type="w" for="ch" forName="cycle" refType="h" refFor="ch" refForName="cycle" fact="0.26"/>
+                <dgm:constr type="l" for="ch" forName="cycle"/>
+                <dgm:constr type="ctrY" for="ch" forName="cycle" refType="h" fact="0.5"/>
+                <dgm:constr type="diam" for="ch" forName="cycle" refType="h" fact="1.344"/>
+                <dgm:constr type="h" for="ch" forName="accent_1" refType="h" fact="0.625"/>
+                <dgm:constr type="w" for="ch" forName="accent_1" refType="h" refFor="ch" refForName="accent_1" op="equ"/>
+                <dgm:constr type="ctrY" for="ch" forName="accent_1" refType="h" fact="0.5"/>
+                <dgm:constr type="ctrX" for="ch" forName="accent_1" refType="h" fact="0.2253"/>
+                <dgm:constr type="l" for="ch" forName="text_1" refType="ctrX" refFor="ch" refForName="accent_1"/>
+                <dgm:constr type="r" for="ch" forName="text_1" refType="w"/>
+                <dgm:constr type="w" for="ch" forName="text_1" refType="h" refFor="ch" refForName="text_1" op="gte"/>
+                <dgm:constr type="h" for="ch" forName="text_1" refType="h" refFor="ch" refForName="accent_1" fact="0.8"/>
+                <dgm:constr type="ctrY" for="ch" forName="text_1" refType="ctrY" refFor="ch" refForName="accent_1"/>
+                <dgm:constr type="lMarg" for="ch" forName="text_1" refType="w" refFor="ch" refForName="accent_1" fact="1.8"/>
+                <dgm:constr type="primFontSz" for="ch" ptType="node" op="equ" val="65"/>
+              </dgm:constrLst>
+            </dgm:if>
+            <dgm:if name="Name6" axis="ch" ptType="node" func="cnt" op="equ" val="2">
+              <dgm:constrLst>
+                <dgm:constr type="h" for="ch" forName="cycle" refType="h"/>
+                <dgm:constr type="w" for="ch" forName="cycle" refType="h" refFor="ch" refForName="cycle" fact="0.26"/>
+                <dgm:constr type="l" for="ch" forName="cycle"/>
+                <dgm:constr type="ctrY" for="ch" forName="cycle" refType="h" fact="0.5"/>
+                <dgm:constr type="diam" for="ch" forName="cycle" refType="h" fact="1.344"/>
+                <dgm:constr type="h" for="ch" forName="accent_1" refType="h" fact="0.3571"/>
+                <dgm:constr type="w" for="ch" forName="accent_1" refType="h" refFor="ch" refForName="accent_1" op="equ"/>
+                <dgm:constr type="ctrY" for="ch" forName="accent_1" refType="h" fact="0.2857"/>
+                <dgm:constr type="ctrX" for="ch" forName="accent_1" refType="h" fact="0.1891"/>
+                <dgm:constr type="l" for="ch" forName="text_1" refType="ctrX" refFor="ch" refForName="accent_1"/>
+                <dgm:constr type="r" for="ch" forName="text_1" refType="w"/>
+                <dgm:constr type="w" for="ch" forName="text_1" refType="h" refFor="ch" refForName="text_1" op="gte"/>
+                <dgm:constr type="h" for="ch" forName="text_1" refType="h" refFor="ch" refForName="accent_1" fact="0.8"/>
+                <dgm:constr type="ctrY" for="ch" forName="text_1" refType="ctrY" refFor="ch" refForName="accent_1"/>
+                <dgm:constr type="lMarg" for="ch" forName="text_1" refType="w" refFor="ch" refForName="accent_1" fact="1.8"/>
+                <dgm:constr type="h" for="ch" forName="accent_2" refType="h" fact="0.3571"/>
+                <dgm:constr type="w" for="ch" forName="accent_2" refType="h" refFor="ch" refForName="accent_2" op="equ"/>
+                <dgm:constr type="ctrY" for="ch" forName="accent_2" refType="h" fact="0.7143"/>
+                <dgm:constr type="ctrX" for="ch" forName="accent_2" refType="h" fact="0.1891"/>
+                <dgm:constr type="l" for="ch" forName="text_2" refType="ctrX" refFor="ch" refForName="accent_2"/>
+                <dgm:constr type="r" for="ch" forName="text_2" refType="w"/>
+                <dgm:constr type="w" for="ch" forName="text_2" refType="h" refFor="ch" refForName="text_2" op="gte"/>
+                <dgm:constr type="h" for="ch" forName="text_2" refType="h" refFor="ch" refForName="accent_2" fact="0.8"/>
+                <dgm:constr type="ctrY" for="ch" forName="text_2" refType="ctrY" refFor="ch" refForName="accent_2"/>
+                <dgm:constr type="lMarg" for="ch" forName="text_2" refType="w" refFor="ch" refForName="accent_2" fact="1.8"/>
+                <dgm:constr type="primFontSz" for="ch" ptType="node" op="equ" val="65"/>
+              </dgm:constrLst>
+            </dgm:if>
+            <dgm:if name="Name7" axis="ch" ptType="node" func="cnt" op="equ" val="3">
+              <dgm:constrLst>
+                <dgm:constr type="h" for="ch" forName="cycle" refType="h"/>
+                <dgm:constr type="w" for="ch" forName="cycle" refType="h" refFor="ch" refForName="cycle" fact="0.26"/>
+                <dgm:constr type="l" for="ch" forName="cycle"/>
+                <dgm:constr type="ctrY" for="ch" forName="cycle" refType="h" fact="0.5"/>
+                <dgm:constr type="diam" for="ch" forName="cycle" refType="h" fact="1.344"/>
+                <dgm:constr type="h" for="ch" forName="accent_1" refType="h" fact="0.25"/>
+                <dgm:constr type="w" for="ch" forName="accent_1" refType="h" refFor="ch" refForName="accent_1" op="equ"/>
+                <dgm:constr type="ctrY" for="ch" forName="accent_1" refType="h" fact="0.2"/>
+                <dgm:constr type="ctrX" for="ch" forName="accent_1" refType="h" fact="0.1526"/>
+                <dgm:constr type="l" for="ch" forName="text_1" refType="ctrX" refFor="ch" refForName="accent_1"/>
+                <dgm:constr type="r" for="ch" forName="text_1" refType="w"/>
+                <dgm:constr type="w" for="ch" forName="text_1" refType="h" refFor="ch" refForName="text_1" op="gte"/>
+                <dgm:constr type="h" for="ch" forName="text_1" refType="h" refFor="ch" refForName="accent_1" fact="0.8"/>
+                <dgm:constr type="ctrY" for="ch" forName="text_1" refType="ctrY" refFor="ch" refForName="accent_1"/>
+                <dgm:constr type="lMarg" for="ch" forName="text_1" refType="w" refFor="ch" refForName="accent_1" fact="1.8"/>
+                <dgm:constr type="h" for="ch" forName="accent_2" refType="h" fact="0.25"/>
+                <dgm:constr type="w" for="ch" forName="accent_2" refType="h" refFor="ch" refForName="accent_2" op="equ"/>
+                <dgm:constr type="ctrY" for="ch" forName="accent_2" refType="h" fact="0.5"/>
+                <dgm:constr type="ctrX" for="ch" forName="accent_2" refType="h" fact="0.2253"/>
+                <dgm:constr type="l" for="ch" forName="text_2" refType="ctrX" refFor="ch" refForName="accent_2"/>
+                <dgm:constr type="r" for="ch" forName="text_2" refType="w"/>
+                <dgm:constr type="w" for="ch" forName="text_2" refType="h" refFor="ch" refForName="text_2" op="gte"/>
+                <dgm:constr type="h" for="ch" forName="text_2" refType="h" refFor="ch" refForName="accent_2" fact="0.8"/>
+                <dgm:constr type="ctrY" for="ch" forName="text_2" refType="ctrY" refFor="ch" refForName="accent_2"/>
+                <dgm:constr type="lMarg" for="ch" forName="text_2" refType="w" refFor="ch" refForName="accent_2" fact="1.8"/>
+                <dgm:constr type="h" for="ch" forName="accent_3" refType="h" fact="0.25"/>
+                <dgm:constr type="w" for="ch" forName="accent_3" refType="h" refFor="ch" refForName="accent_3" op="equ"/>
+                <dgm:constr type="ctrY" for="ch" forName="accent_3" refType="h" fact="0.8"/>
+                <dgm:constr type="ctrX" for="ch" forName="accent_3" refType="h" fact="0.1526"/>
+                <dgm:constr type="l" for="ch" forName="text_3" refType="ctrX" refFor="ch" refForName="accent_3"/>
+                <dgm:constr type="r" for="ch" forName="text_3" refType="w"/>
+                <dgm:constr type="w" for="ch" forName="text_3" refType="h" refFor="ch" refForName="text_3" op="gte"/>
+                <dgm:constr type="h" for="ch" forName="text_3" refType="h" refFor="ch" refForName="accent_3" fact="0.8"/>
+                <dgm:constr type="ctrY" for="ch" forName="text_3" refType="ctrY" refFor="ch" refForName="accent_3"/>
+                <dgm:constr type="lMarg" for="ch" forName="text_3" refType="w" refFor="ch" refForName="accent_3" fact="1.8"/>
+                <dgm:constr type="primFontSz" for="ch" ptType="node" op="equ" val="65"/>
+              </dgm:constrLst>
+            </dgm:if>
+            <dgm:if name="Name8" axis="ch" ptType="node" func="cnt" op="equ" val="4">
+              <dgm:constrLst>
+                <dgm:constr type="h" for="ch" forName="cycle" refType="h"/>
+                <dgm:constr type="w" for="ch" forName="cycle" refType="h" refFor="ch" refForName="cycle" fact="0.26"/>
+                <dgm:constr type="l" for="ch" forName="cycle"/>
+                <dgm:constr type="ctrY" for="ch" forName="cycle" refType="h" fact="0.5"/>
+                <dgm:constr type="diam" for="ch" forName="cycle" refType="h" fact="1.344"/>
+                <dgm:constr type="h" for="ch" forName="accent_1" refType="h" fact="0.1923"/>
+                <dgm:constr type="w" for="ch" forName="accent_1" refType="h" refFor="ch" refForName="accent_1" op="equ"/>
+                <dgm:constr type="ctrY" for="ch" forName="accent_1" refType="h" fact="0.1538"/>
+                <dgm:constr type="ctrX" for="ch" forName="accent_1" refType="h" fact="0.1268"/>
+                <dgm:constr type="l" for="ch" forName="text_1" refType="ctrX" refFor="ch" refForName="accent_1"/>
+                <dgm:constr type="r" for="ch" forName="text_1" refType="w"/>
+                <dgm:constr type="w" for="ch" forName="text_1" refType="h" refFor="ch" refForName="text_1" op="gte"/>
+                <dgm:constr type="h" for="ch" forName="text_1" refType="h" refFor="ch" refForName="accent_1" fact="0.8"/>
+                <dgm:constr type="ctrY" for="ch" forName="text_1" refType="ctrY" refFor="ch" refForName="accent_1"/>
+                <dgm:constr type="lMarg" for="ch" forName="text_1" refType="w" refFor="ch" refForName="accent_1" fact="1.8"/>
+                <dgm:constr type="h" for="ch" forName="accent_2" refType="h" fact="0.1923"/>
+                <dgm:constr type="w" for="ch" forName="accent_2" refType="h" refFor="ch" refForName="accent_2" op="equ"/>
+                <dgm:constr type="ctrY" for="ch" forName="accent_2" refType="h" fact="0.3846"/>
+                <dgm:constr type="ctrX" for="ch" forName="accent_2" refType="h" fact="0.215"/>
+                <dgm:constr type="l" for="ch" forName="text_2" refType="ctrX" refFor="ch" refForName="accent_2"/>
+                <dgm:constr type="r" for="ch" forName="text_2" refType="w"/>
+                <dgm:constr type="w" for="ch" forName="text_2" refType="h" refFor="ch" refForName="text_2" op="gte"/>
+                <dgm:constr type="h" for="ch" forName="text_2" refType="h" refFor="ch" refForName="accent_2" fact="0.8"/>
+                <dgm:constr type="ctrY" for="ch" forName="text_2" refType="ctrY" refFor="ch" refForName="accent_2"/>
+                <dgm:constr type="lMarg" for="ch" forName="text_2" refType="w" refFor="ch" refForName="accent_2" fact="1.8"/>
+                <dgm:constr type="h" for="ch" forName="accent_3" refType="h" fact="0.1923"/>
+                <dgm:constr type="w" for="ch" forName="accent_3" refType="h" refFor="ch" refForName="accent_3" op="equ"/>
+                <dgm:constr type="ctrY" for="ch" forName="accent_3" refType="h" fact="0.6154"/>
+                <dgm:constr type="ctrX" for="ch" forName="accent_3" refType="h" fact="0.215"/>
+                <dgm:constr type="l" for="ch" forName="text_3" refType="ctrX" refFor="ch" refForName="accent_3"/>
+                <dgm:constr type="r" for="ch" forName="text_3" refType="w"/>
+                <dgm:constr type="w" for="ch" forName="text_3" refType="h" refFor="ch" refForName="text_3" op="gte"/>
+                <dgm:constr type="h" for="ch" forName="text_3" refType="h" refFor="ch" refForName="accent_3" fact="0.8"/>
+                <dgm:constr type="ctrY" for="ch" forName="text_3" refType="ctrY" refFor="ch" refForName="accent_3"/>
+                <dgm:constr type="lMarg" for="ch" forName="text_3" refType="w" refFor="ch" refForName="accent_3" fact="1.8"/>
+                <dgm:constr type="h" for="ch" forName="accent_4" refType="h" fact="0.1923"/>
+                <dgm:constr type="w" for="ch" forName="accent_4" refType="h" refFor="ch" refForName="accent_4" op="equ"/>
+                <dgm:constr type="ctrY" for="ch" forName="accent_4" refType="h" fact="0.8462"/>
+                <dgm:constr type="ctrX" for="ch" forName="accent_4" refType="h" fact="0.1268"/>
+                <dgm:constr type="l" for="ch" forName="text_4" refType="ctrX" refFor="ch" refForName="accent_4"/>
+                <dgm:constr type="r" for="ch" forName="text_4" refType="w"/>
+                <dgm:constr type="w" for="ch" forName="text_4" refType="h" refFor="ch" refForName="text_4" op="gte"/>
+                <dgm:constr type="h" for="ch" forName="text_4" refType="h" refFor="ch" refForName="accent_4" fact="0.8"/>
+                <dgm:constr type="ctrY" for="ch" forName="text_4" refType="ctrY" refFor="ch" refForName="accent_4"/>
+                <dgm:constr type="lMarg" for="ch" forName="text_4" refType="w" refFor="ch" refForName="accent_4" fact="1.8"/>
+                <dgm:constr type="primFontSz" for="ch" ptType="node" op="equ" val="65"/>
+              </dgm:constrLst>
+            </dgm:if>
+            <dgm:if name="Name9" axis="ch" ptType="node" func="cnt" op="equ" val="5">
+              <dgm:constrLst>
+                <dgm:constr type="h" for="ch" forName="cycle" refType="h"/>
+                <dgm:constr type="w" for="ch" forName="cycle" refType="h" refFor="ch" refForName="cycle" fact="0.26"/>
+                <dgm:constr type="l" for="ch" forName="cycle"/>
+                <dgm:constr type="ctrY" for="ch" forName="cycle" refType="h" fact="0.5"/>
+                <dgm:constr type="diam" for="ch" forName="cycle" refType="h" fact="1.344"/>
+                <dgm:constr type="h" for="ch" forName="accent_1" refType="h" fact="0.1563"/>
+                <dgm:constr type="w" for="ch" forName="accent_1" refType="h" refFor="ch" refForName="accent_1" op="equ"/>
+                <dgm:constr type="ctrY" for="ch" forName="accent_1" refType="h" fact="0.125"/>
+                <dgm:constr type="ctrX" for="ch" forName="accent_1" refType="h" fact="0.1082"/>
+                <dgm:constr type="l" for="ch" forName="text_1" refType="ctrX" refFor="ch" refForName="accent_1"/>
+                <dgm:constr type="r" for="ch" forName="text_1" refType="w"/>
+                <dgm:constr type="w" for="ch" forName="text_1" refType="h" refFor="ch" refForName="text_1" op="gte"/>
+                <dgm:constr type="h" for="ch" forName="text_1" refType="h" refFor="ch" refForName="accent_1" fact="0.8"/>
+                <dgm:constr type="ctrY" for="ch" forName="text_1" refType="ctrY" refFor="ch" refForName="accent_1"/>
+                <dgm:constr type="lMarg" for="ch" forName="text_1" refType="w" refFor="ch" refForName="accent_1" fact="1.8"/>
+                <dgm:constr type="h" for="ch" forName="accent_2" refType="h" fact="0.1563"/>
+                <dgm:constr type="w" for="ch" forName="accent_2" refType="h" refFor="ch" refForName="accent_2" op="equ"/>
+                <dgm:constr type="ctrY" for="ch" forName="accent_2" refType="h" fact="0.3125"/>
+                <dgm:constr type="ctrX" for="ch" forName="accent_2" refType="h" fact="0.1978"/>
+                <dgm:constr type="l" for="ch" forName="text_2" refType="ctrX" refFor="ch" refForName="accent_2"/>
+                <dgm:constr type="r" for="ch" forName="text_2" refType="w"/>
+                <dgm:constr type="w" for="ch" forName="text_2" refType="h" refFor="ch" refForName="text_2" op="gte"/>
+                <dgm:constr type="h" for="ch" forName="text_2" refType="h" refFor="ch" refForName="accent_2" fact="0.8"/>
+                <dgm:constr type="ctrY" for="ch" forName="text_2" refType="ctrY" refFor="ch" refForName="accent_2"/>
+                <dgm:constr type="lMarg" for="ch" forName="text_2" refType="w" refFor="ch" refForName="accent_2" fact="1.8"/>
+                <dgm:constr type="h" for="ch" forName="accent_3" refType="h" fact="0.1563"/>
+                <dgm:constr type="w" for="ch" forName="accent_3" refType="h" refFor="ch" refForName="accent_3" op="equ"/>
+                <dgm:constr type="ctrY" for="ch" forName="accent_3" refType="h" fact="0.5"/>
+                <dgm:constr type="ctrX" for="ch" forName="accent_3" refType="h" fact="0.2253"/>
+                <dgm:constr type="l" for="ch" forName="text_3" refType="ctrX" refFor="ch" refForName="accent_3"/>
+                <dgm:constr type="r" for="ch" forName="text_3" refType="w"/>
+                <dgm:constr type="w" for="ch" forName="text_3" refType="h" refFor="ch" refForName="text_3" op="gte"/>
+                <dgm:constr type="h" for="ch" forName="text_3" refType="h" refFor="ch" refForName="accent_3" fact="0.8"/>
+                <dgm:constr type="ctrY" for="ch" forName="text_3" refType="ctrY" refFor="ch" refForName="accent_3"/>
+                <dgm:constr type="lMarg" for="ch" forName="text_3" refType="w" refFor="ch" refForName="accent_3" fact="1.8"/>
+                <dgm:constr type="h" for="ch" forName="accent_4" refType="h" fact="0.1563"/>
+                <dgm:constr type="w" for="ch" forName="accent_4" refType="h" refFor="ch" refForName="accent_4" op="equ"/>
+                <dgm:constr type="ctrY" for="ch" forName="accent_4" refType="h" fact="0.6875"/>
+                <dgm:constr type="ctrX" for="ch" forName="accent_4" refType="h" fact="0.1978"/>
+                <dgm:constr type="l" for="ch" forName="text_4" refType="ctrX" refFor="ch" refForName="accent_4"/>
+                <dgm:constr type="r" for="ch" forName="text_4" refType="w"/>
+                <dgm:constr type="w" for="ch" forName="text_4" refType="h" refFor="ch" refForName="text_4" op="gte"/>
+                <dgm:constr type="h" for="ch" forName="text_4" refType="h" refFor="ch" refForName="accent_4" fact="0.8"/>
+                <dgm:constr type="ctrY" for="ch" forName="text_4" refType="ctrY" refFor="ch" refForName="accent_4"/>
+                <dgm:constr type="lMarg" for="ch" forName="text_4" refType="w" refFor="ch" refForName="accent_4" fact="1.8"/>
+                <dgm:constr type="h" for="ch" forName="accent_5" refType="h" fact="0.1563"/>
+                <dgm:constr type="w" for="ch" forName="accent_5" refType="h" refFor="ch" refForName="accent_5" op="equ"/>
+                <dgm:constr type="ctrY" for="ch" forName="accent_5" refType="h" fact="0.875"/>
+                <dgm:constr type="ctrX" for="ch" forName="accent_5" refType="h" fact="0.1082"/>
+                <dgm:constr type="l" for="ch" forName="text_5" refType="ctrX" refFor="ch" refForName="accent_5"/>
+                <dgm:constr type="r" for="ch" forName="text_5" refType="w"/>
+                <dgm:constr type="w" for="ch" forName="text_5" refType="h" refFor="ch" refForName="text_5" op="gte"/>
+                <dgm:constr type="h" for="ch" forName="text_5" refType="h" refFor="ch" refForName="accent_5" fact="0.8"/>
+                <dgm:constr type="ctrY" for="ch" forName="text_5" refType="ctrY" refFor="ch" refForName="accent_5"/>
+                <dgm:constr type="lMarg" for="ch" forName="text_5" refType="w" refFor="ch" refForName="accent_5" fact="1.8"/>
+                <dgm:constr type="primFontSz" for="ch" ptType="node" op="equ" val="65"/>
+              </dgm:constrLst>
+            </dgm:if>
+            <dgm:if name="Name10" axis="ch" ptType="node" func="cnt" op="equ" val="6">
+              <dgm:constrLst>
+                <dgm:constr type="h" for="ch" forName="cycle" refType="h"/>
+                <dgm:constr type="w" for="ch" forName="cycle" refType="h" refFor="ch" refForName="cycle" fact="0.26"/>
+                <dgm:constr type="l" for="ch" forName="cycle"/>
+                <dgm:constr type="ctrY" for="ch" forName="cycle" refType="h" fact="0.5"/>
+                <dgm:constr type="diam" for="ch" forName="cycle" refType="h" fact="1.344"/>
+                <dgm:constr type="h" for="ch" forName="accent_1" refType="h" fact="0.1316"/>
+                <dgm:constr type="w" for="ch" forName="accent_1" refType="h" refFor="ch" refForName="accent_1" op="equ"/>
+                <dgm:constr type="ctrY" for="ch" forName="accent_1" refType="h" fact="0.1053"/>
+                <dgm:constr type="ctrX" for="ch" forName="accent_1" refType="h" fact="0.0943"/>
+                <dgm:constr type="l" for="ch" forName="text_1" refType="ctrX" refFor="ch" refForName="accent_1"/>
+                <dgm:constr type="r" for="ch" forName="text_1" refType="w"/>
+                <dgm:constr type="w" for="ch" forName="text_1" refType="h" refFor="ch" refForName="text_1" op="gte"/>
+                <dgm:constr type="h" for="ch" forName="text_1" refType="h" refFor="ch" refForName="accent_1" fact="0.8"/>
+                <dgm:constr type="ctrY" for="ch" forName="text_1" refType="ctrY" refFor="ch" refForName="accent_1"/>
+                <dgm:constr type="lMarg" for="ch" forName="text_1" refType="w" refFor="ch" refForName="accent_1" fact="1.8"/>
+                <dgm:constr type="h" for="ch" forName="accent_2" refType="h" fact="0.1316"/>
+                <dgm:constr type="w" for="ch" forName="accent_2" refType="h" refFor="ch" refForName="accent_2" op="equ"/>
+                <dgm:constr type="ctrY" for="ch" forName="accent_2" refType="h" fact="0.2632"/>
+                <dgm:constr type="ctrX" for="ch" forName="accent_2" refType="h" fact="0.1809"/>
+                <dgm:constr type="l" for="ch" forName="text_2" refType="ctrX" refFor="ch" refForName="accent_2"/>
+                <dgm:constr type="r" for="ch" forName="text_2" refType="w"/>
+                <dgm:constr type="w" for="ch" forName="text_2" refType="h" refFor="ch" refForName="text_2" op="gte"/>
+                <dgm:constr type="h" for="ch" forName="text_2" refType="h" refFor="ch" refForName="accent_2" fact="0.8"/>
+                <dgm:constr type="ctrY" for="ch" forName="text_2" refType="ctrY" refFor="ch" refForName="accent_2"/>
+                <dgm:constr type="lMarg" for="ch" forName="text_2" refType="w" refFor="ch" refForName="accent_2" fact="1.8"/>
+                <dgm:constr type="h" for="ch" forName="accent_3" refType="h" fact="0.1316"/>
+                <dgm:constr type="w" for="ch" forName="accent_3" refType="h" refFor="ch" refForName="accent_3" op="equ"/>
+                <dgm:constr type="ctrY" for="ch" forName="accent_3" refType="h" fact="0.4211"/>
+                <dgm:constr type="ctrX" for="ch" forName="accent_3" refType="h" fact="0.2205"/>
+                <dgm:constr type="l" for="ch" forName="text_3" refType="ctrX" refFor="ch" refForName="accent_3"/>
+                <dgm:constr type="r" for="ch" forName="text_3" refType="w"/>
+                <dgm:constr type="w" for="ch" forName="text_3" refType="h" refFor="ch" refForName="text_3" op="gte"/>
+                <dgm:constr type="h" for="ch" forName="text_3" refType="h" refFor="ch" refForName="accent_3" fact="0.8"/>
+                <dgm:constr type="ctrY" for="ch" forName="text_3" refType="ctrY" refFor="ch" refForName="accent_3"/>
+                <dgm:constr type="lMarg" for="ch" forName="text_3" refType="w" refFor="ch" refForName="accent_3" fact="1.8"/>
+                <dgm:constr type="h" for="ch" forName="accent_4" refType="h" fact="0.1316"/>
+                <dgm:constr type="w" for="ch" forName="accent_4" refType="h" refFor="ch" refForName="accent_4" op="equ"/>
+                <dgm:constr type="ctrY" for="ch" forName="accent_4" refType="h" fact="0.5789"/>
+                <dgm:constr type="ctrX" for="ch" forName="accent_4" refType="h" fact="0.2205"/>
+                <dgm:constr type="l" for="ch" forName="text_4" refType="ctrX" refFor="ch" refForName="accent_4"/>
+                <dgm:constr type="r" for="ch" forName="text_4" refType="w"/>
+                <dgm:constr type="w" for="ch" forName="text_4" refType="h" refFor="ch" refForName="text_4" op="gte"/>
+                <dgm:constr type="h" for="ch" forName="text_4" refType="h" refFor="ch" refForName="accent_4" fact="0.8"/>
+                <dgm:constr type="ctrY" for="ch" forName="text_4" refType="ctrY" refFor="ch" refForName="accent_4"/>
+                <dgm:constr type="lMarg" for="ch" forName="text_4" refType="w" refFor="ch" refForName="accent_4" fact="1.8"/>
+                <dgm:constr type="h" for="ch" forName="accent_5" refType="h" fact="0.1316"/>
+                <dgm:constr type="w" for="ch" forName="accent_5" refType="h" refFor="ch" refForName="accent_5" op="equ"/>
+                <dgm:constr type="ctrY" for="ch" forName="accent_5" refType="h" fact="0.7368"/>
+                <dgm:constr type="ctrX" for="ch" forName="accent_5" refType="h" fact="0.1809"/>
+                <dgm:constr type="l" for="ch" forName="text_5" refType="ctrX" refFor="ch" refForName="accent_5"/>
+                <dgm:constr type="r" for="ch" forName="text_5" refType="w"/>
+                <dgm:constr type="w" for="ch" forName="text_5" refType="h" refFor="ch" refForName="text_5" op="gte"/>
+                <dgm:constr type="h" for="ch" forName="text_5" refType="h" refFor="ch" refForName="accent_5" fact="0.8"/>
+                <dgm:constr type="ctrY" for="ch" forName="text_5" refType="ctrY" refFor="ch" refForName="accent_5"/>
+                <dgm:constr type="lMarg" for="ch" forName="text_5" refType="w" refFor="ch" refForName="accent_5" fact="1.8"/>
+                <dgm:constr type="h" for="ch" forName="accent_6" refType="h" fact="0.1316"/>
+                <dgm:constr type="w" for="ch" forName="accent_6" refType="h" refFor="ch" refForName="accent_6" op="equ"/>
+                <dgm:constr type="ctrY" for="ch" forName="accent_6" refType="h" fact="0.8947"/>
+                <dgm:constr type="ctrX" for="ch" forName="accent_6" refType="h" fact="0.0943"/>
+                <dgm:constr type="l" for="ch" forName="text_6" refType="ctrX" refFor="ch" refForName="accent_6"/>
+                <dgm:constr type="r" for="ch" forName="text_6" refType="w"/>
+                <dgm:constr type="w" for="ch" forName="text_6" refType="h" refFor="ch" refForName="text_6" op="gte"/>
+                <dgm:constr type="h" for="ch" forName="text_6" refType="h" refFor="ch" refForName="accent_6" fact="0.8"/>
+                <dgm:constr type="ctrY" for="ch" forName="text_6" refType="ctrY" refFor="ch" refForName="accent_6"/>
+                <dgm:constr type="lMarg" for="ch" forName="text_6" refType="w" refFor="ch" refForName="accent_6" fact="1.8"/>
+                <dgm:constr type="primFontSz" for="ch" ptType="node" op="equ" val="65"/>
+              </dgm:constrLst>
+            </dgm:if>
+            <dgm:else name="Name11">
+              <dgm:constrLst>
+                <dgm:constr type="h" for="ch" forName="cycle" refType="h"/>
+                <dgm:constr type="w" for="ch" forName="cycle" refType="h" refFor="ch" refForName="cycle" fact="0.26"/>
+                <dgm:constr type="l" for="ch" forName="cycle"/>
+                <dgm:constr type="ctrY" for="ch" forName="cycle" refType="h" fact="0.5"/>
+                <dgm:constr type="diam" for="ch" forName="cycle" refType="h" fact="1.344"/>
+                <dgm:constr type="h" for="ch" forName="accent_1" refType="h" fact="0.1136"/>
+                <dgm:constr type="w" for="ch" forName="accent_1" refType="h" refFor="ch" refForName="accent_1" op="equ"/>
+                <dgm:constr type="ctrY" for="ch" forName="accent_1" refType="h" fact="0.0909"/>
+                <dgm:constr type="ctrX" for="ch" forName="accent_1" refType="h" fact="0.0835"/>
+                <dgm:constr type="l" for="ch" forName="text_1" refType="ctrX" refFor="ch" refForName="accent_1"/>
+                <dgm:constr type="r" for="ch" forName="text_1" refType="w"/>
+                <dgm:constr type="w" for="ch" forName="text_1" refType="h" refFor="ch" refForName="text_1" op="gte"/>
+                <dgm:constr type="h" for="ch" forName="text_1" refType="h" refFor="ch" refForName="accent_1" fact="0.8"/>
+                <dgm:constr type="ctrY" for="ch" forName="text_1" refType="ctrY" refFor="ch" refForName="accent_1"/>
+                <dgm:constr type="lMarg" for="ch" forName="text_1" refType="w" refFor="ch" refForName="accent_1" fact="1.8"/>
+                <dgm:constr type="h" for="ch" forName="accent_2" refType="h" fact="0.1136"/>
+                <dgm:constr type="w" for="ch" forName="accent_2" refType="h" refFor="ch" refForName="accent_2" op="equ"/>
+                <dgm:constr type="ctrY" for="ch" forName="accent_2" refType="h" fact="0.2273"/>
+                <dgm:constr type="ctrX" for="ch" forName="accent_2" refType="h" fact="0.1658"/>
+                <dgm:constr type="l" for="ch" forName="text_2" refType="ctrX" refFor="ch" refForName="accent_2"/>
+                <dgm:constr type="r" for="ch" forName="text_2" refType="w"/>
+                <dgm:constr type="w" for="ch" forName="text_2" refType="h" refFor="ch" refForName="text_2" op="gte"/>
+                <dgm:constr type="h" for="ch" forName="text_2" refType="h" refFor="ch" refForName="accent_2" fact="0.8"/>
+                <dgm:constr type="ctrY" for="ch" forName="text_2" refType="ctrY" refFor="ch" refForName="accent_2"/>
+                <dgm:constr type="lMarg" for="ch" forName="text_2" refType="w" refFor="ch" refForName="accent_2" fact="1.8"/>
+                <dgm:constr type="h" for="ch" forName="accent_3" refType="h" fact="0.1136"/>
+                <dgm:constr type="w" for="ch" forName="accent_3" refType="h" refFor="ch" refForName="accent_3" op="equ"/>
+                <dgm:constr type="ctrY" for="ch" forName="accent_3" refType="h" fact="0.3636"/>
+                <dgm:constr type="ctrX" for="ch" forName="accent_3" refType="h" fact="0.2109"/>
+                <dgm:constr type="l" for="ch" forName="text_3" refType="ctrX" refFor="ch" refForName="accent_3"/>
+                <dgm:constr type="r" for="ch" forName="text_3" refType="w"/>
+                <dgm:constr type="w" for="ch" forName="text_3" refType="h" refFor="ch" refForName="text_3" op="gte"/>
+                <dgm:constr type="h" for="ch" forName="text_3" refType="h" refFor="ch" refForName="accent_3" fact="0.8"/>
+                <dgm:constr type="ctrY" for="ch" forName="text_3" refType="ctrY" refFor="ch" refForName="accent_3"/>
+                <dgm:constr type="lMarg" for="ch" forName="text_3" refType="w" refFor="ch" refForName="accent_3" fact="1.8"/>
+                <dgm:constr type="h" for="ch" forName="accent_4" refType="h" fact="0.1136"/>
+                <dgm:constr type="w" for="ch" forName="accent_4" refType="h" refFor="ch" refForName="accent_4" op="equ"/>
+                <dgm:constr type="ctrY" for="ch" forName="accent_4" refType="h" fact="0.5"/>
+                <dgm:constr type="ctrX" for="ch" forName="accent_4" refType="h" fact="0.2253"/>
+                <dgm:constr type="l" for="ch" forName="text_4" refType="ctrX" refFor="ch" refForName="accent_4"/>
+                <dgm:constr type="r" for="ch" forName="text_4" refType="w"/>
+                <dgm:constr type="w" for="ch" forName="text_4" refType="h" refFor="ch" refForName="text_4" op="gte"/>
+                <dgm:constr type="h" for="ch" forName="text_4" refType="h" refFor="ch" refForName="accent_4" fact="0.8"/>
+                <dgm:constr type="ctrY" for="ch" forName="text_4" refType="ctrY" refFor="ch" refForName="accent_4"/>
+                <dgm:constr type="lMarg" for="ch" forName="text_4" refType="w" refFor="ch" refForName="accent_4" fact="1.8"/>
+                <dgm:constr type="h" for="ch" forName="accent_5" refType="h" fact="0.1136"/>
+                <dgm:constr type="w" for="ch" forName="accent_5" refType="h" refFor="ch" refForName="accent_5" op="equ"/>
+                <dgm:constr type="ctrY" for="ch" forName="accent_5" refType="h" fact="0.6364"/>
+                <dgm:constr type="ctrX" for="ch" forName="accent_5" refType="h" fact="0.2109"/>
+                <dgm:constr type="l" for="ch" forName="text_5" refType="ctrX" refFor="ch" refForName="accent_5"/>
+                <dgm:constr type="r" for="ch" forName="text_5" refType="w"/>
+                <dgm:constr type="w" for="ch" forName="text_5" refType="h" refFor="ch" refForName="text_5" op="gte"/>
+                <dgm:constr type="h" for="ch" forName="text_5" refType="h" refFor="ch" refForName="accent_5" fact="0.8"/>
+                <dgm:constr type="ctrY" for="ch" forName="text_5" refType="ctrY" refFor="ch" refForName="accent_5"/>
+                <dgm:constr type="lMarg" for="ch" forName="text_5" refType="w" refFor="ch" refForName="accent_5" fact="1.8"/>
+                <dgm:constr type="h" for="ch" forName="accent_6" refType="h" fact="0.1136"/>
+                <dgm:constr type="w" for="ch" forName="accent_6" refType="h" refFor="ch" refForName="accent_6" op="equ"/>
+                <dgm:constr type="ctrY" for="ch" forName="accent_6" refType="h" fact="0.7727"/>
+                <dgm:constr type="ctrX" for="ch" forName="accent_6" refType="h" fact="0.1658"/>
+                <dgm:constr type="l" for="ch" forName="text_6" refType="ctrX" refFor="ch" refForName="accent_6"/>
+                <dgm:constr type="r" for="ch" forName="text_6" refType="w"/>
+                <dgm:constr type="w" for="ch" forName="text_6" refType="h" refFor="ch" refForName="text_6" op="gte"/>
+                <dgm:constr type="h" for="ch" forName="text_6" refType="h" refFor="ch" refForName="accent_6" fact="0.8"/>
+                <dgm:constr type="ctrY" for="ch" forName="text_6" refType="ctrY" refFor="ch" refForName="accent_6"/>
+                <dgm:constr type="lMarg" for="ch" forName="text_6" refType="w" refFor="ch" refForName="accent_6" fact="1.8"/>
+                <dgm:constr type="h" for="ch" forName="accent_7" refType="h" fact="0.1136"/>
+                <dgm:constr type="w" for="ch" forName="accent_7" refType="h" refFor="ch" refForName="accent_7" op="equ"/>
+                <dgm:constr type="ctrY" for="ch" forName="accent_7" refType="h" fact="0.9091"/>
+                <dgm:constr type="ctrX" for="ch" forName="accent_7" refType="h" fact="0.0835"/>
+                <dgm:constr type="l" for="ch" forName="text_7" refType="ctrX" refFor="ch" refForName="accent_7"/>
+                <dgm:constr type="r" for="ch" forName="text_7" refType="w"/>
+                <dgm:constr type="w" for="ch" forName="text_7" refType="h" refFor="ch" refForName="text_7" op="gte"/>
+                <dgm:constr type="h" for="ch" forName="text_7" refType="h" refFor="ch" refForName="accent_7" fact="0.8"/>
+                <dgm:constr type="ctrY" for="ch" forName="text_7" refType="ctrY" refFor="ch" refForName="accent_7"/>
+                <dgm:constr type="lMarg" for="ch" forName="text_7" refType="w" refFor="ch" refForName="accent_7" fact="1.8"/>
+                <dgm:constr type="primFontSz" for="ch" ptType="node" op="equ" val="65"/>
+              </dgm:constrLst>
+            </dgm:else>
+          </dgm:choose>
+        </dgm:if>
+        <dgm:else name="Name12">
+          <dgm:choose name="Name13">
+            <dgm:if name="Name14" axis="ch" ptType="node" func="cnt" op="equ" val="1">
+              <dgm:constrLst>
+                <dgm:constr type="h" for="ch" forName="cycle" refType="h"/>
+                <dgm:constr type="w" for="ch" forName="cycle" refType="h" refFor="ch" refForName="cycle" fact="0.26"/>
+                <dgm:constr type="r" for="ch" forName="cycle" refType="w"/>
+                <dgm:constr type="ctrY" for="ch" forName="cycle" refType="h" fact="0.5"/>
+                <dgm:constr type="diam" for="ch" forName="cycle" refType="h" fact="1.344"/>
+                <dgm:constr type="h" for="ch" forName="accent_1" refType="h" fact="0.625"/>
+                <dgm:constr type="w" for="ch" forName="accent_1" refType="h" refFor="ch" refForName="accent_1" op="equ"/>
+                <dgm:constr type="ctrY" for="ch" forName="accent_1" refType="h" fact="0.5"/>
+                <dgm:constr type="ctrX" for="ch" forName="accent_1" refType="w"/>
+                <dgm:constr type="ctrXOff" for="ch" forName="accent_1" refType="h" fact="-0.2253"/>
+                <dgm:constr type="r" for="ch" forName="text_1" refType="ctrX" refFor="ch" refForName="accent_1"/>
+                <dgm:constr type="rOff" for="ch" forName="text_1" refType="ctrXOff" refFor="ch" refForName="accent_1"/>
+                <dgm:constr type="l" for="ch" forName="text_1"/>
+                <dgm:constr type="w" for="ch" forName="text_1" refType="h" refFor="ch" refForName="text_1" op="gte"/>
+                <dgm:constr type="h" for="ch" forName="text_1" refType="h" refFor="ch" refForName="accent_1" fact="0.8"/>
+                <dgm:constr type="ctrY" for="ch" forName="text_1" refType="ctrY" refFor="ch" refForName="accent_1"/>
+                <dgm:constr type="rMarg" for="ch" forName="text_1" refType="w" refFor="ch" refForName="accent_1" fact="1.8"/>
+                <dgm:constr type="primFontSz" for="ch" ptType="node" op="equ" val="65"/>
+              </dgm:constrLst>
+            </dgm:if>
+            <dgm:if name="Name15" axis="ch" ptType="node" func="cnt" op="equ" val="2">
+              <dgm:constrLst>
+                <dgm:constr type="h" for="ch" forName="cycle" refType="h"/>
+                <dgm:constr type="w" for="ch" forName="cycle" refType="h" refFor="ch" refForName="cycle" fact="0.26"/>
+                <dgm:constr type="r" for="ch" forName="cycle" refType="w"/>
+                <dgm:constr type="ctrY" for="ch" forName="cycle" refType="h" fact="0.5"/>
+                <dgm:constr type="diam" for="ch" forName="cycle" refType="h" fact="1.344"/>
+                <dgm:constr type="h" for="ch" forName="accent_1" refType="h" fact="0.3571"/>
+                <dgm:constr type="w" for="ch" forName="accent_1" refType="h" refFor="ch" refForName="accent_1" op="equ"/>
+                <dgm:constr type="ctrY" for="ch" forName="accent_1" refType="h" fact="0.2857"/>
+                <dgm:constr type="ctrX" for="ch" forName="accent_1" refType="w"/>
+                <dgm:constr type="ctrXOff" for="ch" forName="accent_1" refType="h" fact="-0.1891"/>
+                <dgm:constr type="r" for="ch" forName="text_1" refType="ctrX" refFor="ch" refForName="accent_1"/>
+                <dgm:constr type="rOff" for="ch" forName="text_1" refType="ctrXOff" refFor="ch" refForName="accent_1"/>
+                <dgm:constr type="l" for="ch" forName="text_1"/>
+                <dgm:constr type="w" for="ch" forName="text_1" refType="h" refFor="ch" refForName="text_1" op="gte"/>
+                <dgm:constr type="h" for="ch" forName="text_1" refType="h" refFor="ch" refForName="accent_1" fact="0.8"/>
+                <dgm:constr type="ctrY" for="ch" forName="text_1" refType="ctrY" refFor="ch" refForName="accent_1"/>
+                <dgm:constr type="rMarg" for="ch" forName="text_1" refType="w" refFor="ch" refForName="accent_1" fact="1.8"/>
+                <dgm:constr type="h" for="ch" forName="accent_2" refType="h" fact="0.3571"/>
+                <dgm:constr type="w" for="ch" forName="accent_2" refType="h" refFor="ch" refForName="accent_2" op="equ"/>
+                <dgm:constr type="ctrY" for="ch" forName="accent_2" refType="h" fact="0.7143"/>
+                <dgm:constr type="ctrX" for="ch" forName="accent_2" refType="w"/>
+                <dgm:constr type="ctrXOff" for="ch" forName="accent_2" refType="h" fact="-0.1891"/>
+                <dgm:constr type="r" for="ch" forName="text_2" refType="ctrX" refFor="ch" refForName="accent_2"/>
+                <dgm:constr type="rOff" for="ch" forName="text_2" refType="ctrXOff" refFor="ch" refForName="accent_2"/>
+                <dgm:constr type="l" for="ch" forName="text_2"/>
+                <dgm:constr type="w" for="ch" forName="text_2" refType="h" refFor="ch" refForName="text_2" op="gte"/>
+                <dgm:constr type="h" for="ch" forName="text_2" refType="h" refFor="ch" refForName="accent_2" fact="0.8"/>
+                <dgm:constr type="ctrY" for="ch" forName="text_2" refType="ctrY" refFor="ch" refForName="accent_2"/>
+                <dgm:constr type="rMarg" for="ch" forName="text_2" refType="w" refFor="ch" refForName="accent_2" fact="1.8"/>
+                <dgm:constr type="primFontSz" for="ch" ptType="node" op="equ" val="65"/>
+              </dgm:constrLst>
+            </dgm:if>
+            <dgm:if name="Name16" axis="ch" ptType="node" func="cnt" op="equ" val="3">
+              <dgm:constrLst>
+                <dgm:constr type="h" for="ch" forName="cycle" refType="h"/>
+                <dgm:constr type="w" for="ch" forName="cycle" refType="h" refFor="ch" refForName="cycle" fact="0.26"/>
+                <dgm:constr type="r" for="ch" forName="cycle" refType="w"/>
+                <dgm:constr type="ctrY" for="ch" forName="cycle" refType="h" fact="0.5"/>
+                <dgm:constr type="diam" for="ch" forName="cycle" refType="h" fact="1.344"/>
+                <dgm:constr type="h" for="ch" forName="accent_1" refType="h" fact="0.25"/>
+                <dgm:constr type="w" for="ch" forName="accent_1" refType="h" refFor="ch" refForName="accent_1" op="equ"/>
+                <dgm:constr type="ctrY" for="ch" forName="accent_1" refType="h" fact="0.2"/>
+                <dgm:constr type="ctrX" for="ch" forName="accent_1" refType="w"/>
+                <dgm:constr type="ctrXOff" for="ch" forName="accent_1" refType="h" fact="-0.1526"/>
+                <dgm:constr type="r" for="ch" forName="text_1" refType="ctrX" refFor="ch" refForName="accent_1"/>
+                <dgm:constr type="rOff" for="ch" forName="text_1" refType="ctrXOff" refFor="ch" refForName="accent_1"/>
+                <dgm:constr type="l" for="ch" forName="text_1"/>
+                <dgm:constr type="w" for="ch" forName="text_1" refType="h" refFor="ch" refForName="text_1" op="gte"/>
+                <dgm:constr type="h" for="ch" forName="text_1" refType="h" refFor="ch" refForName="accent_1" fact="0.8"/>
+                <dgm:constr type="ctrY" for="ch" forName="text_1" refType="ctrY" refFor="ch" refForName="accent_1"/>
+                <dgm:constr type="rMarg" for="ch" forName="text_1" refType="w" refFor="ch" refForName="accent_1" fact="1.8"/>
+                <dgm:constr type="h" for="ch" forName="accent_2" refType="h" fact="0.25"/>
+                <dgm:constr type="w" for="ch" forName="accent_2" refType="h" refFor="ch" refForName="accent_2" op="equ"/>
+                <dgm:constr type="ctrY" for="ch" forName="accent_2" refType="h" fact="0.5"/>
+                <dgm:constr type="ctrX" for="ch" forName="accent_2" refType="w"/>
+                <dgm:constr type="ctrXOff" for="ch" forName="accent_2" refType="h" fact="-0.2253"/>
+                <dgm:constr type="r" for="ch" forName="text_2" refType="ctrX" refFor="ch" refForName="accent_2"/>
+                <dgm:constr type="rOff" for="ch" forName="text_2" refType="ctrXOff" refFor="ch" refForName="accent_2"/>
+                <dgm:constr type="l" for="ch" forName="text_2"/>
+                <dgm:constr type="w" for="ch" forName="text_2" refType="h" refFor="ch" refForName="text_2" op="gte"/>
+                <dgm:constr type="h" for="ch" forName="text_2" refType="h" refFor="ch" refForName="accent_2" fact="0.8"/>
+                <dgm:constr type="ctrY" for="ch" forName="text_2" refType="ctrY" refFor="ch" refForName="accent_2"/>
+                <dgm:constr type="rMarg" for="ch" forName="text_2" refType="w" refFor="ch" refForName="accent_2" fact="1.8"/>
+                <dgm:constr type="h" for="ch" forName="accent_3" refType="h" fact="0.25"/>
+                <dgm:constr type="w" for="ch" forName="accent_3" refType="h" refFor="ch" refForName="accent_3" op="equ"/>
+                <dgm:constr type="ctrY" for="ch" forName="accent_3" refType="h" fact="0.8"/>
+                <dgm:constr type="ctrX" for="ch" forName="accent_3" refType="w"/>
+                <dgm:constr type="ctrXOff" for="ch" forName="accent_3" refType="h" fact="-0.1526"/>
+                <dgm:constr type="r" for="ch" forName="text_3" refType="ctrX" refFor="ch" refForName="accent_3"/>
+                <dgm:constr type="rOff" for="ch" forName="text_3" refType="ctrXOff" refFor="ch" refForName="accent_3"/>
+                <dgm:constr type="l" for="ch" forName="text_3"/>
+                <dgm:constr type="w" for="ch" forName="text_3" refType="h" refFor="ch" refForName="text_3" op="gte"/>
+                <dgm:constr type="h" for="ch" forName="text_3" refType="h" refFor="ch" refForName="accent_3" fact="0.8"/>
+                <dgm:constr type="ctrY" for="ch" forName="text_3" refType="ctrY" refFor="ch" refForName="accent_3"/>
+                <dgm:constr type="rMarg" for="ch" forName="text_3" refType="w" refFor="ch" refForName="accent_3" fact="1.8"/>
+                <dgm:constr type="primFontSz" for="ch" ptType="node" op="equ" val="65"/>
+              </dgm:constrLst>
+            </dgm:if>
+            <dgm:if name="Name17" axis="ch" ptType="node" func="cnt" op="equ" val="4">
+              <dgm:constrLst>
+                <dgm:constr type="h" for="ch" forName="cycle" refType="h"/>
+                <dgm:constr type="w" for="ch" forName="cycle" refType="h" refFor="ch" refForName="cycle" fact="0.26"/>
+                <dgm:constr type="r" for="ch" forName="cycle" refType="w"/>
+                <dgm:constr type="ctrY" for="ch" forName="cycle" refType="h" fact="0.5"/>
+                <dgm:constr type="diam" for="ch" forName="cycle" refType="h" fact="1.344"/>
+                <dgm:constr type="h" for="ch" forName="accent_1" refType="h" fact="0.1923"/>
+                <dgm:constr type="w" for="ch" forName="accent_1" refType="h" refFor="ch" refForName="accent_1" op="equ"/>
+                <dgm:constr type="ctrY" for="ch" forName="accent_1" refType="h" fact="0.1538"/>
+                <dgm:constr type="ctrX" for="ch" forName="accent_1" refType="w"/>
+                <dgm:constr type="ctrXOff" for="ch" forName="accent_1" refType="h" fact="-0.1268"/>
+                <dgm:constr type="r" for="ch" forName="text_1" refType="ctrX" refFor="ch" refForName="accent_1"/>
+                <dgm:constr type="rOff" for="ch" forName="text_1" refType="ctrXOff" refFor="ch" refForName="accent_1"/>
+                <dgm:constr type="l" for="ch" forName="text_1"/>
+                <dgm:constr type="w" for="ch" forName="text_1" refType="h" refFor="ch" refForName="text_1" op="gte"/>
+                <dgm:constr type="h" for="ch" forName="text_1" refType="h" refFor="ch" refForName="accent_1" fact="0.8"/>
+                <dgm:constr type="ctrY" for="ch" forName="text_1" refType="ctrY" refFor="ch" refForName="accent_1"/>
+                <dgm:constr type="rMarg" for="ch" forName="text_1" refType="w" refFor="ch" refForName="accent_1" fact="1.8"/>
+                <dgm:constr type="h" for="ch" forName="accent_2" refType="h" fact="0.1923"/>
+                <dgm:constr type="w" for="ch" forName="accent_2" refType="h" refFor="ch" refForName="accent_2" op="equ"/>
+                <dgm:constr type="ctrY" for="ch" forName="accent_2" refType="h" fact="0.3846"/>
+                <dgm:constr type="ctrX" for="ch" forName="accent_2" refType="w"/>
+                <dgm:constr type="ctrXOff" for="ch" forName="accent_2" refType="h" fact="-0.215"/>
+                <dgm:constr type="r" for="ch" forName="text_2" refType="ctrX" refFor="ch" refForName="accent_2"/>
+                <dgm:constr type="rOff" for="ch" forName="text_2" refType="ctrXOff" refFor="ch" refForName="accent_2"/>
+                <dgm:constr type="l" for="ch" forName="text_2"/>
+                <dgm:constr type="w" for="ch" forName="text_2" refType="h" refFor="ch" refForName="text_2" op="gte"/>
+                <dgm:constr type="h" for="ch" forName="text_2" refType="h" refFor="ch" refForName="accent_2" fact="0.8"/>
+                <dgm:constr type="ctrY" for="ch" forName="text_2" refType="ctrY" refFor="ch" refForName="accent_2"/>
+                <dgm:constr type="rMarg" for="ch" forName="text_2" refType="w" refFor="ch" refForName="accent_2" fact="1.8"/>
+                <dgm:constr type="h" for="ch" forName="accent_3" refType="h" fact="0.1923"/>
+                <dgm:constr type="w" for="ch" forName="accent_3" refType="h" refFor="ch" refForName="accent_3" op="equ"/>
+                <dgm:constr type="ctrY" for="ch" forName="accent_3" refType="h" fact="0.6154"/>
+                <dgm:constr type="ctrX" for="ch" forName="accent_3" refType="w"/>
+                <dgm:constr type="ctrXOff" for="ch" forName="accent_3" refType="h" fact="-0.215"/>
+                <dgm:constr type="r" for="ch" forName="text_3" refType="ctrX" refFor="ch" refForName="accent_3"/>
+                <dgm:constr type="rOff" for="ch" forName="text_3" refType="ctrXOff" refFor="ch" refForName="accent_3"/>
+                <dgm:constr type="l" for="ch" forName="text_3"/>
+                <dgm:constr type="w" for="ch" forName="text_3" refType="h" refFor="ch" refForName="text_3" op="gte"/>
+                <dgm:constr type="h" for="ch" forName="text_3" refType="h" refFor="ch" refForName="accent_3" fact="0.8"/>
+                <dgm:constr type="ctrY" for="ch" forName="text_3" refType="ctrY" refFor="ch" refForName="accent_3"/>
+                <dgm:constr type="rMarg" for="ch" forName="text_3" refType="w" refFor="ch" refForName="accent_3" fact="1.8"/>
+                <dgm:constr type="h" for="ch" forName="accent_4" refType="h" fact="0.1923"/>
+                <dgm:constr type="w" for="ch" forName="accent_4" refType="h" refFor="ch" refForName="accent_4" op="equ"/>
+                <dgm:constr type="ctrY" for="ch" forName="accent_4" refType="h" fact="0.8462"/>
+                <dgm:constr type="ctrX" for="ch" forName="accent_4" refType="w"/>
+                <dgm:constr type="ctrXOff" for="ch" forName="accent_4" refType="h" fact="-0.1268"/>
+                <dgm:constr type="r" for="ch" forName="text_4" refType="ctrX" refFor="ch" refForName="accent_4"/>
+                <dgm:constr type="rOff" for="ch" forName="text_4" refType="ctrXOff" refFor="ch" refForName="accent_4"/>
+                <dgm:constr type="l" for="ch" forName="text_4"/>
+                <dgm:constr type="w" for="ch" forName="text_4" refType="h" refFor="ch" refForName="text_4" op="gte"/>
+                <dgm:constr type="h" for="ch" forName="text_4" refType="h" refFor="ch" refForName="accent_4" fact="0.8"/>
+                <dgm:constr type="ctrY" for="ch" forName="text_4" refType="ctrY" refFor="ch" refForName="accent_4"/>
+                <dgm:constr type="rMarg" for="ch" forName="text_4" refType="w" refFor="ch" refForName="accent_4" fact="1.8"/>
+                <dgm:constr type="primFontSz" for="ch" ptType="node" op="equ" val="65"/>
+              </dgm:constrLst>
+            </dgm:if>
+            <dgm:if name="Name18" axis="ch" ptType="node" func="cnt" op="equ" val="5">
+              <dgm:constrLst>
+                <dgm:constr type="h" for="ch" forName="cycle" refType="h"/>
+                <dgm:constr type="w" for="ch" forName="cycle" refType="h" refFor="ch" refForName="cycle" fact="0.26"/>
+                <dgm:constr type="r" for="ch" forName="cycle" refType="w"/>
+                <dgm:constr type="ctrY" for="ch" forName="cycle" refType="h" fact="0.5"/>
+                <dgm:constr type="diam" for="ch" forName="cycle" refType="h" fact="1.344"/>
+                <dgm:constr type="h" for="ch" forName="accent_1" refType="h" fact="0.1563"/>
+                <dgm:constr type="w" for="ch" forName="accent_1" refType="h" refFor="ch" refForName="accent_1" op="equ"/>
+                <dgm:constr type="ctrY" for="ch" forName="accent_1" refType="h" fact="0.125"/>
+                <dgm:constr type="ctrX" for="ch" forName="accent_1" refType="w"/>
+                <dgm:constr type="ctrXOff" for="ch" forName="accent_1" refType="h" fact="-0.1082"/>
+                <dgm:constr type="r" for="ch" forName="text_1" refType="ctrX" refFor="ch" refForName="accent_1"/>
+                <dgm:constr type="rOff" for="ch" forName="text_1" refType="ctrXOff" refFor="ch" refForName="accent_1"/>
+                <dgm:constr type="l" for="ch" forName="text_1"/>
+                <dgm:constr type="w" for="ch" forName="text_1" refType="h" refFor="ch" refForName="text_1" op="gte"/>
+                <dgm:constr type="h" for="ch" forName="text_1" refType="h" refFor="ch" refForName="accent_1" fact="0.8"/>
+                <dgm:constr type="ctrY" for="ch" forName="text_1" refType="ctrY" refFor="ch" refForName="accent_1"/>
+                <dgm:constr type="rMarg" for="ch" forName="text_1" refType="w" refFor="ch" refForName="accent_1" fact="1.8"/>
+                <dgm:constr type="h" for="ch" forName="accent_2" refType="h" fact="0.1563"/>
+                <dgm:constr type="w" for="ch" forName="accent_2" refType="h" refFor="ch" refForName="accent_2" op="equ"/>
+                <dgm:constr type="ctrY" for="ch" forName="accent_2" refType="h" fact="0.3125"/>
+                <dgm:constr type="ctrX" for="ch" forName="accent_2" refType="w"/>
+                <dgm:constr type="ctrXOff" for="ch" forName="accent_2" refType="h" fact="-0.1978"/>
+                <dgm:constr type="r" for="ch" forName="text_2" refType="ctrX" refFor="ch" refForName="accent_2"/>
+                <dgm:constr type="rOff" for="ch" forName="text_2" refType="ctrXOff" refFor="ch" refForName="accent_2"/>
+                <dgm:constr type="l" for="ch" forName="text_2"/>
+                <dgm:constr type="w" for="ch" forName="text_2" refType="h" refFor="ch" refForName="text_2" op="gte"/>
+                <dgm:constr type="h" for="ch" forName="text_2" refType="h" refFor="ch" refForName="accent_2" fact="0.8"/>
+                <dgm:constr type="ctrY" for="ch" forName="text_2" refType="ctrY" refFor="ch" refForName="accent_2"/>
+                <dgm:constr type="rMarg" for="ch" forName="text_2" refType="w" refFor="ch" refForName="accent_2" fact="1.8"/>
+                <dgm:constr type="h" for="ch" forName="accent_3" refType="h" fact="0.1563"/>
+                <dgm:constr type="w" for="ch" forName="accent_3" refType="h" refFor="ch" refForName="accent_3" op="equ"/>
+                <dgm:constr type="ctrY" for="ch" forName="accent_3" refType="h" fact="0.5"/>
+                <dgm:constr type="ctrX" for="ch" forName="accent_3" refType="w"/>
+                <dgm:constr type="ctrXOff" for="ch" forName="accent_3" refType="h" fact="-0.2253"/>
+                <dgm:constr type="r" for="ch" forName="text_3" refType="ctrX" refFor="ch" refForName="accent_3"/>
+                <dgm:constr type="rOff" for="ch" forName="text_3" refType="ctrXOff" refFor="ch" refForName="accent_3"/>
+                <dgm:constr type="l" for="ch" forName="text_3"/>
+                <dgm:constr type="w" for="ch" forName="text_3" refType="h" refFor="ch" refForName="text_3" op="gte"/>
+                <dgm:constr type="h" for="ch" forName="text_3" refType="h" refFor="ch" refForName="accent_3" fact="0.8"/>
+                <dgm:constr type="ctrY" for="ch" forName="text_3" refType="ctrY" refFor="ch" refForName="accent_3"/>
+                <dgm:constr type="rMarg" for="ch" forName="text_3" refType="w" refFor="ch" refForName="accent_3" fact="1.8"/>
+                <dgm:constr type="h" for="ch" forName="accent_4" refType="h" fact="0.1563"/>
+                <dgm:constr type="w" for="ch" forName="accent_4" refType="h" refFor="ch" refForName="accent_4" op="equ"/>
+                <dgm:constr type="ctrY" for="ch" forName="accent_4" refType="h" fact="0.6875"/>
+                <dgm:constr type="ctrX" for="ch" forName="accent_4" refType="w"/>
+                <dgm:constr type="ctrXOff" for="ch" forName="accent_4" refType="h" fact="-0.1978"/>
+                <dgm:constr type="r" for="ch" forName="text_4" refType="ctrX" refFor="ch" refForName="accent_4"/>
+                <dgm:constr type="rOff" for="ch" forName="text_4" refType="ctrXOff" refFor="ch" refForName="accent_4"/>
+                <dgm:constr type="l" for="ch" forName="text_4"/>
+                <dgm:constr type="w" for="ch" forName="text_4" refType="h" refFor="ch" refForName="text_4" op="gte"/>
+                <dgm:constr type="h" for="ch" forName="text_4" refType="h" refFor="ch" refForName="accent_4" fact="0.8"/>
+                <dgm:constr type="ctrY" for="ch" forName="text_4" refType="ctrY" refFor="ch" refForName="accent_4"/>
+                <dgm:constr type="rMarg" for="ch" forName="text_4" refType="w" refFor="ch" refForName="accent_4" fact="1.8"/>
+                <dgm:constr type="h" for="ch" forName="accent_5" refType="h" fact="0.1563"/>
+                <dgm:constr type="w" for="ch" forName="accent_5" refType="h" refFor="ch" refForName="accent_5" op="equ"/>
+                <dgm:constr type="ctrY" for="ch" forName="accent_5" refType="h" fact="0.875"/>
+                <dgm:constr type="ctrX" for="ch" forName="accent_5" refType="w"/>
+                <dgm:constr type="ctrXOff" for="ch" forName="accent_5" refType="h" fact="-0.1082"/>
+                <dgm:constr type="r" for="ch" forName="text_5" refType="ctrX" refFor="ch" refForName="accent_5"/>
+                <dgm:constr type="rOff" for="ch" forName="text_5" refType="ctrXOff" refFor="ch" refForName="accent_5"/>
+                <dgm:constr type="l" for="ch" forName="text_5"/>
+                <dgm:constr type="w" for="ch" forName="text_5" refType="h" refFor="ch" refForName="text_5" op="gte"/>
+                <dgm:constr type="h" for="ch" forName="text_5" refType="h" refFor="ch" refForName="accent_5" fact="0.8"/>
+                <dgm:constr type="ctrY" for="ch" forName="text_5" refType="ctrY" refFor="ch" refForName="accent_5"/>
+                <dgm:constr type="rMarg" for="ch" forName="text_5" refType="w" refFor="ch" refForName="accent_5" fact="1.8"/>
+                <dgm:constr type="primFontSz" for="ch" ptType="node" op="equ" val="65"/>
+              </dgm:constrLst>
+            </dgm:if>
+            <dgm:if name="Name19" axis="ch" ptType="node" func="cnt" op="equ" val="6">
+              <dgm:constrLst>
+                <dgm:constr type="h" for="ch" forName="cycle" refType="h"/>
+                <dgm:constr type="w" for="ch" forName="cycle" refType="h" refFor="ch" refForName="cycle" fact="0.26"/>
+                <dgm:constr type="r" for="ch" forName="cycle" refType="w"/>
+                <dgm:constr type="ctrY" for="ch" forName="cycle" refType="h" fact="0.5"/>
+                <dgm:constr type="diam" for="ch" forName="cycle" refType="h" fact="1.344"/>
+                <dgm:constr type="h" for="ch" forName="accent_1" refType="h" fact="0.1316"/>
+                <dgm:constr type="w" for="ch" forName="accent_1" refType="h" refFor="ch" refForName="accent_1" op="equ"/>
+                <dgm:constr type="ctrY" for="ch" forName="accent_1" refType="h" fact="0.1053"/>
+                <dgm:constr type="ctrX" for="ch" forName="accent_1" refType="w"/>
+                <dgm:constr type="ctrXOff" for="ch" forName="accent_1" refType="h" fact="-0.0943"/>
+                <dgm:constr type="r" for="ch" forName="text_1" refType="ctrX" refFor="ch" refForName="accent_1"/>
+                <dgm:constr type="rOff" for="ch" forName="text_1" refType="ctrXOff" refFor="ch" refForName="accent_1"/>
+                <dgm:constr type="l" for="ch" forName="text_1"/>
+                <dgm:constr type="w" for="ch" forName="text_1" refType="h" refFor="ch" refForName="text_1" op="gte"/>
+                <dgm:constr type="h" for="ch" forName="text_1" refType="h" refFor="ch" refForName="accent_1" fact="0.8"/>
+                <dgm:constr type="ctrY" for="ch" forName="text_1" refType="ctrY" refFor="ch" refForName="accent_1"/>
+                <dgm:constr type="rMarg" for="ch" forName="text_1" refType="w" refFor="ch" refForName="accent_1" fact="1.8"/>
+                <dgm:constr type="h" for="ch" forName="accent_2" refType="h" fact="0.1316"/>
+                <dgm:constr type="w" for="ch" forName="accent_2" refType="h" refFor="ch" refForName="accent_2" op="equ"/>
+                <dgm:constr type="ctrY" for="ch" forName="accent_2" refType="h" fact="0.2632"/>
+                <dgm:constr type="ctrX" for="ch" forName="accent_2" refType="w"/>
+                <dgm:constr type="ctrXOff" for="ch" forName="accent_2" refType="h" fact="-0.1809"/>
+                <dgm:constr type="r" for="ch" forName="text_2" refType="ctrX" refFor="ch" refForName="accent_2"/>
+                <dgm:constr type="rOff" for="ch" forName="text_2" refType="ctrXOff" refFor="ch" refForName="accent_2"/>
+                <dgm:constr type="l" for="ch" forName="text_2"/>
+                <dgm:constr type="w" for="ch" forName="text_2" refType="h" refFor="ch" refForName="text_2" op="gte"/>
+                <dgm:constr type="h" for="ch" forName="text_2" refType="h" refFor="ch" refForName="accent_2" fact="0.8"/>
+                <dgm:constr type="ctrY" for="ch" forName="text_2" refType="ctrY" refFor="ch" refForName="accent_2"/>
+                <dgm:constr type="rMarg" for="ch" forName="text_2" refType="w" refFor="ch" refForName="accent_2" fact="1.8"/>
+                <dgm:constr type="h" for="ch" forName="accent_3" refType="h" fact="0.1316"/>
+                <dgm:constr type="w" for="ch" forName="accent_3" refType="h" refFor="ch" refForName="accent_3" op="equ"/>
+                <dgm:constr type="ctrY" for="ch" forName="accent_3" refType="h" fact="0.4211"/>
+                <dgm:constr type="ctrX" for="ch" forName="accent_3" refType="w"/>
+                <dgm:constr type="ctrXOff" for="ch" forName="accent_3" refType="h" fact="-0.2205"/>
+                <dgm:constr type="r" for="ch" forName="text_3" refType="ctrX" refFor="ch" refForName="accent_3"/>
+                <dgm:constr type="rOff" for="ch" forName="text_3" refType="ctrXOff" refFor="ch" refForName="accent_3"/>
+                <dgm:constr type="l" for="ch" forName="text_3"/>
+                <dgm:constr type="w" for="ch" forName="text_3" refType="h" refFor="ch" refForName="text_3" op="gte"/>
+                <dgm:constr type="h" for="ch" forName="text_3" refType="h" refFor="ch" refForName="accent_3" fact="0.8"/>
+                <dgm:constr type="ctrY" for="ch" forName="text_3" refType="ctrY" refFor="ch" refForName="accent_3"/>
+                <dgm:constr type="rMarg" for="ch" forName="text_3" refType="w" refFor="ch" refForName="accent_3" fact="1.8"/>
+                <dgm:constr type="h" for="ch" forName="accent_4" refType="h" fact="0.1316"/>
+                <dgm:constr type="w" for="ch" forName="accent_4" refType="h" refFor="ch" refForName="accent_4" op="equ"/>
+                <dgm:constr type="ctrY" for="ch" forName="accent_4" refType="h" fact="0.5789"/>
+                <dgm:constr type="ctrX" for="ch" forName="accent_4" refType="w"/>
+                <dgm:constr type="ctrXOff" for="ch" forName="accent_4" refType="h" fact="-0.2205"/>
+                <dgm:constr type="r" for="ch" forName="text_4" refType="ctrX" refFor="ch" refForName="accent_4"/>
+                <dgm:constr type="rOff" for="ch" forName="text_4" refType="ctrXOff" refFor="ch" refForName="accent_4"/>
+                <dgm:constr type="l" for="ch" forName="text_4"/>
+                <dgm:constr type="w" for="ch" forName="text_4" refType="h" refFor="ch" refForName="text_4" op="gte"/>
+                <dgm:constr type="h" for="ch" forName="text_4" refType="h" refFor="ch" refForName="accent_4" fact="0.8"/>
+                <dgm:constr type="ctrY" for="ch" forName="text_4" refType="ctrY" refFor="ch" refForName="accent_4"/>
+                <dgm:constr type="rMarg" for="ch" forName="text_4" refType="w" refFor="ch" refForName="accent_4" fact="1.8"/>
+                <dgm:constr type="h" for="ch" forName="accent_5" refType="h" fact="0.1316"/>
+                <dgm:constr type="w" for="ch" forName="accent_5" refType="h" refFor="ch" refForName="accent_5" op="equ"/>
+                <dgm:constr type="ctrY" for="ch" forName="accent_5" refType="h" fact="0.7368"/>
+                <dgm:constr type="ctrX" for="ch" forName="accent_5" refType="w"/>
+                <dgm:constr type="ctrXOff" for="ch" forName="accent_5" refType="h" fact="-0.1809"/>
+                <dgm:constr type="r" for="ch" forName="text_5" refType="ctrX" refFor="ch" refForName="accent_5"/>
+                <dgm:constr type="rOff" for="ch" forName="text_5" refType="ctrXOff" refFor="ch" refForName="accent_5"/>
+                <dgm:constr type="l" for="ch" forName="text_5"/>
+                <dgm:constr type="w" for="ch" forName="text_5" refType="h" refFor="ch" refForName="text_5" op="gte"/>
+                <dgm:constr type="h" for="ch" forName="text_5" refType="h" refFor="ch" refForName="accent_5" fact="0.8"/>
+                <dgm:constr type="ctrY" for="ch" forName="text_5" refType="ctrY" refFor="ch" refForName="accent_5"/>
+                <dgm:constr type="rMarg" for="ch" forName="text_5" refType="w" refFor="ch" refForName="accent_5" fact="1.8"/>
+                <dgm:constr type="h" for="ch" forName="accent_6" refType="h" fact="0.1316"/>
+                <dgm:constr type="w" for="ch" forName="accent_6" refType="h" refFor="ch" refForName="accent_6" op="equ"/>
+                <dgm:constr type="ctrY" for="ch" forName="accent_6" refType="h" fact="0.8947"/>
+                <dgm:constr type="ctrX" for="ch" forName="accent_6" refType="w"/>
+                <dgm:constr type="ctrXOff" for="ch" forName="accent_6" refType="h" fact="-0.0943"/>
+                <dgm:constr type="r" for="ch" forName="text_6" refType="ctrX" refFor="ch" refForName="accent_6"/>
+                <dgm:constr type="rOff" for="ch" forName="text_6" refType="ctrXOff" refFor="ch" refForName="accent_6"/>
+                <dgm:constr type="l" for="ch" forName="text_6"/>
+                <dgm:constr type="w" for="ch" forName="text_6" refType="h" refFor="ch" refForName="text_6" op="gte"/>
+                <dgm:constr type="h" for="ch" forName="text_6" refType="h" refFor="ch" refForName="accent_6" fact="0.8"/>
+                <dgm:constr type="ctrY" for="ch" forName="text_6" refType="ctrY" refFor="ch" refForName="accent_6"/>
+                <dgm:constr type="rMarg" for="ch" forName="text_6" refType="w" refFor="ch" refForName="accent_6" fact="1.8"/>
+                <dgm:constr type="primFontSz" for="ch" ptType="node" op="equ" val="65"/>
+              </dgm:constrLst>
+            </dgm:if>
+            <dgm:else name="Name20">
+              <dgm:constrLst>
+                <dgm:constr type="h" for="ch" forName="cycle" refType="h"/>
+                <dgm:constr type="w" for="ch" forName="cycle" refType="h" refFor="ch" refForName="cycle" fact="0.26"/>
+                <dgm:constr type="r" for="ch" forName="cycle" refType="w"/>
+                <dgm:constr type="ctrY" for="ch" forName="cycle" refType="h" fact="0.5"/>
+                <dgm:constr type="diam" for="ch" forName="cycle" refType="h" fact="1.344"/>
+                <dgm:constr type="h" for="ch" forName="accent_1" refType="h" fact="0.1136"/>
+                <dgm:constr type="w" for="ch" forName="accent_1" refType="h" refFor="ch" refForName="accent_1" op="equ"/>
+                <dgm:constr type="ctrY" for="ch" forName="accent_1" refType="h" fact="0.0909"/>
+                <dgm:constr type="ctrX" for="ch" forName="accent_1" refType="w"/>
+                <dgm:constr type="ctrXOff" for="ch" forName="accent_1" refType="h" fact="-0.0835"/>
+                <dgm:constr type="r" for="ch" forName="text_1" refType="ctrX" refFor="ch" refForName="accent_1"/>
+                <dgm:constr type="rOff" for="ch" forName="text_1" refType="ctrXOff" refFor="ch" refForName="accent_1"/>
+                <dgm:constr type="l" for="ch" forName="text_1"/>
+                <dgm:constr type="w" for="ch" forName="text_1" refType="h" refFor="ch" refForName="text_1" op="gte"/>
+                <dgm:constr type="h" for="ch" forName="text_1" refType="h" refFor="ch" refForName="accent_1" fact="0.8"/>
+                <dgm:constr type="ctrY" for="ch" forName="text_1" refType="ctrY" refFor="ch" refForName="accent_1"/>
+                <dgm:constr type="rMarg" for="ch" forName="text_1" refType="w" refFor="ch" refForName="accent_1" fact="1.8"/>
+                <dgm:constr type="h" for="ch" forName="accent_2" refType="h" fact="0.1136"/>
+                <dgm:constr type="w" for="ch" forName="accent_2" refType="h" refFor="ch" refForName="accent_2" op="equ"/>
+                <dgm:constr type="ctrY" for="ch" forName="accent_2" refType="h" fact="0.2273"/>
+                <dgm:constr type="ctrX" for="ch" forName="accent_2" refType="w"/>
+                <dgm:constr type="ctrXOff" for="ch" forName="accent_2" refType="h" fact="-0.1658"/>
+                <dgm:constr type="r" for="ch" forName="text_2" refType="ctrX" refFor="ch" refForName="accent_2"/>
+                <dgm:constr type="rOff" for="ch" forName="text_2" refType="ctrXOff" refFor="ch" refForName="accent_2"/>
+                <dgm:constr type="l" for="ch" forName="text_2"/>
+                <dgm:constr type="w" for="ch" forName="text_2" refType="h" refFor="ch" refForName="text_2" op="gte"/>
+                <dgm:constr type="h" for="ch" forName="text_2" refType="h" refFor="ch" refForName="accent_2" fact="0.8"/>
+                <dgm:constr type="ctrY" for="ch" forName="text_2" refType="ctrY" refFor="ch" refForName="accent_2"/>
+                <dgm:constr type="rMarg" for="ch" forName="text_2" refType="w" refFor="ch" refForName="accent_2" fact="1.8"/>
+                <dgm:constr type="h" for="ch" forName="accent_3" refType="h" fact="0.1136"/>
+                <dgm:constr type="w" for="ch" forName="accent_3" refType="h" refFor="ch" refForName="accent_3" op="equ"/>
+                <dgm:constr type="ctrY" for="ch" forName="accent_3" refType="h" fact="0.3636"/>
+                <dgm:constr type="ctrX" for="ch" forName="accent_3" refType="w"/>
+                <dgm:constr type="ctrXOff" for="ch" forName="accent_3" refType="h" fact="-0.2109"/>
+                <dgm:constr type="r" for="ch" forName="text_3" refType="ctrX" refFor="ch" refForName="accent_3"/>
+                <dgm:constr type="rOff" for="ch" forName="text_3" refType="ctrXOff" refFor="ch" refForName="accent_3"/>
+                <dgm:constr type="l" for="ch" forName="text_3"/>
+                <dgm:constr type="w" for="ch" forName="text_3" refType="h" refFor="ch" refForName="text_3" op="gte"/>
+                <dgm:constr type="h" for="ch" forName="text_3" refType="h" refFor="ch" refForName="accent_3" fact="0.8"/>
+                <dgm:constr type="ctrY" for="ch" forName="text_3" refType="ctrY" refFor="ch" refForName="accent_3"/>
+                <dgm:constr type="rMarg" for="ch" forName="text_3" refType="w" refFor="ch" refForName="accent_3" fact="1.8"/>
+                <dgm:constr type="h" for="ch" forName="accent_4" refType="h" fact="0.1136"/>
+                <dgm:constr type="w" for="ch" forName="accent_4" refType="h" refFor="ch" refForName="accent_4" op="equ"/>
+                <dgm:constr type="ctrY" for="ch" forName="accent_4" refType="h" fact="0.5"/>
+                <dgm:constr type="ctrX" for="ch" forName="accent_4" refType="w"/>
+                <dgm:constr type="ctrXOff" for="ch" forName="accent_4" refType="h" fact="-0.2253"/>
+                <dgm:constr type="r" for="ch" forName="text_4" refType="ctrX" refFor="ch" refForName="accent_4"/>
+                <dgm:constr type="rOff" for="ch" forName="text_4" refType="ctrXOff" refFor="ch" refForName="accent_4"/>
+                <dgm:constr type="l" for="ch" forName="text_4"/>
+                <dgm:constr type="w" for="ch" forName="text_4" refType="h" refFor="ch" refForName="text_4" op="gte"/>
+                <dgm:constr type="h" for="ch" forName="text_4" refType="h" refFor="ch" refForName="accent_4" fact="0.8"/>
+                <dgm:constr type="ctrY" for="ch" forName="text_4" refType="ctrY" refFor="ch" refForName="accent_4"/>
+                <dgm:constr type="rMarg" for="ch" forName="text_4" refType="w" refFor="ch" refForName="accent_4" fact="1.8"/>
+                <dgm:constr type="h" for="ch" forName="accent_5" refType="h" fact="0.1136"/>
+                <dgm:constr type="w" for="ch" forName="accent_5" refType="h" refFor="ch" refForName="accent_5" op="equ"/>
+                <dgm:constr type="ctrY" for="ch" forName="accent_5" refType="h" fact="0.6364"/>
+                <dgm:constr type="ctrX" for="ch" forName="accent_5" refType="w"/>
+                <dgm:constr type="ctrXOff" for="ch" forName="accent_5" refType="h" fact="-0.2109"/>
+                <dgm:constr type="r" for="ch" forName="text_5" refType="ctrX" refFor="ch" refForName="accent_5"/>
+                <dgm:constr type="rOff" for="ch" forName="text_5" refType="ctrXOff" refFor="ch" refForName="accent_5"/>
+                <dgm:constr type="l" for="ch" forName="text_5"/>
+                <dgm:constr type="w" for="ch" forName="text_5" refType="h" refFor="ch" refForName="text_5" op="gte"/>
+                <dgm:constr type="h" for="ch" forName="text_5" refType="h" refFor="ch" refForName="accent_5" fact="0.8"/>
+                <dgm:constr type="ctrY" for="ch" forName="text_5" refType="ctrY" refFor="ch" refForName="accent_5"/>
+                <dgm:constr type="rMarg" for="ch" forName="text_5" refType="w" refFor="ch" refForName="accent_5" fact="1.8"/>
+                <dgm:constr type="h" for="ch" forName="accent_6" refType="h" fact="0.1136"/>
+                <dgm:constr type="w" for="ch" forName="accent_6" refType="h" refFor="ch" refForName="accent_6" op="equ"/>
+                <dgm:constr type="ctrY" for="ch" forName="accent_6" refType="h" fact="0.7727"/>
+                <dgm:constr type="ctrX" for="ch" forName="accent_6" refType="w"/>
+                <dgm:constr type="ctrXOff" for="ch" forName="accent_6" refType="h" fact="-0.1658"/>
+                <dgm:constr type="r" for="ch" forName="text_6" refType="ctrX" refFor="ch" refForName="accent_6"/>
+                <dgm:constr type="rOff" for="ch" forName="text_6" refType="ctrXOff" refFor="ch" refForName="accent_6"/>
+                <dgm:constr type="l" for="ch" forName="text_6"/>
+                <dgm:constr type="w" for="ch" forName="text_6" refType="h" refFor="ch" refForName="text_6" op="gte"/>
+                <dgm:constr type="h" for="ch" forName="text_6" refType="h" refFor="ch" refForName="accent_6" fact="0.8"/>
+                <dgm:constr type="ctrY" for="ch" forName="text_6" refType="ctrY" refFor="ch" refForName="accent_6"/>
+                <dgm:constr type="rMarg" for="ch" forName="text_6" refType="w" refFor="ch" refForName="accent_6" fact="1.8"/>
+                <dgm:constr type="h" for="ch" forName="accent_7" refType="h" fact="0.1136"/>
+                <dgm:constr type="w" for="ch" forName="accent_7" refType="h" refFor="ch" refForName="accent_7" op="equ"/>
+                <dgm:constr type="ctrY" for="ch" forName="accent_7" refType="h" fact="0.9091"/>
+                <dgm:constr type="ctrX" for="ch" forName="accent_7" refType="w"/>
+                <dgm:constr type="ctrXOff" for="ch" forName="accent_7" refType="h" fact="-0.0835"/>
+                <dgm:constr type="r" for="ch" forName="text_7" refType="ctrX" refFor="ch" refForName="accent_7"/>
+                <dgm:constr type="rOff" for="ch" forName="text_7" refType="ctrXOff" refFor="ch" refForName="accent_7"/>
+                <dgm:constr type="l" for="ch" forName="text_7"/>
+                <dgm:constr type="w" for="ch" forName="text_7" refType="h" refFor="ch" refForName="text_7" op="gte"/>
+                <dgm:constr type="h" for="ch" forName="text_7" refType="h" refFor="ch" refForName="accent_7" fact="0.8"/>
+                <dgm:constr type="ctrY" for="ch" forName="text_7" refType="ctrY" refFor="ch" refForName="accent_7"/>
+                <dgm:constr type="rMarg" for="ch" forName="text_7" refType="w" refFor="ch" refForName="accent_7" fact="1.8"/>
+                <dgm:constr type="primFontSz" for="ch" ptType="node" op="equ" val="65"/>
+              </dgm:constrLst>
+            </dgm:else>
+          </dgm:choose>
+        </dgm:else>
+      </dgm:choose>
+      <dgm:layoutNode name="cycle">
+        <dgm:choose name="Name21">
+          <dgm:if name="Name22" func="var" arg="dir" op="equ" val="norm">
+            <dgm:alg type="cycle">
+              <dgm:param type="stAng" val="45"/>
+              <dgm:param type="spanAng" val="90"/>
+            </dgm:alg>
+          </dgm:if>
+          <dgm:else name="Name23">
+            <dgm:alg type="cycle">
+              <dgm:param type="stAng" val="225"/>
+              <dgm:param type="spanAng" val="90"/>
+            </dgm:alg>
+          </dgm:else>
+        </dgm:choose>
+        <dgm:shape xmlns:r="http://schemas.openxmlformats.org/officeDocument/2006/relationships" r:blip="">
+          <dgm:adjLst/>
+        </dgm:shape>
+        <dgm:presOf/>
+        <dgm:constrLst>
+          <dgm:constr type="w" for="ch" val="1"/>
+          <dgm:constr type="h" for="ch" val="1"/>
+          <dgm:constr type="diam" for="ch" forName="conn" refType="diam"/>
+        </dgm:constrLst>
+        <dgm:layoutNode name="srcNode">
+          <dgm:alg type="sp"/>
+          <dgm:shape xmlns:r="http://schemas.openxmlformats.org/officeDocument/2006/relationships" type="rect" r:blip="" hideGeom="1">
+            <dgm:adjLst/>
+          </dgm:shape>
+          <dgm:presOf/>
+        </dgm:layoutNode>
+        <dgm:layoutNode name="conn" styleLbl="parChTrans1D2">
+          <dgm:alg type="conn">
+            <dgm:param type="connRout" val="curve"/>
+            <dgm:param type="srcNode" val="srcNode"/>
+            <dgm:param type="dstNode" val="dstNode"/>
+            <dgm:param type="begPts" val="ctr"/>
+            <dgm:param type="endPts" val="ctr"/>
+            <dgm:param type="endSty" val="noArr"/>
+          </dgm:alg>
+          <dgm:shape xmlns:r="http://schemas.openxmlformats.org/officeDocument/2006/relationships" type="conn" r:blip="">
+            <dgm:adjLst/>
+          </dgm:shape>
+          <dgm:presOf axis="desOrSelf" ptType="sibTrans" hideLastTrans="0" st="0" cnt="1"/>
+          <dgm:constrLst>
+            <dgm:constr type="begPad"/>
+            <dgm:constr type="endPad"/>
+          </dgm:constrLst>
+        </dgm:layoutNode>
+        <dgm:layoutNode name="extraNode">
+          <dgm:alg type="sp"/>
+          <dgm:shape xmlns:r="http://schemas.openxmlformats.org/officeDocument/2006/relationships" type="rect" r:blip="" hideGeom="1">
+            <dgm:adjLst/>
+          </dgm:shape>
+          <dgm:presOf/>
+        </dgm:layoutNode>
+        <dgm:layoutNode name="dstNode">
+          <dgm:alg type="sp"/>
+          <dgm:shape xmlns:r="http://schemas.openxmlformats.org/officeDocument/2006/relationships" type="rect" r:blip="" hideGeom="1">
+            <dgm:adjLst/>
+          </dgm:shape>
+          <dgm:presOf/>
+        </dgm:layoutNode>
+      </dgm:layoutNode>
+      <dgm:forEach name="wrapper" axis="self" ptType="parTrans">
+        <dgm:forEach name="wrapper2" axis="self" ptType="sibTrans" st="2">
+          <dgm:forEach name="accentRepeat" axis="self">
+            <dgm:layoutNode name="accentRepeatNode" styleLbl="solidFgAcc1">
+              <dgm:alg type="sp"/>
+              <dgm:shape xmlns:r="http://schemas.openxmlformats.org/officeDocument/2006/relationships" type="ellipse" r:blip="">
+                <dgm:adjLst/>
+              </dgm:shape>
+              <dgm:presOf/>
+            </dgm:layoutNode>
+          </dgm:forEach>
+        </dgm:forEach>
+      </dgm:forEach>
+      <dgm:forEach name="Name24" axis="ch" ptType="node" cnt="1">
+        <dgm:layoutNode name="text_1" styleLbl="node1">
+          <dgm:varLst>
+            <dgm:bulletEnabled val="1"/>
+          </dgm:varLst>
+          <dgm:choose name="Name25">
+            <dgm:if name="Name26" func="var" arg="dir" op="equ" val="norm">
+              <dgm:alg type="tx">
+                <dgm:param type="parTxLTRAlign" val="l"/>
+                <dgm:param type="shpTxLTRAlignCh" val="l"/>
+                <dgm:param type="parTxRTLAlign" val="l"/>
+                <dgm:param type="shpTxRTLAlignCh" val="l"/>
+              </dgm:alg>
+            </dgm:if>
+            <dgm:else name="Name27">
+              <dgm:alg type="tx">
+                <dgm:param type="parTxLTRAlign" val="r"/>
+                <dgm:param type="shpTxLTRAlignCh" val="r"/>
+                <dgm:param type="parTxRTLAlign" val="r"/>
+                <dgm:param type="shpTxRTLAlignCh" val="r"/>
+              </dgm:alg>
+            </dgm:else>
+          </dgm:choose>
+          <dgm:shape xmlns:r="http://schemas.openxmlformats.org/officeDocument/2006/relationships" type="rect" r:blip="">
+            <dgm:adjLst/>
+          </dgm:shape>
+          <dgm:presOf axis="desOrSelf" ptType="node"/>
+          <dgm:constrLst>
+            <dgm:constr type="primFontSz" val="65"/>
+            <dgm:constr type="lMarg" refType="primFontSz" fact="0.2"/>
+            <dgm:constr type="rMarg" refType="primFontSz" fact="0.2"/>
+            <dgm:constr type="tMarg" refType="primFontSz" fact="0.2"/>
+            <dgm:constr type="bMarg" refType="primFontSz" fact="0.2"/>
+          </dgm:constrLst>
+          <dgm:ruleLst>
+            <dgm:rule type="primFontSz" val="5" fact="NaN" max="NaN"/>
+          </dgm:ruleLst>
+        </dgm:layoutNode>
+        <dgm:layoutNode name="accent_1">
+          <dgm:alg type="sp"/>
+          <dgm:shape xmlns:r="http://schemas.openxmlformats.org/officeDocument/2006/relationships" r:blip="">
+            <dgm:adjLst/>
+          </dgm:shape>
+          <dgm:presOf/>
+          <dgm:constrLst/>
+          <dgm:forEach name="Name28" ref="accentRepeat"/>
+        </dgm:layoutNode>
+      </dgm:forEach>
+      <dgm:forEach name="Name29" axis="ch" ptType="node" st="2" cnt="1">
+        <dgm:layoutNode name="text_2" styleLbl="node1">
+          <dgm:varLst>
+            <dgm:bulletEnabled val="1"/>
+          </dgm:varLst>
+          <dgm:choose name="Name30">
+            <dgm:if name="Name31" func="var" arg="dir" op="equ" val="norm">
+              <dgm:alg type="tx">
+                <dgm:param type="parTxLTRAlign" val="l"/>
+                <dgm:param type="shpTxLTRAlignCh" val="l"/>
+                <dgm:param type="parTxRTLAlign" val="l"/>
+                <dgm:param type="shpTxRTLAlignCh" val="l"/>
+              </dgm:alg>
+            </dgm:if>
+            <dgm:else name="Name32">
+              <dgm:alg type="tx">
+                <dgm:param type="parTxLTRAlign" val="r"/>
+                <dgm:param type="shpTxLTRAlignCh" val="r"/>
+                <dgm:param type="parTxRTLAlign" val="r"/>
+                <dgm:param type="shpTxRTLAlignCh" val="r"/>
+              </dgm:alg>
+            </dgm:else>
+          </dgm:choose>
+          <dgm:shape xmlns:r="http://schemas.openxmlformats.org/officeDocument/2006/relationships" type="rect" r:blip="">
+            <dgm:adjLst/>
+          </dgm:shape>
+          <dgm:presOf axis="desOrSelf" ptType="node"/>
+          <dgm:constrLst>
+            <dgm:constr type="primFontSz" val="65"/>
+            <dgm:constr type="lMarg" refType="primFontSz" fact="0.2"/>
+            <dgm:constr type="rMarg" refType="primFontSz" fact="0.2"/>
+            <dgm:constr type="tMarg" refType="primFontSz" fact="0.2"/>
+            <dgm:constr type="bMarg" refType="primFontSz" fact="0.2"/>
+          </dgm:constrLst>
+          <dgm:ruleLst>
+            <dgm:rule type="primFontSz" val="5" fact="NaN" max="NaN"/>
+          </dgm:ruleLst>
+        </dgm:layoutNode>
+        <dgm:layoutNode name="accent_2">
+          <dgm:alg type="sp"/>
+          <dgm:shape xmlns:r="http://schemas.openxmlformats.org/officeDocument/2006/relationships" r:blip="">
+            <dgm:adjLst/>
+          </dgm:shape>
+          <dgm:presOf/>
+          <dgm:constrLst/>
+          <dgm:forEach name="Name33" ref="accentRepeat"/>
+        </dgm:layoutNode>
+      </dgm:forEach>
+      <dgm:forEach name="Name34" axis="ch" ptType="node" st="3" cnt="1">
+        <dgm:layoutNode name="text_3" styleLbl="node1">
+          <dgm:varLst>
+            <dgm:bulletEnabled val="1"/>
+          </dgm:varLst>
+          <dgm:choose name="Name35">
+            <dgm:if name="Name36" func="var" arg="dir" op="equ" val="norm">
+              <dgm:alg type="tx">
+                <dgm:param type="parTxLTRAlign" val="l"/>
+                <dgm:param type="shpTxLTRAlignCh" val="l"/>
+                <dgm:param type="parTxRTLAlign" val="l"/>
+                <dgm:param type="shpTxRTLAlignCh" val="l"/>
+              </dgm:alg>
+            </dgm:if>
+            <dgm:else name="Name37">
+              <dgm:alg type="tx">
+                <dgm:param type="parTxLTRAlign" val="r"/>
+                <dgm:param type="shpTxLTRAlignCh" val="r"/>
+                <dgm:param type="parTxRTLAlign" val="r"/>
+                <dgm:param type="shpTxRTLAlignCh" val="r"/>
+              </dgm:alg>
+            </dgm:else>
+          </dgm:choose>
+          <dgm:shape xmlns:r="http://schemas.openxmlformats.org/officeDocument/2006/relationships" type="rect" r:blip="">
+            <dgm:adjLst/>
+          </dgm:shape>
+          <dgm:presOf axis="desOrSelf" ptType="node"/>
+          <dgm:constrLst>
+            <dgm:constr type="primFontSz" val="65"/>
+            <dgm:constr type="lMarg" refType="primFontSz" fact="0.2"/>
+            <dgm:constr type="rMarg" refType="primFontSz" fact="0.2"/>
+            <dgm:constr type="tMarg" refType="primFontSz" fact="0.2"/>
+            <dgm:constr type="bMarg" refType="primFontSz" fact="0.2"/>
+          </dgm:constrLst>
+          <dgm:ruleLst>
+            <dgm:rule type="primFontSz" val="5" fact="NaN" max="NaN"/>
+          </dgm:ruleLst>
+        </dgm:layoutNode>
+        <dgm:layoutNode name="accent_3">
+          <dgm:alg type="sp"/>
+          <dgm:shape xmlns:r="http://schemas.openxmlformats.org/officeDocument/2006/relationships" r:blip="">
+            <dgm:adjLst/>
+          </dgm:shape>
+          <dgm:presOf/>
+          <dgm:constrLst/>
+          <dgm:forEach name="Name38" ref="accentRepeat"/>
+        </dgm:layoutNode>
+      </dgm:forEach>
+      <dgm:forEach name="Name39" axis="ch" ptType="node" st="4" cnt="1">
+        <dgm:layoutNode name="text_4" styleLbl="node1">
+          <dgm:varLst>
+            <dgm:bulletEnabled val="1"/>
+          </dgm:varLst>
+          <dgm:choose name="Name40">
+            <dgm:if name="Name41" func="var" arg="dir" op="equ" val="norm">
+              <dgm:alg type="tx">
+                <dgm:param type="parTxLTRAlign" val="l"/>
+                <dgm:param type="shpTxLTRAlignCh" val="l"/>
+                <dgm:param type="parTxRTLAlign" val="l"/>
+                <dgm:param type="shpTxRTLAlignCh" val="l"/>
+              </dgm:alg>
+            </dgm:if>
+            <dgm:else name="Name42">
+              <dgm:alg type="tx">
+                <dgm:param type="parTxLTRAlign" val="r"/>
+                <dgm:param type="shpTxLTRAlignCh" val="r"/>
+                <dgm:param type="parTxRTLAlign" val="r"/>
+                <dgm:param type="shpTxRTLAlignCh" val="r"/>
+              </dgm:alg>
+            </dgm:else>
+          </dgm:choose>
+          <dgm:shape xmlns:r="http://schemas.openxmlformats.org/officeDocument/2006/relationships" type="rect" r:blip="">
+            <dgm:adjLst/>
+          </dgm:shape>
+          <dgm:presOf axis="desOrSelf" ptType="node"/>
+          <dgm:constrLst>
+            <dgm:constr type="primFontSz" val="65"/>
+            <dgm:constr type="lMarg" refType="primFontSz" fact="0.2"/>
+            <dgm:constr type="rMarg" refType="primFontSz" fact="0.2"/>
+            <dgm:constr type="tMarg" refType="primFontSz" fact="0.2"/>
+            <dgm:constr type="bMarg" refType="primFontSz" fact="0.2"/>
+          </dgm:constrLst>
+          <dgm:ruleLst>
+            <dgm:rule type="primFontSz" val="5" fact="NaN" max="NaN"/>
+          </dgm:ruleLst>
+        </dgm:layoutNode>
+        <dgm:layoutNode name="accent_4">
+          <dgm:alg type="sp"/>
+          <dgm:shape xmlns:r="http://schemas.openxmlformats.org/officeDocument/2006/relationships" r:blip="">
+            <dgm:adjLst/>
+          </dgm:shape>
+          <dgm:presOf/>
+          <dgm:constrLst/>
+          <dgm:forEach name="Name43" ref="accentRepeat"/>
+        </dgm:layoutNode>
+      </dgm:forEach>
+      <dgm:forEach name="Name44" axis="ch" ptType="node" st="5" cnt="1">
+        <dgm:layoutNode name="text_5" styleLbl="node1">
+          <dgm:varLst>
+            <dgm:bulletEnabled val="1"/>
+          </dgm:varLst>
+          <dgm:choose name="Name45">
+            <dgm:if name="Name46" func="var" arg="dir" op="equ" val="norm">
+              <dgm:alg type="tx">
+                <dgm:param type="parTxLTRAlign" val="l"/>
+                <dgm:param type="shpTxLTRAlignCh" val="l"/>
+                <dgm:param type="parTxRTLAlign" val="l"/>
+                <dgm:param type="shpTxRTLAlignCh" val="l"/>
+              </dgm:alg>
+            </dgm:if>
+            <dgm:else name="Name47">
+              <dgm:alg type="tx">
+                <dgm:param type="parTxLTRAlign" val="r"/>
+                <dgm:param type="shpTxLTRAlignCh" val="r"/>
+                <dgm:param type="parTxRTLAlign" val="r"/>
+                <dgm:param type="shpTxRTLAlignCh" val="r"/>
+              </dgm:alg>
+            </dgm:else>
+          </dgm:choose>
+          <dgm:shape xmlns:r="http://schemas.openxmlformats.org/officeDocument/2006/relationships" type="rect" r:blip="">
+            <dgm:adjLst/>
+          </dgm:shape>
+          <dgm:presOf axis="desOrSelf" ptType="node"/>
+          <dgm:constrLst>
+            <dgm:constr type="primFontSz" val="65"/>
+            <dgm:constr type="lMarg" refType="primFontSz" fact="0.2"/>
+            <dgm:constr type="rMarg" refType="primFontSz" fact="0.2"/>
+            <dgm:constr type="tMarg" refType="primFontSz" fact="0.2"/>
+            <dgm:constr type="bMarg" refType="primFontSz" fact="0.2"/>
+          </dgm:constrLst>
+          <dgm:ruleLst>
+            <dgm:rule type="primFontSz" val="5" fact="NaN" max="NaN"/>
+          </dgm:ruleLst>
+        </dgm:layoutNode>
+        <dgm:layoutNode name="accent_5">
+          <dgm:alg type="sp"/>
+          <dgm:shape xmlns:r="http://schemas.openxmlformats.org/officeDocument/2006/relationships" r:blip="">
+            <dgm:adjLst/>
+          </dgm:shape>
+          <dgm:presOf/>
+          <dgm:constrLst/>
+          <dgm:forEach name="Name48" ref="accentRepeat"/>
+        </dgm:layoutNode>
+      </dgm:forEach>
+      <dgm:forEach name="Name49" axis="ch" ptType="node" st="6" cnt="1">
+        <dgm:layoutNode name="text_6" styleLbl="node1">
+          <dgm:varLst>
+            <dgm:bulletEnabled val="1"/>
+          </dgm:varLst>
+          <dgm:choose name="Name50">
+            <dgm:if name="Name51" func="var" arg="dir" op="equ" val="norm">
+              <dgm:alg type="tx">
+                <dgm:param type="parTxLTRAlign" val="l"/>
+                <dgm:param type="shpTxLTRAlignCh" val="l"/>
+                <dgm:param type="parTxRTLAlign" val="l"/>
+                <dgm:param type="shpTxRTLAlignCh" val="l"/>
+              </dgm:alg>
+            </dgm:if>
+            <dgm:else name="Name52">
+              <dgm:alg type="tx">
+                <dgm:param type="parTxLTRAlign" val="r"/>
+                <dgm:param type="shpTxLTRAlignCh" val="r"/>
+                <dgm:param type="parTxRTLAlign" val="r"/>
+                <dgm:param type="shpTxRTLAlignCh" val="r"/>
+              </dgm:alg>
+            </dgm:else>
+          </dgm:choose>
+          <dgm:shape xmlns:r="http://schemas.openxmlformats.org/officeDocument/2006/relationships" type="rect" r:blip="">
+            <dgm:adjLst/>
+          </dgm:shape>
+          <dgm:presOf axis="desOrSelf" ptType="node"/>
+          <dgm:constrLst>
+            <dgm:constr type="primFontSz" val="65"/>
+            <dgm:constr type="lMarg" refType="primFontSz" fact="0.2"/>
+            <dgm:constr type="rMarg" refType="primFontSz" fact="0.2"/>
+            <dgm:constr type="tMarg" refType="primFontSz" fact="0.2"/>
+            <dgm:constr type="bMarg" refType="primFontSz" fact="0.2"/>
+          </dgm:constrLst>
+          <dgm:ruleLst>
+            <dgm:rule type="primFontSz" val="5" fact="NaN" max="NaN"/>
+          </dgm:ruleLst>
+        </dgm:layoutNode>
+        <dgm:layoutNode name="accent_6">
+          <dgm:alg type="sp"/>
+          <dgm:shape xmlns:r="http://schemas.openxmlformats.org/officeDocument/2006/relationships" r:blip="">
+            <dgm:adjLst/>
+          </dgm:shape>
+          <dgm:presOf/>
+          <dgm:constrLst/>
+          <dgm:forEach name="Name53" ref="accentRepeat"/>
+        </dgm:layoutNode>
+      </dgm:forEach>
+      <dgm:forEach name="Name54" axis="ch" ptType="node" st="7" cnt="1">
+        <dgm:layoutNode name="text_7" styleLbl="node1">
+          <dgm:varLst>
+            <dgm:bulletEnabled val="1"/>
+          </dgm:varLst>
+          <dgm:choose name="Name55">
+            <dgm:if name="Name56" func="var" arg="dir" op="equ" val="norm">
+              <dgm:alg type="tx">
+                <dgm:param type="parTxLTRAlign" val="l"/>
+                <dgm:param type="shpTxLTRAlignCh" val="l"/>
+                <dgm:param type="parTxRTLAlign" val="l"/>
+                <dgm:param type="shpTxRTLAlignCh" val="l"/>
+              </dgm:alg>
+            </dgm:if>
+            <dgm:else name="Name57">
+              <dgm:alg type="tx">
+                <dgm:param type="parTxLTRAlign" val="r"/>
+                <dgm:param type="shpTxLTRAlignCh" val="r"/>
+                <dgm:param type="parTxRTLAlign" val="r"/>
+                <dgm:param type="shpTxRTLAlignCh" val="r"/>
+              </dgm:alg>
+            </dgm:else>
+          </dgm:choose>
+          <dgm:shape xmlns:r="http://schemas.openxmlformats.org/officeDocument/2006/relationships" type="rect" r:blip="">
+            <dgm:adjLst/>
+          </dgm:shape>
+          <dgm:presOf axis="desOrSelf" ptType="node"/>
+          <dgm:constrLst>
+            <dgm:constr type="primFontSz" val="65"/>
+            <dgm:constr type="lMarg" refType="primFontSz" fact="0.2"/>
+            <dgm:constr type="rMarg" refType="primFontSz" fact="0.2"/>
+            <dgm:constr type="tMarg" refType="primFontSz" fact="0.2"/>
+            <dgm:constr type="bMarg" refType="primFontSz" fact="0.2"/>
+          </dgm:constrLst>
+          <dgm:ruleLst>
+            <dgm:rule type="primFontSz" val="5" fact="NaN" max="NaN"/>
+          </dgm:ruleLst>
+        </dgm:layoutNode>
+        <dgm:layoutNode name="accent_7">
+          <dgm:alg type="sp"/>
+          <dgm:shape xmlns:r="http://schemas.openxmlformats.org/officeDocument/2006/relationships" r:blip="">
+            <dgm:adjLst/>
+          </dgm:shape>
+          <dgm:presOf/>
+          <dgm:constrLst/>
+          <dgm:forEach name="Name58" ref="accentRepeat"/>
+        </dgm:layoutNode>
+      </dgm:forEach>
+    </dgm:layoutNode>
+  </dgm:layoutNode>
+</dgm:layoutDef>
+</file>
+
+<file path=ppt/diagrams/quickStyle1.xml><?xml version="1.0" encoding="utf-8"?>
+<dgm:styleDef xmlns:dgm="http://schemas.openxmlformats.org/drawingml/2006/diagram" xmlns:a="http://schemas.openxmlformats.org/drawingml/2006/main" uniqueId="urn:microsoft.com/office/officeart/2005/8/quickstyle/simple1">
+  <dgm:title val=""/>
+  <dgm:desc val=""/>
+  <dgm:catLst>
+    <dgm:cat type="simple" pri="10100"/>
+  </dgm:catLst>
+  <dgm:scene3d>
+    <a:camera prst="orthographicFront"/>
+    <a:lightRig rig="threePt" dir="t"/>
+  </dgm:scene3d>
+  <dgm:styleLbl name="node0">
+    <dgm:scene3d>
+      <a:camera prst="orthographicFront"/>
+      <a:lightRig rig="threePt" dir="t"/>
+    </dgm:scene3d>
+    <dgm:sp3d/>
+    <dgm:txPr/>
+    <dgm:style>
+      <a:lnRef idx="2">
+        <a:scrgbClr r="0" g="0" b="0"/>
+      </a:lnRef>
+      <a:fillRef idx="1">
+        <a:scrgbClr r="0" g="0" b="0"/>
+      </a:fillRef>
+      <a:effectRef idx="0">
+        <a:scrgbClr r="0" g="0" b="0"/>
+      </a:effectRef>
+      <a:fontRef idx="minor">
+        <a:schemeClr val="lt1"/>
+      </a:fontRef>
+    </dgm:style>
+  </dgm:styleLbl>
+  <dgm:styleLbl name="lnNode1">
+    <dgm:scene3d>
+      <a:camera prst="orthographicFront"/>
+      <a:lightRig rig="threePt" dir="t"/>
+    </dgm:scene3d>
+    <dgm:sp3d/>
+    <dgm:txPr/>
+    <dgm:style>
+      <a:lnRef idx="2">
+        <a:scrgbClr r="0" g="0" b="0"/>
+      </a:lnRef>
+      <a:fillRef idx="1">
+        <a:scrgbClr r="0" g="0" b="0"/>
+      </a:fillRef>
+      <a:effectRef idx="0">
+        <a:scrgbClr r="0" g="0" b="0"/>
+      </a:effectRef>
+      <a:fontRef idx="minor">
+        <a:schemeClr val="lt1"/>
+      </a:fontRef>
+    </dgm:style>
+  </dgm:styleLbl>
+  <dgm:styleLbl name="vennNode1">
+    <dgm:scene3d>
+      <a:camera prst="orthographicFront"/>
+      <a:lightRig rig="threePt" dir="t"/>
+    </dgm:scene3d>
+    <dgm:sp3d/>
+    <dgm:txPr/>
+    <dgm:style>
+      <a:lnRef idx="2">
+        <a:scrgbClr r="0" g="0" b="0"/>
+      </a:lnRef>
+      <a:fillRef idx="1">
+        <a:scrgbClr r="0" g="0" b="0"/>
+      </a:fillRef>
+      <a:effectRef idx="0">
+        <a:scrgbClr r="0" g="0" b="0"/>
+      </a:effectRef>
+      <a:fontRef idx="minor">
+        <a:schemeClr val="tx1"/>
+      </a:fontRef>
+    </dgm:style>
+  </dgm:styleLbl>
+  <dgm:styleLbl name="alignNode1">
+    <dgm:scene3d>
+      <a:camera prst="orthographicFront"/>
+      <a:lightRig rig="threePt" dir="t"/>
+    </dgm:scene3d>
+    <dgm:sp3d/>
+    <dgm:txPr/>
+    <dgm:style>
+      <a:lnRef idx="2">
+        <a:scrgbClr r="0" g="0" b="0"/>
+      </a:lnRef>
+      <a:fillRef idx="1">
+        <a:scrgbClr r="0" g="0" b="0"/>
+      </a:fillRef>
+      <a:effectRef idx="0">
+        <a:scrgbClr r="0" g="0" b="0"/>
+      </a:effectRef>
+      <a:fontRef idx="minor">
+        <a:schemeClr val="lt1"/>
+      </a:fontRef>
+    </dgm:style>
+  </dgm:styleLbl>
+  <dgm:styleLbl name="node1">
+    <dgm:scene3d>
+      <a:camera prst="orthographicFront"/>
+      <a:lightRig rig="threePt" dir="t"/>
+    </dgm:scene3d>
+    <dgm:sp3d/>
+    <dgm:txPr/>
+    <dgm:style>
+      <a:lnRef idx="2">
+        <a:scrgbClr r="0" g="0" b="0"/>
+      </a:lnRef>
+      <a:fillRef idx="1">
+        <a:scrgbClr r="0" g="0" b="0"/>
+      </a:fillRef>
+      <a:effectRef idx="0">
+        <a:scrgbClr r="0" g="0" b="0"/>
+      </a:effectRef>
+      <a:fontRef idx="minor">
+        <a:schemeClr val="lt1"/>
+      </a:fontRef>
+    </dgm:style>
+  </dgm:styleLbl>
+  <dgm:styleLbl name="node2">
+    <dgm:scene3d>
+      <a:camera prst="orthographicFront"/>
+      <a:lightRig rig="threePt" dir="t"/>
+    </dgm:scene3d>
+    <dgm:sp3d/>
+    <dgm:txPr/>
+    <dgm:style>
+      <a:lnRef idx="2">
+        <a:scrgbClr r="0" g="0" b="0"/>
+      </a:lnRef>
+      <a:fillRef idx="1">
+        <a:scrgbClr r="0" g="0" b="0"/>
+      </a:fillRef>
+      <a:effectRef idx="0">
+        <a:scrgbClr r="0" g="0" b="0"/>
+      </a:effectRef>
+      <a:fontRef idx="minor">
+        <a:schemeClr val="lt1"/>
+      </a:fontRef>
+    </dgm:style>
+  </dgm:styleLbl>
+  <dgm:styleLbl name="node3">
+    <dgm:scene3d>
+      <a:camera prst="orthographicFront"/>
+      <a:lightRig rig="threePt" dir="t"/>
+    </dgm:scene3d>
+    <dgm:sp3d/>
+    <dgm:txPr/>
+    <dgm:style>
+      <a:lnRef idx="2">
+        <a:scrgbClr r="0" g="0" b="0"/>
+      </a:lnRef>
+      <a:fillRef idx="1">
+        <a:scrgbClr r="0" g="0" b="0"/>
+      </a:fillRef>
+      <a:effectRef idx="0">
+        <a:scrgbClr r="0" g="0" b="0"/>
+      </a:effectRef>
+      <a:fontRef idx="minor">
+        <a:schemeClr val="lt1"/>
+      </a:fontRef>
+    </dgm:style>
+  </dgm:styleLbl>
+  <dgm:styleLbl name="node4">
+    <dgm:scene3d>
+      <a:camera prst="orthographicFront"/>
+      <a:lightRig rig="threePt" dir="t"/>
+    </dgm:scene3d>
+    <dgm:sp3d/>
+    <dgm:txPr/>
+    <dgm:style>
+      <a:lnRef idx="2">
+        <a:scrgbClr r="0" g="0" b="0"/>
+      </a:lnRef>
+      <a:fillRef idx="1">
+        <a:scrgbClr r="0" g="0" b="0"/>
+      </a:fillRef>
+      <a:effectRef idx="0">
+        <a:scrgbClr r="0" g="0" b="0"/>
+      </a:effectRef>
+      <a:fontRef idx="minor">
+        <a:schemeClr val="lt1"/>
+      </a:fontRef>
+    </dgm:style>
+  </dgm:styleLbl>
+  <dgm:styleLbl name="fgImgPlace1">
+    <dgm:scene3d>
+      <a:camera prst="orthographicFront"/>
+      <a:lightRig rig="threePt" dir="t"/>
+    </dgm:scene3d>
+    <dgm:sp3d/>
+    <dgm:txPr/>
+    <dgm:style>
+      <a:lnRef idx="2">
+        <a:scrgbClr r="0" g="0" b="0"/>
+      </a:lnRef>
+      <a:fillRef idx="1">
+        <a:scrgbClr r="0" g="0" b="0"/>
+      </a:fillRef>
+      <a:effectRef idx="0">
+        <a:scrgbClr r="0" g="0" b="0"/>
+      </a:effectRef>
+      <a:fontRef idx="minor"/>
+    </dgm:style>
+  </dgm:styleLbl>
+  <dgm:styleLbl name="alignImgPlace1">
+    <dgm:scene3d>
+      <a:camera prst="orthographicFront"/>
+      <a:lightRig rig="threePt" dir="t"/>
+    </dgm:scene3d>
+    <dgm:sp3d/>
+    <dgm:txPr/>
+    <dgm:style>
+      <a:lnRef idx="2">
+        <a:scrgbClr r="0" g="0" b="0"/>
+      </a:lnRef>
+      <a:fillRef idx="1">
+        <a:scrgbClr r="0" g="0" b="0"/>
+      </a:fillRef>
+      <a:effectRef idx="0">
+        <a:scrgbClr r="0" g="0" b="0"/>
+      </a:effectRef>
+      <a:fontRef idx="minor"/>
+    </dgm:style>
+  </dgm:styleLbl>
+  <dgm:styleLbl name="bgImgPlace1">
+    <dgm:scene3d>
+      <a:camera prst="orthographicFront"/>
+      <a:lightRig rig="threePt" dir="t"/>
+    </dgm:scene3d>
+    <dgm:sp3d/>
+    <dgm:txPr/>
+    <dgm:style>
+      <a:lnRef idx="2">
+        <a:scrgbClr r="0" g="0" b="0"/>
+      </a:lnRef>
+      <a:fillRef idx="1">
+        <a:scrgbClr r="0" g="0" b="0"/>
+      </a:fillRef>
+      <a:effectRef idx="0">
+        <a:scrgbClr r="0" g="0" b="0"/>
+      </a:effectRef>
+      <a:fontRef idx="minor"/>
+    </dgm:style>
+  </dgm:styleLbl>
+  <dgm:styleLbl name="sibTrans2D1">
+    <dgm:scene3d>
+      <a:camera prst="orthographicFront"/>
+      <a:lightRig rig="threePt" dir="t"/>
+    </dgm:scene3d>
+    <dgm:sp3d/>
+    <dgm:txPr/>
+    <dgm:style>
+      <a:lnRef idx="0">
+        <a:scrgbClr r="0" g="0" b="0"/>
+      </a:lnRef>
+      <a:fillRef idx="1">
+        <a:scrgbClr r="0" g="0" b="0"/>
+      </a:fillRef>
+      <a:effectRef idx="0">
+        <a:scrgbClr r="0" g="0" b="0"/>
+      </a:effectRef>
+      <a:fontRef idx="minor">
+        <a:schemeClr val="lt1"/>
+      </a:fontRef>
+    </dgm:style>
+  </dgm:styleLbl>
+  <dgm:styleLbl name="fgSibTrans2D1">
+    <dgm:scene3d>
+      <a:camera prst="orthographicFront"/>
+      <a:lightRig rig="threePt" dir="t"/>
+    </dgm:scene3d>
+    <dgm:sp3d/>
+    <dgm:txPr/>
+    <dgm:style>
+      <a:lnRef idx="0">
+        <a:scrgbClr r="0" g="0" b="0"/>
+      </a:lnRef>
+      <a:fillRef idx="1">
+        <a:scrgbClr r="0" g="0" b="0"/>
+      </a:fillRef>
+      <a:effectRef idx="0">
+        <a:scrgbClr r="0" g="0" b="0"/>
+      </a:effectRef>
+      <a:fontRef idx="minor">
+        <a:schemeClr val="lt1"/>
+      </a:fontRef>
+    </dgm:style>
+  </dgm:styleLbl>
+  <dgm:styleLbl name="bgSibTrans2D1">
+    <dgm:scene3d>
+      <a:camera prst="orthographicFront"/>
+      <a:lightRig rig="threePt" dir="t"/>
+    </dgm:scene3d>
+    <dgm:sp3d/>
+    <dgm:txPr/>
+    <dgm:style>
+      <a:lnRef idx="0">
+        <a:scrgbClr r="0" g="0" b="0"/>
+      </a:lnRef>
+      <a:fillRef idx="1">
+        <a:scrgbClr r="0" g="0" b="0"/>
+      </a:fillRef>
+      <a:effectRef idx="0">
+        <a:scrgbClr r="0" g="0" b="0"/>
+      </a:effectRef>
+      <a:fontRef idx="minor">
+        <a:schemeClr val="lt1"/>
+      </a:fontRef>
+    </dgm:style>
+  </dgm:styleLbl>
+  <dgm:styleLbl name="sibTrans1D1">
+    <dgm:scene3d>
+      <a:camera prst="orthographicFront"/>
+      <a:lightRig rig="threePt" dir="t"/>
+    </dgm:scene3d>
+    <dgm:sp3d/>
+    <dgm:txPr/>
+    <dgm:style>
+      <a:lnRef idx="1">
+        <a:scrgbClr r="0" g="0" b="0"/>
+      </a:lnRef>
+      <a:fillRef idx="0">
+        <a:scrgbClr r="0" g="0" b="0"/>
+      </a:fillRef>
+      <a:effectRef idx="0">
+        <a:scrgbClr r="0" g="0" b="0"/>
+      </a:effectRef>
+      <a:fontRef idx="minor"/>
+    </dgm:style>
+  </dgm:styleLbl>
+  <dgm:styleLbl name="callout">
+    <dgm:scene3d>
+      <a:camera prst="orthographicFront"/>
+      <a:lightRig rig="threePt" dir="t"/>
+    </dgm:scene3d>
+    <dgm:sp3d/>
+    <dgm:txPr/>
+    <dgm:style>
+      <a:lnRef idx="2">
+        <a:scrgbClr r="0" g="0" b="0"/>
+      </a:lnRef>
+      <a:fillRef idx="1">
+        <a:scrgbClr r="0" g="0" b="0"/>
+      </a:fillRef>
+      <a:effectRef idx="0">
+        <a:scrgbClr r="0" g="0" b="0"/>
+      </a:effectRef>
+      <a:fontRef idx="minor"/>
+    </dgm:style>
+  </dgm:styleLbl>
+  <dgm:styleLbl name="asst0">
+    <dgm:scene3d>
+      <a:camera prst="orthographicFront"/>
+      <a:lightRig rig="threePt" dir="t"/>
+    </dgm:scene3d>
+    <dgm:sp3d/>
+    <dgm:txPr/>
+    <dgm:style>
+      <a:lnRef idx="2">
+        <a:scrgbClr r="0" g="0" b="0"/>
+      </a:lnRef>
+      <a:fillRef idx="1">
+        <a:scrgbClr r="0" g="0" b="0"/>
+      </a:fillRef>
+      <a:effectRef idx="0">
+        <a:scrgbClr r="0" g="0" b="0"/>
+      </a:effectRef>
+      <a:fontRef idx="minor">
+        <a:schemeClr val="lt1"/>
+      </a:fontRef>
+    </dgm:style>
+  </dgm:styleLbl>
+  <dgm:styleLbl name="asst1">
+    <dgm:scene3d>
+      <a:camera prst="orthographicFront"/>
+      <a:lightRig rig="threePt" dir="t"/>
+    </dgm:scene3d>
+    <dgm:sp3d/>
+    <dgm:txPr/>
+    <dgm:style>
+      <a:lnRef idx="2">
+        <a:scrgbClr r="0" g="0" b="0"/>
+      </a:lnRef>
+      <a:fillRef idx="1">
+        <a:scrgbClr r="0" g="0" b="0"/>
+      </a:fillRef>
+      <a:effectRef idx="0">
+        <a:scrgbClr r="0" g="0" b="0"/>
+      </a:effectRef>
+      <a:fontRef idx="minor">
+        <a:schemeClr val="lt1"/>
+      </a:fontRef>
+    </dgm:style>
+  </dgm:styleLbl>
+  <dgm:styleLbl name="asst2">
+    <dgm:scene3d>
+      <a:camera prst="orthographicFront"/>
+      <a:lightRig rig="threePt" dir="t"/>
+    </dgm:scene3d>
+    <dgm:sp3d/>
+    <dgm:txPr/>
+    <dgm:style>
+      <a:lnRef idx="2">
+        <a:scrgbClr r="0" g="0" b="0"/>
+      </a:lnRef>
+      <a:fillRef idx="1">
+        <a:scrgbClr r="0" g="0" b="0"/>
+      </a:fillRef>
+      <a:effectRef idx="0">
+        <a:scrgbClr r="0" g="0" b="0"/>
+      </a:effectRef>
+      <a:fontRef idx="minor">
+        <a:schemeClr val="lt1"/>
+      </a:fontRef>
+    </dgm:style>
+  </dgm:styleLbl>
+  <dgm:styleLbl name="asst3">
+    <dgm:scene3d>
+      <a:camera prst="orthographicFront"/>
+      <a:lightRig rig="threePt" dir="t"/>
+    </dgm:scene3d>
+    <dgm:sp3d/>
+    <dgm:txPr/>
+    <dgm:style>
+      <a:lnRef idx="2">
+        <a:scrgbClr r="0" g="0" b="0"/>
+      </a:lnRef>
+      <a:fillRef idx="1">
+        <a:scrgbClr r="0" g="0" b="0"/>
+      </a:fillRef>
+      <a:effectRef idx="0">
+        <a:scrgbClr r="0" g="0" b="0"/>
+      </a:effectRef>
+      <a:fontRef idx="minor">
+        <a:schemeClr val="lt1"/>
+      </a:fontRef>
+    </dgm:style>
+  </dgm:styleLbl>
+  <dgm:styleLbl name="asst4">
+    <dgm:scene3d>
+      <a:camera prst="orthographicFront"/>
+      <a:lightRig rig="threePt" dir="t"/>
+    </dgm:scene3d>
+    <dgm:sp3d/>
+    <dgm:txPr/>
+    <dgm:style>
+      <a:lnRef idx="2">
+        <a:scrgbClr r="0" g="0" b="0"/>
+      </a:lnRef>
+      <a:fillRef idx="1">
+        <a:scrgbClr r="0" g="0" b="0"/>
+      </a:fillRef>
+      <a:effectRef idx="0">
+        <a:scrgbClr r="0" g="0" b="0"/>
+      </a:effectRef>
+      <a:fontRef idx="minor">
+        <a:schemeClr val="lt1"/>
+      </a:fontRef>
+    </dgm:style>
+  </dgm:styleLbl>
+  <dgm:styleLbl name="parChTrans2D1">
+    <dgm:scene3d>
+      <a:camera prst="orthographicFront"/>
+      <a:lightRig rig="threePt" dir="t"/>
+    </dgm:scene3d>
+    <dgm:sp3d/>
+    <dgm:txPr/>
+    <dgm:style>
+      <a:lnRef idx="2">
+        <a:scrgbClr r="0" g="0" b="0"/>
+      </a:lnRef>
+      <a:fillRef idx="1">
+        <a:scrgbClr r="0" g="0" b="0"/>
+      </a:fillRef>
+      <a:effectRef idx="0">
+        <a:scrgbClr r="0" g="0" b="0"/>
+      </a:effectRef>
+      <a:fontRef idx="minor">
+        <a:schemeClr val="lt1"/>
+      </a:fontRef>
+    </dgm:style>
+  </dgm:styleLbl>
+  <dgm:styleLbl name="parChTrans2D2">
+    <dgm:scene3d>
+      <a:camera prst="orthographicFront"/>
+      <a:lightRig rig="threePt" dir="t"/>
+    </dgm:scene3d>
+    <dgm:sp3d/>
+    <dgm:txPr/>
+    <dgm:style>
+      <a:lnRef idx="2">
+        <a:scrgbClr r="0" g="0" b="0"/>
+      </a:lnRef>
+      <a:fillRef idx="1">
+        <a:scrgbClr r="0" g="0" b="0"/>
+      </a:fillRef>
+      <a:effectRef idx="0">
+        <a:scrgbClr r="0" g="0" b="0"/>
+      </a:effectRef>
+      <a:fontRef idx="minor">
+        <a:schemeClr val="lt1"/>
+      </a:fontRef>
+    </dgm:style>
+  </dgm:styleLbl>
+  <dgm:styleLbl name="parChTrans2D3">
+    <dgm:scene3d>
+      <a:camera prst="orthographicFront"/>
+      <a:lightRig rig="threePt" dir="t"/>
+    </dgm:scene3d>
+    <dgm:sp3d/>
+    <dgm:txPr/>
+    <dgm:style>
+      <a:lnRef idx="2">
+        <a:scrgbClr r="0" g="0" b="0"/>
+      </a:lnRef>
+      <a:fillRef idx="1">
+        <a:scrgbClr r="0" g="0" b="0"/>
+      </a:fillRef>
+      <a:effectRef idx="0">
+        <a:scrgbClr r="0" g="0" b="0"/>
+      </a:effectRef>
+      <a:fontRef idx="minor">
+        <a:schemeClr val="lt1"/>
+      </a:fontRef>
+    </dgm:style>
+  </dgm:styleLbl>
+  <dgm:styleLbl name="parChTrans2D4">
+    <dgm:scene3d>
+      <a:camera prst="orthographicFront"/>
+      <a:lightRig rig="threePt" dir="t"/>
+    </dgm:scene3d>
+    <dgm:sp3d/>
+    <dgm:txPr/>
+    <dgm:style>
+      <a:lnRef idx="2">
+        <a:scrgbClr r="0" g="0" b="0"/>
+      </a:lnRef>
+      <a:fillRef idx="1">
+        <a:scrgbClr r="0" g="0" b="0"/>
+      </a:fillRef>
+      <a:effectRef idx="0">
+        <a:scrgbClr r="0" g="0" b="0"/>
+      </a:effectRef>
+      <a:fontRef idx="minor">
+        <a:schemeClr val="lt1"/>
+      </a:fontRef>
+    </dgm:style>
+  </dgm:styleLbl>
+  <dgm:styleLbl name="parChTrans1D1">
+    <dgm:scene3d>
+      <a:camera prst="orthographicFront"/>
+      <a:lightRig rig="threePt" dir="t"/>
+    </dgm:scene3d>
+    <dgm:sp3d/>
+    <dgm:txPr/>
+    <dgm:style>
+      <a:lnRef idx="2">
+        <a:scrgbClr r="0" g="0" b="0"/>
+      </a:lnRef>
+      <a:fillRef idx="0">
+        <a:scrgbClr r="0" g="0" b="0"/>
+      </a:fillRef>
+      <a:effectRef idx="0">
+        <a:scrgbClr r="0" g="0" b="0"/>
+      </a:effectRef>
+      <a:fontRef idx="minor"/>
+    </dgm:style>
+  </dgm:styleLbl>
+  <dgm:styleLbl name="parChTrans1D2">
+    <dgm:scene3d>
+      <a:camera prst="orthographicFront"/>
+      <a:lightRig rig="threePt" dir="t"/>
+    </dgm:scene3d>
+    <dgm:sp3d/>
+    <dgm:txPr/>
+    <dgm:style>
+      <a:lnRef idx="2">
+        <a:scrgbClr r="0" g="0" b="0"/>
+      </a:lnRef>
+      <a:fillRef idx="0">
+        <a:scrgbClr r="0" g="0" b="0"/>
+      </a:fillRef>
+      <a:effectRef idx="0">
+        <a:scrgbClr r="0" g="0" b="0"/>
+      </a:effectRef>
+      <a:fontRef idx="minor"/>
+    </dgm:style>
+  </dgm:styleLbl>
+  <dgm:styleLbl name="parChTrans1D3">
+    <dgm:scene3d>
+      <a:camera prst="orthographicFront"/>
+      <a:lightRig rig="threePt" dir="t"/>
+    </dgm:scene3d>
+    <dgm:sp3d/>
+    <dgm:txPr/>
+    <dgm:style>
+      <a:lnRef idx="2">
+        <a:scrgbClr r="0" g="0" b="0"/>
+      </a:lnRef>
+      <a:fillRef idx="0">
+        <a:scrgbClr r="0" g="0" b="0"/>
+      </a:fillRef>
+      <a:effectRef idx="0">
+        <a:scrgbClr r="0" g="0" b="0"/>
+      </a:effectRef>
+      <a:fontRef idx="minor"/>
+    </dgm:style>
+  </dgm:styleLbl>
+  <dgm:styleLbl name="parChTrans1D4">
+    <dgm:scene3d>
+      <a:camera prst="orthographicFront"/>
+      <a:lightRig rig="threePt" dir="t"/>
+    </dgm:scene3d>
+    <dgm:sp3d/>
+    <dgm:txPr/>
+    <dgm:style>
+      <a:lnRef idx="2">
+        <a:scrgbClr r="0" g="0" b="0"/>
+      </a:lnRef>
+      <a:fillRef idx="0">
+        <a:scrgbClr r="0" g="0" b="0"/>
+      </a:fillRef>
+      <a:effectRef idx="0">
+        <a:scrgbClr r="0" g="0" b="0"/>
+      </a:effectRef>
+      <a:fontRef idx="minor"/>
+    </dgm:style>
+  </dgm:styleLbl>
+  <dgm:styleLbl name="fgAcc1">
+    <dgm:scene3d>
+      <a:camera prst="orthographicFront"/>
+      <a:lightRig rig="threePt" dir="t"/>
+    </dgm:scene3d>
+    <dgm:sp3d/>
+    <dgm:txPr/>
+    <dgm:style>
+      <a:lnRef idx="2">
+        <a:scrgbClr r="0" g="0" b="0"/>
+      </a:lnRef>
+      <a:fillRef idx="1">
+        <a:scrgbClr r="0" g="0" b="0"/>
+      </a:fillRef>
+      <a:effectRef idx="0">
+        <a:scrgbClr r="0" g="0" b="0"/>
+      </a:effectRef>
+      <a:fontRef idx="minor"/>
+    </dgm:style>
+  </dgm:styleLbl>
+  <dgm:styleLbl name="conFgAcc1">
+    <dgm:scene3d>
+      <a:camera prst="orthographicFront"/>
+      <a:lightRig rig="threePt" dir="t"/>
+    </dgm:scene3d>
+    <dgm:sp3d/>
+    <dgm:txPr/>
+    <dgm:style>
+      <a:lnRef idx="2">
+        <a:scrgbClr r="0" g="0" b="0"/>
+      </a:lnRef>
+      <a:fillRef idx="1">
+        <a:scrgbClr r="0" g="0" b="0"/>
+      </a:fillRef>
+      <a:effectRef idx="0">
+        <a:scrgbClr r="0" g="0" b="0"/>
+      </a:effectRef>
+      <a:fontRef idx="minor"/>
+    </dgm:style>
+  </dgm:styleLbl>
+  <dgm:styleLbl name="alignAcc1">
+    <dgm:scene3d>
+      <a:camera prst="orthographicFront"/>
+      <a:lightRig rig="threePt" dir="t"/>
+    </dgm:scene3d>
+    <dgm:sp3d/>
+    <dgm:txPr/>
+    <dgm:style>
+      <a:lnRef idx="2">
+        <a:scrgbClr r="0" g="0" b="0"/>
+      </a:lnRef>
+      <a:fillRef idx="1">
+        <a:scrgbClr r="0" g="0" b="0"/>
+      </a:fillRef>
+      <a:effectRef idx="0">
+        <a:scrgbClr r="0" g="0" b="0"/>
+      </a:effectRef>
+      <a:fontRef idx="minor"/>
+    </dgm:style>
+  </dgm:styleLbl>
+  <dgm:styleLbl name="trAlignAcc1">
+    <dgm:scene3d>
+      <a:camera prst="orthographicFront"/>
+      <a:lightRig rig="threePt" dir="t"/>
+    </dgm:scene3d>
+    <dgm:sp3d/>
+    <dgm:txPr/>
+    <dgm:style>
+      <a:lnRef idx="1">
+        <a:scrgbClr r="0" g="0" b="0"/>
+      </a:lnRef>
+      <a:fillRef idx="1">
+        <a:scrgbClr r="0" g="0" b="0"/>
+      </a:fillRef>
+      <a:effectRef idx="0">
+        <a:scrgbClr r="0" g="0" b="0"/>
+      </a:effectRef>
+      <a:fontRef idx="minor"/>
+    </dgm:style>
+  </dgm:styleLbl>
+  <dgm:styleLbl name="bgAcc1">
+    <dgm:scene3d>
+      <a:camera prst="orthographicFront"/>
+      <a:lightRig rig="threePt" dir="t"/>
+    </dgm:scene3d>
+    <dgm:sp3d/>
+    <dgm:txPr/>
+    <dgm:style>
+      <a:lnRef idx="2">
+        <a:scrgbClr r="0" g="0" b="0"/>
+      </a:lnRef>
+      <a:fillRef idx="1">
+        <a:scrgbClr r="0" g="0" b="0"/>
+      </a:fillRef>
+      <a:effectRef idx="0">
+        <a:scrgbClr r="0" g="0" b="0"/>
+      </a:effectRef>
+      <a:fontRef idx="minor"/>
+    </dgm:style>
+  </dgm:styleLbl>
+  <dgm:styleLbl name="solidFgAcc1">
+    <dgm:scene3d>
+      <a:camera prst="orthographicFront"/>
+      <a:lightRig rig="threePt" dir="t"/>
+    </dgm:scene3d>
+    <dgm:sp3d/>
+    <dgm:txPr/>
+    <dgm:style>
+      <a:lnRef idx="2">
+        <a:scrgbClr r="0" g="0" b="0"/>
+      </a:lnRef>
+      <a:fillRef idx="1">
+        <a:scrgbClr r="0" g="0" b="0"/>
+      </a:fillRef>
+      <a:effectRef idx="0">
+        <a:scrgbClr r="0" g="0" b="0"/>
+      </a:effectRef>
+      <a:fontRef idx="minor"/>
+    </dgm:style>
+  </dgm:styleLbl>
+  <dgm:styleLbl name="solidAlignAcc1">
+    <dgm:scene3d>
+      <a:camera prst="orthographicFront"/>
+      <a:lightRig rig="threePt" dir="t"/>
+    </dgm:scene3d>
+    <dgm:sp3d/>
+    <dgm:txPr/>
+    <dgm:style>
+      <a:lnRef idx="2">
+        <a:scrgbClr r="0" g="0" b="0"/>
+      </a:lnRef>
+      <a:fillRef idx="1">
+        <a:scrgbClr r="0" g="0" b="0"/>
+      </a:fillRef>
+      <a:effectRef idx="0">
+        <a:scrgbClr r="0" g="0" b="0"/>
+      </a:effectRef>
+      <a:fontRef idx="minor"/>
+    </dgm:style>
+  </dgm:styleLbl>
+  <dgm:styleLbl name="solidBgAcc1">
+    <dgm:scene3d>
+      <a:camera prst="orthographicFront"/>
+      <a:lightRig rig="threePt" dir="t"/>
+    </dgm:scene3d>
+    <dgm:sp3d/>
+    <dgm:txPr/>
+    <dgm:style>
+      <a:lnRef idx="2">
+        <a:scrgbClr r="0" g="0" b="0"/>
+      </a:lnRef>
+      <a:fillRef idx="1">
+        <a:scrgbClr r="0" g="0" b="0"/>
+      </a:fillRef>
+      <a:effectRef idx="0">
+        <a:scrgbClr r="0" g="0" b="0"/>
+      </a:effectRef>
+      <a:fontRef idx="minor"/>
+    </dgm:style>
+  </dgm:styleLbl>
+  <dgm:styleLbl name="fgAccFollowNode1">
+    <dgm:scene3d>
+      <a:camera prst="orthographicFront"/>
+      <a:lightRig rig="threePt" dir="t"/>
+    </dgm:scene3d>
+    <dgm:sp3d/>
+    <dgm:txPr/>
+    <dgm:style>
+      <a:lnRef idx="2">
+        <a:scrgbClr r="0" g="0" b="0"/>
+      </a:lnRef>
+      <a:fillRef idx="1">
+        <a:scrgbClr r="0" g="0" b="0"/>
+      </a:fillRef>
+      <a:effectRef idx="0">
+        <a:scrgbClr r="0" g="0" b="0"/>
+      </a:effectRef>
+      <a:fontRef idx="minor"/>
+    </dgm:style>
+  </dgm:styleLbl>
+  <dgm:styleLbl name="alignAccFollowNode1">
+    <dgm:scene3d>
+      <a:camera prst="orthographicFront"/>
+      <a:lightRig rig="threePt" dir="t"/>
+    </dgm:scene3d>
+    <dgm:sp3d/>
+    <dgm:txPr/>
+    <dgm:style>
+      <a:lnRef idx="2">
+        <a:scrgbClr r="0" g="0" b="0"/>
+      </a:lnRef>
+      <a:fillRef idx="1">
+        <a:scrgbClr r="0" g="0" b="0"/>
+      </a:fillRef>
+      <a:effectRef idx="0">
+        <a:scrgbClr r="0" g="0" b="0"/>
+      </a:effectRef>
+      <a:fontRef idx="minor"/>
+    </dgm:style>
+  </dgm:styleLbl>
+  <dgm:styleLbl name="bgAccFollowNode1">
+    <dgm:scene3d>
+      <a:camera prst="orthographicFront"/>
+      <a:lightRig rig="threePt" dir="t"/>
+    </dgm:scene3d>
+    <dgm:sp3d/>
+    <dgm:txPr/>
+    <dgm:style>
+      <a:lnRef idx="2">
+        <a:scrgbClr r="0" g="0" b="0"/>
+      </a:lnRef>
+      <a:fillRef idx="1">
+        <a:scrgbClr r="0" g="0" b="0"/>
+      </a:fillRef>
+      <a:effectRef idx="0">
+        <a:scrgbClr r="0" g="0" b="0"/>
+      </a:effectRef>
+      <a:fontRef idx="minor"/>
+    </dgm:style>
+  </dgm:styleLbl>
+  <dgm:styleLbl name="fgAcc0">
+    <dgm:scene3d>
+      <a:camera prst="orthographicFront"/>
+      <a:lightRig rig="threePt" dir="t"/>
+    </dgm:scene3d>
+    <dgm:sp3d/>
+    <dgm:txPr/>
+    <dgm:style>
+      <a:lnRef idx="2">
+        <a:scrgbClr r="0" g="0" b="0"/>
+      </a:lnRef>
+      <a:fillRef idx="1">
+        <a:scrgbClr r="0" g="0" b="0"/>
+      </a:fillRef>
+      <a:effectRef idx="0">
+        <a:scrgbClr r="0" g="0" b="0"/>
+      </a:effectRef>
+      <a:fontRef idx="minor"/>
+    </dgm:style>
+  </dgm:styleLbl>
+  <dgm:styleLbl name="fgAcc2">
+    <dgm:scene3d>
+      <a:camera prst="orthographicFront"/>
+      <a:lightRig rig="threePt" dir="t"/>
+    </dgm:scene3d>
+    <dgm:sp3d/>
+    <dgm:txPr/>
+    <dgm:style>
+      <a:lnRef idx="2">
+        <a:scrgbClr r="0" g="0" b="0"/>
+      </a:lnRef>
+      <a:fillRef idx="1">
+        <a:scrgbClr r="0" g="0" b="0"/>
+      </a:fillRef>
+      <a:effectRef idx="0">
+        <a:scrgbClr r="0" g="0" b="0"/>
+      </a:effectRef>
+      <a:fontRef idx="minor"/>
+    </dgm:style>
+  </dgm:styleLbl>
+  <dgm:styleLbl name="fgAcc3">
+    <dgm:scene3d>
+      <a:camera prst="orthographicFront"/>
+      <a:lightRig rig="threePt" dir="t"/>
+    </dgm:scene3d>
+    <dgm:sp3d/>
+    <dgm:txPr/>
+    <dgm:style>
+      <a:lnRef idx="2">
+        <a:scrgbClr r="0" g="0" b="0"/>
+      </a:lnRef>
+      <a:fillRef idx="1">
+        <a:scrgbClr r="0" g="0" b="0"/>
+      </a:fillRef>
+      <a:effectRef idx="0">
+        <a:scrgbClr r="0" g="0" b="0"/>
+      </a:effectRef>
+      <a:fontRef idx="minor"/>
+    </dgm:style>
+  </dgm:styleLbl>
+  <dgm:styleLbl name="fgAcc4">
+    <dgm:scene3d>
+      <a:camera prst="orthographicFront"/>
+      <a:lightRig rig="threePt" dir="t"/>
+    </dgm:scene3d>
+    <dgm:sp3d/>
+    <dgm:txPr/>
+    <dgm:style>
+      <a:lnRef idx="2">
+        <a:scrgbClr r="0" g="0" b="0"/>
+      </a:lnRef>
+      <a:fillRef idx="1">
+        <a:scrgbClr r="0" g="0" b="0"/>
+      </a:fillRef>
+      <a:effectRef idx="0">
+        <a:scrgbClr r="0" g="0" b="0"/>
+      </a:effectRef>
+      <a:fontRef idx="minor"/>
+    </dgm:style>
+  </dgm:styleLbl>
+  <dgm:styleLbl name="bgShp">
+    <dgm:scene3d>
+      <a:camera prst="orthographicFront"/>
+      <a:lightRig rig="threePt" dir="t"/>
+    </dgm:scene3d>
+    <dgm:sp3d/>
+    <dgm:txPr/>
+    <dgm:style>
+      <a:lnRef idx="0">
+        <a:scrgbClr r="0" g="0" b="0"/>
+      </a:lnRef>
+      <a:fillRef idx="1">
+        <a:scrgbClr r="0" g="0" b="0"/>
+      </a:fillRef>
+      <a:effectRef idx="0">
+        <a:scrgbClr r="0" g="0" b="0"/>
+      </a:effectRef>
+      <a:fontRef idx="minor"/>
+    </dgm:style>
+  </dgm:styleLbl>
+  <dgm:styleLbl name="dkBgShp">
+    <dgm:scene3d>
+      <a:camera prst="orthographicFront"/>
+      <a:lightRig rig="threePt" dir="t"/>
+    </dgm:scene3d>
+    <dgm:sp3d/>
+    <dgm:txPr/>
+    <dgm:style>
+      <a:lnRef idx="0">
+        <a:scrgbClr r="0" g="0" b="0"/>
+      </a:lnRef>
+      <a:fillRef idx="1">
+        <a:scrgbClr r="0" g="0" b="0"/>
+      </a:fillRef>
+      <a:effectRef idx="0">
+        <a:scrgbClr r="0" g="0" b="0"/>
+      </a:effectRef>
+      <a:fontRef idx="minor"/>
+    </dgm:style>
+  </dgm:styleLbl>
+  <dgm:styleLbl name="trBgShp">
+    <dgm:scene3d>
+      <a:camera prst="orthographicFront"/>
+      <a:lightRig rig="threePt" dir="t"/>
+    </dgm:scene3d>
+    <dgm:sp3d/>
+    <dgm:txPr/>
+    <dgm:style>
+      <a:lnRef idx="0">
+        <a:scrgbClr r="0" g="0" b="0"/>
+      </a:lnRef>
+      <a:fillRef idx="1">
+        <a:scrgbClr r="0" g="0" b="0"/>
+      </a:fillRef>
+      <a:effectRef idx="0">
+        <a:scrgbClr r="0" g="0" b="0"/>
+      </a:effectRef>
+      <a:fontRef idx="minor"/>
+    </dgm:style>
+  </dgm:styleLbl>
+  <dgm:styleLbl name="fgShp">
+    <dgm:scene3d>
+      <a:camera prst="orthographicFront"/>
+      <a:lightRig rig="threePt" dir="t"/>
+    </dgm:scene3d>
+    <dgm:sp3d/>
+    <dgm:txPr/>
+    <dgm:style>
+      <a:lnRef idx="2">
+        <a:scrgbClr r="0" g="0" b="0"/>
+      </a:lnRef>
+      <a:fillRef idx="1">
+        <a:scrgbClr r="0" g="0" b="0"/>
+      </a:fillRef>
+      <a:effectRef idx="0">
+        <a:scrgbClr r="0" g="0" b="0"/>
+      </a:effectRef>
+      <a:fontRef idx="minor"/>
+    </dgm:style>
+  </dgm:styleLbl>
+  <dgm:styleLbl name="revTx">
+    <dgm:scene3d>
+      <a:camera prst="orthographicFront"/>
+      <a:lightRig rig="threePt" dir="t"/>
+    </dgm:scene3d>
+    <dgm:sp3d/>
+    <dgm:txPr/>
+    <dgm:style>
+      <a:lnRef idx="0">
+        <a:scrgbClr r="0" g="0" b="0"/>
+      </a:lnRef>
+      <a:fillRef idx="0">
+        <a:scrgbClr r="0" g="0" b="0"/>
+      </a:fillRef>
+      <a:effectRef idx="0">
+        <a:scrgbClr r="0" g="0" b="0"/>
+      </a:effectRef>
+      <a:fontRef idx="minor"/>
+    </dgm:style>
+  </dgm:styleLbl>
+</dgm:styleDef>
+</file>
+
 <file path=ppt/notesMasters/notesMaster1.xml><?xml version="1.0" encoding="utf-8"?>
 <p:notesMaster xmlns:a="http://schemas.openxmlformats.org/drawingml/2006/main" xmlns:r="http://schemas.openxmlformats.org/officeDocument/2006/relationships" xmlns:p="http://schemas.openxmlformats.org/presentationml/2006/main">
   <p:cSld>
@@ -218,7 +4703,7 @@
           <a:p>
             <a:fld id="{5FBB3532-E6E7-47FF-97C8-85EE7A0CBD49}" type="datetimeFigureOut">
               <a:rPr lang="en-US" smtClean="0"/>
-              <a:t>2023-04-18</a:t>
+              <a:t>2023-04-27</a:t>
             </a:fld>
             <a:endParaRPr lang="en-US"/>
           </a:p>
@@ -572,6 +5057,93 @@
 </p:notes>
 </file>
 
+<file path=ppt/notesSlides/notesSlide2.xml><?xml version="1.0" encoding="utf-8"?>
+<p:notes xmlns:a="http://schemas.openxmlformats.org/drawingml/2006/main" xmlns:r="http://schemas.openxmlformats.org/officeDocument/2006/relationships" xmlns:p="http://schemas.openxmlformats.org/presentationml/2006/main">
+  <p:cSld>
+    <p:spTree>
+      <p:nvGrpSpPr>
+        <p:cNvPr id="1" name=""/>
+        <p:cNvGrpSpPr/>
+        <p:nvPr/>
+      </p:nvGrpSpPr>
+      <p:grpSpPr>
+        <a:xfrm>
+          <a:off x="0" y="0"/>
+          <a:ext cx="0" cy="0"/>
+          <a:chOff x="0" y="0"/>
+          <a:chExt cx="0" cy="0"/>
+        </a:xfrm>
+      </p:grpSpPr>
+      <p:sp>
+        <p:nvSpPr>
+          <p:cNvPr id="2" name="Slide Image Placeholder 1"/>
+          <p:cNvSpPr>
+            <a:spLocks noGrp="1" noRot="1" noChangeAspect="1"/>
+          </p:cNvSpPr>
+          <p:nvPr>
+            <p:ph type="sldImg"/>
+          </p:nvPr>
+        </p:nvSpPr>
+        <p:spPr/>
+      </p:sp>
+      <p:sp>
+        <p:nvSpPr>
+          <p:cNvPr id="3" name="Notes Placeholder 2"/>
+          <p:cNvSpPr>
+            <a:spLocks noGrp="1"/>
+          </p:cNvSpPr>
+          <p:nvPr>
+            <p:ph type="body" idx="1"/>
+          </p:nvPr>
+        </p:nvSpPr>
+        <p:spPr/>
+        <p:txBody>
+          <a:bodyPr/>
+          <a:lstStyle/>
+          <a:p>
+            <a:r>
+              <a:rPr lang="en-US" dirty="0"/>
+              <a:t>https://phdcomics.com/comics/archive.php?comicid=515</a:t>
+            </a:r>
+          </a:p>
+        </p:txBody>
+      </p:sp>
+      <p:sp>
+        <p:nvSpPr>
+          <p:cNvPr id="4" name="Slide Number Placeholder 3"/>
+          <p:cNvSpPr>
+            <a:spLocks noGrp="1"/>
+          </p:cNvSpPr>
+          <p:nvPr>
+            <p:ph type="sldNum" sz="quarter" idx="5"/>
+          </p:nvPr>
+        </p:nvSpPr>
+        <p:spPr/>
+        <p:txBody>
+          <a:bodyPr/>
+          <a:lstStyle/>
+          <a:p>
+            <a:fld id="{A2547CEC-71EA-4A12-B46A-606C2FDEA11A}" type="slidenum">
+              <a:rPr lang="en-US" smtClean="0"/>
+              <a:t>8</a:t>
+            </a:fld>
+            <a:endParaRPr lang="en-US"/>
+          </a:p>
+        </p:txBody>
+      </p:sp>
+    </p:spTree>
+    <p:extLst>
+      <p:ext uri="{BB962C8B-B14F-4D97-AF65-F5344CB8AC3E}">
+        <p14:creationId xmlns:p14="http://schemas.microsoft.com/office/powerpoint/2010/main" val="1918593699"/>
+      </p:ext>
+    </p:extLst>
+  </p:cSld>
+  <p:clrMapOvr>
+    <a:masterClrMapping/>
+  </p:clrMapOvr>
+</p:notes>
+</file>
+
 <file path=ppt/slideLayouts/slideLayout1.xml><?xml version="1.0" encoding="utf-8"?>
 <p:sldLayout xmlns:a="http://schemas.openxmlformats.org/drawingml/2006/main" xmlns:r="http://schemas.openxmlformats.org/officeDocument/2006/relationships" xmlns:p="http://schemas.openxmlformats.org/presentationml/2006/main" type="title" preserve="1">
   <p:cSld name="Title Slide">
@@ -728,7 +5300,7 @@
           <a:p>
             <a:fld id="{098A0168-EB40-45AF-89A1-87DE0A55FFC6}" type="datetime1">
               <a:rPr lang="en-US" smtClean="0"/>
-              <a:t>2023-04-18</a:t>
+              <a:t>2023-04-27</a:t>
             </a:fld>
             <a:endParaRPr lang="en-US"/>
           </a:p>
@@ -979,7 +5551,7 @@
           <a:p>
             <a:fld id="{8F8CA68F-747D-436A-B5BB-2EBC3ED499E4}" type="datetime1">
               <a:rPr lang="en-US" smtClean="0"/>
-              <a:t>2023-04-18</a:t>
+              <a:t>2023-04-27</a:t>
             </a:fld>
             <a:endParaRPr lang="en-US"/>
           </a:p>
@@ -1189,7 +5761,7 @@
           <a:p>
             <a:fld id="{6DD8DC11-9E39-40A0-B3DC-E3F2AD04A616}" type="datetime1">
               <a:rPr lang="en-US" smtClean="0"/>
-              <a:t>2023-04-18</a:t>
+              <a:t>2023-04-27</a:t>
             </a:fld>
             <a:endParaRPr lang="en-US"/>
           </a:p>
@@ -1399,7 +5971,7 @@
           <a:p>
             <a:fld id="{BE0A88F0-556B-4BB7-8AAB-D63AEB65C662}" type="datetime1">
               <a:rPr lang="en-US" smtClean="0"/>
-              <a:t>2023-04-18</a:t>
+              <a:t>2023-04-27</a:t>
             </a:fld>
             <a:endParaRPr lang="en-US"/>
           </a:p>
@@ -1716,7 +6288,7 @@
           <a:p>
             <a:fld id="{60E05506-6815-4E0E-B1DE-ECA35C2016DF}" type="datetime1">
               <a:rPr lang="en-US" smtClean="0"/>
-              <a:t>2023-04-18</a:t>
+              <a:t>2023-04-27</a:t>
             </a:fld>
             <a:endParaRPr lang="en-US"/>
           </a:p>
@@ -1989,7 +6561,7 @@
           <a:p>
             <a:fld id="{FC6E85F7-A724-48A4-9D33-CEBC5174E865}" type="datetime1">
               <a:rPr lang="en-US" smtClean="0"/>
-              <a:t>2023-04-18</a:t>
+              <a:t>2023-04-27</a:t>
             </a:fld>
             <a:endParaRPr lang="en-US"/>
           </a:p>
@@ -2500,7 +7072,7 @@
           <a:p>
             <a:fld id="{42806E7A-BDD3-46A3-BEE2-EB821F9236B4}" type="datetime1">
               <a:rPr lang="en-US" smtClean="0"/>
-              <a:t>2023-04-18</a:t>
+              <a:t>2023-04-27</a:t>
             </a:fld>
             <a:endParaRPr lang="en-US"/>
           </a:p>
@@ -2733,7 +7305,7 @@
           <a:p>
             <a:fld id="{9ED1540C-9440-4E7A-B71A-BEFEE06869E3}" type="datetime1">
               <a:rPr lang="en-US" smtClean="0"/>
-              <a:t>2023-04-18</a:t>
+              <a:t>2023-04-27</a:t>
             </a:fld>
             <a:endParaRPr lang="en-US"/>
           </a:p>
@@ -2846,7 +7418,7 @@
           <a:p>
             <a:fld id="{E0318DDB-88AC-4039-B59C-B05DC4C9C16C}" type="datetime1">
               <a:rPr lang="en-US" smtClean="0"/>
-              <a:t>2023-04-18</a:t>
+              <a:t>2023-04-27</a:t>
             </a:fld>
             <a:endParaRPr lang="en-US"/>
           </a:p>
@@ -3161,7 +7733,7 @@
           <a:p>
             <a:fld id="{E082ABFB-60E7-4BA1-866A-7059F058065B}" type="datetime1">
               <a:rPr lang="en-US" smtClean="0"/>
-              <a:t>2023-04-18</a:t>
+              <a:t>2023-04-27</a:t>
             </a:fld>
             <a:endParaRPr lang="en-US"/>
           </a:p>
@@ -3453,7 +8025,7 @@
           <a:p>
             <a:fld id="{2694112F-55F4-4776-A323-7418930321C8}" type="datetime1">
               <a:rPr lang="en-US" smtClean="0"/>
-              <a:t>2023-04-18</a:t>
+              <a:t>2023-04-27</a:t>
             </a:fld>
             <a:endParaRPr lang="en-US"/>
           </a:p>
@@ -3748,7 +8320,7 @@
           <a:p>
             <a:fld id="{CFBEA57F-793F-4683-BD8A-741FD4B89154}" type="datetime1">
               <a:rPr lang="en-US" smtClean="0"/>
-              <a:t>2023-04-18</a:t>
+              <a:t>2023-04-27</a:t>
             </a:fld>
             <a:endParaRPr lang="en-US" dirty="0"/>
           </a:p>
@@ -4376,7 +8948,7 @@
           <a:p>
             <a:fld id="{098A0168-EB40-45AF-89A1-87DE0A55FFC6}" type="datetime1">
               <a:rPr lang="en-US" smtClean="0"/>
-              <a:t>2023-04-18</a:t>
+              <a:t>2023-04-27</a:t>
             </a:fld>
             <a:endParaRPr lang="en-US" dirty="0"/>
           </a:p>
@@ -4528,7 +9100,7 @@
           <a:p>
             <a:r>
               <a:rPr lang="en-US" dirty="0"/>
-              <a:t>Online writing hours: M-F 1-3 PM MST</a:t>
+              <a:t>Online writing hours: M-F 8-10 AM MST, and 1-3 PM MST</a:t>
             </a:r>
           </a:p>
           <a:p>
@@ -4563,7 +9135,7 @@
           <a:p>
             <a:fld id="{FC6E85F7-A724-48A4-9D33-CEBC5174E865}" type="datetime1">
               <a:rPr lang="en-US" smtClean="0"/>
-              <a:t>2023-04-18</a:t>
+              <a:t>2023-04-27</a:t>
             </a:fld>
             <a:endParaRPr lang="en-US"/>
           </a:p>
@@ -4639,7 +9211,7 @@
             <p:ph sz="half" idx="4294967295"/>
             <p:extLst>
               <p:ext uri="{D42A27DB-BD31-4B8C-83A1-F6EECF244321}">
-                <p14:modId xmlns:p14="http://schemas.microsoft.com/office/powerpoint/2010/main" val="120814693"/>
+                <p14:modId xmlns:p14="http://schemas.microsoft.com/office/powerpoint/2010/main" val="3497387073"/>
               </p:ext>
             </p:extLst>
           </p:nvPr>
@@ -4758,7 +9330,7 @@
             <a:spLocks noGrp="1"/>
           </p:cNvSpPr>
           <p:nvPr>
-            <p:ph idx="1"/>
+            <p:ph sz="half" idx="1"/>
           </p:nvPr>
         </p:nvSpPr>
         <p:spPr/>
@@ -4771,16 +9343,6 @@
               <a:t>Need your feedback throughout the process</a:t>
             </a:r>
           </a:p>
-          <a:p>
-            <a:r>
-              <a:rPr lang="en-US" dirty="0"/>
-              <a:t>Fist to five</a:t>
-            </a:r>
-            <a:r>
-              <a:rPr lang="en-US"/>
-              <a:t>, understanding</a:t>
-            </a:r>
-          </a:p>
         </p:txBody>
       </p:sp>
       <p:sp>
@@ -4806,7 +9368,7 @@
           <a:p>
             <a:fld id="{BE0A88F0-556B-4BB7-8AAB-D63AEB65C662}" type="datetime1">
               <a:rPr lang="en-US" smtClean="0"/>
-              <a:t>2023-04-18</a:t>
+              <a:t>2023-04-27</a:t>
             </a:fld>
             <a:endParaRPr lang="en-US"/>
           </a:p>
@@ -4866,6 +9428,37 @@
           </a:p>
         </p:txBody>
       </p:sp>
+      <p:graphicFrame>
+        <p:nvGraphicFramePr>
+          <p:cNvPr id="9" name="Content Placeholder 8">
+            <a:extLst>
+              <a:ext uri="{FF2B5EF4-FFF2-40B4-BE49-F238E27FC236}">
+                <a16:creationId xmlns:a16="http://schemas.microsoft.com/office/drawing/2014/main" id="{44067487-42F6-1D3B-3862-DDBC35055FCF}"/>
+              </a:ext>
+            </a:extLst>
+          </p:cNvPr>
+          <p:cNvGraphicFramePr>
+            <a:graphicFrameLocks noGrp="1"/>
+          </p:cNvGraphicFramePr>
+          <p:nvPr>
+            <p:ph sz="half" idx="2"/>
+            <p:extLst>
+              <p:ext uri="{D42A27DB-BD31-4B8C-83A1-F6EECF244321}">
+                <p14:modId xmlns:p14="http://schemas.microsoft.com/office/powerpoint/2010/main" val="796923321"/>
+              </p:ext>
+            </p:extLst>
+          </p:nvPr>
+        </p:nvGraphicFramePr>
+        <p:xfrm>
+          <a:off x="5969000" y="2057400"/>
+          <a:ext cx="4406900" cy="3725863"/>
+        </p:xfrm>
+        <a:graphic>
+          <a:graphicData uri="http://schemas.openxmlformats.org/drawingml/2006/diagram">
+            <dgm:relIds xmlns:dgm="http://schemas.openxmlformats.org/drawingml/2006/diagram" xmlns:r="http://schemas.openxmlformats.org/officeDocument/2006/relationships" r:dm="rId2" r:lo="rId3" r:qs="rId4" r:cs="rId5"/>
+          </a:graphicData>
+        </a:graphic>
+      </p:graphicFrame>
     </p:spTree>
     <p:extLst>
       <p:ext uri="{BB962C8B-B14F-4D97-AF65-F5344CB8AC3E}">
@@ -5589,7 +10182,7 @@
                   <a:spcPts val="600"/>
                 </a:spcAft>
               </a:pPr>
-              <a:t>2023-04-18</a:t>
+              <a:t>2023-04-27</a:t>
             </a:fld>
             <a:endParaRPr lang="en-US"/>
           </a:p>
@@ -6045,7 +10638,7 @@
           <a:p>
             <a:fld id="{FC6E85F7-A724-48A4-9D33-CEBC5174E865}" type="datetime1">
               <a:rPr lang="en-US" smtClean="0"/>
-              <a:t>2023-04-18</a:t>
+              <a:t>2023-04-27</a:t>
             </a:fld>
             <a:endParaRPr lang="en-US"/>
           </a:p>
@@ -6226,7 +10819,7 @@
           <a:p>
             <a:fld id="{FC6E85F7-A724-48A4-9D33-CEBC5174E865}" type="datetime1">
               <a:rPr lang="en-US" smtClean="0"/>
-              <a:t>2023-04-18</a:t>
+              <a:t>2023-04-27</a:t>
             </a:fld>
             <a:endParaRPr lang="en-US"/>
           </a:p>
@@ -7024,7 +11617,7 @@
                   <a:spcPts val="600"/>
                 </a:spcAft>
               </a:pPr>
-              <a:t>2023-04-18</a:t>
+              <a:t>2023-04-27</a:t>
             </a:fld>
             <a:endParaRPr lang="en-US"/>
           </a:p>
@@ -7526,7 +12119,7 @@
           <a:p>
             <a:fld id="{FC6E85F7-A724-48A4-9D33-CEBC5174E865}" type="datetime1">
               <a:rPr lang="en-US" smtClean="0"/>
-              <a:t>2023-04-18</a:t>
+              <a:t>2023-04-27</a:t>
             </a:fld>
             <a:endParaRPr lang="en-US"/>
           </a:p>
@@ -7667,7 +12260,7 @@
           <a:p>
             <a:fld id="{FC6E85F7-A724-48A4-9D33-CEBC5174E865}" type="datetime1">
               <a:rPr lang="en-US" smtClean="0"/>
-              <a:t>2023-04-18</a:t>
+              <a:t>2023-04-27</a:t>
             </a:fld>
             <a:endParaRPr lang="en-US"/>
           </a:p>
@@ -7821,7 +12414,7 @@
         </p:blipFill>
         <p:spPr>
           <a:xfrm>
-            <a:off x="5206788" y="2600405"/>
+            <a:off x="4776781" y="2223069"/>
             <a:ext cx="5618162" cy="3449637"/>
           </a:xfrm>
         </p:spPr>
@@ -7866,7 +12459,7 @@
       </p:grpSpPr>
       <p:sp>
         <p:nvSpPr>
-          <p:cNvPr id="2055" name="Rectangle 2054">
+          <p:cNvPr id="14" name="Rectangle 13">
             <a:extLst>
               <a:ext uri="{FF2B5EF4-FFF2-40B4-BE49-F238E27FC236}">
                 <a16:creationId xmlns:a16="http://schemas.microsoft.com/office/drawing/2014/main" id="{8FBA68A5-A7C7-4D91-AB95-6E0B6FFD8743}"/>
@@ -7931,7 +12524,7 @@
       </p:sp>
       <p:sp>
         <p:nvSpPr>
-          <p:cNvPr id="2057" name="Rectangle 2056">
+          <p:cNvPr id="16" name="Rectangle 15">
             <a:extLst>
               <a:ext uri="{FF2B5EF4-FFF2-40B4-BE49-F238E27FC236}">
                 <a16:creationId xmlns:a16="http://schemas.microsoft.com/office/drawing/2014/main" id="{DA4051E3-92B2-42FC-BB3D-372E4A614439}"/>
@@ -7994,7 +12587,7 @@
       </p:sp>
       <p:cxnSp>
         <p:nvCxnSpPr>
-          <p:cNvPr id="2059" name="Straight Connector 2058">
+          <p:cNvPr id="18" name="Straight Connector 17">
             <a:extLst>
               <a:ext uri="{FF2B5EF4-FFF2-40B4-BE49-F238E27FC236}">
                 <a16:creationId xmlns:a16="http://schemas.microsoft.com/office/drawing/2014/main" id="{3C425084-C97A-4C25-AE47-DDECF2DD3ABC}"/>
@@ -8046,7 +12639,7 @@
       </p:cxnSp>
       <p:cxnSp>
         <p:nvCxnSpPr>
-          <p:cNvPr id="2061" name="Straight Connector 2060">
+          <p:cNvPr id="20" name="Straight Connector 19">
             <a:extLst>
               <a:ext uri="{FF2B5EF4-FFF2-40B4-BE49-F238E27FC236}">
                 <a16:creationId xmlns:a16="http://schemas.microsoft.com/office/drawing/2014/main" id="{96A478A1-0B34-4F2B-88FA-CF47551E5DF9}"/>
@@ -8098,7 +12691,7 @@
       </p:cxnSp>
       <p:cxnSp>
         <p:nvCxnSpPr>
-          <p:cNvPr id="2063" name="Straight Connector 2062">
+          <p:cNvPr id="22" name="Straight Connector 21">
             <a:extLst>
               <a:ext uri="{FF2B5EF4-FFF2-40B4-BE49-F238E27FC236}">
                 <a16:creationId xmlns:a16="http://schemas.microsoft.com/office/drawing/2014/main" id="{0A09E39A-DA3F-4BDC-A89A-6545C1DD3721}"/>
@@ -8150,7 +12743,7 @@
       </p:cxnSp>
       <p:sp useBgFill="1">
         <p:nvSpPr>
-          <p:cNvPr id="2065" name="Rectangle 2064">
+          <p:cNvPr id="24" name="Rectangle 23">
             <a:extLst>
               <a:ext uri="{FF2B5EF4-FFF2-40B4-BE49-F238E27FC236}">
                 <a16:creationId xmlns:a16="http://schemas.microsoft.com/office/drawing/2014/main" id="{551580BD-7D80-4957-A58D-916E994AB787}"/>
@@ -8226,7 +12819,7 @@
       </p:sp>
       <p:sp>
         <p:nvSpPr>
-          <p:cNvPr id="2067" name="Rectangle 2066">
+          <p:cNvPr id="26" name="Rectangle 25">
             <a:extLst>
               <a:ext uri="{FF2B5EF4-FFF2-40B4-BE49-F238E27FC236}">
                 <a16:creationId xmlns:a16="http://schemas.microsoft.com/office/drawing/2014/main" id="{5BDD2E98-F85F-4C9F-B090-4DF4DA71570B}"/>
@@ -8291,7 +12884,7 @@
       </p:sp>
       <p:sp useBgFill="1">
         <p:nvSpPr>
-          <p:cNvPr id="2069" name="Rectangle 2068">
+          <p:cNvPr id="28" name="Rectangle 27">
             <a:extLst>
               <a:ext uri="{FF2B5EF4-FFF2-40B4-BE49-F238E27FC236}">
                 <a16:creationId xmlns:a16="http://schemas.microsoft.com/office/drawing/2014/main" id="{2619FA3B-6977-47DB-8048-B342BD3BE785}"/>
@@ -8386,22 +12979,22 @@
       </p:sp>
       <p:pic>
         <p:nvPicPr>
-          <p:cNvPr id="2050" name="Picture 2">
-            <a:extLst>
-              <a:ext uri="{FF2B5EF4-FFF2-40B4-BE49-F238E27FC236}">
-                <a16:creationId xmlns:a16="http://schemas.microsoft.com/office/drawing/2014/main" id="{833A56E0-07B1-C167-6599-EF0E15683407}"/>
+          <p:cNvPr id="9" name="Content Placeholder 8" descr="A picture containing text&#10;&#10;Description automatically generated">
+            <a:extLst>
+              <a:ext uri="{FF2B5EF4-FFF2-40B4-BE49-F238E27FC236}">
+                <a16:creationId xmlns:a16="http://schemas.microsoft.com/office/drawing/2014/main" id="{113A0843-0759-3A8B-23D2-A534A4F43244}"/>
               </a:ext>
             </a:extLst>
           </p:cNvPr>
           <p:cNvPicPr>
-            <a:picLocks noGrp="1" noChangeAspect="1" noChangeArrowheads="1"/>
+            <a:picLocks noGrp="1" noChangeAspect="1"/>
           </p:cNvPicPr>
           <p:nvPr>
-            <p:ph sz="half" idx="1"/>
+            <p:ph idx="1"/>
           </p:nvPr>
         </p:nvPicPr>
         <p:blipFill>
-          <a:blip r:embed="rId2">
+          <a:blip r:embed="rId3">
             <a:extLst>
               <a:ext uri="{28A0092B-C50C-407E-A947-70E740481C1C}">
                 <a14:useLocalDpi xmlns:a14="http://schemas.microsoft.com/office/drawing/2010/main" val="0"/>
@@ -8412,7 +13005,7 @@
             <a:fillRect/>
           </a:stretch>
         </p:blipFill>
-        <p:spPr bwMode="auto">
+        <p:spPr>
           <a:xfrm>
             <a:off x="1231039" y="1905000"/>
             <a:ext cx="8605119" cy="3728885"/>
@@ -8420,16 +13013,6 @@
           <a:prstGeom prst="rect">
             <a:avLst/>
           </a:prstGeom>
-          <a:noFill/>
-          <a:extLst>
-            <a:ext uri="{909E8E84-426E-40DD-AFC4-6F175D3DCCD1}">
-              <a14:hiddenFill xmlns:a14="http://schemas.microsoft.com/office/drawing/2010/main">
-                <a:solidFill>
-                  <a:srgbClr val="FFFFFF"/>
-                </a:solidFill>
-              </a14:hiddenFill>
-            </a:ext>
-          </a:extLst>
         </p:spPr>
       </p:pic>
       <p:sp>
@@ -8511,7 +13094,7 @@
                   <a:spcPts val="600"/>
                 </a:spcAft>
               </a:pPr>
-              <a:t>2023-04-18</a:t>
+              <a:t>2023-04-27</a:t>
             </a:fld>
             <a:endParaRPr lang="en-US"/>
           </a:p>
@@ -8565,7 +13148,7 @@
       </p:sp>
       <p:sp>
         <p:nvSpPr>
-          <p:cNvPr id="2071" name="Rectangle 2070">
+          <p:cNvPr id="30" name="Rectangle 29">
             <a:extLst>
               <a:ext uri="{FF2B5EF4-FFF2-40B4-BE49-F238E27FC236}">
                 <a16:creationId xmlns:a16="http://schemas.microsoft.com/office/drawing/2014/main" id="{CB59DE95-F3B9-4A35-9681-78FA926F024B}"/>
@@ -8629,7 +13212,7 @@
       </p:sp>
       <p:cxnSp>
         <p:nvCxnSpPr>
-          <p:cNvPr id="2073" name="Straight Connector 2072">
+          <p:cNvPr id="32" name="Straight Connector 31">
             <a:extLst>
               <a:ext uri="{FF2B5EF4-FFF2-40B4-BE49-F238E27FC236}">
                 <a16:creationId xmlns:a16="http://schemas.microsoft.com/office/drawing/2014/main" id="{5E687E3B-9C6D-4102-8F38-DCB77C49C6FD}"/>
@@ -8682,7 +13265,7 @@
       </p:cxnSp>
       <p:cxnSp>
         <p:nvCxnSpPr>
-          <p:cNvPr id="2075" name="Straight Connector 2074">
+          <p:cNvPr id="34" name="Straight Connector 33">
             <a:extLst>
               <a:ext uri="{FF2B5EF4-FFF2-40B4-BE49-F238E27FC236}">
                 <a16:creationId xmlns:a16="http://schemas.microsoft.com/office/drawing/2014/main" id="{573C7C39-C73B-4051-B742-C9086B7BE3EC}"/>
@@ -8735,7 +13318,7 @@
       </p:cxnSp>
       <p:cxnSp>
         <p:nvCxnSpPr>
-          <p:cNvPr id="2077" name="Straight Connector 2076">
+          <p:cNvPr id="36" name="Straight Connector 35">
             <a:extLst>
               <a:ext uri="{FF2B5EF4-FFF2-40B4-BE49-F238E27FC236}">
                 <a16:creationId xmlns:a16="http://schemas.microsoft.com/office/drawing/2014/main" id="{0F07B81A-3898-46B4-BFC6-9787CAF2E5AA}"/>
@@ -8867,7 +13450,27 @@
           <a:p>
             <a:r>
               <a:rPr lang="en-US" dirty="0"/>
-              <a:t>Groups of 3-5 will be reviewing each other’s work each week.</a:t>
+              <a:t>Each week focus on one part of typical academic paper</a:t>
+            </a:r>
+          </a:p>
+          <a:p>
+            <a:r>
+              <a:rPr lang="en-US" dirty="0"/>
+              <a:t>Lecture, workshop, and small </a:t>
+            </a:r>
+            <a:r>
+              <a:rPr lang="en-US"/>
+              <a:t>group discussions</a:t>
+            </a:r>
+          </a:p>
+          <a:p>
+            <a:r>
+              <a:rPr lang="en-US"/>
+              <a:t>Groups </a:t>
+            </a:r>
+            <a:r>
+              <a:rPr lang="en-US" dirty="0"/>
+              <a:t>of 3-5 will be reviewing each other’s work each week.</a:t>
             </a:r>
           </a:p>
         </p:txBody>
@@ -8920,7 +13523,7 @@
           <a:p>
             <a:fld id="{FC6E85F7-A724-48A4-9D33-CEBC5174E865}" type="datetime1">
               <a:rPr lang="en-US" smtClean="0"/>
-              <a:t>2023-04-18</a:t>
+              <a:t>2023-04-27</a:t>
             </a:fld>
             <a:endParaRPr lang="en-US"/>
           </a:p>
